--- a/geryon.pptx
+++ b/geryon.pptx
@@ -68,8 +68,12 @@
     <p:sldId id="315" r:id="rId62"/>
     <p:sldId id="316" r:id="rId63"/>
     <p:sldId id="318" r:id="rId64"/>
-    <p:sldId id="296" r:id="rId65"/>
-    <p:sldId id="297" r:id="rId66"/>
+    <p:sldId id="323" r:id="rId65"/>
+    <p:sldId id="324" r:id="rId66"/>
+    <p:sldId id="325" r:id="rId67"/>
+    <p:sldId id="326" r:id="rId68"/>
+    <p:sldId id="296" r:id="rId69"/>
+    <p:sldId id="297" r:id="rId70"/>
   </p:sldIdLst>
   <p:sldSz cx="9144000" cy="6858000" type="screen4x3"/>
   <p:notesSz cx="6858000" cy="9144000"/>
@@ -366,7 +370,7 @@
             <a:fld id="{9F85648D-267C-4F54-90B5-C36298A60516}" type="datetimeFigureOut">
               <a:rPr lang="en-US" smtClean="0"/>
               <a:pPr/>
-              <a:t>5/5/10</a:t>
+              <a:t>8/20/10</a:t>
             </a:fld>
             <a:endParaRPr lang="en-US"/>
           </a:p>
@@ -721,7 +725,7 @@
             <a:fld id="{B99FC8A4-244F-0044-8098-5FFBFA181F2A}" type="datetimeFigureOut">
               <a:rPr lang="en-US" smtClean="0"/>
               <a:pPr/>
-              <a:t>5/5/10</a:t>
+              <a:t>8/20/10</a:t>
             </a:fld>
             <a:endParaRPr lang="en-US"/>
           </a:p>
@@ -898,7 +902,7 @@
             <a:fld id="{B99FC8A4-244F-0044-8098-5FFBFA181F2A}" type="datetimeFigureOut">
               <a:rPr lang="en-US" smtClean="0"/>
               <a:pPr/>
-              <a:t>5/5/10</a:t>
+              <a:t>8/20/10</a:t>
             </a:fld>
             <a:endParaRPr lang="en-US"/>
           </a:p>
@@ -1013,7 +1017,7 @@
             <a:fld id="{B99FC8A4-244F-0044-8098-5FFBFA181F2A}" type="datetimeFigureOut">
               <a:rPr lang="en-US" smtClean="0"/>
               <a:pPr/>
-              <a:t>5/5/10</a:t>
+              <a:t>8/20/10</a:t>
             </a:fld>
             <a:endParaRPr lang="en-US"/>
           </a:p>
@@ -1373,7 +1377,7 @@
             <a:fld id="{74CBEAF9-9E58-4CC8-A6FF-6DD8A58DEEA4}" type="datetimeFigureOut">
               <a:rPr lang="en-US" smtClean="0"/>
               <a:pPr/>
-              <a:t>5/5/10</a:t>
+              <a:t>8/20/10</a:t>
             </a:fld>
             <a:endParaRPr lang="en-US"/>
           </a:p>
@@ -1640,7 +1644,7 @@
             <a:fld id="{B99FC8A4-244F-0044-8098-5FFBFA181F2A}" type="datetimeFigureOut">
               <a:rPr lang="en-US" smtClean="0"/>
               <a:pPr/>
-              <a:t>5/5/10</a:t>
+              <a:t>8/20/10</a:t>
             </a:fld>
             <a:endParaRPr lang="en-US"/>
           </a:p>
@@ -2004,7 +2008,7 @@
             <a:fld id="{B99FC8A4-244F-0044-8098-5FFBFA181F2A}" type="datetimeFigureOut">
               <a:rPr lang="en-US" smtClean="0"/>
               <a:pPr/>
-              <a:t>5/5/10</a:t>
+              <a:t>8/20/10</a:t>
             </a:fld>
             <a:endParaRPr lang="en-US"/>
           </a:p>
@@ -2233,7 +2237,7 @@
             <a:fld id="{B99FC8A4-244F-0044-8098-5FFBFA181F2A}" type="datetimeFigureOut">
               <a:rPr lang="en-US" smtClean="0"/>
               <a:pPr/>
-              <a:t>5/5/10</a:t>
+              <a:t>8/20/10</a:t>
             </a:fld>
             <a:endParaRPr lang="en-US"/>
           </a:p>
@@ -2325,7 +2329,7 @@
             <a:fld id="{B99FC8A4-244F-0044-8098-5FFBFA181F2A}" type="datetimeFigureOut">
               <a:rPr lang="en-US" smtClean="0"/>
               <a:pPr/>
-              <a:t>5/5/10</a:t>
+              <a:t>8/20/10</a:t>
             </a:fld>
             <a:endParaRPr lang="en-US"/>
           </a:p>
@@ -2594,7 +2598,7 @@
             <a:fld id="{B99FC8A4-244F-0044-8098-5FFBFA181F2A}" type="datetimeFigureOut">
               <a:rPr lang="en-US" smtClean="0"/>
               <a:pPr/>
-              <a:t>5/5/10</a:t>
+              <a:t>8/20/10</a:t>
             </a:fld>
             <a:endParaRPr lang="en-US"/>
           </a:p>
@@ -2824,7 +2828,7 @@
             <a:fld id="{B99FC8A4-244F-0044-8098-5FFBFA181F2A}" type="datetimeFigureOut">
               <a:rPr lang="en-US" smtClean="0"/>
               <a:pPr/>
-              <a:t>5/5/10</a:t>
+              <a:t>8/20/10</a:t>
             </a:fld>
             <a:endParaRPr lang="en-US"/>
           </a:p>
@@ -3325,7 +3329,7 @@
             <a:fld id="{B99FC8A4-244F-0044-8098-5FFBFA181F2A}" type="datetimeFigureOut">
               <a:rPr lang="en-US" smtClean="0"/>
               <a:pPr/>
-              <a:t>5/5/10</a:t>
+              <a:t>8/20/10</a:t>
             </a:fld>
             <a:endParaRPr lang="en-US"/>
           </a:p>
@@ -3798,39 +3802,6 @@
         </p:nvSpPr>
         <p:spPr/>
       </p:sp>
-      <p:pic>
-        <p:nvPicPr>
-          <p:cNvPr id="5" name="Picture 5"/>
-          <p:cNvPicPr>
-            <a:picLocks noChangeArrowheads="1"/>
-          </p:cNvPicPr>
-          <p:nvPr/>
-        </p:nvPicPr>
-        <p:blipFill>
-          <a:blip r:embed="rId2"/>
-          <a:srcRect/>
-          <a:stretch>
-            <a:fillRect/>
-          </a:stretch>
-        </p:blipFill>
-        <p:spPr bwMode="auto">
-          <a:xfrm>
-            <a:off x="7813035" y="305380"/>
-            <a:ext cx="1104900" cy="431800"/>
-          </a:xfrm>
-          <a:prstGeom prst="rect">
-            <a:avLst/>
-          </a:prstGeom>
-          <a:noFill/>
-          <a:ln w="12700">
-            <a:noFill/>
-            <a:miter lim="800000"/>
-            <a:headEnd/>
-            <a:tailEnd/>
-          </a:ln>
-          <a:effectLst/>
-        </p:spPr>
-      </p:pic>
       <p:sp>
         <p:nvSpPr>
           <p:cNvPr id="6" name="TextBox 5"/>
@@ -3858,14 +3829,15 @@
               <a:rPr lang="en-US" sz="1200" dirty="0" smtClean="0"/>
               <a:t>W. Michael Brown</a:t>
             </a:r>
+            <a:endParaRPr lang="en-US" sz="1200" dirty="0" smtClean="0"/>
           </a:p>
           <a:p>
             <a:pPr algn="r"/>
             <a:r>
               <a:rPr lang="en-US" sz="1200" i="1" dirty="0" smtClean="0">
-                <a:hlinkClick r:id="rId3"/>
-              </a:rPr>
-              <a:t>wmbrown@sandia.gov</a:t>
+                <a:hlinkClick r:id="rId2"/>
+              </a:rPr>
+              <a:t>brownw@ornl.gov</a:t>
             </a:r>
             <a:endParaRPr lang="en-US" sz="1200" i="1" dirty="0" smtClean="0"/>
           </a:p>
@@ -3878,12 +3850,36 @@
             <a:fld id="{B78C6173-A124-044B-A6DC-2740D4C46ECF}" type="datetime1">
               <a:rPr lang="en-US" sz="1200" i="0" smtClean="0"/>
               <a:pPr algn="r"/>
-              <a:t>5/5/10</a:t>
+              <a:t>8/20/10</a:t>
             </a:fld>
             <a:endParaRPr lang="en-US" sz="1200" dirty="0"/>
           </a:p>
         </p:txBody>
       </p:sp>
+      <p:pic>
+        <p:nvPicPr>
+          <p:cNvPr id="13" name="Picture 12" descr="WordMarkLeaf.png"/>
+          <p:cNvPicPr>
+            <a:picLocks noChangeAspect="1"/>
+          </p:cNvPicPr>
+          <p:nvPr/>
+        </p:nvPicPr>
+        <p:blipFill>
+          <a:blip r:embed="rId3"/>
+          <a:stretch>
+            <a:fillRect/>
+          </a:stretch>
+        </p:blipFill>
+        <p:spPr>
+          <a:xfrm>
+            <a:off x="5387494" y="141712"/>
+            <a:ext cx="3530441" cy="595468"/>
+          </a:xfrm>
+          <a:prstGeom prst="rect">
+            <a:avLst/>
+          </a:prstGeom>
+        </p:spPr>
+      </p:pic>
     </p:spTree>
   </p:cSld>
   <p:clrMapOvr>
@@ -17856,15 +17852,7 @@
           <a:p>
             <a:r>
               <a:rPr lang="en-US" dirty="0" smtClean="0"/>
-              <a:t>There is no type</a:t>
-            </a:r>
-            <a:r>
-              <a:rPr lang="en-US" dirty="0" smtClean="0"/>
-              <a:t> casting </a:t>
-            </a:r>
-            <a:r>
-              <a:rPr lang="en-US" dirty="0" smtClean="0"/>
-              <a:t>between arguments passed with </a:t>
+              <a:t>There is no type casting between arguments passed with </a:t>
             </a:r>
             <a:r>
               <a:rPr lang="en-US" dirty="0" err="1" smtClean="0"/>
@@ -21183,6 +21171,1256 @@
       </p:grpSpPr>
       <p:sp>
         <p:nvSpPr>
+          <p:cNvPr id="2" name="Subtitle 1"/>
+          <p:cNvSpPr>
+            <a:spLocks noGrp="1"/>
+          </p:cNvSpPr>
+          <p:nvPr>
+            <p:ph type="subTitle" idx="1"/>
+          </p:nvPr>
+        </p:nvSpPr>
+        <p:spPr/>
+        <p:txBody>
+          <a:bodyPr/>
+          <a:lstStyle/>
+          <a:p>
+            <a:r>
+              <a:rPr lang="en-US" dirty="0" smtClean="0"/>
+              <a:t>1D Texture Binding</a:t>
+            </a:r>
+            <a:endParaRPr lang="en-US" dirty="0"/>
+          </a:p>
+        </p:txBody>
+      </p:sp>
+      <p:sp>
+        <p:nvSpPr>
+          <p:cNvPr id="3" name="Title 2"/>
+          <p:cNvSpPr>
+            <a:spLocks noGrp="1"/>
+          </p:cNvSpPr>
+          <p:nvPr>
+            <p:ph type="ctrTitle"/>
+          </p:nvPr>
+        </p:nvSpPr>
+        <p:spPr/>
+        <p:txBody>
+          <a:bodyPr/>
+          <a:lstStyle/>
+          <a:p>
+            <a:r>
+              <a:rPr lang="en-US" dirty="0" err="1" smtClean="0"/>
+              <a:t>Geryon</a:t>
+            </a:r>
+            <a:endParaRPr lang="en-US" dirty="0"/>
+          </a:p>
+        </p:txBody>
+      </p:sp>
+    </p:spTree>
+  </p:cSld>
+  <p:clrMapOvr>
+    <a:masterClrMapping/>
+  </p:clrMapOvr>
+</p:sld>
+</file>
+
+<file path=ppt/slides/slide65.xml><?xml version="1.0" encoding="utf-8"?>
+<p:sld xmlns:a="http://schemas.openxmlformats.org/drawingml/2006/main" xmlns:r="http://schemas.openxmlformats.org/officeDocument/2006/relationships" xmlns:mc="http://schemas.openxmlformats.org/markup-compatibility/2006" xmlns:mv="urn:schemas-microsoft-com:mac:vml" xmlns:p="http://schemas.openxmlformats.org/presentationml/2006/main" mc:Ignorable="mv" mc:PreserveAttributes="mv:*">
+  <p:cSld>
+    <p:spTree>
+      <p:nvGrpSpPr>
+        <p:cNvPr id="1" name=""/>
+        <p:cNvGrpSpPr/>
+        <p:nvPr/>
+      </p:nvGrpSpPr>
+      <p:grpSpPr>
+        <a:xfrm>
+          <a:off x="0" y="0"/>
+          <a:ext cx="0" cy="0"/>
+          <a:chOff x="0" y="0"/>
+          <a:chExt cx="0" cy="0"/>
+        </a:xfrm>
+      </p:grpSpPr>
+      <p:sp>
+        <p:nvSpPr>
+          <p:cNvPr id="2" name="Title 1"/>
+          <p:cNvSpPr>
+            <a:spLocks noGrp="1"/>
+          </p:cNvSpPr>
+          <p:nvPr>
+            <p:ph type="title"/>
+          </p:nvPr>
+        </p:nvSpPr>
+        <p:spPr/>
+        <p:txBody>
+          <a:bodyPr/>
+          <a:lstStyle/>
+          <a:p>
+            <a:r>
+              <a:rPr lang="en-US" dirty="0" smtClean="0"/>
+              <a:t>1D Texture Binding</a:t>
+            </a:r>
+            <a:endParaRPr lang="en-US" dirty="0"/>
+          </a:p>
+        </p:txBody>
+      </p:sp>
+      <p:sp>
+        <p:nvSpPr>
+          <p:cNvPr id="3" name="Content Placeholder 2"/>
+          <p:cNvSpPr>
+            <a:spLocks noGrp="1"/>
+          </p:cNvSpPr>
+          <p:nvPr>
+            <p:ph sz="quarter" idx="1"/>
+          </p:nvPr>
+        </p:nvSpPr>
+        <p:spPr/>
+        <p:txBody>
+          <a:bodyPr/>
+          <a:lstStyle/>
+          <a:p>
+            <a:r>
+              <a:rPr lang="en-US" dirty="0" smtClean="0"/>
+              <a:t>In CUDA, can bind existing memory allocations to textures for constant access that can be cached</a:t>
+            </a:r>
+          </a:p>
+          <a:p>
+            <a:pPr lvl="1"/>
+            <a:r>
+              <a:rPr lang="en-US" dirty="0" smtClean="0"/>
+              <a:t>In </a:t>
+            </a:r>
+            <a:r>
+              <a:rPr lang="en-US" dirty="0" err="1" smtClean="0"/>
+              <a:t>Geryon</a:t>
+            </a:r>
+            <a:r>
+              <a:rPr lang="en-US" dirty="0" smtClean="0"/>
+              <a:t>, this is accomplished by the </a:t>
+            </a:r>
+            <a:r>
+              <a:rPr lang="en-US" dirty="0" err="1" smtClean="0"/>
+              <a:t>UCL_Texture</a:t>
+            </a:r>
+            <a:r>
+              <a:rPr lang="en-US" dirty="0" smtClean="0"/>
+              <a:t> class</a:t>
+            </a:r>
+          </a:p>
+          <a:p>
+            <a:pPr lvl="1"/>
+            <a:r>
+              <a:rPr lang="en-US" dirty="0" smtClean="0"/>
+              <a:t>This feature is not currently in </a:t>
+            </a:r>
+            <a:r>
+              <a:rPr lang="en-US" dirty="0" err="1" smtClean="0"/>
+              <a:t>OpenCL</a:t>
+            </a:r>
+            <a:r>
+              <a:rPr lang="en-US" dirty="0" smtClean="0"/>
+              <a:t>, so </a:t>
+            </a:r>
+            <a:r>
+              <a:rPr lang="en-US" dirty="0" err="1" smtClean="0"/>
+              <a:t>UCL_Texture</a:t>
+            </a:r>
+            <a:r>
+              <a:rPr lang="en-US" dirty="0" smtClean="0"/>
+              <a:t> routines in the </a:t>
+            </a:r>
+            <a:r>
+              <a:rPr lang="en-US" dirty="0" err="1" smtClean="0"/>
+              <a:t>opencl</a:t>
+            </a:r>
+            <a:r>
+              <a:rPr lang="en-US" dirty="0" smtClean="0"/>
+              <a:t> namespace do nothing.</a:t>
+            </a:r>
+          </a:p>
+          <a:p>
+            <a:pPr lvl="1"/>
+            <a:r>
+              <a:rPr lang="en-US" dirty="0" smtClean="0"/>
+              <a:t>For textures, a vector length is specified; each fetch grabs a vector of the specified length</a:t>
+            </a:r>
+          </a:p>
+          <a:p>
+            <a:endParaRPr lang="en-US" dirty="0" smtClean="0"/>
+          </a:p>
+        </p:txBody>
+      </p:sp>
+    </p:spTree>
+  </p:cSld>
+  <p:clrMapOvr>
+    <a:masterClrMapping/>
+  </p:clrMapOvr>
+</p:sld>
+</file>
+
+<file path=ppt/slides/slide66.xml><?xml version="1.0" encoding="utf-8"?>
+<p:sld xmlns:a="http://schemas.openxmlformats.org/drawingml/2006/main" xmlns:r="http://schemas.openxmlformats.org/officeDocument/2006/relationships" xmlns:mc="http://schemas.openxmlformats.org/markup-compatibility/2006" xmlns:mv="urn:schemas-microsoft-com:mac:vml" xmlns:p="http://schemas.openxmlformats.org/presentationml/2006/main" mc:Ignorable="mv" mc:PreserveAttributes="mv:*">
+  <p:cSld>
+    <p:spTree>
+      <p:nvGrpSpPr>
+        <p:cNvPr id="1" name=""/>
+        <p:cNvGrpSpPr/>
+        <p:nvPr/>
+      </p:nvGrpSpPr>
+      <p:grpSpPr>
+        <a:xfrm>
+          <a:off x="0" y="0"/>
+          <a:ext cx="0" cy="0"/>
+          <a:chOff x="0" y="0"/>
+          <a:chExt cx="0" cy="0"/>
+        </a:xfrm>
+      </p:grpSpPr>
+      <p:sp>
+        <p:nvSpPr>
+          <p:cNvPr id="2" name="Title 1"/>
+          <p:cNvSpPr>
+            <a:spLocks noGrp="1"/>
+          </p:cNvSpPr>
+          <p:nvPr>
+            <p:ph type="title"/>
+          </p:nvPr>
+        </p:nvSpPr>
+        <p:spPr>
+          <a:xfrm>
+            <a:off x="914400" y="277797"/>
+            <a:ext cx="7772400" cy="792605"/>
+          </a:xfrm>
+        </p:spPr>
+        <p:txBody>
+          <a:bodyPr/>
+          <a:lstStyle/>
+          <a:p>
+            <a:r>
+              <a:rPr lang="en-US" dirty="0" smtClean="0"/>
+              <a:t>Assigning a texture reference</a:t>
+            </a:r>
+            <a:endParaRPr lang="en-US" dirty="0"/>
+          </a:p>
+        </p:txBody>
+      </p:sp>
+      <p:sp>
+        <p:nvSpPr>
+          <p:cNvPr id="3" name="Content Placeholder 2"/>
+          <p:cNvSpPr>
+            <a:spLocks noGrp="1"/>
+          </p:cNvSpPr>
+          <p:nvPr>
+            <p:ph sz="quarter" idx="1"/>
+          </p:nvPr>
+        </p:nvSpPr>
+        <p:spPr>
+          <a:xfrm>
+            <a:off x="914400" y="1090644"/>
+            <a:ext cx="7772400" cy="576116"/>
+          </a:xfrm>
+        </p:spPr>
+        <p:txBody>
+          <a:bodyPr/>
+          <a:lstStyle/>
+          <a:p>
+            <a:r>
+              <a:rPr lang="en-US" dirty="0" smtClean="0"/>
+              <a:t>CUDA Driver/</a:t>
+            </a:r>
+            <a:r>
+              <a:rPr lang="en-US" dirty="0" err="1" smtClean="0"/>
+              <a:t>OpenCL</a:t>
+            </a:r>
+            <a:endParaRPr lang="en-US" dirty="0" smtClean="0"/>
+          </a:p>
+        </p:txBody>
+      </p:sp>
+      <p:sp>
+        <p:nvSpPr>
+          <p:cNvPr id="4" name="TextBox 3"/>
+          <p:cNvSpPr txBox="1"/>
+          <p:nvPr/>
+        </p:nvSpPr>
+        <p:spPr>
+          <a:xfrm>
+            <a:off x="914400" y="1656842"/>
+            <a:ext cx="6854217" cy="2031325"/>
+          </a:xfrm>
+          <a:prstGeom prst="rect">
+            <a:avLst/>
+          </a:prstGeom>
+        </p:spPr>
+        <p:style>
+          <a:lnRef idx="2">
+            <a:schemeClr val="accent5"/>
+          </a:lnRef>
+          <a:fillRef idx="1">
+            <a:schemeClr val="lt1"/>
+          </a:fillRef>
+          <a:effectRef idx="0">
+            <a:schemeClr val="accent5"/>
+          </a:effectRef>
+          <a:fontRef idx="minor">
+            <a:schemeClr val="dk1"/>
+          </a:fontRef>
+        </p:style>
+        <p:txBody>
+          <a:bodyPr wrap="square" rtlCol="0">
+            <a:spAutoFit/>
+          </a:bodyPr>
+          <a:lstStyle/>
+          <a:p>
+            <a:r>
+              <a:rPr lang="en-US" dirty="0" smtClean="0">
+                <a:solidFill>
+                  <a:schemeClr val="tx1"/>
+                </a:solidFill>
+                <a:latin typeface="Andale Mono"/>
+                <a:cs typeface="Andale Mono"/>
+              </a:rPr>
+              <a:t>#include “</a:t>
+            </a:r>
+            <a:r>
+              <a:rPr lang="en-US" dirty="0" err="1" smtClean="0">
+                <a:solidFill>
+                  <a:schemeClr val="tx1"/>
+                </a:solidFill>
+                <a:latin typeface="Andale Mono"/>
+                <a:cs typeface="Andale Mono"/>
+              </a:rPr>
+              <a:t>nvd_texture.h</a:t>
+            </a:r>
+            <a:r>
+              <a:rPr lang="en-US" dirty="0" smtClean="0">
+                <a:solidFill>
+                  <a:schemeClr val="tx1"/>
+                </a:solidFill>
+                <a:latin typeface="Andale Mono"/>
+                <a:cs typeface="Andale Mono"/>
+              </a:rPr>
+              <a:t>”</a:t>
+            </a:r>
+          </a:p>
+          <a:p>
+            <a:endParaRPr lang="en-US" i="1" dirty="0" smtClean="0">
+              <a:solidFill>
+                <a:srgbClr val="0000FF"/>
+              </a:solidFill>
+              <a:latin typeface="Andale Mono"/>
+              <a:cs typeface="Andale Mono"/>
+            </a:endParaRPr>
+          </a:p>
+          <a:p>
+            <a:r>
+              <a:rPr lang="en-US" i="1" dirty="0" smtClean="0">
+                <a:solidFill>
+                  <a:srgbClr val="0000FF"/>
+                </a:solidFill>
+                <a:latin typeface="Andale Mono"/>
+                <a:cs typeface="Andale Mono"/>
+              </a:rPr>
+              <a:t>/</a:t>
+            </a:r>
+            <a:r>
+              <a:rPr lang="en-US" i="1" dirty="0" smtClean="0">
+                <a:solidFill>
+                  <a:srgbClr val="0000FF"/>
+                </a:solidFill>
+                <a:latin typeface="Andale Mono"/>
+                <a:cs typeface="Andale Mono"/>
+              </a:rPr>
+              <a:t>/</a:t>
+            </a:r>
+            <a:r>
+              <a:rPr lang="en-US" i="1" dirty="0" smtClean="0">
+                <a:solidFill>
+                  <a:srgbClr val="0000FF"/>
+                </a:solidFill>
+                <a:latin typeface="Andale Mono"/>
+                <a:cs typeface="Andale Mono"/>
+              </a:rPr>
+              <a:t> </a:t>
+            </a:r>
+            <a:r>
+              <a:rPr lang="en-US" i="1" dirty="0" smtClean="0">
+                <a:solidFill>
+                  <a:srgbClr val="0000FF"/>
+                </a:solidFill>
+                <a:latin typeface="Andale Mono"/>
+                <a:cs typeface="Andale Mono"/>
+              </a:rPr>
+              <a:t>T</a:t>
+            </a:r>
+            <a:r>
+              <a:rPr lang="en-US" i="1" dirty="0" smtClean="0">
+                <a:solidFill>
+                  <a:srgbClr val="0000FF"/>
+                </a:solidFill>
+                <a:latin typeface="Andale Mono"/>
+                <a:cs typeface="Andale Mono"/>
+              </a:rPr>
+              <a:t>exture </a:t>
+            </a:r>
+            <a:r>
+              <a:rPr lang="en-US" i="1" dirty="0" smtClean="0">
+                <a:solidFill>
+                  <a:srgbClr val="0000FF"/>
+                </a:solidFill>
+                <a:latin typeface="Andale Mono"/>
+                <a:cs typeface="Andale Mono"/>
+              </a:rPr>
+              <a:t>must be defined within a Program</a:t>
+            </a:r>
+            <a:endParaRPr lang="en-US" i="1" dirty="0" smtClean="0">
+              <a:solidFill>
+                <a:srgbClr val="0000FF"/>
+              </a:solidFill>
+              <a:latin typeface="Andale Mono"/>
+              <a:cs typeface="Andale Mono"/>
+            </a:endParaRPr>
+          </a:p>
+          <a:p>
+            <a:r>
+              <a:rPr lang="en-US" dirty="0" err="1" smtClean="0">
+                <a:solidFill>
+                  <a:schemeClr val="tx1"/>
+                </a:solidFill>
+                <a:latin typeface="Andale Mono"/>
+                <a:cs typeface="Andale Mono"/>
+              </a:rPr>
+              <a:t>UCL_Texture</a:t>
+            </a:r>
+            <a:r>
+              <a:rPr lang="en-US" dirty="0" smtClean="0">
+                <a:solidFill>
+                  <a:schemeClr val="tx1"/>
+                </a:solidFill>
+                <a:latin typeface="Andale Mono"/>
+                <a:cs typeface="Andale Mono"/>
+              </a:rPr>
+              <a:t> </a:t>
+            </a:r>
+            <a:r>
+              <a:rPr lang="en-US" dirty="0" err="1" smtClean="0">
+                <a:solidFill>
+                  <a:schemeClr val="tx1"/>
+                </a:solidFill>
+                <a:latin typeface="Andale Mono"/>
+                <a:cs typeface="Andale Mono"/>
+              </a:rPr>
+              <a:t>my_tex(my_program,”texture_name</a:t>
+            </a:r>
+            <a:r>
+              <a:rPr lang="en-US" dirty="0" smtClean="0">
+                <a:solidFill>
+                  <a:schemeClr val="tx1"/>
+                </a:solidFill>
+                <a:latin typeface="Andale Mono"/>
+                <a:cs typeface="Andale Mono"/>
+              </a:rPr>
+              <a:t>”);</a:t>
+            </a:r>
+          </a:p>
+          <a:p>
+            <a:r>
+              <a:rPr lang="en-US" i="1" dirty="0" smtClean="0">
+                <a:solidFill>
+                  <a:srgbClr val="0000FF"/>
+                </a:solidFill>
+                <a:latin typeface="Andale Mono"/>
+                <a:cs typeface="Andale Mono"/>
+              </a:rPr>
+              <a:t>//</a:t>
+            </a:r>
+            <a:r>
+              <a:rPr lang="en-US" i="1" dirty="0" smtClean="0">
+                <a:solidFill>
+                  <a:srgbClr val="0000FF"/>
+                </a:solidFill>
+                <a:latin typeface="Andale Mono"/>
+                <a:cs typeface="Andale Mono"/>
+              </a:rPr>
+              <a:t> -- or –</a:t>
+            </a:r>
+            <a:endParaRPr lang="en-US" dirty="0" smtClean="0">
+              <a:solidFill>
+                <a:schemeClr val="tx1"/>
+              </a:solidFill>
+              <a:latin typeface="Andale Mono"/>
+              <a:cs typeface="Andale Mono"/>
+            </a:endParaRPr>
+          </a:p>
+          <a:p>
+            <a:r>
+              <a:rPr lang="en-US" dirty="0" err="1" smtClean="0">
+                <a:solidFill>
+                  <a:schemeClr val="tx1"/>
+                </a:solidFill>
+                <a:latin typeface="Andale Mono"/>
+                <a:cs typeface="Andale Mono"/>
+              </a:rPr>
+              <a:t>UCL_Texture</a:t>
+            </a:r>
+            <a:r>
+              <a:rPr lang="en-US" dirty="0" smtClean="0">
+                <a:solidFill>
+                  <a:schemeClr val="tx1"/>
+                </a:solidFill>
+                <a:latin typeface="Andale Mono"/>
+                <a:cs typeface="Andale Mono"/>
+              </a:rPr>
+              <a:t> </a:t>
+            </a:r>
+            <a:r>
+              <a:rPr lang="en-US" dirty="0" err="1" smtClean="0">
+                <a:solidFill>
+                  <a:schemeClr val="tx1"/>
+                </a:solidFill>
+                <a:latin typeface="Andale Mono"/>
+                <a:cs typeface="Andale Mono"/>
+              </a:rPr>
+              <a:t>my_tex</a:t>
+            </a:r>
+            <a:r>
+              <a:rPr lang="en-US" dirty="0" smtClean="0">
+                <a:solidFill>
+                  <a:schemeClr val="tx1"/>
+                </a:solidFill>
+                <a:latin typeface="Andale Mono"/>
+                <a:cs typeface="Andale Mono"/>
+              </a:rPr>
+              <a:t>;</a:t>
+            </a:r>
+          </a:p>
+          <a:p>
+            <a:r>
+              <a:rPr lang="en-US" dirty="0" err="1" smtClean="0">
+                <a:solidFill>
+                  <a:schemeClr val="tx1"/>
+                </a:solidFill>
+                <a:latin typeface="Andale Mono"/>
+                <a:cs typeface="Andale Mono"/>
+              </a:rPr>
+              <a:t>m</a:t>
+            </a:r>
+            <a:r>
+              <a:rPr lang="en-US" dirty="0" err="1" smtClean="0">
+                <a:solidFill>
+                  <a:schemeClr val="tx1"/>
+                </a:solidFill>
+                <a:latin typeface="Andale Mono"/>
+                <a:cs typeface="Andale Mono"/>
+              </a:rPr>
+              <a:t>y_tex.get_texture(my_program,”texture_name</a:t>
+            </a:r>
+            <a:r>
+              <a:rPr lang="en-US" dirty="0" smtClean="0">
+                <a:solidFill>
+                  <a:schemeClr val="tx1"/>
+                </a:solidFill>
+                <a:latin typeface="Andale Mono"/>
+                <a:cs typeface="Andale Mono"/>
+              </a:rPr>
+              <a:t>”);</a:t>
+            </a:r>
+            <a:endParaRPr lang="en-US" dirty="0" smtClean="0">
+              <a:solidFill>
+                <a:schemeClr val="tx1"/>
+              </a:solidFill>
+              <a:latin typeface="Andale Mono"/>
+              <a:cs typeface="Andale Mono"/>
+            </a:endParaRPr>
+          </a:p>
+        </p:txBody>
+      </p:sp>
+      <p:sp>
+        <p:nvSpPr>
+          <p:cNvPr id="5" name="Content Placeholder 2"/>
+          <p:cNvSpPr txBox="1">
+            <a:spLocks/>
+          </p:cNvSpPr>
+          <p:nvPr/>
+        </p:nvSpPr>
+        <p:spPr>
+          <a:xfrm>
+            <a:off x="1066800" y="3739597"/>
+            <a:ext cx="7772400" cy="576116"/>
+          </a:xfrm>
+          <a:prstGeom prst="rect">
+            <a:avLst/>
+          </a:prstGeom>
+        </p:spPr>
+        <p:txBody>
+          <a:bodyPr vert="horz">
+            <a:normAutofit/>
+          </a:bodyPr>
+          <a:lstStyle/>
+          <a:p>
+            <a:pPr marL="274320" marR="0" lvl="0" indent="-274320" algn="l" defTabSz="914400" rtl="0" eaLnBrk="1" fontAlgn="auto" latinLnBrk="0" hangingPunct="1">
+              <a:lnSpc>
+                <a:spcPct val="100000"/>
+              </a:lnSpc>
+              <a:spcBef>
+                <a:spcPts val="580"/>
+              </a:spcBef>
+              <a:spcAft>
+                <a:spcPts val="0"/>
+              </a:spcAft>
+              <a:buClr>
+                <a:schemeClr val="accent1"/>
+              </a:buClr>
+              <a:buSzPct val="85000"/>
+              <a:buFont typeface="Wingdings 2"/>
+              <a:buChar char=""/>
+              <a:tabLst/>
+              <a:defRPr/>
+            </a:pPr>
+            <a:r>
+              <a:rPr kumimoji="0" lang="en-US" sz="2600" b="0" i="0" u="none" strike="noStrike" kern="1200" cap="none" spc="0" normalizeH="0" baseline="0" noProof="0" dirty="0" smtClean="0">
+                <a:ln>
+                  <a:noFill/>
+                </a:ln>
+                <a:solidFill>
+                  <a:schemeClr val="tx1"/>
+                </a:solidFill>
+                <a:effectLst/>
+                <a:uLnTx/>
+                <a:uFillTx/>
+                <a:latin typeface="+mn-lt"/>
+                <a:ea typeface="+mn-ea"/>
+                <a:cs typeface="+mn-cs"/>
+              </a:rPr>
+              <a:t>CUDA Runtime</a:t>
+            </a:r>
+          </a:p>
+        </p:txBody>
+      </p:sp>
+      <p:sp>
+        <p:nvSpPr>
+          <p:cNvPr id="6" name="TextBox 5"/>
+          <p:cNvSpPr txBox="1"/>
+          <p:nvPr/>
+        </p:nvSpPr>
+        <p:spPr>
+          <a:xfrm>
+            <a:off x="962498" y="4315714"/>
+            <a:ext cx="6806119" cy="2308324"/>
+          </a:xfrm>
+          <a:prstGeom prst="rect">
+            <a:avLst/>
+          </a:prstGeom>
+        </p:spPr>
+        <p:style>
+          <a:lnRef idx="2">
+            <a:schemeClr val="accent5"/>
+          </a:lnRef>
+          <a:fillRef idx="1">
+            <a:schemeClr val="lt1"/>
+          </a:fillRef>
+          <a:effectRef idx="0">
+            <a:schemeClr val="accent5"/>
+          </a:effectRef>
+          <a:fontRef idx="minor">
+            <a:schemeClr val="dk1"/>
+          </a:fontRef>
+        </p:style>
+        <p:txBody>
+          <a:bodyPr wrap="square" rtlCol="0">
+            <a:spAutoFit/>
+          </a:bodyPr>
+          <a:lstStyle/>
+          <a:p>
+            <a:r>
+              <a:rPr lang="en-US" dirty="0" smtClean="0">
+                <a:solidFill>
+                  <a:schemeClr val="tx1"/>
+                </a:solidFill>
+                <a:latin typeface="Andale Mono"/>
+                <a:cs typeface="Andale Mono"/>
+              </a:rPr>
+              <a:t>#include “</a:t>
+            </a:r>
+            <a:r>
+              <a:rPr lang="en-US" dirty="0" err="1" smtClean="0">
+                <a:solidFill>
+                  <a:schemeClr val="tx1"/>
+                </a:solidFill>
+                <a:latin typeface="Andale Mono"/>
+                <a:cs typeface="Andale Mono"/>
+              </a:rPr>
+              <a:t>nvc_texture.h</a:t>
+            </a:r>
+            <a:r>
+              <a:rPr lang="en-US" dirty="0" smtClean="0">
+                <a:solidFill>
+                  <a:schemeClr val="tx1"/>
+                </a:solidFill>
+                <a:latin typeface="Andale Mono"/>
+                <a:cs typeface="Andale Mono"/>
+              </a:rPr>
+              <a:t>”</a:t>
+            </a:r>
+          </a:p>
+          <a:p>
+            <a:r>
+              <a:rPr lang="en-US" i="1" dirty="0" smtClean="0">
+                <a:solidFill>
+                  <a:srgbClr val="0000FF"/>
+                </a:solidFill>
+                <a:latin typeface="Andale Mono"/>
+                <a:cs typeface="Andale Mono"/>
+              </a:rPr>
+              <a:t>/</a:t>
+            </a:r>
+            <a:r>
+              <a:rPr lang="en-US" i="1" dirty="0" smtClean="0">
+                <a:solidFill>
+                  <a:srgbClr val="0000FF"/>
+                </a:solidFill>
+                <a:latin typeface="Andale Mono"/>
+                <a:cs typeface="Andale Mono"/>
+              </a:rPr>
+              <a:t>/</a:t>
+            </a:r>
+            <a:r>
+              <a:rPr lang="en-US" i="1" dirty="0" smtClean="0">
+                <a:solidFill>
+                  <a:srgbClr val="0000FF"/>
+                </a:solidFill>
+                <a:latin typeface="Andale Mono"/>
+                <a:cs typeface="Andale Mono"/>
+              </a:rPr>
+              <a:t> </a:t>
+            </a:r>
+            <a:r>
+              <a:rPr lang="en-US" i="1" dirty="0" smtClean="0">
+                <a:solidFill>
+                  <a:srgbClr val="0000FF"/>
+                </a:solidFill>
+                <a:latin typeface="Andale Mono"/>
+                <a:cs typeface="Andale Mono"/>
+              </a:rPr>
+              <a:t>T</a:t>
+            </a:r>
+            <a:r>
+              <a:rPr lang="en-US" i="1" dirty="0" smtClean="0">
+                <a:solidFill>
+                  <a:srgbClr val="0000FF"/>
+                </a:solidFill>
+                <a:latin typeface="Andale Mono"/>
+                <a:cs typeface="Andale Mono"/>
+              </a:rPr>
+              <a:t>exture </a:t>
+            </a:r>
+            <a:r>
+              <a:rPr lang="en-US" i="1" dirty="0" smtClean="0">
+                <a:solidFill>
+                  <a:srgbClr val="0000FF"/>
+                </a:solidFill>
+                <a:latin typeface="Andale Mono"/>
+                <a:cs typeface="Andale Mono"/>
+              </a:rPr>
+              <a:t>must be defined within same file</a:t>
+            </a:r>
+            <a:endParaRPr lang="en-US" i="1" dirty="0" smtClean="0">
+              <a:solidFill>
+                <a:srgbClr val="0000FF"/>
+              </a:solidFill>
+              <a:latin typeface="Andale Mono"/>
+              <a:cs typeface="Andale Mono"/>
+            </a:endParaRPr>
+          </a:p>
+          <a:p>
+            <a:r>
+              <a:rPr lang="en-US" dirty="0" smtClean="0">
+                <a:solidFill>
+                  <a:schemeClr val="tx1"/>
+                </a:solidFill>
+                <a:latin typeface="Andale Mono"/>
+                <a:cs typeface="Andale Mono"/>
+              </a:rPr>
+              <a:t>t</a:t>
+            </a:r>
+            <a:r>
+              <a:rPr lang="en-US" dirty="0" smtClean="0">
+                <a:solidFill>
+                  <a:schemeClr val="tx1"/>
+                </a:solidFill>
+                <a:latin typeface="Andale Mono"/>
+                <a:cs typeface="Andale Mono"/>
+              </a:rPr>
+              <a:t>exture&lt;float2&gt; </a:t>
+            </a:r>
+            <a:r>
+              <a:rPr lang="en-US" dirty="0" err="1" smtClean="0">
+                <a:solidFill>
+                  <a:schemeClr val="tx1"/>
+                </a:solidFill>
+                <a:latin typeface="Andale Mono"/>
+                <a:cs typeface="Andale Mono"/>
+              </a:rPr>
+              <a:t>tex</a:t>
+            </a:r>
+            <a:r>
+              <a:rPr lang="en-US" dirty="0" smtClean="0">
+                <a:solidFill>
+                  <a:schemeClr val="tx1"/>
+                </a:solidFill>
+                <a:latin typeface="Andale Mono"/>
+                <a:cs typeface="Andale Mono"/>
+              </a:rPr>
+              <a:t>;</a:t>
+            </a:r>
+          </a:p>
+          <a:p>
+            <a:r>
+              <a:rPr lang="en-US" dirty="0" smtClean="0">
+                <a:solidFill>
+                  <a:schemeClr val="tx1"/>
+                </a:solidFill>
+                <a:latin typeface="Andale Mono"/>
+                <a:cs typeface="Andale Mono"/>
+              </a:rPr>
+              <a:t> </a:t>
+            </a:r>
+          </a:p>
+          <a:p>
+            <a:r>
+              <a:rPr lang="en-US" dirty="0" err="1" smtClean="0">
+                <a:solidFill>
+                  <a:schemeClr val="tx1"/>
+                </a:solidFill>
+                <a:latin typeface="Andale Mono"/>
+                <a:cs typeface="Andale Mono"/>
+              </a:rPr>
+              <a:t>UCL_Texture</a:t>
+            </a:r>
+            <a:r>
+              <a:rPr lang="en-US" dirty="0" smtClean="0">
+                <a:solidFill>
+                  <a:schemeClr val="tx1"/>
+                </a:solidFill>
+                <a:latin typeface="Andale Mono"/>
+                <a:cs typeface="Andale Mono"/>
+              </a:rPr>
+              <a:t> </a:t>
+            </a:r>
+            <a:r>
+              <a:rPr lang="en-US" dirty="0" err="1" smtClean="0">
+                <a:solidFill>
+                  <a:schemeClr val="tx1"/>
+                </a:solidFill>
+                <a:latin typeface="Andale Mono"/>
+                <a:cs typeface="Andale Mono"/>
+              </a:rPr>
+              <a:t>my_tex(tex</a:t>
+            </a:r>
+            <a:r>
+              <a:rPr lang="en-US" dirty="0" smtClean="0">
+                <a:solidFill>
+                  <a:schemeClr val="tx1"/>
+                </a:solidFill>
+                <a:latin typeface="Andale Mono"/>
+                <a:cs typeface="Andale Mono"/>
+              </a:rPr>
+              <a:t>);</a:t>
+            </a:r>
+          </a:p>
+          <a:p>
+            <a:r>
+              <a:rPr lang="en-US" i="1" dirty="0" smtClean="0">
+                <a:solidFill>
+                  <a:srgbClr val="0000FF"/>
+                </a:solidFill>
+                <a:latin typeface="Andale Mono"/>
+                <a:cs typeface="Andale Mono"/>
+              </a:rPr>
+              <a:t>//</a:t>
+            </a:r>
+            <a:r>
+              <a:rPr lang="en-US" i="1" dirty="0" smtClean="0">
+                <a:solidFill>
+                  <a:srgbClr val="0000FF"/>
+                </a:solidFill>
+                <a:latin typeface="Andale Mono"/>
+                <a:cs typeface="Andale Mono"/>
+              </a:rPr>
+              <a:t> -- or –</a:t>
+            </a:r>
+            <a:endParaRPr lang="en-US" dirty="0" smtClean="0">
+              <a:solidFill>
+                <a:schemeClr val="tx1"/>
+              </a:solidFill>
+              <a:latin typeface="Andale Mono"/>
+              <a:cs typeface="Andale Mono"/>
+            </a:endParaRPr>
+          </a:p>
+          <a:p>
+            <a:r>
+              <a:rPr lang="en-US" dirty="0" err="1" smtClean="0">
+                <a:solidFill>
+                  <a:schemeClr val="tx1"/>
+                </a:solidFill>
+                <a:latin typeface="Andale Mono"/>
+                <a:cs typeface="Andale Mono"/>
+              </a:rPr>
+              <a:t>UCL_Texture</a:t>
+            </a:r>
+            <a:r>
+              <a:rPr lang="en-US" dirty="0" smtClean="0">
+                <a:solidFill>
+                  <a:schemeClr val="tx1"/>
+                </a:solidFill>
+                <a:latin typeface="Andale Mono"/>
+                <a:cs typeface="Andale Mono"/>
+              </a:rPr>
+              <a:t> </a:t>
+            </a:r>
+            <a:r>
+              <a:rPr lang="en-US" dirty="0" err="1" smtClean="0">
+                <a:solidFill>
+                  <a:schemeClr val="tx1"/>
+                </a:solidFill>
+                <a:latin typeface="Andale Mono"/>
+                <a:cs typeface="Andale Mono"/>
+              </a:rPr>
+              <a:t>my_tex</a:t>
+            </a:r>
+            <a:r>
+              <a:rPr lang="en-US" dirty="0" smtClean="0">
+                <a:solidFill>
+                  <a:schemeClr val="tx1"/>
+                </a:solidFill>
+                <a:latin typeface="Andale Mono"/>
+                <a:cs typeface="Andale Mono"/>
+              </a:rPr>
+              <a:t>;</a:t>
+            </a:r>
+          </a:p>
+          <a:p>
+            <a:r>
+              <a:rPr lang="en-US" dirty="0" err="1" smtClean="0">
+                <a:solidFill>
+                  <a:schemeClr val="tx1"/>
+                </a:solidFill>
+                <a:latin typeface="Andale Mono"/>
+                <a:cs typeface="Andale Mono"/>
+              </a:rPr>
+              <a:t>m</a:t>
+            </a:r>
+            <a:r>
+              <a:rPr lang="en-US" dirty="0" err="1" smtClean="0">
+                <a:solidFill>
+                  <a:schemeClr val="tx1"/>
+                </a:solidFill>
+                <a:latin typeface="Andale Mono"/>
+                <a:cs typeface="Andale Mono"/>
+              </a:rPr>
+              <a:t>y_tex.get_texture(tex</a:t>
+            </a:r>
+            <a:r>
+              <a:rPr lang="en-US" dirty="0" smtClean="0">
+                <a:solidFill>
+                  <a:schemeClr val="tx1"/>
+                </a:solidFill>
+                <a:latin typeface="Andale Mono"/>
+                <a:cs typeface="Andale Mono"/>
+              </a:rPr>
+              <a:t>);</a:t>
+            </a:r>
+            <a:endParaRPr lang="en-US" dirty="0" smtClean="0">
+              <a:solidFill>
+                <a:schemeClr val="tx1"/>
+              </a:solidFill>
+              <a:latin typeface="Andale Mono"/>
+              <a:cs typeface="Andale Mono"/>
+            </a:endParaRPr>
+          </a:p>
+        </p:txBody>
+      </p:sp>
+    </p:spTree>
+  </p:cSld>
+  <p:clrMapOvr>
+    <a:masterClrMapping/>
+  </p:clrMapOvr>
+</p:sld>
+</file>
+
+<file path=ppt/slides/slide67.xml><?xml version="1.0" encoding="utf-8"?>
+<p:sld xmlns:a="http://schemas.openxmlformats.org/drawingml/2006/main" xmlns:r="http://schemas.openxmlformats.org/officeDocument/2006/relationships" xmlns:mc="http://schemas.openxmlformats.org/markup-compatibility/2006" xmlns:mv="urn:schemas-microsoft-com:mac:vml" xmlns:p="http://schemas.openxmlformats.org/presentationml/2006/main" mc:Ignorable="mv" mc:PreserveAttributes="mv:*">
+  <p:cSld>
+    <p:spTree>
+      <p:nvGrpSpPr>
+        <p:cNvPr id="1" name=""/>
+        <p:cNvGrpSpPr/>
+        <p:nvPr/>
+      </p:nvGrpSpPr>
+      <p:grpSpPr>
+        <a:xfrm>
+          <a:off x="0" y="0"/>
+          <a:ext cx="0" cy="0"/>
+          <a:chOff x="0" y="0"/>
+          <a:chExt cx="0" cy="0"/>
+        </a:xfrm>
+      </p:grpSpPr>
+      <p:sp>
+        <p:nvSpPr>
+          <p:cNvPr id="2" name="Title 1"/>
+          <p:cNvSpPr>
+            <a:spLocks noGrp="1"/>
+          </p:cNvSpPr>
+          <p:nvPr>
+            <p:ph type="title"/>
+          </p:nvPr>
+        </p:nvSpPr>
+        <p:spPr/>
+        <p:txBody>
+          <a:bodyPr/>
+          <a:lstStyle/>
+          <a:p>
+            <a:r>
+              <a:rPr lang="en-US" dirty="0" smtClean="0"/>
+              <a:t>Binding a texture</a:t>
+            </a:r>
+            <a:endParaRPr lang="en-US" dirty="0"/>
+          </a:p>
+        </p:txBody>
+      </p:sp>
+      <p:sp>
+        <p:nvSpPr>
+          <p:cNvPr id="4" name="TextBox 3"/>
+          <p:cNvSpPr txBox="1"/>
+          <p:nvPr/>
+        </p:nvSpPr>
+        <p:spPr>
+          <a:xfrm>
+            <a:off x="914400" y="1656842"/>
+            <a:ext cx="6854217" cy="2585323"/>
+          </a:xfrm>
+          <a:prstGeom prst="rect">
+            <a:avLst/>
+          </a:prstGeom>
+        </p:spPr>
+        <p:style>
+          <a:lnRef idx="2">
+            <a:schemeClr val="accent5"/>
+          </a:lnRef>
+          <a:fillRef idx="1">
+            <a:schemeClr val="lt1"/>
+          </a:fillRef>
+          <a:effectRef idx="0">
+            <a:schemeClr val="accent5"/>
+          </a:effectRef>
+          <a:fontRef idx="minor">
+            <a:schemeClr val="dk1"/>
+          </a:fontRef>
+        </p:style>
+        <p:txBody>
+          <a:bodyPr wrap="square" rtlCol="0">
+            <a:spAutoFit/>
+          </a:bodyPr>
+          <a:lstStyle/>
+          <a:p>
+            <a:r>
+              <a:rPr lang="en-US" i="1" dirty="0" smtClean="0">
+                <a:solidFill>
+                  <a:srgbClr val="0000FF"/>
+                </a:solidFill>
+                <a:latin typeface="Andale Mono"/>
+                <a:cs typeface="Andale Mono"/>
+              </a:rPr>
+              <a:t>// To bind a float array with vector length 2</a:t>
+            </a:r>
+            <a:endParaRPr lang="en-US" dirty="0" smtClean="0">
+              <a:solidFill>
+                <a:schemeClr val="tx1"/>
+              </a:solidFill>
+              <a:latin typeface="Andale Mono"/>
+              <a:cs typeface="Andale Mono"/>
+            </a:endParaRPr>
+          </a:p>
+          <a:p>
+            <a:r>
+              <a:rPr lang="en-US" dirty="0" smtClean="0">
+                <a:solidFill>
+                  <a:schemeClr val="tx1"/>
+                </a:solidFill>
+                <a:latin typeface="Andale Mono"/>
+                <a:cs typeface="Andale Mono"/>
+              </a:rPr>
+              <a:t>m</a:t>
+            </a:r>
+            <a:r>
+              <a:rPr lang="en-US" dirty="0" smtClean="0">
+                <a:solidFill>
+                  <a:schemeClr val="tx1"/>
+                </a:solidFill>
+                <a:latin typeface="Andale Mono"/>
+                <a:cs typeface="Andale Mono"/>
+              </a:rPr>
+              <a:t>y_tex.bind_float(my_array.begin(),2);</a:t>
+            </a:r>
+          </a:p>
+          <a:p>
+            <a:endParaRPr lang="en-US" dirty="0" smtClean="0">
+              <a:solidFill>
+                <a:schemeClr val="tx1"/>
+              </a:solidFill>
+              <a:latin typeface="Andale Mono"/>
+              <a:cs typeface="Andale Mono"/>
+            </a:endParaRPr>
+          </a:p>
+          <a:p>
+            <a:r>
+              <a:rPr lang="en-US" i="1" dirty="0" smtClean="0">
+                <a:solidFill>
+                  <a:srgbClr val="0000FF"/>
+                </a:solidFill>
+                <a:latin typeface="Andale Mono"/>
+                <a:cs typeface="Andale Mono"/>
+              </a:rPr>
+              <a:t>//</a:t>
+            </a:r>
+            <a:r>
+              <a:rPr lang="en-US" i="1" dirty="0" smtClean="0">
+                <a:solidFill>
+                  <a:srgbClr val="0000FF"/>
+                </a:solidFill>
+                <a:latin typeface="Andale Mono"/>
+                <a:cs typeface="Andale Mono"/>
+              </a:rPr>
+              <a:t> Texture is fetched within a kernel using</a:t>
+            </a:r>
+          </a:p>
+          <a:p>
+            <a:r>
+              <a:rPr lang="en-US" i="1" dirty="0" smtClean="0">
+                <a:solidFill>
+                  <a:srgbClr val="0000FF"/>
+                </a:solidFill>
+                <a:latin typeface="Andale Mono"/>
+                <a:cs typeface="Andale Mono"/>
+              </a:rPr>
+              <a:t>// tex1Dfetch(tex,i);</a:t>
+            </a:r>
+          </a:p>
+          <a:p>
+            <a:endParaRPr lang="en-US" i="1" dirty="0" smtClean="0">
+              <a:solidFill>
+                <a:srgbClr val="0000FF"/>
+              </a:solidFill>
+              <a:latin typeface="Andale Mono"/>
+              <a:cs typeface="Andale Mono"/>
+            </a:endParaRPr>
+          </a:p>
+          <a:p>
+            <a:r>
+              <a:rPr lang="en-US" i="1" dirty="0" smtClean="0">
+                <a:solidFill>
+                  <a:srgbClr val="0000FF"/>
+                </a:solidFill>
+                <a:latin typeface="Andale Mono"/>
+                <a:cs typeface="Andale Mono"/>
+              </a:rPr>
+              <a:t>/</a:t>
+            </a:r>
+            <a:r>
+              <a:rPr lang="en-US" i="1" dirty="0" smtClean="0">
+                <a:solidFill>
+                  <a:srgbClr val="0000FF"/>
+                </a:solidFill>
+                <a:latin typeface="Andale Mono"/>
+                <a:cs typeface="Andale Mono"/>
+              </a:rPr>
+              <a:t>/ To</a:t>
+            </a:r>
+            <a:r>
+              <a:rPr lang="en-US" i="1" dirty="0" smtClean="0">
+                <a:solidFill>
+                  <a:srgbClr val="0000FF"/>
+                </a:solidFill>
+                <a:latin typeface="Andale Mono"/>
+                <a:cs typeface="Andale Mono"/>
+              </a:rPr>
+              <a:t> unbind the array</a:t>
+            </a:r>
+            <a:endParaRPr lang="en-US" dirty="0" smtClean="0">
+              <a:solidFill>
+                <a:schemeClr val="tx1"/>
+              </a:solidFill>
+              <a:latin typeface="Andale Mono"/>
+              <a:cs typeface="Andale Mono"/>
+            </a:endParaRPr>
+          </a:p>
+          <a:p>
+            <a:r>
+              <a:rPr lang="en-US" dirty="0" err="1" smtClean="0">
+                <a:solidFill>
+                  <a:schemeClr val="tx1"/>
+                </a:solidFill>
+                <a:latin typeface="Andale Mono"/>
+                <a:cs typeface="Andale Mono"/>
+              </a:rPr>
+              <a:t>my_tex.unbind</a:t>
+            </a:r>
+            <a:r>
+              <a:rPr lang="en-US" dirty="0" smtClean="0">
+                <a:solidFill>
+                  <a:schemeClr val="tx1"/>
+                </a:solidFill>
+                <a:latin typeface="Andale Mono"/>
+                <a:cs typeface="Andale Mono"/>
+              </a:rPr>
+              <a:t>()</a:t>
+            </a:r>
+            <a:r>
+              <a:rPr lang="en-US" dirty="0" smtClean="0">
+                <a:solidFill>
+                  <a:schemeClr val="tx1"/>
+                </a:solidFill>
+                <a:latin typeface="Andale Mono"/>
+                <a:cs typeface="Andale Mono"/>
+              </a:rPr>
+              <a:t>;</a:t>
+            </a:r>
+          </a:p>
+          <a:p>
+            <a:endParaRPr lang="en-US" dirty="0" smtClean="0">
+              <a:solidFill>
+                <a:schemeClr val="tx1"/>
+              </a:solidFill>
+              <a:latin typeface="Andale Mono"/>
+              <a:cs typeface="Andale Mono"/>
+            </a:endParaRPr>
+          </a:p>
+        </p:txBody>
+      </p:sp>
+    </p:spTree>
+  </p:cSld>
+  <p:clrMapOvr>
+    <a:masterClrMapping/>
+  </p:clrMapOvr>
+</p:sld>
+</file>
+
+<file path=ppt/slides/slide68.xml><?xml version="1.0" encoding="utf-8"?>
+<p:sld xmlns:a="http://schemas.openxmlformats.org/drawingml/2006/main" xmlns:r="http://schemas.openxmlformats.org/officeDocument/2006/relationships" xmlns:mc="http://schemas.openxmlformats.org/markup-compatibility/2006" xmlns:mv="urn:schemas-microsoft-com:mac:vml" xmlns:p="http://schemas.openxmlformats.org/presentationml/2006/main" mc:Ignorable="mv" mc:PreserveAttributes="mv:*">
+  <p:cSld>
+    <p:spTree>
+      <p:nvGrpSpPr>
+        <p:cNvPr id="1" name=""/>
+        <p:cNvGrpSpPr/>
+        <p:nvPr/>
+      </p:nvGrpSpPr>
+      <p:grpSpPr>
+        <a:xfrm>
+          <a:off x="0" y="0"/>
+          <a:ext cx="0" cy="0"/>
+          <a:chOff x="0" y="0"/>
+          <a:chExt cx="0" cy="0"/>
+        </a:xfrm>
+      </p:grpSpPr>
+      <p:sp>
+        <p:nvSpPr>
           <p:cNvPr id="3" name="Subtitle 2"/>
           <p:cNvSpPr>
             <a:spLocks noGrp="1"/>
@@ -21242,7 +22480,7 @@
 </p:sld>
 </file>
 
-<file path=ppt/slides/slide65.xml><?xml version="1.0" encoding="utf-8"?>
+<file path=ppt/slides/slide69.xml><?xml version="1.0" encoding="utf-8"?>
 <p:sld xmlns:a="http://schemas.openxmlformats.org/drawingml/2006/main" xmlns:r="http://schemas.openxmlformats.org/officeDocument/2006/relationships" xmlns:mc="http://schemas.openxmlformats.org/markup-compatibility/2006" xmlns:mv="urn:schemas-microsoft-com:mac:vml" xmlns:p="http://schemas.openxmlformats.org/presentationml/2006/main" mc:Ignorable="mv" mc:PreserveAttributes="mv:*">
   <p:cSld>
     <p:spTree>

--- a/geryon.pptx
+++ b/geryon.pptx
@@ -3829,7 +3829,6 @@
               <a:rPr lang="en-US" sz="1200" dirty="0" smtClean="0"/>
               <a:t>W. Michael Brown</a:t>
             </a:r>
-            <a:endParaRPr lang="en-US" sz="1200" dirty="0" smtClean="0"/>
           </a:p>
           <a:p>
             <a:pPr algn="r"/>
@@ -20536,7 +20535,26 @@
             </a:r>
             <a:r>
               <a:rPr lang="en-US" i="1" dirty="0" smtClean="0"/>
-              <a:t>(unlikely to improve performance)</a:t>
+              <a:t>(unlikely to improve performance</a:t>
+            </a:r>
+            <a:r>
+              <a:rPr lang="en-US" i="1" dirty="0" smtClean="0"/>
+              <a:t>)</a:t>
+            </a:r>
+          </a:p>
+          <a:p>
+            <a:pPr lvl="1"/>
+            <a:r>
+              <a:rPr lang="en-US" dirty="0" smtClean="0"/>
+              <a:t>UCL_SYNC_DEBUG – Block after each device call and check for error (</a:t>
+            </a:r>
+            <a:r>
+              <a:rPr lang="en-US" i="1" dirty="0" smtClean="0"/>
+              <a:t>currently blocking will only be performed for CUDA</a:t>
+            </a:r>
+            <a:r>
+              <a:rPr lang="en-US" dirty="0" smtClean="0"/>
+              <a:t>)</a:t>
             </a:r>
           </a:p>
         </p:txBody>
@@ -21518,8 +21536,52 @@
                 <a:latin typeface="Andale Mono"/>
                 <a:cs typeface="Andale Mono"/>
               </a:rPr>
-              <a:t>/</a:t>
-            </a:r>
+              <a:t>// Texture must be defined within a Program</a:t>
+            </a:r>
+          </a:p>
+          <a:p>
+            <a:r>
+              <a:rPr lang="en-US" dirty="0" err="1" smtClean="0">
+                <a:solidFill>
+                  <a:schemeClr val="tx1"/>
+                </a:solidFill>
+                <a:latin typeface="Andale Mono"/>
+                <a:cs typeface="Andale Mono"/>
+              </a:rPr>
+              <a:t>UCL_Texture</a:t>
+            </a:r>
+            <a:r>
+              <a:rPr lang="en-US" dirty="0" smtClean="0">
+                <a:solidFill>
+                  <a:schemeClr val="tx1"/>
+                </a:solidFill>
+                <a:latin typeface="Andale Mono"/>
+                <a:cs typeface="Andale Mono"/>
+              </a:rPr>
+              <a:t> </a:t>
+            </a:r>
+            <a:r>
+              <a:rPr lang="en-US" dirty="0" err="1" smtClean="0">
+                <a:solidFill>
+                  <a:schemeClr val="tx1"/>
+                </a:solidFill>
+                <a:latin typeface="Andale Mono"/>
+                <a:cs typeface="Andale Mono"/>
+              </a:rPr>
+              <a:t>my_tex(my_program,”texture_name</a:t>
+            </a:r>
+            <a:r>
+              <a:rPr lang="en-US" dirty="0" smtClean="0">
+                <a:solidFill>
+                  <a:schemeClr val="tx1"/>
+                </a:solidFill>
+                <a:latin typeface="Andale Mono"/>
+                <a:cs typeface="Andale Mono"/>
+              </a:rPr>
+              <a:t>”);</a:t>
+            </a:r>
+          </a:p>
+          <a:p>
             <a:r>
               <a:rPr lang="en-US" i="1" dirty="0" smtClean="0">
                 <a:solidFill>
@@ -21528,118 +21590,7 @@
                 <a:latin typeface="Andale Mono"/>
                 <a:cs typeface="Andale Mono"/>
               </a:rPr>
-              <a:t>/</a:t>
-            </a:r>
-            <a:r>
-              <a:rPr lang="en-US" i="1" dirty="0" smtClean="0">
-                <a:solidFill>
-                  <a:srgbClr val="0000FF"/>
-                </a:solidFill>
-                <a:latin typeface="Andale Mono"/>
-                <a:cs typeface="Andale Mono"/>
-              </a:rPr>
-              <a:t> </a:t>
-            </a:r>
-            <a:r>
-              <a:rPr lang="en-US" i="1" dirty="0" smtClean="0">
-                <a:solidFill>
-                  <a:srgbClr val="0000FF"/>
-                </a:solidFill>
-                <a:latin typeface="Andale Mono"/>
-                <a:cs typeface="Andale Mono"/>
-              </a:rPr>
-              <a:t>T</a:t>
-            </a:r>
-            <a:r>
-              <a:rPr lang="en-US" i="1" dirty="0" smtClean="0">
-                <a:solidFill>
-                  <a:srgbClr val="0000FF"/>
-                </a:solidFill>
-                <a:latin typeface="Andale Mono"/>
-                <a:cs typeface="Andale Mono"/>
-              </a:rPr>
-              <a:t>exture </a:t>
-            </a:r>
-            <a:r>
-              <a:rPr lang="en-US" i="1" dirty="0" smtClean="0">
-                <a:solidFill>
-                  <a:srgbClr val="0000FF"/>
-                </a:solidFill>
-                <a:latin typeface="Andale Mono"/>
-                <a:cs typeface="Andale Mono"/>
-              </a:rPr>
-              <a:t>must be defined within a Program</a:t>
-            </a:r>
-            <a:endParaRPr lang="en-US" i="1" dirty="0" smtClean="0">
-              <a:solidFill>
-                <a:srgbClr val="0000FF"/>
-              </a:solidFill>
-              <a:latin typeface="Andale Mono"/>
-              <a:cs typeface="Andale Mono"/>
-            </a:endParaRPr>
-          </a:p>
-          <a:p>
-            <a:r>
-              <a:rPr lang="en-US" dirty="0" err="1" smtClean="0">
-                <a:solidFill>
-                  <a:schemeClr val="tx1"/>
-                </a:solidFill>
-                <a:latin typeface="Andale Mono"/>
-                <a:cs typeface="Andale Mono"/>
-              </a:rPr>
-              <a:t>UCL_Texture</a:t>
-            </a:r>
-            <a:r>
-              <a:rPr lang="en-US" dirty="0" smtClean="0">
-                <a:solidFill>
-                  <a:schemeClr val="tx1"/>
-                </a:solidFill>
-                <a:latin typeface="Andale Mono"/>
-                <a:cs typeface="Andale Mono"/>
-              </a:rPr>
-              <a:t> </a:t>
-            </a:r>
-            <a:r>
-              <a:rPr lang="en-US" dirty="0" err="1" smtClean="0">
-                <a:solidFill>
-                  <a:schemeClr val="tx1"/>
-                </a:solidFill>
-                <a:latin typeface="Andale Mono"/>
-                <a:cs typeface="Andale Mono"/>
-              </a:rPr>
-              <a:t>my_tex(my_program,”texture_name</a:t>
-            </a:r>
-            <a:r>
-              <a:rPr lang="en-US" dirty="0" smtClean="0">
-                <a:solidFill>
-                  <a:schemeClr val="tx1"/>
-                </a:solidFill>
-                <a:latin typeface="Andale Mono"/>
-                <a:cs typeface="Andale Mono"/>
-              </a:rPr>
-              <a:t>”);</a:t>
-            </a:r>
-          </a:p>
-          <a:p>
-            <a:r>
-              <a:rPr lang="en-US" i="1" dirty="0" smtClean="0">
-                <a:solidFill>
-                  <a:srgbClr val="0000FF"/>
-                </a:solidFill>
-                <a:latin typeface="Andale Mono"/>
-                <a:cs typeface="Andale Mono"/>
-              </a:rPr>
-              <a:t>//</a:t>
-            </a:r>
-            <a:r>
-              <a:rPr lang="en-US" i="1" dirty="0" smtClean="0">
-                <a:solidFill>
-                  <a:srgbClr val="0000FF"/>
-                </a:solidFill>
-                <a:latin typeface="Andale Mono"/>
-                <a:cs typeface="Andale Mono"/>
-              </a:rPr>
-              <a:t> -- or –</a:t>
+              <a:t>// -- or –</a:t>
             </a:r>
             <a:endParaRPr lang="en-US" dirty="0" smtClean="0">
               <a:solidFill>
@@ -21700,35 +21651,18 @@
                 <a:latin typeface="Andale Mono"/>
                 <a:cs typeface="Andale Mono"/>
               </a:rPr>
-              <a:t>m</a:t>
-            </a:r>
-            <a:r>
-              <a:rPr lang="en-US" dirty="0" err="1" smtClean="0">
+              <a:t>my_tex.get_texture(my_program,”texture_name</a:t>
+            </a:r>
+            <a:r>
+              <a:rPr lang="en-US" dirty="0" smtClean="0">
                 <a:solidFill>
                   <a:schemeClr val="tx1"/>
                 </a:solidFill>
                 <a:latin typeface="Andale Mono"/>
                 <a:cs typeface="Andale Mono"/>
               </a:rPr>
-              <a:t>y_tex.get_texture(my_program,”texture_name</a:t>
-            </a:r>
-            <a:r>
-              <a:rPr lang="en-US" dirty="0" smtClean="0">
-                <a:solidFill>
-                  <a:schemeClr val="tx1"/>
-                </a:solidFill>
-                <a:latin typeface="Andale Mono"/>
-                <a:cs typeface="Andale Mono"/>
-              </a:rPr>
               <a:t>”);</a:t>
             </a:r>
-            <a:endParaRPr lang="en-US" dirty="0" smtClean="0">
-              <a:solidFill>
-                <a:schemeClr val="tx1"/>
-              </a:solidFill>
-              <a:latin typeface="Andale Mono"/>
-              <a:cs typeface="Andale Mono"/>
-            </a:endParaRPr>
           </a:p>
         </p:txBody>
       </p:sp>
@@ -21869,8 +21803,96 @@
                 <a:latin typeface="Andale Mono"/>
                 <a:cs typeface="Andale Mono"/>
               </a:rPr>
-              <a:t>/</a:t>
-            </a:r>
+              <a:t>// Texture must be defined within same file</a:t>
+            </a:r>
+          </a:p>
+          <a:p>
+            <a:r>
+              <a:rPr lang="en-US" dirty="0" smtClean="0">
+                <a:solidFill>
+                  <a:schemeClr val="tx1"/>
+                </a:solidFill>
+                <a:latin typeface="Andale Mono"/>
+                <a:cs typeface="Andale Mono"/>
+              </a:rPr>
+              <a:t>texture&lt;float2&gt; </a:t>
+            </a:r>
+            <a:r>
+              <a:rPr lang="en-US" dirty="0" err="1" smtClean="0">
+                <a:solidFill>
+                  <a:schemeClr val="tx1"/>
+                </a:solidFill>
+                <a:latin typeface="Andale Mono"/>
+                <a:cs typeface="Andale Mono"/>
+              </a:rPr>
+              <a:t>tex</a:t>
+            </a:r>
+            <a:r>
+              <a:rPr lang="en-US" dirty="0" smtClean="0">
+                <a:solidFill>
+                  <a:schemeClr val="tx1"/>
+                </a:solidFill>
+                <a:latin typeface="Andale Mono"/>
+                <a:cs typeface="Andale Mono"/>
+              </a:rPr>
+              <a:t>;</a:t>
+            </a:r>
+          </a:p>
+          <a:p>
+            <a:r>
+              <a:rPr lang="en-US" dirty="0" smtClean="0">
+                <a:solidFill>
+                  <a:schemeClr val="tx1"/>
+                </a:solidFill>
+                <a:latin typeface="Andale Mono"/>
+                <a:cs typeface="Andale Mono"/>
+              </a:rPr>
+              <a:t> </a:t>
+            </a:r>
+          </a:p>
+          <a:p>
+            <a:r>
+              <a:rPr lang="en-US" dirty="0" err="1" smtClean="0">
+                <a:solidFill>
+                  <a:schemeClr val="tx1"/>
+                </a:solidFill>
+                <a:latin typeface="Andale Mono"/>
+                <a:cs typeface="Andale Mono"/>
+              </a:rPr>
+              <a:t>UCL_Texture</a:t>
+            </a:r>
+            <a:r>
+              <a:rPr lang="en-US" dirty="0" smtClean="0">
+                <a:solidFill>
+                  <a:schemeClr val="tx1"/>
+                </a:solidFill>
+                <a:latin typeface="Andale Mono"/>
+                <a:cs typeface="Andale Mono"/>
+              </a:rPr>
+              <a:t> </a:t>
+            </a:r>
+            <a:r>
+              <a:rPr lang="en-US" dirty="0" err="1" smtClean="0">
+                <a:solidFill>
+                  <a:schemeClr val="tx1"/>
+                </a:solidFill>
+                <a:latin typeface="Andale Mono"/>
+                <a:cs typeface="Andale Mono"/>
+              </a:rPr>
+              <a:t>my_tex(tex</a:t>
+            </a:r>
+            <a:r>
+              <a:rPr lang="en-US" dirty="0" smtClean="0">
+                <a:solidFill>
+                  <a:schemeClr val="tx1"/>
+                </a:solidFill>
+                <a:latin typeface="Andale Mono"/>
+                <a:cs typeface="Andale Mono"/>
+              </a:rPr>
+              <a:t>);</a:t>
+            </a:r>
+          </a:p>
+          <a:p>
             <a:r>
               <a:rPr lang="en-US" i="1" dirty="0" smtClean="0">
                 <a:solidFill>
@@ -21879,172 +21901,7 @@
                 <a:latin typeface="Andale Mono"/>
                 <a:cs typeface="Andale Mono"/>
               </a:rPr>
-              <a:t>/</a:t>
-            </a:r>
-            <a:r>
-              <a:rPr lang="en-US" i="1" dirty="0" smtClean="0">
-                <a:solidFill>
-                  <a:srgbClr val="0000FF"/>
-                </a:solidFill>
-                <a:latin typeface="Andale Mono"/>
-                <a:cs typeface="Andale Mono"/>
-              </a:rPr>
-              <a:t> </a:t>
-            </a:r>
-            <a:r>
-              <a:rPr lang="en-US" i="1" dirty="0" smtClean="0">
-                <a:solidFill>
-                  <a:srgbClr val="0000FF"/>
-                </a:solidFill>
-                <a:latin typeface="Andale Mono"/>
-                <a:cs typeface="Andale Mono"/>
-              </a:rPr>
-              <a:t>T</a:t>
-            </a:r>
-            <a:r>
-              <a:rPr lang="en-US" i="1" dirty="0" smtClean="0">
-                <a:solidFill>
-                  <a:srgbClr val="0000FF"/>
-                </a:solidFill>
-                <a:latin typeface="Andale Mono"/>
-                <a:cs typeface="Andale Mono"/>
-              </a:rPr>
-              <a:t>exture </a:t>
-            </a:r>
-            <a:r>
-              <a:rPr lang="en-US" i="1" dirty="0" smtClean="0">
-                <a:solidFill>
-                  <a:srgbClr val="0000FF"/>
-                </a:solidFill>
-                <a:latin typeface="Andale Mono"/>
-                <a:cs typeface="Andale Mono"/>
-              </a:rPr>
-              <a:t>must be defined within same file</a:t>
-            </a:r>
-            <a:endParaRPr lang="en-US" i="1" dirty="0" smtClean="0">
-              <a:solidFill>
-                <a:srgbClr val="0000FF"/>
-              </a:solidFill>
-              <a:latin typeface="Andale Mono"/>
-              <a:cs typeface="Andale Mono"/>
-            </a:endParaRPr>
-          </a:p>
-          <a:p>
-            <a:r>
-              <a:rPr lang="en-US" dirty="0" smtClean="0">
-                <a:solidFill>
-                  <a:schemeClr val="tx1"/>
-                </a:solidFill>
-                <a:latin typeface="Andale Mono"/>
-                <a:cs typeface="Andale Mono"/>
-              </a:rPr>
-              <a:t>t</a:t>
-            </a:r>
-            <a:r>
-              <a:rPr lang="en-US" dirty="0" smtClean="0">
-                <a:solidFill>
-                  <a:schemeClr val="tx1"/>
-                </a:solidFill>
-                <a:latin typeface="Andale Mono"/>
-                <a:cs typeface="Andale Mono"/>
-              </a:rPr>
-              <a:t>exture&lt;float2&gt; </a:t>
-            </a:r>
-            <a:r>
-              <a:rPr lang="en-US" dirty="0" err="1" smtClean="0">
-                <a:solidFill>
-                  <a:schemeClr val="tx1"/>
-                </a:solidFill>
-                <a:latin typeface="Andale Mono"/>
-                <a:cs typeface="Andale Mono"/>
-              </a:rPr>
-              <a:t>tex</a:t>
-            </a:r>
-            <a:r>
-              <a:rPr lang="en-US" dirty="0" smtClean="0">
-                <a:solidFill>
-                  <a:schemeClr val="tx1"/>
-                </a:solidFill>
-                <a:latin typeface="Andale Mono"/>
-                <a:cs typeface="Andale Mono"/>
-              </a:rPr>
-              <a:t>;</a:t>
-            </a:r>
-          </a:p>
-          <a:p>
-            <a:r>
-              <a:rPr lang="en-US" dirty="0" smtClean="0">
-                <a:solidFill>
-                  <a:schemeClr val="tx1"/>
-                </a:solidFill>
-                <a:latin typeface="Andale Mono"/>
-                <a:cs typeface="Andale Mono"/>
-              </a:rPr>
-              <a:t> </a:t>
-            </a:r>
-          </a:p>
-          <a:p>
-            <a:r>
-              <a:rPr lang="en-US" dirty="0" err="1" smtClean="0">
-                <a:solidFill>
-                  <a:schemeClr val="tx1"/>
-                </a:solidFill>
-                <a:latin typeface="Andale Mono"/>
-                <a:cs typeface="Andale Mono"/>
-              </a:rPr>
-              <a:t>UCL_Texture</a:t>
-            </a:r>
-            <a:r>
-              <a:rPr lang="en-US" dirty="0" smtClean="0">
-                <a:solidFill>
-                  <a:schemeClr val="tx1"/>
-                </a:solidFill>
-                <a:latin typeface="Andale Mono"/>
-                <a:cs typeface="Andale Mono"/>
-              </a:rPr>
-              <a:t> </a:t>
-            </a:r>
-            <a:r>
-              <a:rPr lang="en-US" dirty="0" err="1" smtClean="0">
-                <a:solidFill>
-                  <a:schemeClr val="tx1"/>
-                </a:solidFill>
-                <a:latin typeface="Andale Mono"/>
-                <a:cs typeface="Andale Mono"/>
-              </a:rPr>
-              <a:t>my_tex(tex</a:t>
-            </a:r>
-            <a:r>
-              <a:rPr lang="en-US" dirty="0" smtClean="0">
-                <a:solidFill>
-                  <a:schemeClr val="tx1"/>
-                </a:solidFill>
-                <a:latin typeface="Andale Mono"/>
-                <a:cs typeface="Andale Mono"/>
-              </a:rPr>
-              <a:t>);</a:t>
-            </a:r>
-          </a:p>
-          <a:p>
-            <a:r>
-              <a:rPr lang="en-US" i="1" dirty="0" smtClean="0">
-                <a:solidFill>
-                  <a:srgbClr val="0000FF"/>
-                </a:solidFill>
-                <a:latin typeface="Andale Mono"/>
-                <a:cs typeface="Andale Mono"/>
-              </a:rPr>
-              <a:t>//</a:t>
-            </a:r>
-            <a:r>
-              <a:rPr lang="en-US" i="1" dirty="0" smtClean="0">
-                <a:solidFill>
-                  <a:srgbClr val="0000FF"/>
-                </a:solidFill>
-                <a:latin typeface="Andale Mono"/>
-                <a:cs typeface="Andale Mono"/>
-              </a:rPr>
-              <a:t> -- or –</a:t>
+              <a:t>// -- or –</a:t>
             </a:r>
             <a:endParaRPr lang="en-US" dirty="0" smtClean="0">
               <a:solidFill>
@@ -22105,35 +21962,18 @@
                 <a:latin typeface="Andale Mono"/>
                 <a:cs typeface="Andale Mono"/>
               </a:rPr>
-              <a:t>m</a:t>
-            </a:r>
-            <a:r>
-              <a:rPr lang="en-US" dirty="0" err="1" smtClean="0">
+              <a:t>my_tex.get_texture(tex</a:t>
+            </a:r>
+            <a:r>
+              <a:rPr lang="en-US" dirty="0" smtClean="0">
                 <a:solidFill>
                   <a:schemeClr val="tx1"/>
                 </a:solidFill>
                 <a:latin typeface="Andale Mono"/>
                 <a:cs typeface="Andale Mono"/>
               </a:rPr>
-              <a:t>y_tex.get_texture(tex</a:t>
-            </a:r>
-            <a:r>
-              <a:rPr lang="en-US" dirty="0" smtClean="0">
-                <a:solidFill>
-                  <a:schemeClr val="tx1"/>
-                </a:solidFill>
-                <a:latin typeface="Andale Mono"/>
-                <a:cs typeface="Andale Mono"/>
-              </a:rPr>
               <a:t>);</a:t>
             </a:r>
-            <a:endParaRPr lang="en-US" dirty="0" smtClean="0">
-              <a:solidFill>
-                <a:schemeClr val="tx1"/>
-              </a:solidFill>
-              <a:latin typeface="Andale Mono"/>
-              <a:cs typeface="Andale Mono"/>
-            </a:endParaRPr>
           </a:p>
         </p:txBody>
       </p:sp>
@@ -22247,17 +22087,7 @@
                 <a:latin typeface="Andale Mono"/>
                 <a:cs typeface="Andale Mono"/>
               </a:rPr>
-              <a:t>m</a:t>
-            </a:r>
-            <a:r>
-              <a:rPr lang="en-US" dirty="0" smtClean="0">
-                <a:solidFill>
-                  <a:schemeClr val="tx1"/>
-                </a:solidFill>
-                <a:latin typeface="Andale Mono"/>
-                <a:cs typeface="Andale Mono"/>
-              </a:rPr>
-              <a:t>y_tex.bind_float(my_array.begin(),2);</a:t>
+              <a:t>my_tex.bind_float(my_array.begin(),2);</a:t>
             </a:r>
           </a:p>
           <a:p>
@@ -22278,17 +22108,7 @@
                 <a:latin typeface="Andale Mono"/>
                 <a:cs typeface="Andale Mono"/>
               </a:rPr>
-              <a:t>//</a:t>
-            </a:r>
-            <a:r>
-              <a:rPr lang="en-US" i="1" dirty="0" smtClean="0">
-                <a:solidFill>
-                  <a:srgbClr val="0000FF"/>
-                </a:solidFill>
-                <a:latin typeface="Andale Mono"/>
-                <a:cs typeface="Andale Mono"/>
-              </a:rPr>
-              <a:t> Texture is fetched within a kernel using</a:t>
+              <a:t>// Texture is fetched within a kernel using</a:t>
             </a:r>
           </a:p>
           <a:p>
@@ -22321,27 +22141,7 @@
                 <a:latin typeface="Andale Mono"/>
                 <a:cs typeface="Andale Mono"/>
               </a:rPr>
-              <a:t>/</a:t>
-            </a:r>
-            <a:r>
-              <a:rPr lang="en-US" i="1" dirty="0" smtClean="0">
-                <a:solidFill>
-                  <a:srgbClr val="0000FF"/>
-                </a:solidFill>
-                <a:latin typeface="Andale Mono"/>
-                <a:cs typeface="Andale Mono"/>
-              </a:rPr>
-              <a:t>/ To</a:t>
-            </a:r>
-            <a:r>
-              <a:rPr lang="en-US" i="1" dirty="0" smtClean="0">
-                <a:solidFill>
-                  <a:srgbClr val="0000FF"/>
-                </a:solidFill>
-                <a:latin typeface="Andale Mono"/>
-                <a:cs typeface="Andale Mono"/>
-              </a:rPr>
-              <a:t> unbind the array</a:t>
+              <a:t>// To unbind the array</a:t>
             </a:r>
             <a:endParaRPr lang="en-US" dirty="0" smtClean="0">
               <a:solidFill>
@@ -22370,17 +22170,7 @@
                 <a:latin typeface="Andale Mono"/>
                 <a:cs typeface="Andale Mono"/>
               </a:rPr>
-              <a:t>()</a:t>
-            </a:r>
-            <a:r>
-              <a:rPr lang="en-US" dirty="0" smtClean="0">
-                <a:solidFill>
-                  <a:schemeClr val="tx1"/>
-                </a:solidFill>
-                <a:latin typeface="Andale Mono"/>
-                <a:cs typeface="Andale Mono"/>
-              </a:rPr>
-              <a:t>;</a:t>
+              <a:t>();</a:t>
             </a:r>
           </a:p>
           <a:p>

--- a/geryon.pptx
+++ b/geryon.pptx
@@ -1,6 +1,6 @@
 
 <file path=ppt/presentation.xml><?xml version="1.0" encoding="utf-8"?>
-<p:presentation xmlns:a="http://schemas.openxmlformats.org/drawingml/2006/main" xmlns:r="http://schemas.openxmlformats.org/officeDocument/2006/relationships" xmlns:mc="http://schemas.openxmlformats.org/markup-compatibility/2006" xmlns:mv="urn:schemas-microsoft-com:mac:vml" xmlns:p="http://schemas.openxmlformats.org/presentationml/2006/main" mc:Ignorable="mv" mc:PreserveAttributes="mv:*" saveSubsetFonts="1" autoCompressPictures="0">
+<p:presentation xmlns:a="http://schemas.openxmlformats.org/drawingml/2006/main" xmlns:r="http://schemas.openxmlformats.org/officeDocument/2006/relationships" xmlns:p="http://schemas.openxmlformats.org/presentationml/2006/main" saveSubsetFonts="1" autoCompressPictures="0">
   <p:sldMasterIdLst>
     <p:sldMasterId id="2147485442" r:id="rId1"/>
   </p:sldMasterIdLst>
@@ -173,7 +173,7 @@
 </file>
 
 <file path=ppt/slideLayouts/slideLayout1.xml><?xml version="1.0" encoding="utf-8"?>
-<p:sldLayout xmlns:a="http://schemas.openxmlformats.org/drawingml/2006/main" xmlns:r="http://schemas.openxmlformats.org/officeDocument/2006/relationships" xmlns:mc="http://schemas.openxmlformats.org/markup-compatibility/2006" xmlns:mv="urn:schemas-microsoft-com:mac:vml" xmlns:p="http://schemas.openxmlformats.org/presentationml/2006/main" mc:Ignorable="mv" mc:PreserveAttributes="mv:*" showMasterSp="0" type="title" preserve="1">
+<p:sldLayout xmlns:a="http://schemas.openxmlformats.org/drawingml/2006/main" xmlns:r="http://schemas.openxmlformats.org/officeDocument/2006/relationships" xmlns:p="http://schemas.openxmlformats.org/presentationml/2006/main" showMasterSp="0" type="title" preserve="1">
   <p:cSld name="Title Slide">
     <p:bg>
       <p:bgRef idx="1003">
@@ -367,7 +367,7 @@
             <a:fld id="{9F85648D-267C-4F54-90B5-C36298A60516}" type="datetimeFigureOut">
               <a:rPr lang="en-US" smtClean="0"/>
               <a:pPr/>
-              <a:t>9/11/10</a:t>
+              <a:t>1/5/11</a:t>
             </a:fld>
             <a:endParaRPr lang="en-US"/>
           </a:p>
@@ -613,7 +613,7 @@
 </file>
 
 <file path=ppt/slideLayouts/slideLayout10.xml><?xml version="1.0" encoding="utf-8"?>
-<p:sldLayout xmlns:a="http://schemas.openxmlformats.org/drawingml/2006/main" xmlns:r="http://schemas.openxmlformats.org/officeDocument/2006/relationships" xmlns:mc="http://schemas.openxmlformats.org/markup-compatibility/2006" xmlns:mv="urn:schemas-microsoft-com:mac:vml" xmlns:p="http://schemas.openxmlformats.org/presentationml/2006/main" mc:Ignorable="mv" mc:PreserveAttributes="mv:*" type="vertTx" preserve="1">
+<p:sldLayout xmlns:a="http://schemas.openxmlformats.org/drawingml/2006/main" xmlns:r="http://schemas.openxmlformats.org/officeDocument/2006/relationships" xmlns:p="http://schemas.openxmlformats.org/presentationml/2006/main" type="vertTx" preserve="1">
   <p:cSld name="Title and Vertical Text">
     <p:spTree>
       <p:nvGrpSpPr>
@@ -722,7 +722,7 @@
             <a:fld id="{B99FC8A4-244F-0044-8098-5FFBFA181F2A}" type="datetimeFigureOut">
               <a:rPr lang="en-US" smtClean="0"/>
               <a:pPr/>
-              <a:t>9/11/10</a:t>
+              <a:t>1/5/11</a:t>
             </a:fld>
             <a:endParaRPr lang="en-US"/>
           </a:p>
@@ -780,7 +780,7 @@
 </file>
 
 <file path=ppt/slideLayouts/slideLayout11.xml><?xml version="1.0" encoding="utf-8"?>
-<p:sldLayout xmlns:a="http://schemas.openxmlformats.org/drawingml/2006/main" xmlns:r="http://schemas.openxmlformats.org/officeDocument/2006/relationships" xmlns:mc="http://schemas.openxmlformats.org/markup-compatibility/2006" xmlns:mv="urn:schemas-microsoft-com:mac:vml" xmlns:p="http://schemas.openxmlformats.org/presentationml/2006/main" mc:Ignorable="mv" mc:PreserveAttributes="mv:*" type="vertTitleAndTx" preserve="1">
+<p:sldLayout xmlns:a="http://schemas.openxmlformats.org/drawingml/2006/main" xmlns:r="http://schemas.openxmlformats.org/officeDocument/2006/relationships" xmlns:p="http://schemas.openxmlformats.org/presentationml/2006/main" type="vertTitleAndTx" preserve="1">
   <p:cSld name="Vertical Title and Text">
     <p:spTree>
       <p:nvGrpSpPr>
@@ -899,7 +899,7 @@
             <a:fld id="{B99FC8A4-244F-0044-8098-5FFBFA181F2A}" type="datetimeFigureOut">
               <a:rPr lang="en-US" smtClean="0"/>
               <a:pPr/>
-              <a:t>9/11/10</a:t>
+              <a:t>1/5/11</a:t>
             </a:fld>
             <a:endParaRPr lang="en-US"/>
           </a:p>
@@ -957,7 +957,7 @@
 </file>
 
 <file path=ppt/slideLayouts/slideLayout2.xml><?xml version="1.0" encoding="utf-8"?>
-<p:sldLayout xmlns:a="http://schemas.openxmlformats.org/drawingml/2006/main" xmlns:r="http://schemas.openxmlformats.org/officeDocument/2006/relationships" xmlns:mc="http://schemas.openxmlformats.org/markup-compatibility/2006" xmlns:mv="urn:schemas-microsoft-com:mac:vml" xmlns:p="http://schemas.openxmlformats.org/presentationml/2006/main" mc:Ignorable="mv" mc:PreserveAttributes="mv:*" type="obj" preserve="1">
+<p:sldLayout xmlns:a="http://schemas.openxmlformats.org/drawingml/2006/main" xmlns:r="http://schemas.openxmlformats.org/officeDocument/2006/relationships" xmlns:p="http://schemas.openxmlformats.org/presentationml/2006/main" type="obj" preserve="1">
   <p:cSld name="Title and Content">
     <p:spTree>
       <p:nvGrpSpPr>
@@ -1014,7 +1014,7 @@
             <a:fld id="{B99FC8A4-244F-0044-8098-5FFBFA181F2A}" type="datetimeFigureOut">
               <a:rPr lang="en-US" smtClean="0"/>
               <a:pPr/>
-              <a:t>9/11/10</a:t>
+              <a:t>1/5/11</a:t>
             </a:fld>
             <a:endParaRPr lang="en-US"/>
           </a:p>
@@ -1129,7 +1129,7 @@
 </file>
 
 <file path=ppt/slideLayouts/slideLayout3.xml><?xml version="1.0" encoding="utf-8"?>
-<p:sldLayout xmlns:a="http://schemas.openxmlformats.org/drawingml/2006/main" xmlns:r="http://schemas.openxmlformats.org/officeDocument/2006/relationships" xmlns:mc="http://schemas.openxmlformats.org/markup-compatibility/2006" xmlns:mv="urn:schemas-microsoft-com:mac:vml" xmlns:p="http://schemas.openxmlformats.org/presentationml/2006/main" mc:Ignorable="mv" mc:PreserveAttributes="mv:*" showMasterSp="0" type="secHead" preserve="1">
+<p:sldLayout xmlns:a="http://schemas.openxmlformats.org/drawingml/2006/main" xmlns:r="http://schemas.openxmlformats.org/officeDocument/2006/relationships" xmlns:p="http://schemas.openxmlformats.org/presentationml/2006/main" showMasterSp="0" type="secHead" preserve="1">
   <p:cSld name="Section Header">
     <p:bg>
       <p:bgRef idx="1003">
@@ -1374,7 +1374,7 @@
             <a:fld id="{74CBEAF9-9E58-4CC8-A6FF-6DD8A58DEEA4}" type="datetimeFigureOut">
               <a:rPr lang="en-US" smtClean="0"/>
               <a:pPr/>
-              <a:t>9/11/10</a:t>
+              <a:t>1/5/11</a:t>
             </a:fld>
             <a:endParaRPr lang="en-US"/>
           </a:p>
@@ -1584,7 +1584,7 @@
 </file>
 
 <file path=ppt/slideLayouts/slideLayout4.xml><?xml version="1.0" encoding="utf-8"?>
-<p:sldLayout xmlns:a="http://schemas.openxmlformats.org/drawingml/2006/main" xmlns:r="http://schemas.openxmlformats.org/officeDocument/2006/relationships" xmlns:mc="http://schemas.openxmlformats.org/markup-compatibility/2006" xmlns:mv="urn:schemas-microsoft-com:mac:vml" xmlns:p="http://schemas.openxmlformats.org/presentationml/2006/main" mc:Ignorable="mv" mc:PreserveAttributes="mv:*" type="twoObj" preserve="1">
+<p:sldLayout xmlns:a="http://schemas.openxmlformats.org/drawingml/2006/main" xmlns:r="http://schemas.openxmlformats.org/officeDocument/2006/relationships" xmlns:p="http://schemas.openxmlformats.org/presentationml/2006/main" type="twoObj" preserve="1">
   <p:cSld name="Two Content">
     <p:spTree>
       <p:nvGrpSpPr>
@@ -1641,7 +1641,7 @@
             <a:fld id="{B99FC8A4-244F-0044-8098-5FFBFA181F2A}" type="datetimeFigureOut">
               <a:rPr lang="en-US" smtClean="0"/>
               <a:pPr/>
-              <a:t>9/11/10</a:t>
+              <a:t>1/5/11</a:t>
             </a:fld>
             <a:endParaRPr lang="en-US"/>
           </a:p>
@@ -1813,7 +1813,7 @@
 </file>
 
 <file path=ppt/slideLayouts/slideLayout5.xml><?xml version="1.0" encoding="utf-8"?>
-<p:sldLayout xmlns:a="http://schemas.openxmlformats.org/drawingml/2006/main" xmlns:r="http://schemas.openxmlformats.org/officeDocument/2006/relationships" xmlns:mc="http://schemas.openxmlformats.org/markup-compatibility/2006" xmlns:mv="urn:schemas-microsoft-com:mac:vml" xmlns:p="http://schemas.openxmlformats.org/presentationml/2006/main" mc:Ignorable="mv" mc:PreserveAttributes="mv:*" type="twoTxTwoObj" preserve="1">
+<p:sldLayout xmlns:a="http://schemas.openxmlformats.org/drawingml/2006/main" xmlns:r="http://schemas.openxmlformats.org/officeDocument/2006/relationships" xmlns:p="http://schemas.openxmlformats.org/presentationml/2006/main" type="twoTxTwoObj" preserve="1">
   <p:cSld name="Comparison">
     <p:spTree>
       <p:nvGrpSpPr>
@@ -2005,7 +2005,7 @@
             <a:fld id="{B99FC8A4-244F-0044-8098-5FFBFA181F2A}" type="datetimeFigureOut">
               <a:rPr lang="en-US" smtClean="0"/>
               <a:pPr/>
-              <a:t>9/11/10</a:t>
+              <a:t>1/5/11</a:t>
             </a:fld>
             <a:endParaRPr lang="en-US"/>
           </a:p>
@@ -2177,7 +2177,7 @@
 </file>
 
 <file path=ppt/slideLayouts/slideLayout6.xml><?xml version="1.0" encoding="utf-8"?>
-<p:sldLayout xmlns:a="http://schemas.openxmlformats.org/drawingml/2006/main" xmlns:r="http://schemas.openxmlformats.org/officeDocument/2006/relationships" xmlns:mc="http://schemas.openxmlformats.org/markup-compatibility/2006" xmlns:mv="urn:schemas-microsoft-com:mac:vml" xmlns:p="http://schemas.openxmlformats.org/presentationml/2006/main" mc:Ignorable="mv" mc:PreserveAttributes="mv:*" type="titleOnly" preserve="1">
+<p:sldLayout xmlns:a="http://schemas.openxmlformats.org/drawingml/2006/main" xmlns:r="http://schemas.openxmlformats.org/officeDocument/2006/relationships" xmlns:p="http://schemas.openxmlformats.org/presentationml/2006/main" type="titleOnly" preserve="1">
   <p:cSld name="Title Only">
     <p:spTree>
       <p:nvGrpSpPr>
@@ -2234,7 +2234,7 @@
             <a:fld id="{B99FC8A4-244F-0044-8098-5FFBFA181F2A}" type="datetimeFigureOut">
               <a:rPr lang="en-US" smtClean="0"/>
               <a:pPr/>
-              <a:t>9/11/10</a:t>
+              <a:t>1/5/11</a:t>
             </a:fld>
             <a:endParaRPr lang="en-US"/>
           </a:p>
@@ -2292,7 +2292,7 @@
 </file>
 
 <file path=ppt/slideLayouts/slideLayout7.xml><?xml version="1.0" encoding="utf-8"?>
-<p:sldLayout xmlns:a="http://schemas.openxmlformats.org/drawingml/2006/main" xmlns:r="http://schemas.openxmlformats.org/officeDocument/2006/relationships" xmlns:mc="http://schemas.openxmlformats.org/markup-compatibility/2006" xmlns:mv="urn:schemas-microsoft-com:mac:vml" xmlns:p="http://schemas.openxmlformats.org/presentationml/2006/main" mc:Ignorable="mv" mc:PreserveAttributes="mv:*" type="blank" preserve="1">
+<p:sldLayout xmlns:a="http://schemas.openxmlformats.org/drawingml/2006/main" xmlns:r="http://schemas.openxmlformats.org/officeDocument/2006/relationships" xmlns:p="http://schemas.openxmlformats.org/presentationml/2006/main" type="blank" preserve="1">
   <p:cSld name="Blank">
     <p:spTree>
       <p:nvGrpSpPr>
@@ -2326,7 +2326,7 @@
             <a:fld id="{B99FC8A4-244F-0044-8098-5FFBFA181F2A}" type="datetimeFigureOut">
               <a:rPr lang="en-US" smtClean="0"/>
               <a:pPr/>
-              <a:t>9/11/10</a:t>
+              <a:t>1/5/11</a:t>
             </a:fld>
             <a:endParaRPr lang="en-US"/>
           </a:p>
@@ -2384,7 +2384,7 @@
 </file>
 
 <file path=ppt/slideLayouts/slideLayout8.xml><?xml version="1.0" encoding="utf-8"?>
-<p:sldLayout xmlns:a="http://schemas.openxmlformats.org/drawingml/2006/main" xmlns:r="http://schemas.openxmlformats.org/officeDocument/2006/relationships" xmlns:mc="http://schemas.openxmlformats.org/markup-compatibility/2006" xmlns:mv="urn:schemas-microsoft-com:mac:vml" xmlns:p="http://schemas.openxmlformats.org/presentationml/2006/main" mc:Ignorable="mv" mc:PreserveAttributes="mv:*" type="objTx" preserve="1">
+<p:sldLayout xmlns:a="http://schemas.openxmlformats.org/drawingml/2006/main" xmlns:r="http://schemas.openxmlformats.org/officeDocument/2006/relationships" xmlns:p="http://schemas.openxmlformats.org/presentationml/2006/main" type="objTx" preserve="1">
   <p:cSld name="Content with Caption">
     <p:spTree>
       <p:nvGrpSpPr>
@@ -2595,7 +2595,7 @@
             <a:fld id="{B99FC8A4-244F-0044-8098-5FFBFA181F2A}" type="datetimeFigureOut">
               <a:rPr lang="en-US" smtClean="0"/>
               <a:pPr/>
-              <a:t>9/11/10</a:t>
+              <a:t>1/5/11</a:t>
             </a:fld>
             <a:endParaRPr lang="en-US"/>
           </a:p>
@@ -2710,7 +2710,7 @@
 </file>
 
 <file path=ppt/slideLayouts/slideLayout9.xml><?xml version="1.0" encoding="utf-8"?>
-<p:sldLayout xmlns:a="http://schemas.openxmlformats.org/drawingml/2006/main" xmlns:r="http://schemas.openxmlformats.org/officeDocument/2006/relationships" xmlns:mc="http://schemas.openxmlformats.org/markup-compatibility/2006" xmlns:mv="urn:schemas-microsoft-com:mac:vml" xmlns:p="http://schemas.openxmlformats.org/presentationml/2006/main" mc:Ignorable="mv" mc:PreserveAttributes="mv:*" type="picTx" preserve="1">
+<p:sldLayout xmlns:a="http://schemas.openxmlformats.org/drawingml/2006/main" xmlns:r="http://schemas.openxmlformats.org/officeDocument/2006/relationships" xmlns:p="http://schemas.openxmlformats.org/presentationml/2006/main" type="picTx" preserve="1">
   <p:cSld name="Picture with Caption">
     <p:spTree>
       <p:nvGrpSpPr>
@@ -2825,7 +2825,7 @@
             <a:fld id="{B99FC8A4-244F-0044-8098-5FFBFA181F2A}" type="datetimeFigureOut">
               <a:rPr lang="en-US" smtClean="0"/>
               <a:pPr/>
-              <a:t>9/11/10</a:t>
+              <a:t>1/5/11</a:t>
             </a:fld>
             <a:endParaRPr lang="en-US"/>
           </a:p>
@@ -3082,7 +3082,7 @@
 </file>
 
 <file path=ppt/slideMasters/slideMaster1.xml><?xml version="1.0" encoding="utf-8"?>
-<p:sldMaster xmlns:a="http://schemas.openxmlformats.org/drawingml/2006/main" xmlns:r="http://schemas.openxmlformats.org/officeDocument/2006/relationships" xmlns:mc="http://schemas.openxmlformats.org/markup-compatibility/2006" xmlns:mv="urn:schemas-microsoft-com:mac:vml" xmlns:p="http://schemas.openxmlformats.org/presentationml/2006/main" mc:Ignorable="mv" mc:PreserveAttributes="mv:*">
+<p:sldMaster xmlns:a="http://schemas.openxmlformats.org/drawingml/2006/main" xmlns:r="http://schemas.openxmlformats.org/officeDocument/2006/relationships" xmlns:p="http://schemas.openxmlformats.org/presentationml/2006/main">
   <p:cSld>
     <p:bg>
       <p:bgRef idx="1001">
@@ -3326,7 +3326,7 @@
             <a:fld id="{B99FC8A4-244F-0044-8098-5FFBFA181F2A}" type="datetimeFigureOut">
               <a:rPr lang="en-US" smtClean="0"/>
               <a:pPr/>
-              <a:t>9/11/10</a:t>
+              <a:t>1/5/11</a:t>
             </a:fld>
             <a:endParaRPr lang="en-US"/>
           </a:p>
@@ -3715,7 +3715,7 @@
 </file>
 
 <file path=ppt/slides/slide1.xml><?xml version="1.0" encoding="utf-8"?>
-<p:sld xmlns:a="http://schemas.openxmlformats.org/drawingml/2006/main" xmlns:r="http://schemas.openxmlformats.org/officeDocument/2006/relationships" xmlns:mc="http://schemas.openxmlformats.org/markup-compatibility/2006" xmlns:mv="urn:schemas-microsoft-com:mac:vml" xmlns:p="http://schemas.openxmlformats.org/presentationml/2006/main" mc:Ignorable="mv" mc:PreserveAttributes="mv:*">
+<p:sld xmlns:a="http://schemas.openxmlformats.org/drawingml/2006/main" xmlns:r="http://schemas.openxmlformats.org/officeDocument/2006/relationships" xmlns:p="http://schemas.openxmlformats.org/presentationml/2006/main">
   <p:cSld>
     <p:spTree>
       <p:nvGrpSpPr>
@@ -3846,7 +3846,7 @@
             <a:fld id="{B78C6173-A124-044B-A6DC-2740D4C46ECF}" type="datetime1">
               <a:rPr lang="en-US" sz="1200" i="0" smtClean="0"/>
               <a:pPr algn="r"/>
-              <a:t>9/11/10</a:t>
+              <a:t>1/5/11</a:t>
             </a:fld>
             <a:endParaRPr lang="en-US" sz="1200" dirty="0"/>
           </a:p>
@@ -3884,7 +3884,7 @@
   <p:timing>
     <p:tnLst>
       <p:par>
-        <p:cTn id="1" dur="indefinite" restart="never" nodeType="tmRoot"/>
+        <p:cTn xmlns:p14="http://schemas.microsoft.com/office/powerpoint/2010/main" id="1" dur="indefinite" restart="never" nodeType="tmRoot"/>
       </p:par>
     </p:tnLst>
   </p:timing>
@@ -3892,7 +3892,7 @@
 </file>
 
 <file path=ppt/slides/slide10.xml><?xml version="1.0" encoding="utf-8"?>
-<p:sld xmlns:a="http://schemas.openxmlformats.org/drawingml/2006/main" xmlns:r="http://schemas.openxmlformats.org/officeDocument/2006/relationships" xmlns:mc="http://schemas.openxmlformats.org/markup-compatibility/2006" xmlns:mv="urn:schemas-microsoft-com:mac:vml" xmlns:p="http://schemas.openxmlformats.org/presentationml/2006/main" mc:Ignorable="mv" mc:PreserveAttributes="mv:*">
+<p:sld xmlns:a="http://schemas.openxmlformats.org/drawingml/2006/main" xmlns:r="http://schemas.openxmlformats.org/officeDocument/2006/relationships" xmlns:p="http://schemas.openxmlformats.org/presentationml/2006/main">
   <p:cSld>
     <p:spTree>
       <p:nvGrpSpPr>
@@ -4452,7 +4452,7 @@
   <p:timing>
     <p:tnLst>
       <p:par>
-        <p:cTn id="1" dur="indefinite" restart="never" nodeType="tmRoot"/>
+        <p:cTn xmlns:p14="http://schemas.microsoft.com/office/powerpoint/2010/main" id="1" dur="indefinite" restart="never" nodeType="tmRoot"/>
       </p:par>
     </p:tnLst>
   </p:timing>
@@ -4460,7 +4460,7 @@
 </file>
 
 <file path=ppt/slides/slide11.xml><?xml version="1.0" encoding="utf-8"?>
-<p:sld xmlns:a="http://schemas.openxmlformats.org/drawingml/2006/main" xmlns:r="http://schemas.openxmlformats.org/officeDocument/2006/relationships" xmlns:mc="http://schemas.openxmlformats.org/markup-compatibility/2006" xmlns:mv="urn:schemas-microsoft-com:mac:vml" xmlns:p="http://schemas.openxmlformats.org/presentationml/2006/main" mc:Ignorable="mv" mc:PreserveAttributes="mv:*">
+<p:sld xmlns:a="http://schemas.openxmlformats.org/drawingml/2006/main" xmlns:r="http://schemas.openxmlformats.org/officeDocument/2006/relationships" xmlns:p="http://schemas.openxmlformats.org/presentationml/2006/main">
   <p:cSld>
     <p:spTree>
       <p:nvGrpSpPr>
@@ -4530,7 +4530,7 @@
   <p:timing>
     <p:tnLst>
       <p:par>
-        <p:cTn id="1" dur="indefinite" restart="never" nodeType="tmRoot"/>
+        <p:cTn xmlns:p14="http://schemas.microsoft.com/office/powerpoint/2010/main" id="1" dur="indefinite" restart="never" nodeType="tmRoot"/>
       </p:par>
     </p:tnLst>
   </p:timing>
@@ -4538,7 +4538,7 @@
 </file>
 
 <file path=ppt/slides/slide12.xml><?xml version="1.0" encoding="utf-8"?>
-<p:sld xmlns:a="http://schemas.openxmlformats.org/drawingml/2006/main" xmlns:r="http://schemas.openxmlformats.org/officeDocument/2006/relationships" xmlns:mc="http://schemas.openxmlformats.org/markup-compatibility/2006" xmlns:mv="urn:schemas-microsoft-com:mac:vml" xmlns:p="http://schemas.openxmlformats.org/presentationml/2006/main" mc:Ignorable="mv" mc:PreserveAttributes="mv:*">
+<p:sld xmlns:a="http://schemas.openxmlformats.org/drawingml/2006/main" xmlns:r="http://schemas.openxmlformats.org/officeDocument/2006/relationships" xmlns:p="http://schemas.openxmlformats.org/presentationml/2006/main">
   <p:cSld>
     <p:spTree>
       <p:nvGrpSpPr>
@@ -4962,7 +4962,7 @@
   <p:timing>
     <p:tnLst>
       <p:par>
-        <p:cTn id="1" dur="indefinite" restart="never" nodeType="tmRoot"/>
+        <p:cTn xmlns:p14="http://schemas.microsoft.com/office/powerpoint/2010/main" id="1" dur="indefinite" restart="never" nodeType="tmRoot"/>
       </p:par>
     </p:tnLst>
   </p:timing>
@@ -4970,7 +4970,7 @@
 </file>
 
 <file path=ppt/slides/slide13.xml><?xml version="1.0" encoding="utf-8"?>
-<p:sld xmlns:a="http://schemas.openxmlformats.org/drawingml/2006/main" xmlns:r="http://schemas.openxmlformats.org/officeDocument/2006/relationships" xmlns:mc="http://schemas.openxmlformats.org/markup-compatibility/2006" xmlns:mv="urn:schemas-microsoft-com:mac:vml" xmlns:p="http://schemas.openxmlformats.org/presentationml/2006/main" mc:Ignorable="mv" mc:PreserveAttributes="mv:*">
+<p:sld xmlns:a="http://schemas.openxmlformats.org/drawingml/2006/main" xmlns:r="http://schemas.openxmlformats.org/officeDocument/2006/relationships" xmlns:p="http://schemas.openxmlformats.org/presentationml/2006/main">
   <p:cSld>
     <p:spTree>
       <p:nvGrpSpPr>
@@ -5142,7 +5142,7 @@
   <p:timing>
     <p:tnLst>
       <p:par>
-        <p:cTn id="1" dur="indefinite" restart="never" nodeType="tmRoot"/>
+        <p:cTn xmlns:p14="http://schemas.microsoft.com/office/powerpoint/2010/main" id="1" dur="indefinite" restart="never" nodeType="tmRoot"/>
       </p:par>
     </p:tnLst>
   </p:timing>
@@ -5150,7 +5150,7 @@
 </file>
 
 <file path=ppt/slides/slide14.xml><?xml version="1.0" encoding="utf-8"?>
-<p:sld xmlns:a="http://schemas.openxmlformats.org/drawingml/2006/main" xmlns:r="http://schemas.openxmlformats.org/officeDocument/2006/relationships" xmlns:mc="http://schemas.openxmlformats.org/markup-compatibility/2006" xmlns:mv="urn:schemas-microsoft-com:mac:vml" xmlns:p="http://schemas.openxmlformats.org/presentationml/2006/main" mc:Ignorable="mv" mc:PreserveAttributes="mv:*">
+<p:sld xmlns:a="http://schemas.openxmlformats.org/drawingml/2006/main" xmlns:r="http://schemas.openxmlformats.org/officeDocument/2006/relationships" xmlns:p="http://schemas.openxmlformats.org/presentationml/2006/main">
   <p:cSld>
     <p:spTree>
       <p:nvGrpSpPr>
@@ -5220,7 +5220,7 @@
   <p:timing>
     <p:tnLst>
       <p:par>
-        <p:cTn id="1" dur="indefinite" restart="never" nodeType="tmRoot"/>
+        <p:cTn xmlns:p14="http://schemas.microsoft.com/office/powerpoint/2010/main" id="1" dur="indefinite" restart="never" nodeType="tmRoot"/>
       </p:par>
     </p:tnLst>
   </p:timing>
@@ -5228,7 +5228,7 @@
 </file>
 
 <file path=ppt/slides/slide15.xml><?xml version="1.0" encoding="utf-8"?>
-<p:sld xmlns:a="http://schemas.openxmlformats.org/drawingml/2006/main" xmlns:r="http://schemas.openxmlformats.org/officeDocument/2006/relationships" xmlns:mc="http://schemas.openxmlformats.org/markup-compatibility/2006" xmlns:mv="urn:schemas-microsoft-com:mac:vml" xmlns:p="http://schemas.openxmlformats.org/presentationml/2006/main" mc:Ignorable="mv" mc:PreserveAttributes="mv:*">
+<p:sld xmlns:a="http://schemas.openxmlformats.org/drawingml/2006/main" xmlns:r="http://schemas.openxmlformats.org/officeDocument/2006/relationships" xmlns:p="http://schemas.openxmlformats.org/presentationml/2006/main">
   <p:cSld>
     <p:spTree>
       <p:nvGrpSpPr>
@@ -5359,7 +5359,7 @@
   <p:timing>
     <p:tnLst>
       <p:par>
-        <p:cTn id="1" dur="indefinite" restart="never" nodeType="tmRoot"/>
+        <p:cTn xmlns:p14="http://schemas.microsoft.com/office/powerpoint/2010/main" id="1" dur="indefinite" restart="never" nodeType="tmRoot"/>
       </p:par>
     </p:tnLst>
   </p:timing>
@@ -5367,7 +5367,7 @@
 </file>
 
 <file path=ppt/slides/slide16.xml><?xml version="1.0" encoding="utf-8"?>
-<p:sld xmlns:a="http://schemas.openxmlformats.org/drawingml/2006/main" xmlns:r="http://schemas.openxmlformats.org/officeDocument/2006/relationships" xmlns:mc="http://schemas.openxmlformats.org/markup-compatibility/2006" xmlns:mv="urn:schemas-microsoft-com:mac:vml" xmlns:p="http://schemas.openxmlformats.org/presentationml/2006/main" mc:Ignorable="mv" mc:PreserveAttributes="mv:*">
+<p:sld xmlns:a="http://schemas.openxmlformats.org/drawingml/2006/main" xmlns:r="http://schemas.openxmlformats.org/officeDocument/2006/relationships" xmlns:p="http://schemas.openxmlformats.org/presentationml/2006/main">
   <p:cSld>
     <p:spTree>
       <p:nvGrpSpPr>
@@ -5462,7 +5462,7 @@
   <p:timing>
     <p:tnLst>
       <p:par>
-        <p:cTn id="1" dur="indefinite" restart="never" nodeType="tmRoot"/>
+        <p:cTn xmlns:p14="http://schemas.microsoft.com/office/powerpoint/2010/main" id="1" dur="indefinite" restart="never" nodeType="tmRoot"/>
       </p:par>
     </p:tnLst>
   </p:timing>
@@ -5470,7 +5470,7 @@
 </file>
 
 <file path=ppt/slides/slide17.xml><?xml version="1.0" encoding="utf-8"?>
-<p:sld xmlns:a="http://schemas.openxmlformats.org/drawingml/2006/main" xmlns:r="http://schemas.openxmlformats.org/officeDocument/2006/relationships" xmlns:mc="http://schemas.openxmlformats.org/markup-compatibility/2006" xmlns:mv="urn:schemas-microsoft-com:mac:vml" xmlns:p="http://schemas.openxmlformats.org/presentationml/2006/main" mc:Ignorable="mv" mc:PreserveAttributes="mv:*">
+<p:sld xmlns:a="http://schemas.openxmlformats.org/drawingml/2006/main" xmlns:r="http://schemas.openxmlformats.org/officeDocument/2006/relationships" xmlns:p="http://schemas.openxmlformats.org/presentationml/2006/main">
   <p:cSld>
     <p:spTree>
       <p:nvGrpSpPr>
@@ -5564,7 +5564,7 @@
   <p:timing>
     <p:tnLst>
       <p:par>
-        <p:cTn id="1" dur="indefinite" restart="never" nodeType="tmRoot"/>
+        <p:cTn xmlns:p14="http://schemas.microsoft.com/office/powerpoint/2010/main" id="1" dur="indefinite" restart="never" nodeType="tmRoot"/>
       </p:par>
     </p:tnLst>
   </p:timing>
@@ -5572,7 +5572,7 @@
 </file>
 
 <file path=ppt/slides/slide18.xml><?xml version="1.0" encoding="utf-8"?>
-<p:sld xmlns:a="http://schemas.openxmlformats.org/drawingml/2006/main" xmlns:r="http://schemas.openxmlformats.org/officeDocument/2006/relationships" xmlns:mc="http://schemas.openxmlformats.org/markup-compatibility/2006" xmlns:mv="urn:schemas-microsoft-com:mac:vml" xmlns:p="http://schemas.openxmlformats.org/presentationml/2006/main" mc:Ignorable="mv" mc:PreserveAttributes="mv:*">
+<p:sld xmlns:a="http://schemas.openxmlformats.org/drawingml/2006/main" xmlns:r="http://schemas.openxmlformats.org/officeDocument/2006/relationships" xmlns:p="http://schemas.openxmlformats.org/presentationml/2006/main">
   <p:cSld>
     <p:spTree>
       <p:nvGrpSpPr>
@@ -5918,7 +5918,7 @@
   <p:timing>
     <p:tnLst>
       <p:par>
-        <p:cTn id="1" dur="indefinite" restart="never" nodeType="tmRoot"/>
+        <p:cTn xmlns:p14="http://schemas.microsoft.com/office/powerpoint/2010/main" id="1" dur="indefinite" restart="never" nodeType="tmRoot"/>
       </p:par>
     </p:tnLst>
   </p:timing>
@@ -5926,7 +5926,7 @@
 </file>
 
 <file path=ppt/slides/slide19.xml><?xml version="1.0" encoding="utf-8"?>
-<p:sld xmlns:a="http://schemas.openxmlformats.org/drawingml/2006/main" xmlns:r="http://schemas.openxmlformats.org/officeDocument/2006/relationships" xmlns:mc="http://schemas.openxmlformats.org/markup-compatibility/2006" xmlns:mv="urn:schemas-microsoft-com:mac:vml" xmlns:p="http://schemas.openxmlformats.org/presentationml/2006/main" mc:Ignorable="mv" mc:PreserveAttributes="mv:*">
+<p:sld xmlns:a="http://schemas.openxmlformats.org/drawingml/2006/main" xmlns:r="http://schemas.openxmlformats.org/officeDocument/2006/relationships" xmlns:p="http://schemas.openxmlformats.org/presentationml/2006/main">
   <p:cSld>
     <p:spTree>
       <p:nvGrpSpPr>
@@ -6264,7 +6264,7 @@
   <p:timing>
     <p:tnLst>
       <p:par>
-        <p:cTn id="1" dur="indefinite" restart="never" nodeType="tmRoot"/>
+        <p:cTn xmlns:p14="http://schemas.microsoft.com/office/powerpoint/2010/main" id="1" dur="indefinite" restart="never" nodeType="tmRoot"/>
       </p:par>
     </p:tnLst>
   </p:timing>
@@ -6272,7 +6272,7 @@
 </file>
 
 <file path=ppt/slides/slide2.xml><?xml version="1.0" encoding="utf-8"?>
-<p:sld xmlns:a="http://schemas.openxmlformats.org/drawingml/2006/main" xmlns:r="http://schemas.openxmlformats.org/officeDocument/2006/relationships" xmlns:mc="http://schemas.openxmlformats.org/markup-compatibility/2006" xmlns:mv="urn:schemas-microsoft-com:mac:vml" xmlns:p="http://schemas.openxmlformats.org/presentationml/2006/main" mc:Ignorable="mv" mc:PreserveAttributes="mv:*">
+<p:sld xmlns:a="http://schemas.openxmlformats.org/drawingml/2006/main" xmlns:r="http://schemas.openxmlformats.org/officeDocument/2006/relationships" xmlns:p="http://schemas.openxmlformats.org/presentationml/2006/main">
   <p:cSld>
     <p:spTree>
       <p:nvGrpSpPr>
@@ -6390,7 +6390,6 @@
                         <a:rPr lang="en-US" baseline="0" dirty="0" smtClean="0"/>
                         <a:t>Currently the most used API for NVIDIA hardware</a:t>
                       </a:r>
-                      <a:endParaRPr lang="en-US" baseline="0" dirty="0" smtClean="0"/>
                     </a:p>
                     <a:p>
                       <a:pPr>
@@ -6399,11 +6398,7 @@
                       </a:pPr>
                       <a:r>
                         <a:rPr lang="en-US" baseline="0" dirty="0" smtClean="0"/>
-                        <a:t>Compared </a:t>
-                      </a:r>
-                      <a:r>
-                        <a:rPr lang="en-US" baseline="0" dirty="0" smtClean="0"/>
-                        <a:t>to </a:t>
+                        <a:t>Compared to </a:t>
                       </a:r>
                       <a:r>
                         <a:rPr lang="en-US" baseline="0" dirty="0" err="1" smtClean="0"/>
@@ -6533,7 +6528,7 @@
   <p:timing>
     <p:tnLst>
       <p:par>
-        <p:cTn id="1" dur="indefinite" restart="never" nodeType="tmRoot"/>
+        <p:cTn xmlns:p14="http://schemas.microsoft.com/office/powerpoint/2010/main" id="1" dur="indefinite" restart="never" nodeType="tmRoot"/>
       </p:par>
     </p:tnLst>
   </p:timing>
@@ -6541,7 +6536,7 @@
 </file>
 
 <file path=ppt/slides/slide20.xml><?xml version="1.0" encoding="utf-8"?>
-<p:sld xmlns:a="http://schemas.openxmlformats.org/drawingml/2006/main" xmlns:r="http://schemas.openxmlformats.org/officeDocument/2006/relationships" xmlns:mc="http://schemas.openxmlformats.org/markup-compatibility/2006" xmlns:mv="urn:schemas-microsoft-com:mac:vml" xmlns:p="http://schemas.openxmlformats.org/presentationml/2006/main" mc:Ignorable="mv" mc:PreserveAttributes="mv:*">
+<p:sld xmlns:a="http://schemas.openxmlformats.org/drawingml/2006/main" xmlns:r="http://schemas.openxmlformats.org/officeDocument/2006/relationships" xmlns:p="http://schemas.openxmlformats.org/presentationml/2006/main">
   <p:cSld>
     <p:spTree>
       <p:nvGrpSpPr>
@@ -6632,7 +6627,7 @@
   <p:timing>
     <p:tnLst>
       <p:par>
-        <p:cTn id="1" dur="indefinite" restart="never" nodeType="tmRoot"/>
+        <p:cTn xmlns:p14="http://schemas.microsoft.com/office/powerpoint/2010/main" id="1" dur="indefinite" restart="never" nodeType="tmRoot"/>
       </p:par>
     </p:tnLst>
   </p:timing>
@@ -6640,7 +6635,7 @@
 </file>
 
 <file path=ppt/slides/slide21.xml><?xml version="1.0" encoding="utf-8"?>
-<p:sld xmlns:a="http://schemas.openxmlformats.org/drawingml/2006/main" xmlns:r="http://schemas.openxmlformats.org/officeDocument/2006/relationships" xmlns:mc="http://schemas.openxmlformats.org/markup-compatibility/2006" xmlns:mv="urn:schemas-microsoft-com:mac:vml" xmlns:p="http://schemas.openxmlformats.org/presentationml/2006/main" mc:Ignorable="mv" mc:PreserveAttributes="mv:*">
+<p:sld xmlns:a="http://schemas.openxmlformats.org/drawingml/2006/main" xmlns:r="http://schemas.openxmlformats.org/officeDocument/2006/relationships" xmlns:p="http://schemas.openxmlformats.org/presentationml/2006/main">
   <p:cSld>
     <p:spTree>
       <p:nvGrpSpPr>
@@ -7293,7 +7288,7 @@
   <p:timing>
     <p:tnLst>
       <p:par>
-        <p:cTn id="1" dur="indefinite" restart="never" nodeType="tmRoot"/>
+        <p:cTn xmlns:p14="http://schemas.microsoft.com/office/powerpoint/2010/main" id="1" dur="indefinite" restart="never" nodeType="tmRoot"/>
       </p:par>
     </p:tnLst>
   </p:timing>
@@ -7301,7 +7296,7 @@
 </file>
 
 <file path=ppt/slides/slide22.xml><?xml version="1.0" encoding="utf-8"?>
-<p:sld xmlns:a="http://schemas.openxmlformats.org/drawingml/2006/main" xmlns:r="http://schemas.openxmlformats.org/officeDocument/2006/relationships" xmlns:mc="http://schemas.openxmlformats.org/markup-compatibility/2006" xmlns:mv="urn:schemas-microsoft-com:mac:vml" xmlns:p="http://schemas.openxmlformats.org/presentationml/2006/main" mc:Ignorable="mv" mc:PreserveAttributes="mv:*">
+<p:sld xmlns:a="http://schemas.openxmlformats.org/drawingml/2006/main" xmlns:r="http://schemas.openxmlformats.org/officeDocument/2006/relationships" xmlns:p="http://schemas.openxmlformats.org/presentationml/2006/main">
   <p:cSld>
     <p:spTree>
       <p:nvGrpSpPr>
@@ -7821,7 +7816,7 @@
   <p:timing>
     <p:tnLst>
       <p:par>
-        <p:cTn id="1" dur="indefinite" restart="never" nodeType="tmRoot"/>
+        <p:cTn xmlns:p14="http://schemas.microsoft.com/office/powerpoint/2010/main" id="1" dur="indefinite" restart="never" nodeType="tmRoot"/>
       </p:par>
     </p:tnLst>
   </p:timing>
@@ -7829,7 +7824,7 @@
 </file>
 
 <file path=ppt/slides/slide23.xml><?xml version="1.0" encoding="utf-8"?>
-<p:sld xmlns:a="http://schemas.openxmlformats.org/drawingml/2006/main" xmlns:r="http://schemas.openxmlformats.org/officeDocument/2006/relationships" xmlns:mc="http://schemas.openxmlformats.org/markup-compatibility/2006" xmlns:mv="urn:schemas-microsoft-com:mac:vml" xmlns:p="http://schemas.openxmlformats.org/presentationml/2006/main" mc:Ignorable="mv" mc:PreserveAttributes="mv:*">
+<p:sld xmlns:a="http://schemas.openxmlformats.org/drawingml/2006/main" xmlns:r="http://schemas.openxmlformats.org/officeDocument/2006/relationships" xmlns:p="http://schemas.openxmlformats.org/presentationml/2006/main">
   <p:cSld>
     <p:spTree>
       <p:nvGrpSpPr>
@@ -8209,7 +8204,7 @@
   <p:timing>
     <p:tnLst>
       <p:par>
-        <p:cTn id="1" dur="indefinite" restart="never" nodeType="tmRoot"/>
+        <p:cTn xmlns:p14="http://schemas.microsoft.com/office/powerpoint/2010/main" id="1" dur="indefinite" restart="never" nodeType="tmRoot"/>
       </p:par>
     </p:tnLst>
   </p:timing>
@@ -8217,7 +8212,7 @@
 </file>
 
 <file path=ppt/slides/slide24.xml><?xml version="1.0" encoding="utf-8"?>
-<p:sld xmlns:a="http://schemas.openxmlformats.org/drawingml/2006/main" xmlns:r="http://schemas.openxmlformats.org/officeDocument/2006/relationships" xmlns:mc="http://schemas.openxmlformats.org/markup-compatibility/2006" xmlns:mv="urn:schemas-microsoft-com:mac:vml" xmlns:p="http://schemas.openxmlformats.org/presentationml/2006/main" mc:Ignorable="mv" mc:PreserveAttributes="mv:*">
+<p:sld xmlns:a="http://schemas.openxmlformats.org/drawingml/2006/main" xmlns:r="http://schemas.openxmlformats.org/officeDocument/2006/relationships" xmlns:p="http://schemas.openxmlformats.org/presentationml/2006/main">
   <p:cSld>
     <p:spTree>
       <p:nvGrpSpPr>
@@ -8520,7 +8515,7 @@
   <p:timing>
     <p:tnLst>
       <p:par>
-        <p:cTn id="1" dur="indefinite" restart="never" nodeType="tmRoot"/>
+        <p:cTn xmlns:p14="http://schemas.microsoft.com/office/powerpoint/2010/main" id="1" dur="indefinite" restart="never" nodeType="tmRoot"/>
       </p:par>
     </p:tnLst>
   </p:timing>
@@ -8528,7 +8523,7 @@
 </file>
 
 <file path=ppt/slides/slide25.xml><?xml version="1.0" encoding="utf-8"?>
-<p:sld xmlns:a="http://schemas.openxmlformats.org/drawingml/2006/main" xmlns:r="http://schemas.openxmlformats.org/officeDocument/2006/relationships" xmlns:mc="http://schemas.openxmlformats.org/markup-compatibility/2006" xmlns:mv="urn:schemas-microsoft-com:mac:vml" xmlns:p="http://schemas.openxmlformats.org/presentationml/2006/main" mc:Ignorable="mv" mc:PreserveAttributes="mv:*">
+<p:sld xmlns:a="http://schemas.openxmlformats.org/drawingml/2006/main" xmlns:r="http://schemas.openxmlformats.org/officeDocument/2006/relationships" xmlns:p="http://schemas.openxmlformats.org/presentationml/2006/main">
   <p:cSld>
     <p:spTree>
       <p:nvGrpSpPr>
@@ -8928,7 +8923,7 @@
   <p:timing>
     <p:tnLst>
       <p:par>
-        <p:cTn id="1" dur="indefinite" restart="never" nodeType="tmRoot"/>
+        <p:cTn xmlns:p14="http://schemas.microsoft.com/office/powerpoint/2010/main" id="1" dur="indefinite" restart="never" nodeType="tmRoot"/>
       </p:par>
     </p:tnLst>
   </p:timing>
@@ -8936,7 +8931,7 @@
 </file>
 
 <file path=ppt/slides/slide26.xml><?xml version="1.0" encoding="utf-8"?>
-<p:sld xmlns:a="http://schemas.openxmlformats.org/drawingml/2006/main" xmlns:r="http://schemas.openxmlformats.org/officeDocument/2006/relationships" xmlns:mc="http://schemas.openxmlformats.org/markup-compatibility/2006" xmlns:mv="urn:schemas-microsoft-com:mac:vml" xmlns:p="http://schemas.openxmlformats.org/presentationml/2006/main" mc:Ignorable="mv" mc:PreserveAttributes="mv:*">
+<p:sld xmlns:a="http://schemas.openxmlformats.org/drawingml/2006/main" xmlns:r="http://schemas.openxmlformats.org/officeDocument/2006/relationships" xmlns:p="http://schemas.openxmlformats.org/presentationml/2006/main">
   <p:cSld>
     <p:spTree>
       <p:nvGrpSpPr>
@@ -9137,7 +9132,7 @@
   <p:timing>
     <p:tnLst>
       <p:par>
-        <p:cTn id="1" dur="indefinite" restart="never" nodeType="tmRoot"/>
+        <p:cTn xmlns:p14="http://schemas.microsoft.com/office/powerpoint/2010/main" id="1" dur="indefinite" restart="never" nodeType="tmRoot"/>
       </p:par>
     </p:tnLst>
   </p:timing>
@@ -9145,7 +9140,7 @@
 </file>
 
 <file path=ppt/slides/slide27.xml><?xml version="1.0" encoding="utf-8"?>
-<p:sld xmlns:a="http://schemas.openxmlformats.org/drawingml/2006/main" xmlns:r="http://schemas.openxmlformats.org/officeDocument/2006/relationships" xmlns:mc="http://schemas.openxmlformats.org/markup-compatibility/2006" xmlns:mv="urn:schemas-microsoft-com:mac:vml" xmlns:p="http://schemas.openxmlformats.org/presentationml/2006/main" mc:Ignorable="mv" mc:PreserveAttributes="mv:*">
+<p:sld xmlns:a="http://schemas.openxmlformats.org/drawingml/2006/main" xmlns:r="http://schemas.openxmlformats.org/officeDocument/2006/relationships" xmlns:p="http://schemas.openxmlformats.org/presentationml/2006/main">
   <p:cSld>
     <p:spTree>
       <p:nvGrpSpPr>
@@ -9661,7 +9656,7 @@
   <p:timing>
     <p:tnLst>
       <p:par>
-        <p:cTn id="1" dur="indefinite" restart="never" nodeType="tmRoot"/>
+        <p:cTn xmlns:p14="http://schemas.microsoft.com/office/powerpoint/2010/main" id="1" dur="indefinite" restart="never" nodeType="tmRoot"/>
       </p:par>
     </p:tnLst>
   </p:timing>
@@ -9669,7 +9664,7 @@
 </file>
 
 <file path=ppt/slides/slide28.xml><?xml version="1.0" encoding="utf-8"?>
-<p:sld xmlns:a="http://schemas.openxmlformats.org/drawingml/2006/main" xmlns:r="http://schemas.openxmlformats.org/officeDocument/2006/relationships" xmlns:mc="http://schemas.openxmlformats.org/markup-compatibility/2006" xmlns:mv="urn:schemas-microsoft-com:mac:vml" xmlns:p="http://schemas.openxmlformats.org/presentationml/2006/main" mc:Ignorable="mv" mc:PreserveAttributes="mv:*">
+<p:sld xmlns:a="http://schemas.openxmlformats.org/drawingml/2006/main" xmlns:r="http://schemas.openxmlformats.org/officeDocument/2006/relationships" xmlns:p="http://schemas.openxmlformats.org/presentationml/2006/main">
   <p:cSld>
     <p:spTree>
       <p:nvGrpSpPr>
@@ -9739,7 +9734,7 @@
   <p:timing>
     <p:tnLst>
       <p:par>
-        <p:cTn id="1" dur="indefinite" restart="never" nodeType="tmRoot"/>
+        <p:cTn xmlns:p14="http://schemas.microsoft.com/office/powerpoint/2010/main" id="1" dur="indefinite" restart="never" nodeType="tmRoot"/>
       </p:par>
     </p:tnLst>
   </p:timing>
@@ -9747,7 +9742,7 @@
 </file>
 
 <file path=ppt/slides/slide29.xml><?xml version="1.0" encoding="utf-8"?>
-<p:sld xmlns:a="http://schemas.openxmlformats.org/drawingml/2006/main" xmlns:r="http://schemas.openxmlformats.org/officeDocument/2006/relationships" xmlns:mc="http://schemas.openxmlformats.org/markup-compatibility/2006" xmlns:mv="urn:schemas-microsoft-com:mac:vml" xmlns:p="http://schemas.openxmlformats.org/presentationml/2006/main" mc:Ignorable="mv" mc:PreserveAttributes="mv:*">
+<p:sld xmlns:a="http://schemas.openxmlformats.org/drawingml/2006/main" xmlns:r="http://schemas.openxmlformats.org/officeDocument/2006/relationships" xmlns:p="http://schemas.openxmlformats.org/presentationml/2006/main">
   <p:cSld>
     <p:spTree>
       <p:nvGrpSpPr>
@@ -9923,7 +9918,7 @@
   <p:timing>
     <p:tnLst>
       <p:par>
-        <p:cTn id="1" dur="indefinite" restart="never" nodeType="tmRoot"/>
+        <p:cTn xmlns:p14="http://schemas.microsoft.com/office/powerpoint/2010/main" id="1" dur="indefinite" restart="never" nodeType="tmRoot"/>
       </p:par>
     </p:tnLst>
   </p:timing>
@@ -9931,7 +9926,7 @@
 </file>
 
 <file path=ppt/slides/slide3.xml><?xml version="1.0" encoding="utf-8"?>
-<p:sld xmlns:a="http://schemas.openxmlformats.org/drawingml/2006/main" xmlns:r="http://schemas.openxmlformats.org/officeDocument/2006/relationships" xmlns:mc="http://schemas.openxmlformats.org/markup-compatibility/2006" xmlns:mv="urn:schemas-microsoft-com:mac:vml" xmlns:p="http://schemas.openxmlformats.org/presentationml/2006/main" mc:Ignorable="mv" mc:PreserveAttributes="mv:*">
+<p:sld xmlns:a="http://schemas.openxmlformats.org/drawingml/2006/main" xmlns:r="http://schemas.openxmlformats.org/officeDocument/2006/relationships" xmlns:p="http://schemas.openxmlformats.org/presentationml/2006/main">
   <p:cSld>
     <p:spTree>
       <p:nvGrpSpPr>
@@ -10037,7 +10032,6 @@
                         <a:rPr lang="en-US" baseline="0" dirty="0" smtClean="0"/>
                         <a:t> API</a:t>
                       </a:r>
-                      <a:endParaRPr lang="en-US" baseline="0" dirty="0" smtClean="0"/>
                     </a:p>
                     <a:p>
                       <a:pPr>
@@ -10046,11 +10040,7 @@
                       </a:pPr>
                       <a:r>
                         <a:rPr lang="en-US" baseline="0" dirty="0" smtClean="0"/>
-                        <a:t>Compared </a:t>
-                      </a:r>
-                      <a:r>
-                        <a:rPr lang="en-US" baseline="0" dirty="0" smtClean="0"/>
-                        <a:t>to </a:t>
+                        <a:t>Compared to </a:t>
                       </a:r>
                       <a:r>
                         <a:rPr lang="en-US" baseline="0" dirty="0" err="1" smtClean="0"/>
@@ -10158,7 +10148,6 @@
                         <a:rPr lang="en-US" baseline="0" dirty="0" smtClean="0"/>
                         <a:t>API is much more tedious than CUDA-RT</a:t>
                       </a:r>
-                      <a:endParaRPr lang="en-US" baseline="0" dirty="0" smtClean="0"/>
                     </a:p>
                     <a:p>
                       <a:pPr lvl="1">
@@ -10183,7 +10172,7 @@
   <p:timing>
     <p:tnLst>
       <p:par>
-        <p:cTn id="1" dur="indefinite" restart="never" nodeType="tmRoot"/>
+        <p:cTn xmlns:p14="http://schemas.microsoft.com/office/powerpoint/2010/main" id="1" dur="indefinite" restart="never" nodeType="tmRoot"/>
       </p:par>
     </p:tnLst>
   </p:timing>
@@ -10191,7 +10180,7 @@
 </file>
 
 <file path=ppt/slides/slide30.xml><?xml version="1.0" encoding="utf-8"?>
-<p:sld xmlns:a="http://schemas.openxmlformats.org/drawingml/2006/main" xmlns:r="http://schemas.openxmlformats.org/officeDocument/2006/relationships" xmlns:mc="http://schemas.openxmlformats.org/markup-compatibility/2006" xmlns:mv="urn:schemas-microsoft-com:mac:vml" xmlns:p="http://schemas.openxmlformats.org/presentationml/2006/main" mc:Ignorable="mv" mc:PreserveAttributes="mv:*">
+<p:sld xmlns:a="http://schemas.openxmlformats.org/drawingml/2006/main" xmlns:r="http://schemas.openxmlformats.org/officeDocument/2006/relationships" xmlns:p="http://schemas.openxmlformats.org/presentationml/2006/main">
   <p:cSld>
     <p:spTree>
       <p:nvGrpSpPr>
@@ -10305,7 +10294,7 @@
   <p:timing>
     <p:tnLst>
       <p:par>
-        <p:cTn id="1" dur="indefinite" restart="never" nodeType="tmRoot"/>
+        <p:cTn xmlns:p14="http://schemas.microsoft.com/office/powerpoint/2010/main" id="1" dur="indefinite" restart="never" nodeType="tmRoot"/>
       </p:par>
     </p:tnLst>
   </p:timing>
@@ -10313,7 +10302,7 @@
 </file>
 
 <file path=ppt/slides/slide31.xml><?xml version="1.0" encoding="utf-8"?>
-<p:sld xmlns:a="http://schemas.openxmlformats.org/drawingml/2006/main" xmlns:r="http://schemas.openxmlformats.org/officeDocument/2006/relationships" xmlns:mc="http://schemas.openxmlformats.org/markup-compatibility/2006" xmlns:mv="urn:schemas-microsoft-com:mac:vml" xmlns:p="http://schemas.openxmlformats.org/presentationml/2006/main" mc:Ignorable="mv" mc:PreserveAttributes="mv:*">
+<p:sld xmlns:a="http://schemas.openxmlformats.org/drawingml/2006/main" xmlns:r="http://schemas.openxmlformats.org/officeDocument/2006/relationships" xmlns:p="http://schemas.openxmlformats.org/presentationml/2006/main">
   <p:cSld>
     <p:spTree>
       <p:nvGrpSpPr>
@@ -11187,7 +11176,7 @@
   <p:timing>
     <p:tnLst>
       <p:par>
-        <p:cTn id="1" dur="indefinite" restart="never" nodeType="tmRoot"/>
+        <p:cTn xmlns:p14="http://schemas.microsoft.com/office/powerpoint/2010/main" id="1" dur="indefinite" restart="never" nodeType="tmRoot"/>
       </p:par>
     </p:tnLst>
   </p:timing>
@@ -11195,7 +11184,7 @@
 </file>
 
 <file path=ppt/slides/slide32.xml><?xml version="1.0" encoding="utf-8"?>
-<p:sld xmlns:a="http://schemas.openxmlformats.org/drawingml/2006/main" xmlns:r="http://schemas.openxmlformats.org/officeDocument/2006/relationships" xmlns:mc="http://schemas.openxmlformats.org/markup-compatibility/2006" xmlns:mv="urn:schemas-microsoft-com:mac:vml" xmlns:p="http://schemas.openxmlformats.org/presentationml/2006/main" mc:Ignorable="mv" mc:PreserveAttributes="mv:*">
+<p:sld xmlns:a="http://schemas.openxmlformats.org/drawingml/2006/main" xmlns:r="http://schemas.openxmlformats.org/officeDocument/2006/relationships" xmlns:p="http://schemas.openxmlformats.org/presentationml/2006/main">
   <p:cSld>
     <p:spTree>
       <p:nvGrpSpPr>
@@ -12252,7 +12241,7 @@
   <p:timing>
     <p:tnLst>
       <p:par>
-        <p:cTn id="1" dur="indefinite" restart="never" nodeType="tmRoot"/>
+        <p:cTn xmlns:p14="http://schemas.microsoft.com/office/powerpoint/2010/main" id="1" dur="indefinite" restart="never" nodeType="tmRoot"/>
       </p:par>
     </p:tnLst>
   </p:timing>
@@ -12260,7 +12249,7 @@
 </file>
 
 <file path=ppt/slides/slide33.xml><?xml version="1.0" encoding="utf-8"?>
-<p:sld xmlns:a="http://schemas.openxmlformats.org/drawingml/2006/main" xmlns:r="http://schemas.openxmlformats.org/officeDocument/2006/relationships" xmlns:mc="http://schemas.openxmlformats.org/markup-compatibility/2006" xmlns:mv="urn:schemas-microsoft-com:mac:vml" xmlns:p="http://schemas.openxmlformats.org/presentationml/2006/main" mc:Ignorable="mv" mc:PreserveAttributes="mv:*">
+<p:sld xmlns:a="http://schemas.openxmlformats.org/drawingml/2006/main" xmlns:r="http://schemas.openxmlformats.org/officeDocument/2006/relationships" xmlns:p="http://schemas.openxmlformats.org/presentationml/2006/main">
   <p:cSld>
     <p:spTree>
       <p:nvGrpSpPr>
@@ -12744,7 +12733,7 @@
   <p:timing>
     <p:tnLst>
       <p:par>
-        <p:cTn id="1" dur="indefinite" restart="never" nodeType="tmRoot"/>
+        <p:cTn xmlns:p14="http://schemas.microsoft.com/office/powerpoint/2010/main" id="1" dur="indefinite" restart="never" nodeType="tmRoot"/>
       </p:par>
     </p:tnLst>
   </p:timing>
@@ -12752,7 +12741,7 @@
 </file>
 
 <file path=ppt/slides/slide34.xml><?xml version="1.0" encoding="utf-8"?>
-<p:sld xmlns:a="http://schemas.openxmlformats.org/drawingml/2006/main" xmlns:r="http://schemas.openxmlformats.org/officeDocument/2006/relationships" xmlns:mc="http://schemas.openxmlformats.org/markup-compatibility/2006" xmlns:mv="urn:schemas-microsoft-com:mac:vml" xmlns:p="http://schemas.openxmlformats.org/presentationml/2006/main" mc:Ignorable="mv" mc:PreserveAttributes="mv:*">
+<p:sld xmlns:a="http://schemas.openxmlformats.org/drawingml/2006/main" xmlns:r="http://schemas.openxmlformats.org/officeDocument/2006/relationships" xmlns:p="http://schemas.openxmlformats.org/presentationml/2006/main">
   <p:cSld>
     <p:spTree>
       <p:nvGrpSpPr>
@@ -12854,7 +12843,7 @@
   <p:timing>
     <p:tnLst>
       <p:par>
-        <p:cTn id="1" dur="indefinite" restart="never" nodeType="tmRoot"/>
+        <p:cTn xmlns:p14="http://schemas.microsoft.com/office/powerpoint/2010/main" id="1" dur="indefinite" restart="never" nodeType="tmRoot"/>
       </p:par>
     </p:tnLst>
   </p:timing>
@@ -12862,7 +12851,7 @@
 </file>
 
 <file path=ppt/slides/slide35.xml><?xml version="1.0" encoding="utf-8"?>
-<p:sld xmlns:a="http://schemas.openxmlformats.org/drawingml/2006/main" xmlns:r="http://schemas.openxmlformats.org/officeDocument/2006/relationships" xmlns:mc="http://schemas.openxmlformats.org/markup-compatibility/2006" xmlns:mv="urn:schemas-microsoft-com:mac:vml" xmlns:p="http://schemas.openxmlformats.org/presentationml/2006/main" mc:Ignorable="mv" mc:PreserveAttributes="mv:*">
+<p:sld xmlns:a="http://schemas.openxmlformats.org/drawingml/2006/main" xmlns:r="http://schemas.openxmlformats.org/officeDocument/2006/relationships" xmlns:p="http://schemas.openxmlformats.org/presentationml/2006/main">
   <p:cSld>
     <p:spTree>
       <p:nvGrpSpPr>
@@ -12968,7 +12957,7 @@
   <p:timing>
     <p:tnLst>
       <p:par>
-        <p:cTn id="1" dur="indefinite" restart="never" nodeType="tmRoot"/>
+        <p:cTn xmlns:p14="http://schemas.microsoft.com/office/powerpoint/2010/main" id="1" dur="indefinite" restart="never" nodeType="tmRoot"/>
       </p:par>
     </p:tnLst>
   </p:timing>
@@ -12976,7 +12965,7 @@
 </file>
 
 <file path=ppt/slides/slide36.xml><?xml version="1.0" encoding="utf-8"?>
-<p:sld xmlns:a="http://schemas.openxmlformats.org/drawingml/2006/main" xmlns:r="http://schemas.openxmlformats.org/officeDocument/2006/relationships" xmlns:mc="http://schemas.openxmlformats.org/markup-compatibility/2006" xmlns:mv="urn:schemas-microsoft-com:mac:vml" xmlns:p="http://schemas.openxmlformats.org/presentationml/2006/main" mc:Ignorable="mv" mc:PreserveAttributes="mv:*">
+<p:sld xmlns:a="http://schemas.openxmlformats.org/drawingml/2006/main" xmlns:r="http://schemas.openxmlformats.org/officeDocument/2006/relationships" xmlns:p="http://schemas.openxmlformats.org/presentationml/2006/main">
   <p:cSld>
     <p:spTree>
       <p:nvGrpSpPr>
@@ -13046,7 +13035,7 @@
   <p:timing>
     <p:tnLst>
       <p:par>
-        <p:cTn id="1" dur="indefinite" restart="never" nodeType="tmRoot"/>
+        <p:cTn xmlns:p14="http://schemas.microsoft.com/office/powerpoint/2010/main" id="1" dur="indefinite" restart="never" nodeType="tmRoot"/>
       </p:par>
     </p:tnLst>
   </p:timing>
@@ -13054,7 +13043,7 @@
 </file>
 
 <file path=ppt/slides/slide37.xml><?xml version="1.0" encoding="utf-8"?>
-<p:sld xmlns:a="http://schemas.openxmlformats.org/drawingml/2006/main" xmlns:r="http://schemas.openxmlformats.org/officeDocument/2006/relationships" xmlns:mc="http://schemas.openxmlformats.org/markup-compatibility/2006" xmlns:mv="urn:schemas-microsoft-com:mac:vml" xmlns:p="http://schemas.openxmlformats.org/presentationml/2006/main" mc:Ignorable="mv" mc:PreserveAttributes="mv:*">
+<p:sld xmlns:a="http://schemas.openxmlformats.org/drawingml/2006/main" xmlns:r="http://schemas.openxmlformats.org/officeDocument/2006/relationships" xmlns:p="http://schemas.openxmlformats.org/presentationml/2006/main">
   <p:cSld>
     <p:spTree>
       <p:nvGrpSpPr>
@@ -13573,7 +13562,7 @@
   <p:timing>
     <p:tnLst>
       <p:par>
-        <p:cTn id="1" dur="indefinite" restart="never" nodeType="tmRoot"/>
+        <p:cTn xmlns:p14="http://schemas.microsoft.com/office/powerpoint/2010/main" id="1" dur="indefinite" restart="never" nodeType="tmRoot"/>
       </p:par>
     </p:tnLst>
   </p:timing>
@@ -13581,7 +13570,7 @@
 </file>
 
 <file path=ppt/slides/slide38.xml><?xml version="1.0" encoding="utf-8"?>
-<p:sld xmlns:a="http://schemas.openxmlformats.org/drawingml/2006/main" xmlns:r="http://schemas.openxmlformats.org/officeDocument/2006/relationships" xmlns:mc="http://schemas.openxmlformats.org/markup-compatibility/2006" xmlns:mv="urn:schemas-microsoft-com:mac:vml" xmlns:p="http://schemas.openxmlformats.org/presentationml/2006/main" mc:Ignorable="mv" mc:PreserveAttributes="mv:*">
+<p:sld xmlns:a="http://schemas.openxmlformats.org/drawingml/2006/main" xmlns:r="http://schemas.openxmlformats.org/officeDocument/2006/relationships" xmlns:p="http://schemas.openxmlformats.org/presentationml/2006/main">
   <p:cSld>
     <p:spTree>
       <p:nvGrpSpPr>
@@ -13651,7 +13640,7 @@
   <p:timing>
     <p:tnLst>
       <p:par>
-        <p:cTn id="1" dur="indefinite" restart="never" nodeType="tmRoot"/>
+        <p:cTn xmlns:p14="http://schemas.microsoft.com/office/powerpoint/2010/main" id="1" dur="indefinite" restart="never" nodeType="tmRoot"/>
       </p:par>
     </p:tnLst>
   </p:timing>
@@ -13659,7 +13648,7 @@
 </file>
 
 <file path=ppt/slides/slide39.xml><?xml version="1.0" encoding="utf-8"?>
-<p:sld xmlns:a="http://schemas.openxmlformats.org/drawingml/2006/main" xmlns:r="http://schemas.openxmlformats.org/officeDocument/2006/relationships" xmlns:mc="http://schemas.openxmlformats.org/markup-compatibility/2006" xmlns:mv="urn:schemas-microsoft-com:mac:vml" xmlns:p="http://schemas.openxmlformats.org/presentationml/2006/main" mc:Ignorable="mv" mc:PreserveAttributes="mv:*">
+<p:sld xmlns:a="http://schemas.openxmlformats.org/drawingml/2006/main" xmlns:r="http://schemas.openxmlformats.org/officeDocument/2006/relationships" xmlns:p="http://schemas.openxmlformats.org/presentationml/2006/main">
   <p:cSld>
     <p:spTree>
       <p:nvGrpSpPr>
@@ -14078,7 +14067,7 @@
   <p:timing>
     <p:tnLst>
       <p:par>
-        <p:cTn id="1" dur="indefinite" restart="never" nodeType="tmRoot"/>
+        <p:cTn xmlns:p14="http://schemas.microsoft.com/office/powerpoint/2010/main" id="1" dur="indefinite" restart="never" nodeType="tmRoot"/>
       </p:par>
     </p:tnLst>
   </p:timing>
@@ -14086,7 +14075,7 @@
 </file>
 
 <file path=ppt/slides/slide4.xml><?xml version="1.0" encoding="utf-8"?>
-<p:sld xmlns:a="http://schemas.openxmlformats.org/drawingml/2006/main" xmlns:r="http://schemas.openxmlformats.org/officeDocument/2006/relationships" xmlns:mc="http://schemas.openxmlformats.org/markup-compatibility/2006" xmlns:mv="urn:schemas-microsoft-com:mac:vml" xmlns:p="http://schemas.openxmlformats.org/presentationml/2006/main" mc:Ignorable="mv" mc:PreserveAttributes="mv:*">
+<p:sld xmlns:a="http://schemas.openxmlformats.org/drawingml/2006/main" xmlns:r="http://schemas.openxmlformats.org/officeDocument/2006/relationships" xmlns:p="http://schemas.openxmlformats.org/presentationml/2006/main">
   <p:cSld>
     <p:spTree>
       <p:nvGrpSpPr>
@@ -14323,7 +14312,7 @@
   <p:timing>
     <p:tnLst>
       <p:par>
-        <p:cTn id="1" dur="indefinite" restart="never" nodeType="tmRoot"/>
+        <p:cTn xmlns:p14="http://schemas.microsoft.com/office/powerpoint/2010/main" id="1" dur="indefinite" restart="never" nodeType="tmRoot"/>
       </p:par>
     </p:tnLst>
   </p:timing>
@@ -14331,7 +14320,7 @@
 </file>
 
 <file path=ppt/slides/slide40.xml><?xml version="1.0" encoding="utf-8"?>
-<p:sld xmlns:a="http://schemas.openxmlformats.org/drawingml/2006/main" xmlns:r="http://schemas.openxmlformats.org/officeDocument/2006/relationships" xmlns:mc="http://schemas.openxmlformats.org/markup-compatibility/2006" xmlns:mv="urn:schemas-microsoft-com:mac:vml" xmlns:p="http://schemas.openxmlformats.org/presentationml/2006/main" mc:Ignorable="mv" mc:PreserveAttributes="mv:*">
+<p:sld xmlns:a="http://schemas.openxmlformats.org/drawingml/2006/main" xmlns:r="http://schemas.openxmlformats.org/officeDocument/2006/relationships" xmlns:p="http://schemas.openxmlformats.org/presentationml/2006/main">
   <p:cSld>
     <p:spTree>
       <p:nvGrpSpPr>
@@ -14401,7 +14390,7 @@
   <p:timing>
     <p:tnLst>
       <p:par>
-        <p:cTn id="1" dur="indefinite" restart="never" nodeType="tmRoot"/>
+        <p:cTn xmlns:p14="http://schemas.microsoft.com/office/powerpoint/2010/main" id="1" dur="indefinite" restart="never" nodeType="tmRoot"/>
       </p:par>
     </p:tnLst>
   </p:timing>
@@ -14409,7 +14398,7 @@
 </file>
 
 <file path=ppt/slides/slide41.xml><?xml version="1.0" encoding="utf-8"?>
-<p:sld xmlns:a="http://schemas.openxmlformats.org/drawingml/2006/main" xmlns:r="http://schemas.openxmlformats.org/officeDocument/2006/relationships" xmlns:mc="http://schemas.openxmlformats.org/markup-compatibility/2006" xmlns:mv="urn:schemas-microsoft-com:mac:vml" xmlns:p="http://schemas.openxmlformats.org/presentationml/2006/main" mc:Ignorable="mv" mc:PreserveAttributes="mv:*">
+<p:sld xmlns:a="http://schemas.openxmlformats.org/drawingml/2006/main" xmlns:r="http://schemas.openxmlformats.org/officeDocument/2006/relationships" xmlns:p="http://schemas.openxmlformats.org/presentationml/2006/main">
   <p:cSld>
     <p:spTree>
       <p:nvGrpSpPr>
@@ -15514,7 +15503,7 @@
   <p:timing>
     <p:tnLst>
       <p:par>
-        <p:cTn id="1" dur="indefinite" restart="never" nodeType="tmRoot"/>
+        <p:cTn xmlns:p14="http://schemas.microsoft.com/office/powerpoint/2010/main" id="1" dur="indefinite" restart="never" nodeType="tmRoot"/>
       </p:par>
     </p:tnLst>
   </p:timing>
@@ -15522,7 +15511,7 @@
 </file>
 
 <file path=ppt/slides/slide42.xml><?xml version="1.0" encoding="utf-8"?>
-<p:sld xmlns:a="http://schemas.openxmlformats.org/drawingml/2006/main" xmlns:r="http://schemas.openxmlformats.org/officeDocument/2006/relationships" xmlns:mc="http://schemas.openxmlformats.org/markup-compatibility/2006" xmlns:mv="urn:schemas-microsoft-com:mac:vml" xmlns:p="http://schemas.openxmlformats.org/presentationml/2006/main" mc:Ignorable="mv" mc:PreserveAttributes="mv:*">
+<p:sld xmlns:a="http://schemas.openxmlformats.org/drawingml/2006/main" xmlns:r="http://schemas.openxmlformats.org/officeDocument/2006/relationships" xmlns:p="http://schemas.openxmlformats.org/presentationml/2006/main">
   <p:cSld>
     <p:spTree>
       <p:nvGrpSpPr>
@@ -15612,7 +15601,7 @@
   <p:timing>
     <p:tnLst>
       <p:par>
-        <p:cTn id="1" dur="indefinite" restart="never" nodeType="tmRoot"/>
+        <p:cTn xmlns:p14="http://schemas.microsoft.com/office/powerpoint/2010/main" id="1" dur="indefinite" restart="never" nodeType="tmRoot"/>
       </p:par>
     </p:tnLst>
   </p:timing>
@@ -15620,7 +15609,7 @@
 </file>
 
 <file path=ppt/slides/slide43.xml><?xml version="1.0" encoding="utf-8"?>
-<p:sld xmlns:a="http://schemas.openxmlformats.org/drawingml/2006/main" xmlns:r="http://schemas.openxmlformats.org/officeDocument/2006/relationships" xmlns:mc="http://schemas.openxmlformats.org/markup-compatibility/2006" xmlns:mv="urn:schemas-microsoft-com:mac:vml" xmlns:p="http://schemas.openxmlformats.org/presentationml/2006/main" mc:Ignorable="mv" mc:PreserveAttributes="mv:*">
+<p:sld xmlns:a="http://schemas.openxmlformats.org/drawingml/2006/main" xmlns:r="http://schemas.openxmlformats.org/officeDocument/2006/relationships" xmlns:p="http://schemas.openxmlformats.org/presentationml/2006/main">
   <p:cSld>
     <p:spTree>
       <p:nvGrpSpPr>
@@ -15757,7 +15746,7 @@
   <p:timing>
     <p:tnLst>
       <p:par>
-        <p:cTn id="1" dur="indefinite" restart="never" nodeType="tmRoot"/>
+        <p:cTn xmlns:p14="http://schemas.microsoft.com/office/powerpoint/2010/main" id="1" dur="indefinite" restart="never" nodeType="tmRoot"/>
       </p:par>
     </p:tnLst>
   </p:timing>
@@ -15765,7 +15754,7 @@
 </file>
 
 <file path=ppt/slides/slide44.xml><?xml version="1.0" encoding="utf-8"?>
-<p:sld xmlns:a="http://schemas.openxmlformats.org/drawingml/2006/main" xmlns:r="http://schemas.openxmlformats.org/officeDocument/2006/relationships" xmlns:mc="http://schemas.openxmlformats.org/markup-compatibility/2006" xmlns:mv="urn:schemas-microsoft-com:mac:vml" xmlns:p="http://schemas.openxmlformats.org/presentationml/2006/main" mc:Ignorable="mv" mc:PreserveAttributes="mv:*">
+<p:sld xmlns:a="http://schemas.openxmlformats.org/drawingml/2006/main" xmlns:r="http://schemas.openxmlformats.org/officeDocument/2006/relationships" xmlns:p="http://schemas.openxmlformats.org/presentationml/2006/main">
   <p:cSld>
     <p:spTree>
       <p:nvGrpSpPr>
@@ -16280,7 +16269,7 @@
   <p:timing>
     <p:tnLst>
       <p:par>
-        <p:cTn id="1" dur="indefinite" restart="never" nodeType="tmRoot"/>
+        <p:cTn xmlns:p14="http://schemas.microsoft.com/office/powerpoint/2010/main" id="1" dur="indefinite" restart="never" nodeType="tmRoot"/>
       </p:par>
     </p:tnLst>
   </p:timing>
@@ -16288,7 +16277,7 @@
 </file>
 
 <file path=ppt/slides/slide45.xml><?xml version="1.0" encoding="utf-8"?>
-<p:sld xmlns:a="http://schemas.openxmlformats.org/drawingml/2006/main" xmlns:r="http://schemas.openxmlformats.org/officeDocument/2006/relationships" xmlns:mc="http://schemas.openxmlformats.org/markup-compatibility/2006" xmlns:mv="urn:schemas-microsoft-com:mac:vml" xmlns:p="http://schemas.openxmlformats.org/presentationml/2006/main" mc:Ignorable="mv" mc:PreserveAttributes="mv:*">
+<p:sld xmlns:a="http://schemas.openxmlformats.org/drawingml/2006/main" xmlns:r="http://schemas.openxmlformats.org/officeDocument/2006/relationships" xmlns:p="http://schemas.openxmlformats.org/presentationml/2006/main">
   <p:cSld>
     <p:spTree>
       <p:nvGrpSpPr>
@@ -16674,7 +16663,7 @@
   <p:timing>
     <p:tnLst>
       <p:par>
-        <p:cTn id="1" dur="indefinite" restart="never" nodeType="tmRoot"/>
+        <p:cTn xmlns:p14="http://schemas.microsoft.com/office/powerpoint/2010/main" id="1" dur="indefinite" restart="never" nodeType="tmRoot"/>
       </p:par>
     </p:tnLst>
   </p:timing>
@@ -16682,7 +16671,7 @@
 </file>
 
 <file path=ppt/slides/slide46.xml><?xml version="1.0" encoding="utf-8"?>
-<p:sld xmlns:a="http://schemas.openxmlformats.org/drawingml/2006/main" xmlns:r="http://schemas.openxmlformats.org/officeDocument/2006/relationships" xmlns:mc="http://schemas.openxmlformats.org/markup-compatibility/2006" xmlns:mv="urn:schemas-microsoft-com:mac:vml" xmlns:p="http://schemas.openxmlformats.org/presentationml/2006/main" mc:Ignorable="mv" mc:PreserveAttributes="mv:*">
+<p:sld xmlns:a="http://schemas.openxmlformats.org/drawingml/2006/main" xmlns:r="http://schemas.openxmlformats.org/officeDocument/2006/relationships" xmlns:p="http://schemas.openxmlformats.org/presentationml/2006/main">
   <p:cSld>
     <p:spTree>
       <p:nvGrpSpPr>
@@ -16971,7 +16960,7 @@
   <p:timing>
     <p:tnLst>
       <p:par>
-        <p:cTn id="1" dur="indefinite" restart="never" nodeType="tmRoot"/>
+        <p:cTn xmlns:p14="http://schemas.microsoft.com/office/powerpoint/2010/main" id="1" dur="indefinite" restart="never" nodeType="tmRoot"/>
       </p:par>
     </p:tnLst>
   </p:timing>
@@ -16979,7 +16968,7 @@
 </file>
 
 <file path=ppt/slides/slide47.xml><?xml version="1.0" encoding="utf-8"?>
-<p:sld xmlns:a="http://schemas.openxmlformats.org/drawingml/2006/main" xmlns:r="http://schemas.openxmlformats.org/officeDocument/2006/relationships" xmlns:mc="http://schemas.openxmlformats.org/markup-compatibility/2006" xmlns:mv="urn:schemas-microsoft-com:mac:vml" xmlns:p="http://schemas.openxmlformats.org/presentationml/2006/main" mc:Ignorable="mv" mc:PreserveAttributes="mv:*">
+<p:sld xmlns:a="http://schemas.openxmlformats.org/drawingml/2006/main" xmlns:r="http://schemas.openxmlformats.org/officeDocument/2006/relationships" xmlns:p="http://schemas.openxmlformats.org/presentationml/2006/main">
   <p:cSld>
     <p:spTree>
       <p:nvGrpSpPr>
@@ -17265,7 +17254,7 @@
   <p:timing>
     <p:tnLst>
       <p:par>
-        <p:cTn id="1" dur="indefinite" restart="never" nodeType="tmRoot"/>
+        <p:cTn xmlns:p14="http://schemas.microsoft.com/office/powerpoint/2010/main" id="1" dur="indefinite" restart="never" nodeType="tmRoot"/>
       </p:par>
     </p:tnLst>
   </p:timing>
@@ -17273,7 +17262,7 @@
 </file>
 
 <file path=ppt/slides/slide48.xml><?xml version="1.0" encoding="utf-8"?>
-<p:sld xmlns:a="http://schemas.openxmlformats.org/drawingml/2006/main" xmlns:r="http://schemas.openxmlformats.org/officeDocument/2006/relationships" xmlns:mc="http://schemas.openxmlformats.org/markup-compatibility/2006" xmlns:mv="urn:schemas-microsoft-com:mac:vml" xmlns:p="http://schemas.openxmlformats.org/presentationml/2006/main" mc:Ignorable="mv" mc:PreserveAttributes="mv:*">
+<p:sld xmlns:a="http://schemas.openxmlformats.org/drawingml/2006/main" xmlns:r="http://schemas.openxmlformats.org/officeDocument/2006/relationships" xmlns:p="http://schemas.openxmlformats.org/presentationml/2006/main">
   <p:cSld>
     <p:spTree>
       <p:nvGrpSpPr>
@@ -17383,7 +17372,7 @@
 </file>
 
 <file path=ppt/slides/slide49.xml><?xml version="1.0" encoding="utf-8"?>
-<p:sld xmlns:a="http://schemas.openxmlformats.org/drawingml/2006/main" xmlns:r="http://schemas.openxmlformats.org/officeDocument/2006/relationships" xmlns:mc="http://schemas.openxmlformats.org/markup-compatibility/2006" xmlns:mv="urn:schemas-microsoft-com:mac:vml" xmlns:p="http://schemas.openxmlformats.org/presentationml/2006/main" mc:Ignorable="mv" mc:PreserveAttributes="mv:*">
+<p:sld xmlns:a="http://schemas.openxmlformats.org/drawingml/2006/main" xmlns:r="http://schemas.openxmlformats.org/officeDocument/2006/relationships" xmlns:p="http://schemas.openxmlformats.org/presentationml/2006/main">
   <p:cSld>
     <p:spTree>
       <p:nvGrpSpPr>
@@ -17463,7 +17452,7 @@
   <p:timing>
     <p:tnLst>
       <p:par>
-        <p:cTn id="1" dur="indefinite" restart="never" nodeType="tmRoot"/>
+        <p:cTn xmlns:p14="http://schemas.microsoft.com/office/powerpoint/2010/main" id="1" dur="indefinite" restart="never" nodeType="tmRoot"/>
       </p:par>
     </p:tnLst>
   </p:timing>
@@ -17471,7 +17460,7 @@
 </file>
 
 <file path=ppt/slides/slide5.xml><?xml version="1.0" encoding="utf-8"?>
-<p:sld xmlns:a="http://schemas.openxmlformats.org/drawingml/2006/main" xmlns:r="http://schemas.openxmlformats.org/officeDocument/2006/relationships" xmlns:mc="http://schemas.openxmlformats.org/markup-compatibility/2006" xmlns:mv="urn:schemas-microsoft-com:mac:vml" xmlns:p="http://schemas.openxmlformats.org/presentationml/2006/main" mc:Ignorable="mv" mc:PreserveAttributes="mv:*">
+<p:sld xmlns:a="http://schemas.openxmlformats.org/drawingml/2006/main" xmlns:r="http://schemas.openxmlformats.org/officeDocument/2006/relationships" xmlns:p="http://schemas.openxmlformats.org/presentationml/2006/main">
   <p:cSld>
     <p:spTree>
       <p:nvGrpSpPr>
@@ -17707,7 +17696,7 @@
   <p:timing>
     <p:tnLst>
       <p:par>
-        <p:cTn id="1" dur="indefinite" restart="never" nodeType="tmRoot"/>
+        <p:cTn xmlns:p14="http://schemas.microsoft.com/office/powerpoint/2010/main" id="1" dur="indefinite" restart="never" nodeType="tmRoot"/>
       </p:par>
     </p:tnLst>
   </p:timing>
@@ -17715,7 +17704,7 @@
 </file>
 
 <file path=ppt/slides/slide50.xml><?xml version="1.0" encoding="utf-8"?>
-<p:sld xmlns:a="http://schemas.openxmlformats.org/drawingml/2006/main" xmlns:r="http://schemas.openxmlformats.org/officeDocument/2006/relationships" xmlns:mc="http://schemas.openxmlformats.org/markup-compatibility/2006" xmlns:mv="urn:schemas-microsoft-com:mac:vml" xmlns:p="http://schemas.openxmlformats.org/presentationml/2006/main" mc:Ignorable="mv" mc:PreserveAttributes="mv:*">
+<p:sld xmlns:a="http://schemas.openxmlformats.org/drawingml/2006/main" xmlns:r="http://schemas.openxmlformats.org/officeDocument/2006/relationships" xmlns:p="http://schemas.openxmlformats.org/presentationml/2006/main">
   <p:cSld>
     <p:spTree>
       <p:nvGrpSpPr>
@@ -17887,7 +17876,7 @@
 </file>
 
 <file path=ppt/slides/slide51.xml><?xml version="1.0" encoding="utf-8"?>
-<p:sld xmlns:a="http://schemas.openxmlformats.org/drawingml/2006/main" xmlns:r="http://schemas.openxmlformats.org/officeDocument/2006/relationships" xmlns:mc="http://schemas.openxmlformats.org/markup-compatibility/2006" xmlns:mv="urn:schemas-microsoft-com:mac:vml" xmlns:p="http://schemas.openxmlformats.org/presentationml/2006/main" mc:Ignorable="mv" mc:PreserveAttributes="mv:*">
+<p:sld xmlns:a="http://schemas.openxmlformats.org/drawingml/2006/main" xmlns:r="http://schemas.openxmlformats.org/officeDocument/2006/relationships" xmlns:p="http://schemas.openxmlformats.org/presentationml/2006/main">
   <p:cSld>
     <p:spTree>
       <p:nvGrpSpPr>
@@ -18001,7 +17990,7 @@
   <p:timing>
     <p:tnLst>
       <p:par>
-        <p:cTn id="1" dur="indefinite" restart="never" nodeType="tmRoot"/>
+        <p:cTn xmlns:p14="http://schemas.microsoft.com/office/powerpoint/2010/main" id="1" dur="indefinite" restart="never" nodeType="tmRoot"/>
       </p:par>
     </p:tnLst>
   </p:timing>
@@ -18009,7 +17998,7 @@
 </file>
 
 <file path=ppt/slides/slide52.xml><?xml version="1.0" encoding="utf-8"?>
-<p:sld xmlns:a="http://schemas.openxmlformats.org/drawingml/2006/main" xmlns:r="http://schemas.openxmlformats.org/officeDocument/2006/relationships" xmlns:mc="http://schemas.openxmlformats.org/markup-compatibility/2006" xmlns:mv="urn:schemas-microsoft-com:mac:vml" xmlns:p="http://schemas.openxmlformats.org/presentationml/2006/main" mc:Ignorable="mv" mc:PreserveAttributes="mv:*">
+<p:sld xmlns:a="http://schemas.openxmlformats.org/drawingml/2006/main" xmlns:r="http://schemas.openxmlformats.org/officeDocument/2006/relationships" xmlns:p="http://schemas.openxmlformats.org/presentationml/2006/main">
   <p:cSld>
     <p:spTree>
       <p:nvGrpSpPr>
@@ -18612,7 +18601,7 @@
   <p:timing>
     <p:tnLst>
       <p:par>
-        <p:cTn id="1" dur="indefinite" restart="never" nodeType="tmRoot"/>
+        <p:cTn xmlns:p14="http://schemas.microsoft.com/office/powerpoint/2010/main" id="1" dur="indefinite" restart="never" nodeType="tmRoot"/>
       </p:par>
     </p:tnLst>
   </p:timing>
@@ -18620,7 +18609,7 @@
 </file>
 
 <file path=ppt/slides/slide53.xml><?xml version="1.0" encoding="utf-8"?>
-<p:sld xmlns:a="http://schemas.openxmlformats.org/drawingml/2006/main" xmlns:r="http://schemas.openxmlformats.org/officeDocument/2006/relationships" xmlns:mc="http://schemas.openxmlformats.org/markup-compatibility/2006" xmlns:mv="urn:schemas-microsoft-com:mac:vml" xmlns:p="http://schemas.openxmlformats.org/presentationml/2006/main" mc:Ignorable="mv" mc:PreserveAttributes="mv:*">
+<p:sld xmlns:a="http://schemas.openxmlformats.org/drawingml/2006/main" xmlns:r="http://schemas.openxmlformats.org/officeDocument/2006/relationships" xmlns:p="http://schemas.openxmlformats.org/presentationml/2006/main">
   <p:cSld>
     <p:spTree>
       <p:nvGrpSpPr>
@@ -19088,7 +19077,7 @@
   <p:timing>
     <p:tnLst>
       <p:par>
-        <p:cTn id="1" dur="indefinite" restart="never" nodeType="tmRoot"/>
+        <p:cTn xmlns:p14="http://schemas.microsoft.com/office/powerpoint/2010/main" id="1" dur="indefinite" restart="never" nodeType="tmRoot"/>
       </p:par>
     </p:tnLst>
   </p:timing>
@@ -19096,7 +19085,7 @@
 </file>
 
 <file path=ppt/slides/slide54.xml><?xml version="1.0" encoding="utf-8"?>
-<p:sld xmlns:a="http://schemas.openxmlformats.org/drawingml/2006/main" xmlns:r="http://schemas.openxmlformats.org/officeDocument/2006/relationships" xmlns:mc="http://schemas.openxmlformats.org/markup-compatibility/2006" xmlns:mv="urn:schemas-microsoft-com:mac:vml" xmlns:p="http://schemas.openxmlformats.org/presentationml/2006/main" mc:Ignorable="mv" mc:PreserveAttributes="mv:*">
+<p:sld xmlns:a="http://schemas.openxmlformats.org/drawingml/2006/main" xmlns:r="http://schemas.openxmlformats.org/officeDocument/2006/relationships" xmlns:p="http://schemas.openxmlformats.org/presentationml/2006/main">
   <p:cSld>
     <p:spTree>
       <p:nvGrpSpPr>
@@ -19174,7 +19163,7 @@
   <p:timing>
     <p:tnLst>
       <p:par>
-        <p:cTn id="1" dur="indefinite" restart="never" nodeType="tmRoot"/>
+        <p:cTn xmlns:p14="http://schemas.microsoft.com/office/powerpoint/2010/main" id="1" dur="indefinite" restart="never" nodeType="tmRoot"/>
       </p:par>
     </p:tnLst>
   </p:timing>
@@ -19182,7 +19171,7 @@
 </file>
 
 <file path=ppt/slides/slide55.xml><?xml version="1.0" encoding="utf-8"?>
-<p:sld xmlns:a="http://schemas.openxmlformats.org/drawingml/2006/main" xmlns:r="http://schemas.openxmlformats.org/officeDocument/2006/relationships" xmlns:mc="http://schemas.openxmlformats.org/markup-compatibility/2006" xmlns:mv="urn:schemas-microsoft-com:mac:vml" xmlns:p="http://schemas.openxmlformats.org/presentationml/2006/main" mc:Ignorable="mv" mc:PreserveAttributes="mv:*">
+<p:sld xmlns:a="http://schemas.openxmlformats.org/drawingml/2006/main" xmlns:r="http://schemas.openxmlformats.org/officeDocument/2006/relationships" xmlns:p="http://schemas.openxmlformats.org/presentationml/2006/main">
   <p:cSld>
     <p:spTree>
       <p:nvGrpSpPr>
@@ -19569,7 +19558,7 @@
   <p:timing>
     <p:tnLst>
       <p:par>
-        <p:cTn id="1" dur="indefinite" restart="never" nodeType="tmRoot"/>
+        <p:cTn xmlns:p14="http://schemas.microsoft.com/office/powerpoint/2010/main" id="1" dur="indefinite" restart="never" nodeType="tmRoot"/>
       </p:par>
     </p:tnLst>
   </p:timing>
@@ -19577,7 +19566,7 @@
 </file>
 
 <file path=ppt/slides/slide56.xml><?xml version="1.0" encoding="utf-8"?>
-<p:sld xmlns:a="http://schemas.openxmlformats.org/drawingml/2006/main" xmlns:r="http://schemas.openxmlformats.org/officeDocument/2006/relationships" xmlns:mc="http://schemas.openxmlformats.org/markup-compatibility/2006" xmlns:mv="urn:schemas-microsoft-com:mac:vml" xmlns:p="http://schemas.openxmlformats.org/presentationml/2006/main" mc:Ignorable="mv" mc:PreserveAttributes="mv:*">
+<p:sld xmlns:a="http://schemas.openxmlformats.org/drawingml/2006/main" xmlns:r="http://schemas.openxmlformats.org/officeDocument/2006/relationships" xmlns:p="http://schemas.openxmlformats.org/presentationml/2006/main">
   <p:cSld>
     <p:spTree>
       <p:nvGrpSpPr>
@@ -19669,7 +19658,7 @@
 </file>
 
 <file path=ppt/slides/slide57.xml><?xml version="1.0" encoding="utf-8"?>
-<p:sld xmlns:a="http://schemas.openxmlformats.org/drawingml/2006/main" xmlns:r="http://schemas.openxmlformats.org/officeDocument/2006/relationships" xmlns:mc="http://schemas.openxmlformats.org/markup-compatibility/2006" xmlns:mv="urn:schemas-microsoft-com:mac:vml" xmlns:p="http://schemas.openxmlformats.org/presentationml/2006/main" mc:Ignorable="mv" mc:PreserveAttributes="mv:*">
+<p:sld xmlns:a="http://schemas.openxmlformats.org/drawingml/2006/main" xmlns:r="http://schemas.openxmlformats.org/officeDocument/2006/relationships" xmlns:p="http://schemas.openxmlformats.org/presentationml/2006/main">
   <p:cSld>
     <p:spTree>
       <p:nvGrpSpPr>
@@ -19739,7 +19728,7 @@
   <p:timing>
     <p:tnLst>
       <p:par>
-        <p:cTn id="1" dur="indefinite" restart="never" nodeType="tmRoot"/>
+        <p:cTn xmlns:p14="http://schemas.microsoft.com/office/powerpoint/2010/main" id="1" dur="indefinite" restart="never" nodeType="tmRoot"/>
       </p:par>
     </p:tnLst>
   </p:timing>
@@ -19747,7 +19736,7 @@
 </file>
 
 <file path=ppt/slides/slide58.xml><?xml version="1.0" encoding="utf-8"?>
-<p:sld xmlns:a="http://schemas.openxmlformats.org/drawingml/2006/main" xmlns:r="http://schemas.openxmlformats.org/officeDocument/2006/relationships" xmlns:mc="http://schemas.openxmlformats.org/markup-compatibility/2006" xmlns:mv="urn:schemas-microsoft-com:mac:vml" xmlns:p="http://schemas.openxmlformats.org/presentationml/2006/main" mc:Ignorable="mv" mc:PreserveAttributes="mv:*">
+<p:sld xmlns:a="http://schemas.openxmlformats.org/drawingml/2006/main" xmlns:r="http://schemas.openxmlformats.org/officeDocument/2006/relationships" xmlns:p="http://schemas.openxmlformats.org/presentationml/2006/main">
   <p:cSld>
     <p:spTree>
       <p:nvGrpSpPr>
@@ -19894,7 +19883,7 @@
   <p:timing>
     <p:tnLst>
       <p:par>
-        <p:cTn id="1" dur="indefinite" restart="never" nodeType="tmRoot"/>
+        <p:cTn xmlns:p14="http://schemas.microsoft.com/office/powerpoint/2010/main" id="1" dur="indefinite" restart="never" nodeType="tmRoot"/>
       </p:par>
     </p:tnLst>
   </p:timing>
@@ -19902,7 +19891,7 @@
 </file>
 
 <file path=ppt/slides/slide59.xml><?xml version="1.0" encoding="utf-8"?>
-<p:sld xmlns:a="http://schemas.openxmlformats.org/drawingml/2006/main" xmlns:r="http://schemas.openxmlformats.org/officeDocument/2006/relationships" xmlns:mc="http://schemas.openxmlformats.org/markup-compatibility/2006" xmlns:mv="urn:schemas-microsoft-com:mac:vml" xmlns:p="http://schemas.openxmlformats.org/presentationml/2006/main" mc:Ignorable="mv" mc:PreserveAttributes="mv:*">
+<p:sld xmlns:a="http://schemas.openxmlformats.org/drawingml/2006/main" xmlns:r="http://schemas.openxmlformats.org/officeDocument/2006/relationships" xmlns:p="http://schemas.openxmlformats.org/presentationml/2006/main">
   <p:cSld>
     <p:spTree>
       <p:nvGrpSpPr>
@@ -19957,9 +19946,16 @@
             <p:ph sz="quarter" idx="1"/>
           </p:nvPr>
         </p:nvSpPr>
-        <p:spPr/>
+        <p:spPr>
+          <a:xfrm>
+            <a:off x="914400" y="1447799"/>
+            <a:ext cx="7772400" cy="4837047"/>
+          </a:xfrm>
+        </p:spPr>
         <p:txBody>
-          <a:bodyPr/>
+          <a:bodyPr>
+            <a:normAutofit fontScale="92500" lnSpcReduction="10000"/>
+          </a:bodyPr>
           <a:lstStyle/>
           <a:p>
             <a:r>
@@ -19970,8 +19966,16 @@
           <a:p>
             <a:pPr lvl="1"/>
             <a:r>
+              <a:rPr lang="en-US" dirty="0" smtClean="0">
+                <a:solidFill>
+                  <a:schemeClr val="accent1"/>
+                </a:solidFill>
+              </a:rPr>
+              <a:t>UCL_DEBUG</a:t>
+            </a:r>
+            <a:r>
               <a:rPr lang="en-US" dirty="0" smtClean="0"/>
-              <a:t>UCL_DEBUG – turn on some sanity and mat/</a:t>
+              <a:t> – turn on some sanity and mat/</a:t>
             </a:r>
             <a:r>
               <a:rPr lang="en-US" dirty="0" err="1" smtClean="0"/>
@@ -19979,14 +19983,34 @@
             </a:r>
             <a:r>
               <a:rPr lang="en-US" dirty="0" smtClean="0"/>
-              <a:t> size checks (mostly assert statements)</a:t>
-            </a:r>
+              <a:t> size checks (mostly assert statements</a:t>
+            </a:r>
+            <a:r>
+              <a:rPr lang="en-US" dirty="0" smtClean="0"/>
+              <a:t>)</a:t>
+            </a:r>
+          </a:p>
+          <a:p>
+            <a:pPr lvl="2"/>
+            <a:r>
+              <a:rPr lang="en-US" dirty="0" smtClean="0"/>
+              <a:t>Also defines UCL_SYNC_DEBUG and UCL_DESTRUCT_CHECK</a:t>
+            </a:r>
+            <a:endParaRPr lang="en-US" dirty="0" smtClean="0"/>
           </a:p>
           <a:p>
             <a:pPr lvl="1"/>
             <a:r>
+              <a:rPr lang="en-US" dirty="0" smtClean="0">
+                <a:solidFill>
+                  <a:srgbClr val="D34817"/>
+                </a:solidFill>
+              </a:rPr>
+              <a:t>UCL_NO_EXIT</a:t>
+            </a:r>
+            <a:r>
               <a:rPr lang="en-US" dirty="0" smtClean="0"/>
-              <a:t>UCL_NO_EXIT – do not exit with a message to </a:t>
+              <a:t> – do not exit with a message to </a:t>
             </a:r>
             <a:r>
               <a:rPr lang="en-US" dirty="0" err="1" smtClean="0"/>
@@ -20000,8 +20024,16 @@
           <a:p>
             <a:pPr lvl="1"/>
             <a:r>
+              <a:rPr lang="en-US" dirty="0" smtClean="0">
+                <a:solidFill>
+                  <a:srgbClr val="D34817"/>
+                </a:solidFill>
+              </a:rPr>
+              <a:t>UCL_NO_API_CHECK</a:t>
+            </a:r>
+            <a:r>
               <a:rPr lang="en-US" dirty="0" smtClean="0"/>
-              <a:t>UCL_NO_API_CHECK – turn off error checking for CUDA and </a:t>
+              <a:t> – turn off error checking for CUDA and </a:t>
             </a:r>
             <a:r>
               <a:rPr lang="en-US" dirty="0" err="1" smtClean="0"/>
@@ -20019,8 +20051,16 @@
           <a:p>
             <a:pPr lvl="1"/>
             <a:r>
+              <a:rPr lang="en-US" dirty="0" smtClean="0">
+                <a:solidFill>
+                  <a:srgbClr val="D34817"/>
+                </a:solidFill>
+              </a:rPr>
+              <a:t>UCL_SYNC_DEBUG</a:t>
+            </a:r>
+            <a:r>
               <a:rPr lang="en-US" dirty="0" smtClean="0"/>
-              <a:t>UCL_SYNC_DEBUG – Block after each device call and check for error (</a:t>
+              <a:t> – Block after each device call and check for error (</a:t>
             </a:r>
             <a:r>
               <a:rPr lang="en-US" i="1" dirty="0" smtClean="0"/>
@@ -20030,6 +20070,38 @@
               <a:rPr lang="en-US" dirty="0" smtClean="0"/>
               <a:t>)</a:t>
             </a:r>
+          </a:p>
+          <a:p>
+            <a:pPr lvl="1"/>
+            <a:r>
+              <a:rPr lang="en-US" dirty="0" smtClean="0">
+                <a:solidFill>
+                  <a:srgbClr val="D34817"/>
+                </a:solidFill>
+              </a:rPr>
+              <a:t>UCL_DESTRUCT_CHECK</a:t>
+            </a:r>
+            <a:r>
+              <a:rPr lang="en-US" dirty="0" smtClean="0"/>
+              <a:t> </a:t>
+            </a:r>
+            <a:r>
+              <a:rPr lang="en-US" dirty="0"/>
+              <a:t>– Error checks are not performed by default for calls that free memory, contexts, events, etc. </a:t>
+            </a:r>
+            <a:r>
+              <a:rPr lang="en-US" dirty="0" smtClean="0"/>
+              <a:t>This will enable error </a:t>
+            </a:r>
+            <a:r>
+              <a:rPr lang="en-US" dirty="0"/>
+              <a:t>checking for these </a:t>
+            </a:r>
+            <a:r>
+              <a:rPr lang="en-US" dirty="0" smtClean="0"/>
+              <a:t>calls.</a:t>
+            </a:r>
+            <a:endParaRPr lang="en-US" dirty="0" smtClean="0"/>
           </a:p>
         </p:txBody>
       </p:sp>
@@ -20041,7 +20113,7 @@
   <p:timing>
     <p:tnLst>
       <p:par>
-        <p:cTn id="1" dur="indefinite" restart="never" nodeType="tmRoot"/>
+        <p:cTn xmlns:p14="http://schemas.microsoft.com/office/powerpoint/2010/main" id="1" dur="indefinite" restart="never" nodeType="tmRoot"/>
       </p:par>
     </p:tnLst>
   </p:timing>
@@ -20049,7 +20121,7 @@
 </file>
 
 <file path=ppt/slides/slide6.xml><?xml version="1.0" encoding="utf-8"?>
-<p:sld xmlns:a="http://schemas.openxmlformats.org/drawingml/2006/main" xmlns:r="http://schemas.openxmlformats.org/officeDocument/2006/relationships" xmlns:mc="http://schemas.openxmlformats.org/markup-compatibility/2006" xmlns:mv="urn:schemas-microsoft-com:mac:vml" xmlns:p="http://schemas.openxmlformats.org/presentationml/2006/main" mc:Ignorable="mv" mc:PreserveAttributes="mv:*">
+<p:sld xmlns:a="http://schemas.openxmlformats.org/drawingml/2006/main" xmlns:r="http://schemas.openxmlformats.org/officeDocument/2006/relationships" xmlns:p="http://schemas.openxmlformats.org/presentationml/2006/main">
   <p:cSld>
     <p:spTree>
       <p:nvGrpSpPr>
@@ -20240,7 +20312,7 @@
   <p:timing>
     <p:tnLst>
       <p:par>
-        <p:cTn id="1" dur="indefinite" restart="never" nodeType="tmRoot"/>
+        <p:cTn xmlns:p14="http://schemas.microsoft.com/office/powerpoint/2010/main" id="1" dur="indefinite" restart="never" nodeType="tmRoot"/>
       </p:par>
     </p:tnLst>
   </p:timing>
@@ -20248,7 +20320,7 @@
 </file>
 
 <file path=ppt/slides/slide60.xml><?xml version="1.0" encoding="utf-8"?>
-<p:sld xmlns:a="http://schemas.openxmlformats.org/drawingml/2006/main" xmlns:r="http://schemas.openxmlformats.org/officeDocument/2006/relationships" xmlns:mc="http://schemas.openxmlformats.org/markup-compatibility/2006" xmlns:mv="urn:schemas-microsoft-com:mac:vml" xmlns:p="http://schemas.openxmlformats.org/presentationml/2006/main" mc:Ignorable="mv" mc:PreserveAttributes="mv:*">
+<p:sld xmlns:a="http://schemas.openxmlformats.org/drawingml/2006/main" xmlns:r="http://schemas.openxmlformats.org/officeDocument/2006/relationships" xmlns:p="http://schemas.openxmlformats.org/presentationml/2006/main">
   <p:cSld>
     <p:spTree>
       <p:nvGrpSpPr>
@@ -20836,7 +20908,7 @@
   <p:timing>
     <p:tnLst>
       <p:par>
-        <p:cTn id="1" dur="indefinite" restart="never" nodeType="tmRoot"/>
+        <p:cTn xmlns:p14="http://schemas.microsoft.com/office/powerpoint/2010/main" id="1" dur="indefinite" restart="never" nodeType="tmRoot"/>
       </p:par>
     </p:tnLst>
   </p:timing>
@@ -20844,7 +20916,7 @@
 </file>
 
 <file path=ppt/slides/slide61.xml><?xml version="1.0" encoding="utf-8"?>
-<p:sld xmlns:a="http://schemas.openxmlformats.org/drawingml/2006/main" xmlns:r="http://schemas.openxmlformats.org/officeDocument/2006/relationships" xmlns:mc="http://schemas.openxmlformats.org/markup-compatibility/2006" xmlns:mv="urn:schemas-microsoft-com:mac:vml" xmlns:p="http://schemas.openxmlformats.org/presentationml/2006/main" mc:Ignorable="mv" mc:PreserveAttributes="mv:*">
+<p:sld xmlns:a="http://schemas.openxmlformats.org/drawingml/2006/main" xmlns:r="http://schemas.openxmlformats.org/officeDocument/2006/relationships" xmlns:p="http://schemas.openxmlformats.org/presentationml/2006/main">
   <p:cSld>
     <p:spTree>
       <p:nvGrpSpPr>
@@ -20915,7 +20987,7 @@
 </file>
 
 <file path=ppt/slides/slide62.xml><?xml version="1.0" encoding="utf-8"?>
-<p:sld xmlns:a="http://schemas.openxmlformats.org/drawingml/2006/main" xmlns:r="http://schemas.openxmlformats.org/officeDocument/2006/relationships" xmlns:mc="http://schemas.openxmlformats.org/markup-compatibility/2006" xmlns:mv="urn:schemas-microsoft-com:mac:vml" xmlns:p="http://schemas.openxmlformats.org/presentationml/2006/main" mc:Ignorable="mv" mc:PreserveAttributes="mv:*">
+<p:sld xmlns:a="http://schemas.openxmlformats.org/drawingml/2006/main" xmlns:r="http://schemas.openxmlformats.org/officeDocument/2006/relationships" xmlns:p="http://schemas.openxmlformats.org/presentationml/2006/main">
   <p:cSld>
     <p:spTree>
       <p:nvGrpSpPr>
@@ -21049,7 +21121,7 @@
 </file>
 
 <file path=ppt/slides/slide63.xml><?xml version="1.0" encoding="utf-8"?>
-<p:sld xmlns:a="http://schemas.openxmlformats.org/drawingml/2006/main" xmlns:r="http://schemas.openxmlformats.org/officeDocument/2006/relationships" xmlns:mc="http://schemas.openxmlformats.org/markup-compatibility/2006" xmlns:mv="urn:schemas-microsoft-com:mac:vml" xmlns:p="http://schemas.openxmlformats.org/presentationml/2006/main" mc:Ignorable="mv" mc:PreserveAttributes="mv:*">
+<p:sld xmlns:a="http://schemas.openxmlformats.org/drawingml/2006/main" xmlns:r="http://schemas.openxmlformats.org/officeDocument/2006/relationships" xmlns:p="http://schemas.openxmlformats.org/presentationml/2006/main">
   <p:cSld>
     <p:spTree>
       <p:nvGrpSpPr>
@@ -21659,7 +21731,7 @@
 </file>
 
 <file path=ppt/slides/slide64.xml><?xml version="1.0" encoding="utf-8"?>
-<p:sld xmlns:a="http://schemas.openxmlformats.org/drawingml/2006/main" xmlns:r="http://schemas.openxmlformats.org/officeDocument/2006/relationships" xmlns:mc="http://schemas.openxmlformats.org/markup-compatibility/2006" xmlns:mv="urn:schemas-microsoft-com:mac:vml" xmlns:p="http://schemas.openxmlformats.org/presentationml/2006/main" mc:Ignorable="mv" mc:PreserveAttributes="mv:*">
+<p:sld xmlns:a="http://schemas.openxmlformats.org/drawingml/2006/main" xmlns:r="http://schemas.openxmlformats.org/officeDocument/2006/relationships" xmlns:p="http://schemas.openxmlformats.org/presentationml/2006/main">
   <p:cSld>
     <p:spTree>
       <p:nvGrpSpPr>
@@ -21866,7 +21938,7 @@
 </file>
 
 <file path=ppt/slides/slide65.xml><?xml version="1.0" encoding="utf-8"?>
-<p:sld xmlns:a="http://schemas.openxmlformats.org/drawingml/2006/main" xmlns:r="http://schemas.openxmlformats.org/officeDocument/2006/relationships" xmlns:mc="http://schemas.openxmlformats.org/markup-compatibility/2006" xmlns:mv="urn:schemas-microsoft-com:mac:vml" xmlns:p="http://schemas.openxmlformats.org/presentationml/2006/main" mc:Ignorable="mv" mc:PreserveAttributes="mv:*">
+<p:sld xmlns:a="http://schemas.openxmlformats.org/drawingml/2006/main" xmlns:r="http://schemas.openxmlformats.org/officeDocument/2006/relationships" xmlns:p="http://schemas.openxmlformats.org/presentationml/2006/main">
   <p:cSld>
     <p:spTree>
       <p:nvGrpSpPr>
@@ -21936,7 +22008,7 @@
   <p:timing>
     <p:tnLst>
       <p:par>
-        <p:cTn id="1" dur="indefinite" restart="never" nodeType="tmRoot"/>
+        <p:cTn xmlns:p14="http://schemas.microsoft.com/office/powerpoint/2010/main" id="1" dur="indefinite" restart="never" nodeType="tmRoot"/>
       </p:par>
     </p:tnLst>
   </p:timing>
@@ -21944,7 +22016,7 @@
 </file>
 
 <file path=ppt/slides/slide66.xml><?xml version="1.0" encoding="utf-8"?>
-<p:sld xmlns:a="http://schemas.openxmlformats.org/drawingml/2006/main" xmlns:r="http://schemas.openxmlformats.org/officeDocument/2006/relationships" xmlns:mc="http://schemas.openxmlformats.org/markup-compatibility/2006" xmlns:mv="urn:schemas-microsoft-com:mac:vml" xmlns:p="http://schemas.openxmlformats.org/presentationml/2006/main" mc:Ignorable="mv" mc:PreserveAttributes="mv:*">
+<p:sld xmlns:a="http://schemas.openxmlformats.org/drawingml/2006/main" xmlns:r="http://schemas.openxmlformats.org/officeDocument/2006/relationships" xmlns:p="http://schemas.openxmlformats.org/presentationml/2006/main">
   <p:cSld>
     <p:spTree>
       <p:nvGrpSpPr>
@@ -22088,7 +22160,7 @@
   <p:timing>
     <p:tnLst>
       <p:par>
-        <p:cTn id="1" dur="indefinite" restart="never" nodeType="tmRoot"/>
+        <p:cTn xmlns:p14="http://schemas.microsoft.com/office/powerpoint/2010/main" id="1" dur="indefinite" restart="never" nodeType="tmRoot"/>
       </p:par>
     </p:tnLst>
   </p:timing>
@@ -22096,7 +22168,7 @@
 </file>
 
 <file path=ppt/slides/slide7.xml><?xml version="1.0" encoding="utf-8"?>
-<p:sld xmlns:a="http://schemas.openxmlformats.org/drawingml/2006/main" xmlns:r="http://schemas.openxmlformats.org/officeDocument/2006/relationships" xmlns:mc="http://schemas.openxmlformats.org/markup-compatibility/2006" xmlns:mv="urn:schemas-microsoft-com:mac:vml" xmlns:p="http://schemas.openxmlformats.org/presentationml/2006/main" mc:Ignorable="mv" mc:PreserveAttributes="mv:*">
+<p:sld xmlns:a="http://schemas.openxmlformats.org/drawingml/2006/main" xmlns:r="http://schemas.openxmlformats.org/officeDocument/2006/relationships" xmlns:p="http://schemas.openxmlformats.org/presentationml/2006/main">
   <p:cSld>
     <p:spTree>
       <p:nvGrpSpPr>
@@ -22226,7 +22298,7 @@
   <p:timing>
     <p:tnLst>
       <p:par>
-        <p:cTn id="1" dur="indefinite" restart="never" nodeType="tmRoot"/>
+        <p:cTn xmlns:p14="http://schemas.microsoft.com/office/powerpoint/2010/main" id="1" dur="indefinite" restart="never" nodeType="tmRoot"/>
       </p:par>
     </p:tnLst>
   </p:timing>
@@ -22234,7 +22306,7 @@
 </file>
 
 <file path=ppt/slides/slide8.xml><?xml version="1.0" encoding="utf-8"?>
-<p:sld xmlns:a="http://schemas.openxmlformats.org/drawingml/2006/main" xmlns:r="http://schemas.openxmlformats.org/officeDocument/2006/relationships" xmlns:mc="http://schemas.openxmlformats.org/markup-compatibility/2006" xmlns:mv="urn:schemas-microsoft-com:mac:vml" xmlns:p="http://schemas.openxmlformats.org/presentationml/2006/main" mc:Ignorable="mv" mc:PreserveAttributes="mv:*">
+<p:sld xmlns:a="http://schemas.openxmlformats.org/drawingml/2006/main" xmlns:r="http://schemas.openxmlformats.org/officeDocument/2006/relationships" xmlns:p="http://schemas.openxmlformats.org/presentationml/2006/main">
   <p:cSld>
     <p:spTree>
       <p:nvGrpSpPr>
@@ -22297,11 +22369,7 @@
           <a:p>
             <a:r>
               <a:rPr lang="en-US" dirty="0" smtClean="0"/>
-              <a:t>Intended to be a simple library for</a:t>
-            </a:r>
-            <a:r>
-              <a:rPr lang="en-US" dirty="0" smtClean="0"/>
-              <a:t> using CUDA Runtime, CUDA Driver, and </a:t>
+              <a:t>Intended to be a simple library for using CUDA Runtime, CUDA Driver, and </a:t>
             </a:r>
             <a:r>
               <a:rPr lang="en-US" dirty="0" err="1" smtClean="0"/>
@@ -22309,11 +22377,7 @@
             </a:r>
             <a:r>
               <a:rPr lang="en-US" dirty="0" smtClean="0"/>
-              <a:t> </a:t>
-            </a:r>
-            <a:r>
-              <a:rPr lang="en-US" dirty="0" smtClean="0"/>
-              <a:t>APIs with a consistent interface</a:t>
+              <a:t> APIs with a consistent interface</a:t>
             </a:r>
           </a:p>
           <a:p>
@@ -22390,7 +22454,7 @@
   <p:timing>
     <p:tnLst>
       <p:par>
-        <p:cTn id="1" dur="indefinite" restart="never" nodeType="tmRoot"/>
+        <p:cTn xmlns:p14="http://schemas.microsoft.com/office/powerpoint/2010/main" id="1" dur="indefinite" restart="never" nodeType="tmRoot"/>
       </p:par>
     </p:tnLst>
   </p:timing>
@@ -22398,7 +22462,7 @@
 </file>
 
 <file path=ppt/slides/slide9.xml><?xml version="1.0" encoding="utf-8"?>
-<p:sld xmlns:a="http://schemas.openxmlformats.org/drawingml/2006/main" xmlns:r="http://schemas.openxmlformats.org/officeDocument/2006/relationships" xmlns:mc="http://schemas.openxmlformats.org/markup-compatibility/2006" xmlns:mv="urn:schemas-microsoft-com:mac:vml" xmlns:p="http://schemas.openxmlformats.org/presentationml/2006/main" mc:Ignorable="mv" mc:PreserveAttributes="mv:*">
+<p:sld xmlns:a="http://schemas.openxmlformats.org/drawingml/2006/main" xmlns:r="http://schemas.openxmlformats.org/officeDocument/2006/relationships" xmlns:p="http://schemas.openxmlformats.org/presentationml/2006/main">
   <p:cSld>
     <p:spTree>
       <p:nvGrpSpPr>
@@ -22470,7 +22534,7 @@
   <p:timing>
     <p:tnLst>
       <p:par>
-        <p:cTn id="1" dur="indefinite" restart="never" nodeType="tmRoot"/>
+        <p:cTn xmlns:p14="http://schemas.microsoft.com/office/powerpoint/2010/main" id="1" dur="indefinite" restart="never" nodeType="tmRoot"/>
       </p:par>
     </p:tnLst>
   </p:timing>

--- a/geryon.pptx
+++ b/geryon.pptx
@@ -44,33 +44,34 @@
     <p:sldId id="293" r:id="rId38"/>
     <p:sldId id="290" r:id="rId39"/>
     <p:sldId id="291" r:id="rId40"/>
-    <p:sldId id="294" r:id="rId41"/>
-    <p:sldId id="295" r:id="rId42"/>
-    <p:sldId id="299" r:id="rId43"/>
-    <p:sldId id="307" r:id="rId44"/>
-    <p:sldId id="300" r:id="rId45"/>
-    <p:sldId id="308" r:id="rId46"/>
-    <p:sldId id="301" r:id="rId47"/>
-    <p:sldId id="320" r:id="rId48"/>
-    <p:sldId id="321" r:id="rId49"/>
-    <p:sldId id="302" r:id="rId50"/>
-    <p:sldId id="322" r:id="rId51"/>
-    <p:sldId id="303" r:id="rId52"/>
-    <p:sldId id="304" r:id="rId53"/>
-    <p:sldId id="305" r:id="rId54"/>
-    <p:sldId id="312" r:id="rId55"/>
-    <p:sldId id="313" r:id="rId56"/>
-    <p:sldId id="319" r:id="rId57"/>
-    <p:sldId id="314" r:id="rId58"/>
-    <p:sldId id="315" r:id="rId59"/>
-    <p:sldId id="316" r:id="rId60"/>
-    <p:sldId id="318" r:id="rId61"/>
-    <p:sldId id="323" r:id="rId62"/>
-    <p:sldId id="324" r:id="rId63"/>
-    <p:sldId id="325" r:id="rId64"/>
-    <p:sldId id="326" r:id="rId65"/>
-    <p:sldId id="296" r:id="rId66"/>
-    <p:sldId id="297" r:id="rId67"/>
+    <p:sldId id="328" r:id="rId41"/>
+    <p:sldId id="294" r:id="rId42"/>
+    <p:sldId id="295" r:id="rId43"/>
+    <p:sldId id="299" r:id="rId44"/>
+    <p:sldId id="307" r:id="rId45"/>
+    <p:sldId id="300" r:id="rId46"/>
+    <p:sldId id="308" r:id="rId47"/>
+    <p:sldId id="301" r:id="rId48"/>
+    <p:sldId id="320" r:id="rId49"/>
+    <p:sldId id="321" r:id="rId50"/>
+    <p:sldId id="302" r:id="rId51"/>
+    <p:sldId id="322" r:id="rId52"/>
+    <p:sldId id="303" r:id="rId53"/>
+    <p:sldId id="304" r:id="rId54"/>
+    <p:sldId id="305" r:id="rId55"/>
+    <p:sldId id="312" r:id="rId56"/>
+    <p:sldId id="313" r:id="rId57"/>
+    <p:sldId id="319" r:id="rId58"/>
+    <p:sldId id="314" r:id="rId59"/>
+    <p:sldId id="315" r:id="rId60"/>
+    <p:sldId id="316" r:id="rId61"/>
+    <p:sldId id="318" r:id="rId62"/>
+    <p:sldId id="323" r:id="rId63"/>
+    <p:sldId id="324" r:id="rId64"/>
+    <p:sldId id="325" r:id="rId65"/>
+    <p:sldId id="326" r:id="rId66"/>
+    <p:sldId id="296" r:id="rId67"/>
+    <p:sldId id="297" r:id="rId68"/>
   </p:sldIdLst>
   <p:sldSz cx="9144000" cy="6858000" type="screen4x3"/>
   <p:notesSz cx="6858000" cy="9144000"/>
@@ -367,7 +368,7 @@
             <a:fld id="{9F85648D-267C-4F54-90B5-C36298A60516}" type="datetimeFigureOut">
               <a:rPr lang="en-US" smtClean="0"/>
               <a:pPr/>
-              <a:t>1/5/11</a:t>
+              <a:t>4/4/11</a:t>
             </a:fld>
             <a:endParaRPr lang="en-US"/>
           </a:p>
@@ -722,7 +723,7 @@
             <a:fld id="{B99FC8A4-244F-0044-8098-5FFBFA181F2A}" type="datetimeFigureOut">
               <a:rPr lang="en-US" smtClean="0"/>
               <a:pPr/>
-              <a:t>1/5/11</a:t>
+              <a:t>4/4/11</a:t>
             </a:fld>
             <a:endParaRPr lang="en-US"/>
           </a:p>
@@ -899,7 +900,7 @@
             <a:fld id="{B99FC8A4-244F-0044-8098-5FFBFA181F2A}" type="datetimeFigureOut">
               <a:rPr lang="en-US" smtClean="0"/>
               <a:pPr/>
-              <a:t>1/5/11</a:t>
+              <a:t>4/4/11</a:t>
             </a:fld>
             <a:endParaRPr lang="en-US"/>
           </a:p>
@@ -1014,7 +1015,7 @@
             <a:fld id="{B99FC8A4-244F-0044-8098-5FFBFA181F2A}" type="datetimeFigureOut">
               <a:rPr lang="en-US" smtClean="0"/>
               <a:pPr/>
-              <a:t>1/5/11</a:t>
+              <a:t>4/4/11</a:t>
             </a:fld>
             <a:endParaRPr lang="en-US"/>
           </a:p>
@@ -1374,7 +1375,7 @@
             <a:fld id="{74CBEAF9-9E58-4CC8-A6FF-6DD8A58DEEA4}" type="datetimeFigureOut">
               <a:rPr lang="en-US" smtClean="0"/>
               <a:pPr/>
-              <a:t>1/5/11</a:t>
+              <a:t>4/4/11</a:t>
             </a:fld>
             <a:endParaRPr lang="en-US"/>
           </a:p>
@@ -1641,7 +1642,7 @@
             <a:fld id="{B99FC8A4-244F-0044-8098-5FFBFA181F2A}" type="datetimeFigureOut">
               <a:rPr lang="en-US" smtClean="0"/>
               <a:pPr/>
-              <a:t>1/5/11</a:t>
+              <a:t>4/4/11</a:t>
             </a:fld>
             <a:endParaRPr lang="en-US"/>
           </a:p>
@@ -2005,7 +2006,7 @@
             <a:fld id="{B99FC8A4-244F-0044-8098-5FFBFA181F2A}" type="datetimeFigureOut">
               <a:rPr lang="en-US" smtClean="0"/>
               <a:pPr/>
-              <a:t>1/5/11</a:t>
+              <a:t>4/4/11</a:t>
             </a:fld>
             <a:endParaRPr lang="en-US"/>
           </a:p>
@@ -2234,7 +2235,7 @@
             <a:fld id="{B99FC8A4-244F-0044-8098-5FFBFA181F2A}" type="datetimeFigureOut">
               <a:rPr lang="en-US" smtClean="0"/>
               <a:pPr/>
-              <a:t>1/5/11</a:t>
+              <a:t>4/4/11</a:t>
             </a:fld>
             <a:endParaRPr lang="en-US"/>
           </a:p>
@@ -2326,7 +2327,7 @@
             <a:fld id="{B99FC8A4-244F-0044-8098-5FFBFA181F2A}" type="datetimeFigureOut">
               <a:rPr lang="en-US" smtClean="0"/>
               <a:pPr/>
-              <a:t>1/5/11</a:t>
+              <a:t>4/4/11</a:t>
             </a:fld>
             <a:endParaRPr lang="en-US"/>
           </a:p>
@@ -2595,7 +2596,7 @@
             <a:fld id="{B99FC8A4-244F-0044-8098-5FFBFA181F2A}" type="datetimeFigureOut">
               <a:rPr lang="en-US" smtClean="0"/>
               <a:pPr/>
-              <a:t>1/5/11</a:t>
+              <a:t>4/4/11</a:t>
             </a:fld>
             <a:endParaRPr lang="en-US"/>
           </a:p>
@@ -2825,7 +2826,7 @@
             <a:fld id="{B99FC8A4-244F-0044-8098-5FFBFA181F2A}" type="datetimeFigureOut">
               <a:rPr lang="en-US" smtClean="0"/>
               <a:pPr/>
-              <a:t>1/5/11</a:t>
+              <a:t>4/4/11</a:t>
             </a:fld>
             <a:endParaRPr lang="en-US"/>
           </a:p>
@@ -3326,7 +3327,7 @@
             <a:fld id="{B99FC8A4-244F-0044-8098-5FFBFA181F2A}" type="datetimeFigureOut">
               <a:rPr lang="en-US" smtClean="0"/>
               <a:pPr/>
-              <a:t>1/5/11</a:t>
+              <a:t>4/4/11</a:t>
             </a:fld>
             <a:endParaRPr lang="en-US"/>
           </a:p>
@@ -3789,18 +3790,6 @@
       </p:sp>
       <p:sp>
         <p:nvSpPr>
-          <p:cNvPr id="7" name="Picture Placeholder 6"/>
-          <p:cNvSpPr>
-            <a:spLocks noGrp="1"/>
-          </p:cNvSpPr>
-          <p:nvPr>
-            <p:ph type="pic" idx="1"/>
-          </p:nvPr>
-        </p:nvSpPr>
-        <p:spPr/>
-      </p:sp>
-      <p:sp>
-        <p:nvSpPr>
           <p:cNvPr id="6" name="TextBox 5"/>
           <p:cNvSpPr txBox="1"/>
           <p:nvPr/>
@@ -3846,7 +3835,7 @@
             <a:fld id="{B78C6173-A124-044B-A6DC-2740D4C46ECF}" type="datetime1">
               <a:rPr lang="en-US" sz="1200" i="0" smtClean="0"/>
               <a:pPr algn="r"/>
-              <a:t>1/5/11</a:t>
+              <a:t>4/4/11</a:t>
             </a:fld>
             <a:endParaRPr lang="en-US" sz="1200" dirty="0"/>
           </a:p>
@@ -4994,8 +4983,8 @@
         </p:nvSpPr>
         <p:spPr>
           <a:xfrm>
-            <a:off x="592940" y="1928061"/>
-            <a:ext cx="8065168" cy="3139321"/>
+            <a:off x="592940" y="1417525"/>
+            <a:ext cx="8065168" cy="4247317"/>
           </a:xfrm>
           <a:prstGeom prst="rect">
             <a:avLst/>
@@ -5123,8 +5112,68 @@
                 <a:latin typeface="Andale Mono"/>
                 <a:cs typeface="Andale Mono"/>
               </a:rPr>
-              <a:t>ucl_sync(dev.cq(1));</a:t>
-            </a:r>
+              <a:t>ucl_sync(dev.cq(1))</a:t>
+            </a:r>
+            <a:r>
+              <a:rPr lang="en-US" dirty="0" smtClean="0">
+                <a:latin typeface="Andale Mono"/>
+                <a:cs typeface="Andale Mono"/>
+              </a:rPr>
+              <a:t>;</a:t>
+            </a:r>
+          </a:p>
+          <a:p>
+            <a:endParaRPr lang="en-US" dirty="0">
+              <a:latin typeface="Andale Mono"/>
+              <a:cs typeface="Andale Mono"/>
+            </a:endParaRPr>
+          </a:p>
+          <a:p>
+            <a:r>
+              <a:rPr lang="en-US" i="1" dirty="0">
+                <a:solidFill>
+                  <a:srgbClr val="0000FF"/>
+                </a:solidFill>
+                <a:latin typeface="Andale Mono"/>
+                <a:cs typeface="Andale Mono"/>
+              </a:rPr>
+              <a:t>// </a:t>
+            </a:r>
+            <a:r>
+              <a:rPr lang="en-US" i="1" dirty="0" smtClean="0">
+                <a:solidFill>
+                  <a:srgbClr val="0000FF"/>
+                </a:solidFill>
+                <a:latin typeface="Andale Mono"/>
+                <a:cs typeface="Andale Mono"/>
+              </a:rPr>
+              <a:t>To block until a certain command in the queue has</a:t>
+            </a:r>
+          </a:p>
+          <a:p>
+            <a:r>
+              <a:rPr lang="en-US" i="1" dirty="0" smtClean="0">
+                <a:solidFill>
+                  <a:srgbClr val="0000FF"/>
+                </a:solidFill>
+                <a:latin typeface="Andale Mono"/>
+                <a:cs typeface="Andale Mono"/>
+              </a:rPr>
+              <a:t>// completed use timer objects (see below)</a:t>
+            </a:r>
+            <a:endParaRPr lang="en-US" i="1" dirty="0">
+              <a:solidFill>
+                <a:srgbClr val="0000FF"/>
+              </a:solidFill>
+              <a:latin typeface="Andale Mono"/>
+              <a:cs typeface="Andale Mono"/>
+            </a:endParaRPr>
+          </a:p>
+          <a:p>
+            <a:endParaRPr lang="en-US" dirty="0" smtClean="0">
+              <a:latin typeface="Andale Mono"/>
+              <a:cs typeface="Andale Mono"/>
+            </a:endParaRPr>
           </a:p>
           <a:p>
             <a:endParaRPr lang="en-US" dirty="0" smtClean="0">
@@ -13603,7 +13652,11 @@
           <a:p>
             <a:r>
               <a:rPr lang="en-US" dirty="0" smtClean="0"/>
-              <a:t>Device Timing</a:t>
+              <a:t>Device </a:t>
+            </a:r>
+            <a:r>
+              <a:rPr lang="en-US" dirty="0" smtClean="0"/>
+              <a:t>Timing and Advanced Synchronization</a:t>
             </a:r>
             <a:endParaRPr lang="en-US" dirty="0"/>
           </a:p>
@@ -14338,6 +14391,526 @@
       </p:grpSpPr>
       <p:sp>
         <p:nvSpPr>
+          <p:cNvPr id="2" name="TextBox 1"/>
+          <p:cNvSpPr txBox="1"/>
+          <p:nvPr/>
+        </p:nvSpPr>
+        <p:spPr>
+          <a:xfrm>
+            <a:off x="556223" y="1138588"/>
+            <a:ext cx="8065168" cy="4524316"/>
+          </a:xfrm>
+          <a:prstGeom prst="rect">
+            <a:avLst/>
+          </a:prstGeom>
+        </p:spPr>
+        <p:style>
+          <a:lnRef idx="2">
+            <a:schemeClr val="accent5"/>
+          </a:lnRef>
+          <a:fillRef idx="1">
+            <a:schemeClr val="lt1"/>
+          </a:fillRef>
+          <a:effectRef idx="0">
+            <a:schemeClr val="accent5"/>
+          </a:effectRef>
+          <a:fontRef idx="minor">
+            <a:schemeClr val="dk1"/>
+          </a:fontRef>
+        </p:style>
+        <p:txBody>
+          <a:bodyPr wrap="square" rtlCol="0">
+            <a:spAutoFit/>
+          </a:bodyPr>
+          <a:lstStyle/>
+          <a:p>
+            <a:r>
+              <a:rPr lang="en-US" dirty="0" err="1" smtClean="0">
+                <a:solidFill>
+                  <a:srgbClr val="000000"/>
+                </a:solidFill>
+                <a:latin typeface="Andale Mono"/>
+                <a:cs typeface="Andale Mono"/>
+              </a:rPr>
+              <a:t>UCL_Timer</a:t>
+            </a:r>
+            <a:r>
+              <a:rPr lang="en-US" dirty="0" smtClean="0">
+                <a:solidFill>
+                  <a:srgbClr val="000000"/>
+                </a:solidFill>
+                <a:latin typeface="Andale Mono"/>
+                <a:cs typeface="Andale Mono"/>
+              </a:rPr>
+              <a:t> </a:t>
+            </a:r>
+            <a:r>
+              <a:rPr lang="en-US" dirty="0" err="1" smtClean="0">
+                <a:solidFill>
+                  <a:srgbClr val="000000"/>
+                </a:solidFill>
+                <a:latin typeface="Andale Mono"/>
+                <a:cs typeface="Andale Mono"/>
+              </a:rPr>
+              <a:t>timer_a</a:t>
+            </a:r>
+            <a:r>
+              <a:rPr lang="en-US" dirty="0" smtClean="0">
+                <a:solidFill>
+                  <a:srgbClr val="000000"/>
+                </a:solidFill>
+                <a:latin typeface="Andale Mono"/>
+                <a:cs typeface="Andale Mono"/>
+              </a:rPr>
+              <a:t>(</a:t>
+            </a:r>
+            <a:r>
+              <a:rPr lang="en-US" dirty="0" err="1" smtClean="0">
+                <a:solidFill>
+                  <a:srgbClr val="000000"/>
+                </a:solidFill>
+                <a:latin typeface="Andale Mono"/>
+                <a:cs typeface="Andale Mono"/>
+              </a:rPr>
+              <a:t>dev</a:t>
+            </a:r>
+            <a:r>
+              <a:rPr lang="en-US" dirty="0" smtClean="0">
+                <a:solidFill>
+                  <a:srgbClr val="000000"/>
+                </a:solidFill>
+                <a:latin typeface="Andale Mono"/>
+                <a:cs typeface="Andale Mono"/>
+              </a:rPr>
+              <a:t>), </a:t>
+            </a:r>
+            <a:r>
+              <a:rPr lang="en-US" dirty="0" err="1" smtClean="0">
+                <a:solidFill>
+                  <a:srgbClr val="000000"/>
+                </a:solidFill>
+                <a:latin typeface="Andale Mono"/>
+                <a:cs typeface="Andale Mono"/>
+              </a:rPr>
+              <a:t>timer_b</a:t>
+            </a:r>
+            <a:r>
+              <a:rPr lang="en-US" dirty="0" smtClean="0">
+                <a:solidFill>
+                  <a:srgbClr val="000000"/>
+                </a:solidFill>
+                <a:latin typeface="Andale Mono"/>
+                <a:cs typeface="Andale Mono"/>
+              </a:rPr>
+              <a:t>(</a:t>
+            </a:r>
+            <a:r>
+              <a:rPr lang="en-US" dirty="0" err="1" smtClean="0">
+                <a:solidFill>
+                  <a:srgbClr val="000000"/>
+                </a:solidFill>
+                <a:latin typeface="Andale Mono"/>
+                <a:cs typeface="Andale Mono"/>
+              </a:rPr>
+              <a:t>dev</a:t>
+            </a:r>
+            <a:r>
+              <a:rPr lang="en-US" dirty="0" smtClean="0">
+                <a:solidFill>
+                  <a:srgbClr val="000000"/>
+                </a:solidFill>
+                <a:latin typeface="Andale Mono"/>
+                <a:cs typeface="Andale Mono"/>
+              </a:rPr>
+              <a:t>);</a:t>
+            </a:r>
+            <a:endParaRPr lang="en-US" dirty="0" smtClean="0">
+              <a:solidFill>
+                <a:srgbClr val="000000"/>
+              </a:solidFill>
+              <a:latin typeface="Andale Mono"/>
+              <a:cs typeface="Andale Mono"/>
+            </a:endParaRPr>
+          </a:p>
+          <a:p>
+            <a:endParaRPr lang="en-US" i="1" dirty="0">
+              <a:solidFill>
+                <a:srgbClr val="738AC8"/>
+              </a:solidFill>
+              <a:latin typeface="Andale Mono"/>
+              <a:cs typeface="Andale Mono"/>
+            </a:endParaRPr>
+          </a:p>
+          <a:p>
+            <a:r>
+              <a:rPr lang="en-US" i="1" dirty="0" smtClean="0">
+                <a:solidFill>
+                  <a:srgbClr val="0000FF"/>
+                </a:solidFill>
+                <a:latin typeface="Andale Mono"/>
+                <a:cs typeface="Andale Mono"/>
+              </a:rPr>
+              <a:t>// </a:t>
+            </a:r>
+            <a:r>
+              <a:rPr lang="en-US" i="1" dirty="0" smtClean="0">
+                <a:solidFill>
+                  <a:srgbClr val="0000FF"/>
+                </a:solidFill>
+                <a:latin typeface="Andale Mono"/>
+                <a:cs typeface="Andale Mono"/>
+              </a:rPr>
+              <a:t>To synchronize by blocking to a specific point in</a:t>
+            </a:r>
+          </a:p>
+          <a:p>
+            <a:r>
+              <a:rPr lang="en-US" i="1" dirty="0" smtClean="0">
+                <a:solidFill>
+                  <a:srgbClr val="0000FF"/>
+                </a:solidFill>
+                <a:latin typeface="Andale Mono"/>
+                <a:cs typeface="Andale Mono"/>
+              </a:rPr>
+              <a:t>// the command queue, use timer objects:</a:t>
+            </a:r>
+          </a:p>
+          <a:p>
+            <a:endParaRPr lang="en-US" dirty="0">
+              <a:solidFill>
+                <a:srgbClr val="0000FF"/>
+              </a:solidFill>
+              <a:latin typeface="Andale Mono"/>
+              <a:cs typeface="Andale Mono"/>
+            </a:endParaRPr>
+          </a:p>
+          <a:p>
+            <a:r>
+              <a:rPr lang="en-US" dirty="0" err="1" smtClean="0">
+                <a:solidFill>
+                  <a:srgbClr val="000000"/>
+                </a:solidFill>
+                <a:latin typeface="Andale Mono"/>
+                <a:cs typeface="Andale Mono"/>
+              </a:rPr>
+              <a:t>timer_a.start</a:t>
+            </a:r>
+            <a:r>
+              <a:rPr lang="en-US" dirty="0" smtClean="0">
+                <a:solidFill>
+                  <a:srgbClr val="000000"/>
+                </a:solidFill>
+                <a:latin typeface="Andale Mono"/>
+                <a:cs typeface="Andale Mono"/>
+              </a:rPr>
+              <a:t>();</a:t>
+            </a:r>
+          </a:p>
+          <a:p>
+            <a:r>
+              <a:rPr lang="en-US" dirty="0" err="1" smtClean="0">
+                <a:solidFill>
+                  <a:srgbClr val="000000"/>
+                </a:solidFill>
+                <a:latin typeface="Andale Mono"/>
+                <a:cs typeface="Andale Mono"/>
+              </a:rPr>
+              <a:t>ucl_copy</a:t>
+            </a:r>
+            <a:r>
+              <a:rPr lang="en-US" dirty="0" smtClean="0">
+                <a:solidFill>
+                  <a:srgbClr val="000000"/>
+                </a:solidFill>
+                <a:latin typeface="Andale Mono"/>
+                <a:cs typeface="Andale Mono"/>
+              </a:rPr>
+              <a:t>(dest1,src1,true);</a:t>
+            </a:r>
+          </a:p>
+          <a:p>
+            <a:r>
+              <a:rPr lang="en-US" dirty="0" err="1" smtClean="0">
+                <a:solidFill>
+                  <a:srgbClr val="000000"/>
+                </a:solidFill>
+                <a:latin typeface="Andale Mono"/>
+                <a:cs typeface="Andale Mono"/>
+              </a:rPr>
+              <a:t>timer_a.stop</a:t>
+            </a:r>
+            <a:r>
+              <a:rPr lang="en-US" dirty="0" smtClean="0">
+                <a:solidFill>
+                  <a:srgbClr val="000000"/>
+                </a:solidFill>
+                <a:latin typeface="Andale Mono"/>
+                <a:cs typeface="Andale Mono"/>
+              </a:rPr>
+              <a:t>();</a:t>
+            </a:r>
+          </a:p>
+          <a:p>
+            <a:r>
+              <a:rPr lang="en-US" dirty="0" err="1">
+                <a:solidFill>
+                  <a:srgbClr val="000000"/>
+                </a:solidFill>
+                <a:latin typeface="Andale Mono"/>
+                <a:cs typeface="Andale Mono"/>
+              </a:rPr>
+              <a:t>t</a:t>
+            </a:r>
+            <a:r>
+              <a:rPr lang="en-US" dirty="0" err="1" smtClean="0">
+                <a:solidFill>
+                  <a:srgbClr val="000000"/>
+                </a:solidFill>
+                <a:latin typeface="Andale Mono"/>
+                <a:cs typeface="Andale Mono"/>
+              </a:rPr>
+              <a:t>imer_b.start</a:t>
+            </a:r>
+            <a:r>
+              <a:rPr lang="en-US" dirty="0" smtClean="0">
+                <a:solidFill>
+                  <a:srgbClr val="000000"/>
+                </a:solidFill>
+                <a:latin typeface="Andale Mono"/>
+                <a:cs typeface="Andale Mono"/>
+              </a:rPr>
+              <a:t>();</a:t>
+            </a:r>
+          </a:p>
+          <a:p>
+            <a:r>
+              <a:rPr lang="en-US" dirty="0" err="1" smtClean="0">
+                <a:solidFill>
+                  <a:srgbClr val="000000"/>
+                </a:solidFill>
+                <a:latin typeface="Andale Mono"/>
+                <a:cs typeface="Andale Mono"/>
+              </a:rPr>
+              <a:t>ucl_copy</a:t>
+            </a:r>
+            <a:r>
+              <a:rPr lang="en-US" dirty="0" smtClean="0">
+                <a:solidFill>
+                  <a:srgbClr val="000000"/>
+                </a:solidFill>
+                <a:latin typeface="Andale Mono"/>
+                <a:cs typeface="Andale Mono"/>
+              </a:rPr>
+              <a:t>(dest2,src2,true);</a:t>
+            </a:r>
+          </a:p>
+          <a:p>
+            <a:r>
+              <a:rPr lang="en-US" dirty="0" err="1" smtClean="0">
+                <a:solidFill>
+                  <a:srgbClr val="000000"/>
+                </a:solidFill>
+                <a:latin typeface="Andale Mono"/>
+                <a:cs typeface="Andale Mono"/>
+              </a:rPr>
+              <a:t>timer_b.stop</a:t>
+            </a:r>
+            <a:r>
+              <a:rPr lang="en-US" dirty="0" smtClean="0">
+                <a:solidFill>
+                  <a:srgbClr val="000000"/>
+                </a:solidFill>
+                <a:latin typeface="Andale Mono"/>
+                <a:cs typeface="Andale Mono"/>
+              </a:rPr>
+              <a:t>();</a:t>
+            </a:r>
+          </a:p>
+          <a:p>
+            <a:endParaRPr lang="en-US" dirty="0">
+              <a:solidFill>
+                <a:srgbClr val="000000"/>
+              </a:solidFill>
+              <a:latin typeface="Andale Mono"/>
+              <a:cs typeface="Andale Mono"/>
+            </a:endParaRPr>
+          </a:p>
+          <a:p>
+            <a:r>
+              <a:rPr lang="en-US" i="1" dirty="0" smtClean="0">
+                <a:solidFill>
+                  <a:srgbClr val="0000FF"/>
+                </a:solidFill>
+                <a:latin typeface="Andale Mono"/>
+                <a:cs typeface="Andale Mono"/>
+              </a:rPr>
+              <a:t>/</a:t>
+            </a:r>
+            <a:r>
+              <a:rPr lang="en-US" i="1" dirty="0" smtClean="0">
+                <a:solidFill>
+                  <a:srgbClr val="0000FF"/>
+                </a:solidFill>
+                <a:latin typeface="Andale Mono"/>
+                <a:cs typeface="Andale Mono"/>
+              </a:rPr>
+              <a:t>/ </a:t>
+            </a:r>
+            <a:r>
+              <a:rPr lang="en-US" i="1" dirty="0" smtClean="0">
+                <a:solidFill>
+                  <a:srgbClr val="0000FF"/>
+                </a:solidFill>
+                <a:latin typeface="Andale Mono"/>
+                <a:cs typeface="Andale Mono"/>
+              </a:rPr>
+              <a:t>To block on </a:t>
+            </a:r>
+            <a:r>
+              <a:rPr lang="en-US" i="1" dirty="0" err="1" smtClean="0">
+                <a:solidFill>
+                  <a:srgbClr val="0000FF"/>
+                </a:solidFill>
+                <a:latin typeface="Andale Mono"/>
+                <a:cs typeface="Andale Mono"/>
+              </a:rPr>
+              <a:t>cpu</a:t>
+            </a:r>
+            <a:r>
+              <a:rPr lang="en-US" i="1" dirty="0" smtClean="0">
+                <a:solidFill>
+                  <a:srgbClr val="0000FF"/>
+                </a:solidFill>
+                <a:latin typeface="Andale Mono"/>
+                <a:cs typeface="Andale Mono"/>
+              </a:rPr>
+              <a:t> until the first copy has finished:</a:t>
+            </a:r>
+          </a:p>
+          <a:p>
+            <a:r>
+              <a:rPr lang="en-US" dirty="0" err="1" smtClean="0">
+                <a:solidFill>
+                  <a:srgbClr val="000000"/>
+                </a:solidFill>
+                <a:latin typeface="Andale Mono"/>
+                <a:cs typeface="Andale Mono"/>
+              </a:rPr>
+              <a:t>timer_a.sync_stop</a:t>
+            </a:r>
+            <a:r>
+              <a:rPr lang="en-US" dirty="0" smtClean="0">
+                <a:solidFill>
+                  <a:srgbClr val="000000"/>
+                </a:solidFill>
+                <a:latin typeface="Andale Mono"/>
+                <a:cs typeface="Andale Mono"/>
+              </a:rPr>
+              <a:t>();</a:t>
+            </a:r>
+          </a:p>
+          <a:p>
+            <a:r>
+              <a:rPr lang="en-US" i="1" dirty="0">
+                <a:solidFill>
+                  <a:srgbClr val="0000FF"/>
+                </a:solidFill>
+                <a:latin typeface="Andale Mono"/>
+                <a:cs typeface="Andale Mono"/>
+              </a:rPr>
+              <a:t>/</a:t>
+            </a:r>
+            <a:r>
+              <a:rPr lang="en-US" i="1" dirty="0" smtClean="0">
+                <a:solidFill>
+                  <a:srgbClr val="0000FF"/>
+                </a:solidFill>
+                <a:latin typeface="Andale Mono"/>
+                <a:cs typeface="Andale Mono"/>
+              </a:rPr>
+              <a:t>/     -</a:t>
+            </a:r>
+            <a:r>
+              <a:rPr lang="en-US" i="1" dirty="0">
+                <a:solidFill>
+                  <a:srgbClr val="0000FF"/>
+                </a:solidFill>
+                <a:latin typeface="Andale Mono"/>
+                <a:cs typeface="Andale Mono"/>
+              </a:rPr>
+              <a:t>-- or --- </a:t>
+            </a:r>
+          </a:p>
+          <a:p>
+            <a:r>
+              <a:rPr lang="en-US" dirty="0" err="1" smtClean="0">
+                <a:solidFill>
+                  <a:srgbClr val="000000"/>
+                </a:solidFill>
+                <a:latin typeface="Andale Mono"/>
+                <a:cs typeface="Andale Mono"/>
+              </a:rPr>
+              <a:t>timer_b.sync_start</a:t>
+            </a:r>
+            <a:r>
+              <a:rPr lang="en-US" dirty="0" smtClean="0">
+                <a:solidFill>
+                  <a:srgbClr val="000000"/>
+                </a:solidFill>
+                <a:latin typeface="Andale Mono"/>
+                <a:cs typeface="Andale Mono"/>
+              </a:rPr>
+              <a:t>();</a:t>
+            </a:r>
+            <a:endParaRPr lang="en-US" dirty="0" smtClean="0">
+              <a:solidFill>
+                <a:srgbClr val="000000"/>
+              </a:solidFill>
+              <a:latin typeface="Andale Mono"/>
+              <a:cs typeface="Andale Mono"/>
+            </a:endParaRPr>
+          </a:p>
+        </p:txBody>
+      </p:sp>
+    </p:spTree>
+    <p:extLst>
+      <p:ext uri="{BB962C8B-B14F-4D97-AF65-F5344CB8AC3E}">
+        <p14:creationId xmlns:p14="http://schemas.microsoft.com/office/powerpoint/2010/main" val="184249060"/>
+      </p:ext>
+    </p:extLst>
+  </p:cSld>
+  <p:clrMapOvr>
+    <a:masterClrMapping/>
+  </p:clrMapOvr>
+  <p:timing>
+    <p:tnLst>
+      <p:par>
+        <p:cTn xmlns:p14="http://schemas.microsoft.com/office/powerpoint/2010/main" id="1" dur="indefinite" restart="never" nodeType="tmRoot"/>
+      </p:par>
+    </p:tnLst>
+  </p:timing>
+</p:sld>
+</file>
+
+<file path=ppt/slides/slide41.xml><?xml version="1.0" encoding="utf-8"?>
+<p:sld xmlns:a="http://schemas.openxmlformats.org/drawingml/2006/main" xmlns:r="http://schemas.openxmlformats.org/officeDocument/2006/relationships" xmlns:p="http://schemas.openxmlformats.org/presentationml/2006/main">
+  <p:cSld>
+    <p:spTree>
+      <p:nvGrpSpPr>
+        <p:cNvPr id="1" name=""/>
+        <p:cNvGrpSpPr/>
+        <p:nvPr/>
+      </p:nvGrpSpPr>
+      <p:grpSpPr>
+        <a:xfrm>
+          <a:off x="0" y="0"/>
+          <a:ext cx="0" cy="0"/>
+          <a:chOff x="0" y="0"/>
+          <a:chExt cx="0" cy="0"/>
+        </a:xfrm>
+      </p:grpSpPr>
+      <p:sp>
+        <p:nvSpPr>
           <p:cNvPr id="3" name="Subtitle 2"/>
           <p:cNvSpPr>
             <a:spLocks noGrp="1"/>
@@ -14397,7 +14970,7 @@
 </p:sld>
 </file>
 
-<file path=ppt/slides/slide41.xml><?xml version="1.0" encoding="utf-8"?>
+<file path=ppt/slides/slide42.xml><?xml version="1.0" encoding="utf-8"?>
 <p:sld xmlns:a="http://schemas.openxmlformats.org/drawingml/2006/main" xmlns:r="http://schemas.openxmlformats.org/officeDocument/2006/relationships" xmlns:p="http://schemas.openxmlformats.org/presentationml/2006/main">
   <p:cSld>
     <p:spTree>
@@ -15510,7 +16083,7 @@
 </p:sld>
 </file>
 
-<file path=ppt/slides/slide42.xml><?xml version="1.0" encoding="utf-8"?>
+<file path=ppt/slides/slide43.xml><?xml version="1.0" encoding="utf-8"?>
 <p:sld xmlns:a="http://schemas.openxmlformats.org/drawingml/2006/main" xmlns:r="http://schemas.openxmlformats.org/officeDocument/2006/relationships" xmlns:p="http://schemas.openxmlformats.org/presentationml/2006/main">
   <p:cSld>
     <p:spTree>
@@ -15608,7 +16181,7 @@
 </p:sld>
 </file>
 
-<file path=ppt/slides/slide43.xml><?xml version="1.0" encoding="utf-8"?>
+<file path=ppt/slides/slide44.xml><?xml version="1.0" encoding="utf-8"?>
 <p:sld xmlns:a="http://schemas.openxmlformats.org/drawingml/2006/main" xmlns:r="http://schemas.openxmlformats.org/officeDocument/2006/relationships" xmlns:p="http://schemas.openxmlformats.org/presentationml/2006/main">
   <p:cSld>
     <p:spTree>
@@ -15753,7 +16326,7 @@
 </p:sld>
 </file>
 
-<file path=ppt/slides/slide44.xml><?xml version="1.0" encoding="utf-8"?>
+<file path=ppt/slides/slide45.xml><?xml version="1.0" encoding="utf-8"?>
 <p:sld xmlns:a="http://schemas.openxmlformats.org/drawingml/2006/main" xmlns:r="http://schemas.openxmlformats.org/officeDocument/2006/relationships" xmlns:p="http://schemas.openxmlformats.org/presentationml/2006/main">
   <p:cSld>
     <p:spTree>
@@ -16276,7 +16849,7 @@
 </p:sld>
 </file>
 
-<file path=ppt/slides/slide45.xml><?xml version="1.0" encoding="utf-8"?>
+<file path=ppt/slides/slide46.xml><?xml version="1.0" encoding="utf-8"?>
 <p:sld xmlns:a="http://schemas.openxmlformats.org/drawingml/2006/main" xmlns:r="http://schemas.openxmlformats.org/officeDocument/2006/relationships" xmlns:p="http://schemas.openxmlformats.org/presentationml/2006/main">
   <p:cSld>
     <p:spTree>
@@ -16401,7 +16974,17 @@
                 <a:latin typeface="Andale Mono"/>
                 <a:cs typeface="Andale Mono"/>
               </a:rPr>
-              <a:t>// --- or --- add up to 20 </a:t>
+              <a:t>// --- or --- add up to </a:t>
+            </a:r>
+            <a:r>
+              <a:rPr lang="en-US" i="1" dirty="0" smtClean="0">
+                <a:solidFill>
+                  <a:srgbClr val="0000FF"/>
+                </a:solidFill>
+                <a:latin typeface="Andale Mono"/>
+                <a:cs typeface="Andale Mono"/>
+              </a:rPr>
+              <a:t>30 </a:t>
             </a:r>
             <a:r>
               <a:rPr lang="en-US" i="1" dirty="0" err="1" smtClean="0">
@@ -16670,7 +17253,7 @@
 </p:sld>
 </file>
 
-<file path=ppt/slides/slide46.xml><?xml version="1.0" encoding="utf-8"?>
+<file path=ppt/slides/slide47.xml><?xml version="1.0" encoding="utf-8"?>
 <p:sld xmlns:a="http://schemas.openxmlformats.org/drawingml/2006/main" xmlns:r="http://schemas.openxmlformats.org/officeDocument/2006/relationships" xmlns:p="http://schemas.openxmlformats.org/presentationml/2006/main">
   <p:cSld>
     <p:spTree>
@@ -16967,7 +17550,7 @@
 </p:sld>
 </file>
 
-<file path=ppt/slides/slide47.xml><?xml version="1.0" encoding="utf-8"?>
+<file path=ppt/slides/slide48.xml><?xml version="1.0" encoding="utf-8"?>
 <p:sld xmlns:a="http://schemas.openxmlformats.org/drawingml/2006/main" xmlns:r="http://schemas.openxmlformats.org/officeDocument/2006/relationships" xmlns:p="http://schemas.openxmlformats.org/presentationml/2006/main">
   <p:cSld>
     <p:spTree>
@@ -17261,7 +17844,7 @@
 </p:sld>
 </file>
 
-<file path=ppt/slides/slide48.xml><?xml version="1.0" encoding="utf-8"?>
+<file path=ppt/slides/slide49.xml><?xml version="1.0" encoding="utf-8"?>
 <p:sld xmlns:a="http://schemas.openxmlformats.org/drawingml/2006/main" xmlns:r="http://schemas.openxmlformats.org/officeDocument/2006/relationships" xmlns:p="http://schemas.openxmlformats.org/presentationml/2006/main">
   <p:cSld>
     <p:spTree>
@@ -17368,94 +17951,6 @@
   <p:clrMapOvr>
     <a:masterClrMapping/>
   </p:clrMapOvr>
-</p:sld>
-</file>
-
-<file path=ppt/slides/slide49.xml><?xml version="1.0" encoding="utf-8"?>
-<p:sld xmlns:a="http://schemas.openxmlformats.org/drawingml/2006/main" xmlns:r="http://schemas.openxmlformats.org/officeDocument/2006/relationships" xmlns:p="http://schemas.openxmlformats.org/presentationml/2006/main">
-  <p:cSld>
-    <p:spTree>
-      <p:nvGrpSpPr>
-        <p:cNvPr id="1" name=""/>
-        <p:cNvGrpSpPr/>
-        <p:nvPr/>
-      </p:nvGrpSpPr>
-      <p:grpSpPr>
-        <a:xfrm>
-          <a:off x="0" y="0"/>
-          <a:ext cx="0" cy="0"/>
-          <a:chOff x="0" y="0"/>
-          <a:chExt cx="0" cy="0"/>
-        </a:xfrm>
-      </p:grpSpPr>
-      <p:sp>
-        <p:nvSpPr>
-          <p:cNvPr id="3" name="Subtitle 2"/>
-          <p:cNvSpPr>
-            <a:spLocks noGrp="1"/>
-          </p:cNvSpPr>
-          <p:nvPr>
-            <p:ph type="subTitle" idx="1"/>
-          </p:nvPr>
-        </p:nvSpPr>
-        <p:spPr/>
-        <p:txBody>
-          <a:bodyPr>
-            <a:normAutofit/>
-          </a:bodyPr>
-          <a:lstStyle/>
-          <a:p>
-            <a:r>
-              <a:rPr lang="en-US" dirty="0" smtClean="0"/>
-              <a:t>Writing Kernels that are </a:t>
-            </a:r>
-            <a:r>
-              <a:rPr lang="en-US" dirty="0" err="1" smtClean="0"/>
-              <a:t>OpenCL</a:t>
-            </a:r>
-            <a:r>
-              <a:rPr lang="en-US" dirty="0" smtClean="0"/>
-              <a:t> and CUDA Compatible</a:t>
-            </a:r>
-            <a:endParaRPr lang="en-US" dirty="0"/>
-          </a:p>
-        </p:txBody>
-      </p:sp>
-      <p:sp>
-        <p:nvSpPr>
-          <p:cNvPr id="2" name="Title 1"/>
-          <p:cNvSpPr>
-            <a:spLocks noGrp="1"/>
-          </p:cNvSpPr>
-          <p:nvPr>
-            <p:ph type="ctrTitle"/>
-          </p:nvPr>
-        </p:nvSpPr>
-        <p:spPr/>
-        <p:txBody>
-          <a:bodyPr/>
-          <a:lstStyle/>
-          <a:p>
-            <a:r>
-              <a:rPr lang="en-US" dirty="0" err="1" smtClean="0"/>
-              <a:t>Geryon</a:t>
-            </a:r>
-            <a:endParaRPr lang="en-US" dirty="0"/>
-          </a:p>
-        </p:txBody>
-      </p:sp>
-    </p:spTree>
-  </p:cSld>
-  <p:clrMapOvr>
-    <a:masterClrMapping/>
-  </p:clrMapOvr>
-  <p:timing>
-    <p:tnLst>
-      <p:par>
-        <p:cTn xmlns:p14="http://schemas.microsoft.com/office/powerpoint/2010/main" id="1" dur="indefinite" restart="never" nodeType="tmRoot"/>
-      </p:par>
-    </p:tnLst>
-  </p:timing>
 </p:sld>
 </file>
 
@@ -17722,6 +18217,94 @@
       </p:grpSpPr>
       <p:sp>
         <p:nvSpPr>
+          <p:cNvPr id="3" name="Subtitle 2"/>
+          <p:cNvSpPr>
+            <a:spLocks noGrp="1"/>
+          </p:cNvSpPr>
+          <p:nvPr>
+            <p:ph type="subTitle" idx="1"/>
+          </p:nvPr>
+        </p:nvSpPr>
+        <p:spPr/>
+        <p:txBody>
+          <a:bodyPr>
+            <a:normAutofit/>
+          </a:bodyPr>
+          <a:lstStyle/>
+          <a:p>
+            <a:r>
+              <a:rPr lang="en-US" dirty="0" smtClean="0"/>
+              <a:t>Writing Kernels that are </a:t>
+            </a:r>
+            <a:r>
+              <a:rPr lang="en-US" dirty="0" err="1" smtClean="0"/>
+              <a:t>OpenCL</a:t>
+            </a:r>
+            <a:r>
+              <a:rPr lang="en-US" dirty="0" smtClean="0"/>
+              <a:t> and CUDA Compatible</a:t>
+            </a:r>
+            <a:endParaRPr lang="en-US" dirty="0"/>
+          </a:p>
+        </p:txBody>
+      </p:sp>
+      <p:sp>
+        <p:nvSpPr>
+          <p:cNvPr id="2" name="Title 1"/>
+          <p:cNvSpPr>
+            <a:spLocks noGrp="1"/>
+          </p:cNvSpPr>
+          <p:nvPr>
+            <p:ph type="ctrTitle"/>
+          </p:nvPr>
+        </p:nvSpPr>
+        <p:spPr/>
+        <p:txBody>
+          <a:bodyPr/>
+          <a:lstStyle/>
+          <a:p>
+            <a:r>
+              <a:rPr lang="en-US" dirty="0" err="1" smtClean="0"/>
+              <a:t>Geryon</a:t>
+            </a:r>
+            <a:endParaRPr lang="en-US" dirty="0"/>
+          </a:p>
+        </p:txBody>
+      </p:sp>
+    </p:spTree>
+  </p:cSld>
+  <p:clrMapOvr>
+    <a:masterClrMapping/>
+  </p:clrMapOvr>
+  <p:timing>
+    <p:tnLst>
+      <p:par>
+        <p:cTn xmlns:p14="http://schemas.microsoft.com/office/powerpoint/2010/main" id="1" dur="indefinite" restart="never" nodeType="tmRoot"/>
+      </p:par>
+    </p:tnLst>
+  </p:timing>
+</p:sld>
+</file>
+
+<file path=ppt/slides/slide51.xml><?xml version="1.0" encoding="utf-8"?>
+<p:sld xmlns:a="http://schemas.openxmlformats.org/drawingml/2006/main" xmlns:r="http://schemas.openxmlformats.org/officeDocument/2006/relationships" xmlns:p="http://schemas.openxmlformats.org/presentationml/2006/main">
+  <p:cSld>
+    <p:spTree>
+      <p:nvGrpSpPr>
+        <p:cNvPr id="1" name=""/>
+        <p:cNvGrpSpPr/>
+        <p:nvPr/>
+      </p:nvGrpSpPr>
+      <p:grpSpPr>
+        <a:xfrm>
+          <a:off x="0" y="0"/>
+          <a:ext cx="0" cy="0"/>
+          <a:chOff x="0" y="0"/>
+          <a:chExt cx="0" cy="0"/>
+        </a:xfrm>
+      </p:grpSpPr>
+      <p:sp>
+        <p:nvSpPr>
           <p:cNvPr id="2" name="Title 1"/>
           <p:cNvSpPr>
             <a:spLocks noGrp="1"/>
@@ -17875,7 +18458,7 @@
 </p:sld>
 </file>
 
-<file path=ppt/slides/slide51.xml><?xml version="1.0" encoding="utf-8"?>
+<file path=ppt/slides/slide52.xml><?xml version="1.0" encoding="utf-8"?>
 <p:sld xmlns:a="http://schemas.openxmlformats.org/drawingml/2006/main" xmlns:r="http://schemas.openxmlformats.org/officeDocument/2006/relationships" xmlns:p="http://schemas.openxmlformats.org/presentationml/2006/main">
   <p:cSld>
     <p:spTree>
@@ -17997,7 +18580,7 @@
 </p:sld>
 </file>
 
-<file path=ppt/slides/slide52.xml><?xml version="1.0" encoding="utf-8"?>
+<file path=ppt/slides/slide53.xml><?xml version="1.0" encoding="utf-8"?>
 <p:sld xmlns:a="http://schemas.openxmlformats.org/drawingml/2006/main" xmlns:r="http://schemas.openxmlformats.org/officeDocument/2006/relationships" xmlns:p="http://schemas.openxmlformats.org/presentationml/2006/main">
   <p:cSld>
     <p:spTree>
@@ -18608,7 +19191,7 @@
 </p:sld>
 </file>
 
-<file path=ppt/slides/slide53.xml><?xml version="1.0" encoding="utf-8"?>
+<file path=ppt/slides/slide54.xml><?xml version="1.0" encoding="utf-8"?>
 <p:sld xmlns:a="http://schemas.openxmlformats.org/drawingml/2006/main" xmlns:r="http://schemas.openxmlformats.org/officeDocument/2006/relationships" xmlns:p="http://schemas.openxmlformats.org/presentationml/2006/main">
   <p:cSld>
     <p:spTree>
@@ -19084,7 +19667,7 @@
 </p:sld>
 </file>
 
-<file path=ppt/slides/slide54.xml><?xml version="1.0" encoding="utf-8"?>
+<file path=ppt/slides/slide55.xml><?xml version="1.0" encoding="utf-8"?>
 <p:sld xmlns:a="http://schemas.openxmlformats.org/drawingml/2006/main" xmlns:r="http://schemas.openxmlformats.org/officeDocument/2006/relationships" xmlns:p="http://schemas.openxmlformats.org/presentationml/2006/main">
   <p:cSld>
     <p:spTree>
@@ -19152,401 +19735,6 @@
               <a:t>Geryon</a:t>
             </a:r>
             <a:endParaRPr lang="en-US" dirty="0"/>
-          </a:p>
-        </p:txBody>
-      </p:sp>
-    </p:spTree>
-  </p:cSld>
-  <p:clrMapOvr>
-    <a:masterClrMapping/>
-  </p:clrMapOvr>
-  <p:timing>
-    <p:tnLst>
-      <p:par>
-        <p:cTn xmlns:p14="http://schemas.microsoft.com/office/powerpoint/2010/main" id="1" dur="indefinite" restart="never" nodeType="tmRoot"/>
-      </p:par>
-    </p:tnLst>
-  </p:timing>
-</p:sld>
-</file>
-
-<file path=ppt/slides/slide55.xml><?xml version="1.0" encoding="utf-8"?>
-<p:sld xmlns:a="http://schemas.openxmlformats.org/drawingml/2006/main" xmlns:r="http://schemas.openxmlformats.org/officeDocument/2006/relationships" xmlns:p="http://schemas.openxmlformats.org/presentationml/2006/main">
-  <p:cSld>
-    <p:spTree>
-      <p:nvGrpSpPr>
-        <p:cNvPr id="1" name=""/>
-        <p:cNvGrpSpPr/>
-        <p:nvPr/>
-      </p:nvGrpSpPr>
-      <p:grpSpPr>
-        <a:xfrm>
-          <a:off x="0" y="0"/>
-          <a:ext cx="0" cy="0"/>
-          <a:chOff x="0" y="0"/>
-          <a:chExt cx="0" cy="0"/>
-        </a:xfrm>
-      </p:grpSpPr>
-      <p:sp>
-        <p:nvSpPr>
-          <p:cNvPr id="2" name="Title 1"/>
-          <p:cNvSpPr>
-            <a:spLocks noGrp="1"/>
-          </p:cNvSpPr>
-          <p:nvPr>
-            <p:ph type="title"/>
-          </p:nvPr>
-        </p:nvSpPr>
-        <p:spPr/>
-        <p:txBody>
-          <a:bodyPr>
-            <a:normAutofit fontScale="90000"/>
-          </a:bodyPr>
-          <a:lstStyle/>
-          <a:p>
-            <a:r>
-              <a:rPr lang="en-US" dirty="0" smtClean="0"/>
-              <a:t>Don’t need device allocations or host-device copies</a:t>
-            </a:r>
-            <a:endParaRPr lang="en-US" dirty="0"/>
-          </a:p>
-        </p:txBody>
-      </p:sp>
-      <p:sp>
-        <p:nvSpPr>
-          <p:cNvPr id="3" name="Content Placeholder 2"/>
-          <p:cNvSpPr>
-            <a:spLocks noGrp="1"/>
-          </p:cNvSpPr>
-          <p:nvPr>
-            <p:ph sz="quarter" idx="1"/>
-          </p:nvPr>
-        </p:nvSpPr>
-        <p:spPr>
-          <a:xfrm>
-            <a:off x="914400" y="1613141"/>
-            <a:ext cx="7772400" cy="5053941"/>
-          </a:xfrm>
-        </p:spPr>
-        <p:txBody>
-          <a:bodyPr>
-            <a:normAutofit lnSpcReduction="10000"/>
-          </a:bodyPr>
-          <a:lstStyle/>
-          <a:p>
-            <a:r>
-              <a:rPr lang="en-US" dirty="0" smtClean="0"/>
-              <a:t>Use views:</a:t>
-            </a:r>
-          </a:p>
-          <a:p>
-            <a:endParaRPr lang="en-US" dirty="0" smtClean="0">
-              <a:cs typeface="Courier New"/>
-            </a:endParaRPr>
-          </a:p>
-          <a:p>
-            <a:endParaRPr lang="en-US" dirty="0" smtClean="0">
-              <a:cs typeface="Courier New"/>
-            </a:endParaRPr>
-          </a:p>
-          <a:p>
-            <a:endParaRPr lang="en-US" dirty="0" smtClean="0">
-              <a:cs typeface="Courier New"/>
-            </a:endParaRPr>
-          </a:p>
-          <a:p>
-            <a:endParaRPr lang="en-US" dirty="0" smtClean="0">
-              <a:cs typeface="Courier New"/>
-            </a:endParaRPr>
-          </a:p>
-          <a:p>
-            <a:pPr>
-              <a:buNone/>
-            </a:pPr>
-            <a:endParaRPr lang="en-US" dirty="0" smtClean="0">
-              <a:cs typeface="Courier New"/>
-            </a:endParaRPr>
-          </a:p>
-          <a:p>
-            <a:r>
-              <a:rPr lang="en-US" dirty="0" err="1" smtClean="0">
-                <a:cs typeface="Courier New"/>
-              </a:rPr>
-              <a:t>ucl_copy</a:t>
-            </a:r>
-            <a:r>
-              <a:rPr lang="en-US" dirty="0" smtClean="0">
-                <a:cs typeface="Courier New"/>
-              </a:rPr>
-              <a:t> will do nothing if the pointer/offset for the source and destination are the same (if a blocking copy is specified, the routine will still block until the command queue is </a:t>
-            </a:r>
-            <a:r>
-              <a:rPr lang="en-US" dirty="0" err="1" smtClean="0">
-                <a:cs typeface="Courier New"/>
-              </a:rPr>
-              <a:t>sync’d</a:t>
-            </a:r>
-            <a:endParaRPr lang="en-US" dirty="0" smtClean="0">
-              <a:cs typeface="Courier New"/>
-            </a:endParaRPr>
-          </a:p>
-          <a:p>
-            <a:r>
-              <a:rPr lang="en-US" dirty="0" smtClean="0">
-                <a:cs typeface="Courier New"/>
-              </a:rPr>
-              <a:t>For the AMD </a:t>
-            </a:r>
-            <a:r>
-              <a:rPr lang="en-US" dirty="0" err="1" smtClean="0">
-                <a:cs typeface="Courier New"/>
-              </a:rPr>
-              <a:t>OpenCL</a:t>
-            </a:r>
-            <a:r>
-              <a:rPr lang="en-US" dirty="0" smtClean="0">
-                <a:cs typeface="Courier New"/>
-              </a:rPr>
-              <a:t> library, set the CPU_MAX_COMPUTE_UNITS environment variable to control the number of cores used for kernel execution </a:t>
-            </a:r>
-          </a:p>
-          <a:p>
-            <a:endParaRPr lang="en-US" sz="2400" dirty="0">
-              <a:latin typeface="Courier New"/>
-              <a:cs typeface="Courier New"/>
-            </a:endParaRPr>
-          </a:p>
-        </p:txBody>
-      </p:sp>
-      <p:sp>
-        <p:nvSpPr>
-          <p:cNvPr id="4" name="TextBox 3"/>
-          <p:cNvSpPr txBox="1"/>
-          <p:nvPr/>
-        </p:nvSpPr>
-        <p:spPr>
-          <a:xfrm>
-            <a:off x="1260780" y="2365580"/>
-            <a:ext cx="6945110" cy="1815882"/>
-          </a:xfrm>
-          <a:prstGeom prst="rect">
-            <a:avLst/>
-          </a:prstGeom>
-        </p:spPr>
-        <p:style>
-          <a:lnRef idx="2">
-            <a:schemeClr val="accent5"/>
-          </a:lnRef>
-          <a:fillRef idx="1">
-            <a:schemeClr val="lt1"/>
-          </a:fillRef>
-          <a:effectRef idx="0">
-            <a:schemeClr val="accent5"/>
-          </a:effectRef>
-          <a:fontRef idx="minor">
-            <a:schemeClr val="dk1"/>
-          </a:fontRef>
-        </p:style>
-        <p:txBody>
-          <a:bodyPr wrap="square" rtlCol="0">
-            <a:spAutoFit/>
-          </a:bodyPr>
-          <a:lstStyle/>
-          <a:p>
-            <a:r>
-              <a:rPr lang="en-US" sz="1400" dirty="0" err="1" smtClean="0">
-                <a:solidFill>
-                  <a:srgbClr val="000000"/>
-                </a:solidFill>
-                <a:latin typeface="Andale Mono"/>
-                <a:cs typeface="Andale Mono"/>
-              </a:rPr>
-              <a:t>UCL_H_Vec</a:t>
-            </a:r>
-            <a:r>
-              <a:rPr lang="en-US" sz="1400" dirty="0" smtClean="0">
-                <a:solidFill>
-                  <a:srgbClr val="000000"/>
-                </a:solidFill>
-                <a:latin typeface="Andale Mono"/>
-                <a:cs typeface="Andale Mono"/>
-              </a:rPr>
-              <a:t> </a:t>
-            </a:r>
-            <a:r>
-              <a:rPr lang="en-US" sz="1400" dirty="0" err="1" smtClean="0">
-                <a:solidFill>
-                  <a:srgbClr val="000000"/>
-                </a:solidFill>
-                <a:latin typeface="Andale Mono"/>
-                <a:cs typeface="Andale Mono"/>
-              </a:rPr>
-              <a:t>host_mem</a:t>
-            </a:r>
-            <a:r>
-              <a:rPr lang="en-US" sz="1400" dirty="0" smtClean="0">
-                <a:solidFill>
-                  <a:srgbClr val="000000"/>
-                </a:solidFill>
-                <a:latin typeface="Andale Mono"/>
-                <a:cs typeface="Andale Mono"/>
-              </a:rPr>
-              <a:t>;</a:t>
-            </a:r>
-          </a:p>
-          <a:p>
-            <a:r>
-              <a:rPr lang="en-US" sz="1400" dirty="0" smtClean="0">
-                <a:solidFill>
-                  <a:srgbClr val="000000"/>
-                </a:solidFill>
-                <a:latin typeface="Andale Mono"/>
-                <a:cs typeface="Andale Mono"/>
-              </a:rPr>
-              <a:t>host_mem.alloc(6,dev);</a:t>
-            </a:r>
-          </a:p>
-          <a:p>
-            <a:r>
-              <a:rPr lang="en-US" sz="1400" dirty="0" err="1" smtClean="0">
-                <a:solidFill>
-                  <a:srgbClr val="000000"/>
-                </a:solidFill>
-                <a:latin typeface="Andale Mono"/>
-                <a:cs typeface="Andale Mono"/>
-              </a:rPr>
-              <a:t>UCL_D_Vec</a:t>
-            </a:r>
-            <a:r>
-              <a:rPr lang="en-US" sz="1400" dirty="0" smtClean="0">
-                <a:solidFill>
-                  <a:srgbClr val="000000"/>
-                </a:solidFill>
-                <a:latin typeface="Andale Mono"/>
-                <a:cs typeface="Andale Mono"/>
-              </a:rPr>
-              <a:t> </a:t>
-            </a:r>
-            <a:r>
-              <a:rPr lang="en-US" sz="1400" dirty="0" err="1" smtClean="0">
-                <a:solidFill>
-                  <a:srgbClr val="000000"/>
-                </a:solidFill>
-                <a:latin typeface="Andale Mono"/>
-                <a:cs typeface="Andale Mono"/>
-              </a:rPr>
-              <a:t>device_mem</a:t>
-            </a:r>
-            <a:r>
-              <a:rPr lang="en-US" sz="1400" dirty="0" smtClean="0">
-                <a:solidFill>
-                  <a:srgbClr val="000000"/>
-                </a:solidFill>
-                <a:latin typeface="Andale Mono"/>
-                <a:cs typeface="Andale Mono"/>
-              </a:rPr>
-              <a:t>;</a:t>
-            </a:r>
-          </a:p>
-          <a:p>
-            <a:r>
-              <a:rPr lang="en-US" sz="1400" i="1" dirty="0" smtClean="0">
-                <a:solidFill>
-                  <a:srgbClr val="0000FF"/>
-                </a:solidFill>
-                <a:latin typeface="Andale Mono"/>
-                <a:cs typeface="Andale Mono"/>
-              </a:rPr>
-              <a:t>// Only allocate device memory if the device is not a CPU</a:t>
-            </a:r>
-          </a:p>
-          <a:p>
-            <a:r>
-              <a:rPr lang="en-US" sz="1400" dirty="0" smtClean="0">
-                <a:solidFill>
-                  <a:srgbClr val="000000"/>
-                </a:solidFill>
-                <a:latin typeface="Andale Mono"/>
-                <a:cs typeface="Andale Mono"/>
-              </a:rPr>
-              <a:t>if (</a:t>
-            </a:r>
-            <a:r>
-              <a:rPr lang="en-US" sz="1400" dirty="0" err="1" smtClean="0">
-                <a:solidFill>
-                  <a:srgbClr val="000000"/>
-                </a:solidFill>
-                <a:latin typeface="Andale Mono"/>
-                <a:cs typeface="Andale Mono"/>
-              </a:rPr>
-              <a:t>dev.device_type</a:t>
-            </a:r>
-            <a:r>
-              <a:rPr lang="en-US" sz="1400" dirty="0" smtClean="0">
-                <a:solidFill>
-                  <a:srgbClr val="000000"/>
-                </a:solidFill>
-                <a:latin typeface="Andale Mono"/>
-                <a:cs typeface="Andale Mono"/>
-              </a:rPr>
-              <a:t>==UCL_CPU)</a:t>
-            </a:r>
-          </a:p>
-          <a:p>
-            <a:r>
-              <a:rPr lang="en-US" sz="1400" dirty="0" smtClean="0">
-                <a:solidFill>
-                  <a:srgbClr val="000000"/>
-                </a:solidFill>
-                <a:latin typeface="Andale Mono"/>
-                <a:cs typeface="Andale Mono"/>
-              </a:rPr>
-              <a:t>  </a:t>
-            </a:r>
-            <a:r>
-              <a:rPr lang="en-US" sz="1400" dirty="0" err="1" smtClean="0">
-                <a:solidFill>
-                  <a:srgbClr val="000000"/>
-                </a:solidFill>
-                <a:latin typeface="Andale Mono"/>
-                <a:cs typeface="Andale Mono"/>
-              </a:rPr>
-              <a:t>device_mem.view(host_mem</a:t>
-            </a:r>
-            <a:r>
-              <a:rPr lang="en-US" sz="1400" dirty="0" smtClean="0">
-                <a:solidFill>
-                  <a:srgbClr val="000000"/>
-                </a:solidFill>
-                <a:latin typeface="Andale Mono"/>
-                <a:cs typeface="Andale Mono"/>
-              </a:rPr>
-              <a:t>);</a:t>
-            </a:r>
-          </a:p>
-          <a:p>
-            <a:r>
-              <a:rPr lang="en-US" sz="1400" dirty="0" smtClean="0">
-                <a:solidFill>
-                  <a:srgbClr val="000000"/>
-                </a:solidFill>
-                <a:latin typeface="Andale Mono"/>
-                <a:cs typeface="Andale Mono"/>
-              </a:rPr>
-              <a:t>else</a:t>
-            </a:r>
-          </a:p>
-          <a:p>
-            <a:r>
-              <a:rPr lang="en-US" sz="1400" dirty="0" smtClean="0">
-                <a:solidFill>
-                  <a:srgbClr val="000000"/>
-                </a:solidFill>
-                <a:latin typeface="Andale Mono"/>
-                <a:cs typeface="Andale Mono"/>
-              </a:rPr>
-              <a:t>  device_mem.alloc(6,dev);</a:t>
-            </a:r>
           </a:p>
         </p:txBody>
       </p:sp>
@@ -19594,6 +19782,401 @@
         </p:nvSpPr>
         <p:spPr/>
         <p:txBody>
+          <a:bodyPr>
+            <a:normAutofit fontScale="90000"/>
+          </a:bodyPr>
+          <a:lstStyle/>
+          <a:p>
+            <a:r>
+              <a:rPr lang="en-US" dirty="0" smtClean="0"/>
+              <a:t>Don’t need device allocations or host-device copies</a:t>
+            </a:r>
+            <a:endParaRPr lang="en-US" dirty="0"/>
+          </a:p>
+        </p:txBody>
+      </p:sp>
+      <p:sp>
+        <p:nvSpPr>
+          <p:cNvPr id="3" name="Content Placeholder 2"/>
+          <p:cNvSpPr>
+            <a:spLocks noGrp="1"/>
+          </p:cNvSpPr>
+          <p:nvPr>
+            <p:ph sz="quarter" idx="1"/>
+          </p:nvPr>
+        </p:nvSpPr>
+        <p:spPr>
+          <a:xfrm>
+            <a:off x="914400" y="1613141"/>
+            <a:ext cx="7772400" cy="5053941"/>
+          </a:xfrm>
+        </p:spPr>
+        <p:txBody>
+          <a:bodyPr>
+            <a:normAutofit lnSpcReduction="10000"/>
+          </a:bodyPr>
+          <a:lstStyle/>
+          <a:p>
+            <a:r>
+              <a:rPr lang="en-US" dirty="0" smtClean="0"/>
+              <a:t>Use views:</a:t>
+            </a:r>
+          </a:p>
+          <a:p>
+            <a:endParaRPr lang="en-US" dirty="0" smtClean="0">
+              <a:cs typeface="Courier New"/>
+            </a:endParaRPr>
+          </a:p>
+          <a:p>
+            <a:endParaRPr lang="en-US" dirty="0" smtClean="0">
+              <a:cs typeface="Courier New"/>
+            </a:endParaRPr>
+          </a:p>
+          <a:p>
+            <a:endParaRPr lang="en-US" dirty="0" smtClean="0">
+              <a:cs typeface="Courier New"/>
+            </a:endParaRPr>
+          </a:p>
+          <a:p>
+            <a:endParaRPr lang="en-US" dirty="0" smtClean="0">
+              <a:cs typeface="Courier New"/>
+            </a:endParaRPr>
+          </a:p>
+          <a:p>
+            <a:pPr>
+              <a:buNone/>
+            </a:pPr>
+            <a:endParaRPr lang="en-US" dirty="0" smtClean="0">
+              <a:cs typeface="Courier New"/>
+            </a:endParaRPr>
+          </a:p>
+          <a:p>
+            <a:r>
+              <a:rPr lang="en-US" dirty="0" err="1" smtClean="0">
+                <a:cs typeface="Courier New"/>
+              </a:rPr>
+              <a:t>ucl_copy</a:t>
+            </a:r>
+            <a:r>
+              <a:rPr lang="en-US" dirty="0" smtClean="0">
+                <a:cs typeface="Courier New"/>
+              </a:rPr>
+              <a:t> will do nothing if the pointer/offset for the source and destination are the same (if a blocking copy is specified, the routine will still block until the command queue is </a:t>
+            </a:r>
+            <a:r>
+              <a:rPr lang="en-US" dirty="0" err="1" smtClean="0">
+                <a:cs typeface="Courier New"/>
+              </a:rPr>
+              <a:t>sync’d</a:t>
+            </a:r>
+            <a:endParaRPr lang="en-US" dirty="0" smtClean="0">
+              <a:cs typeface="Courier New"/>
+            </a:endParaRPr>
+          </a:p>
+          <a:p>
+            <a:r>
+              <a:rPr lang="en-US" dirty="0" smtClean="0">
+                <a:cs typeface="Courier New"/>
+              </a:rPr>
+              <a:t>For the AMD </a:t>
+            </a:r>
+            <a:r>
+              <a:rPr lang="en-US" dirty="0" err="1" smtClean="0">
+                <a:cs typeface="Courier New"/>
+              </a:rPr>
+              <a:t>OpenCL</a:t>
+            </a:r>
+            <a:r>
+              <a:rPr lang="en-US" dirty="0" smtClean="0">
+                <a:cs typeface="Courier New"/>
+              </a:rPr>
+              <a:t> library, set the CPU_MAX_COMPUTE_UNITS environment variable to control the number of cores used for kernel execution </a:t>
+            </a:r>
+          </a:p>
+          <a:p>
+            <a:endParaRPr lang="en-US" sz="2400" dirty="0">
+              <a:latin typeface="Courier New"/>
+              <a:cs typeface="Courier New"/>
+            </a:endParaRPr>
+          </a:p>
+        </p:txBody>
+      </p:sp>
+      <p:sp>
+        <p:nvSpPr>
+          <p:cNvPr id="4" name="TextBox 3"/>
+          <p:cNvSpPr txBox="1"/>
+          <p:nvPr/>
+        </p:nvSpPr>
+        <p:spPr>
+          <a:xfrm>
+            <a:off x="1260780" y="2365580"/>
+            <a:ext cx="6945110" cy="1815882"/>
+          </a:xfrm>
+          <a:prstGeom prst="rect">
+            <a:avLst/>
+          </a:prstGeom>
+        </p:spPr>
+        <p:style>
+          <a:lnRef idx="2">
+            <a:schemeClr val="accent5"/>
+          </a:lnRef>
+          <a:fillRef idx="1">
+            <a:schemeClr val="lt1"/>
+          </a:fillRef>
+          <a:effectRef idx="0">
+            <a:schemeClr val="accent5"/>
+          </a:effectRef>
+          <a:fontRef idx="minor">
+            <a:schemeClr val="dk1"/>
+          </a:fontRef>
+        </p:style>
+        <p:txBody>
+          <a:bodyPr wrap="square" rtlCol="0">
+            <a:spAutoFit/>
+          </a:bodyPr>
+          <a:lstStyle/>
+          <a:p>
+            <a:r>
+              <a:rPr lang="en-US" sz="1400" dirty="0" err="1" smtClean="0">
+                <a:solidFill>
+                  <a:srgbClr val="000000"/>
+                </a:solidFill>
+                <a:latin typeface="Andale Mono"/>
+                <a:cs typeface="Andale Mono"/>
+              </a:rPr>
+              <a:t>UCL_H_Vec</a:t>
+            </a:r>
+            <a:r>
+              <a:rPr lang="en-US" sz="1400" dirty="0" smtClean="0">
+                <a:solidFill>
+                  <a:srgbClr val="000000"/>
+                </a:solidFill>
+                <a:latin typeface="Andale Mono"/>
+                <a:cs typeface="Andale Mono"/>
+              </a:rPr>
+              <a:t> </a:t>
+            </a:r>
+            <a:r>
+              <a:rPr lang="en-US" sz="1400" dirty="0" err="1" smtClean="0">
+                <a:solidFill>
+                  <a:srgbClr val="000000"/>
+                </a:solidFill>
+                <a:latin typeface="Andale Mono"/>
+                <a:cs typeface="Andale Mono"/>
+              </a:rPr>
+              <a:t>host_mem</a:t>
+            </a:r>
+            <a:r>
+              <a:rPr lang="en-US" sz="1400" dirty="0" smtClean="0">
+                <a:solidFill>
+                  <a:srgbClr val="000000"/>
+                </a:solidFill>
+                <a:latin typeface="Andale Mono"/>
+                <a:cs typeface="Andale Mono"/>
+              </a:rPr>
+              <a:t>;</a:t>
+            </a:r>
+          </a:p>
+          <a:p>
+            <a:r>
+              <a:rPr lang="en-US" sz="1400" dirty="0" smtClean="0">
+                <a:solidFill>
+                  <a:srgbClr val="000000"/>
+                </a:solidFill>
+                <a:latin typeface="Andale Mono"/>
+                <a:cs typeface="Andale Mono"/>
+              </a:rPr>
+              <a:t>host_mem.alloc(6,dev);</a:t>
+            </a:r>
+          </a:p>
+          <a:p>
+            <a:r>
+              <a:rPr lang="en-US" sz="1400" dirty="0" err="1" smtClean="0">
+                <a:solidFill>
+                  <a:srgbClr val="000000"/>
+                </a:solidFill>
+                <a:latin typeface="Andale Mono"/>
+                <a:cs typeface="Andale Mono"/>
+              </a:rPr>
+              <a:t>UCL_D_Vec</a:t>
+            </a:r>
+            <a:r>
+              <a:rPr lang="en-US" sz="1400" dirty="0" smtClean="0">
+                <a:solidFill>
+                  <a:srgbClr val="000000"/>
+                </a:solidFill>
+                <a:latin typeface="Andale Mono"/>
+                <a:cs typeface="Andale Mono"/>
+              </a:rPr>
+              <a:t> </a:t>
+            </a:r>
+            <a:r>
+              <a:rPr lang="en-US" sz="1400" dirty="0" err="1" smtClean="0">
+                <a:solidFill>
+                  <a:srgbClr val="000000"/>
+                </a:solidFill>
+                <a:latin typeface="Andale Mono"/>
+                <a:cs typeface="Andale Mono"/>
+              </a:rPr>
+              <a:t>device_mem</a:t>
+            </a:r>
+            <a:r>
+              <a:rPr lang="en-US" sz="1400" dirty="0" smtClean="0">
+                <a:solidFill>
+                  <a:srgbClr val="000000"/>
+                </a:solidFill>
+                <a:latin typeface="Andale Mono"/>
+                <a:cs typeface="Andale Mono"/>
+              </a:rPr>
+              <a:t>;</a:t>
+            </a:r>
+          </a:p>
+          <a:p>
+            <a:r>
+              <a:rPr lang="en-US" sz="1400" i="1" dirty="0" smtClean="0">
+                <a:solidFill>
+                  <a:srgbClr val="0000FF"/>
+                </a:solidFill>
+                <a:latin typeface="Andale Mono"/>
+                <a:cs typeface="Andale Mono"/>
+              </a:rPr>
+              <a:t>// Only allocate device memory if the device is not a CPU</a:t>
+            </a:r>
+          </a:p>
+          <a:p>
+            <a:r>
+              <a:rPr lang="en-US" sz="1400" dirty="0" smtClean="0">
+                <a:solidFill>
+                  <a:srgbClr val="000000"/>
+                </a:solidFill>
+                <a:latin typeface="Andale Mono"/>
+                <a:cs typeface="Andale Mono"/>
+              </a:rPr>
+              <a:t>if (</a:t>
+            </a:r>
+            <a:r>
+              <a:rPr lang="en-US" sz="1400" dirty="0" err="1" smtClean="0">
+                <a:solidFill>
+                  <a:srgbClr val="000000"/>
+                </a:solidFill>
+                <a:latin typeface="Andale Mono"/>
+                <a:cs typeface="Andale Mono"/>
+              </a:rPr>
+              <a:t>dev.device_type</a:t>
+            </a:r>
+            <a:r>
+              <a:rPr lang="en-US" sz="1400" dirty="0" smtClean="0">
+                <a:solidFill>
+                  <a:srgbClr val="000000"/>
+                </a:solidFill>
+                <a:latin typeface="Andale Mono"/>
+                <a:cs typeface="Andale Mono"/>
+              </a:rPr>
+              <a:t>==UCL_CPU)</a:t>
+            </a:r>
+          </a:p>
+          <a:p>
+            <a:r>
+              <a:rPr lang="en-US" sz="1400" dirty="0" smtClean="0">
+                <a:solidFill>
+                  <a:srgbClr val="000000"/>
+                </a:solidFill>
+                <a:latin typeface="Andale Mono"/>
+                <a:cs typeface="Andale Mono"/>
+              </a:rPr>
+              <a:t>  </a:t>
+            </a:r>
+            <a:r>
+              <a:rPr lang="en-US" sz="1400" dirty="0" err="1" smtClean="0">
+                <a:solidFill>
+                  <a:srgbClr val="000000"/>
+                </a:solidFill>
+                <a:latin typeface="Andale Mono"/>
+                <a:cs typeface="Andale Mono"/>
+              </a:rPr>
+              <a:t>device_mem.view(host_mem</a:t>
+            </a:r>
+            <a:r>
+              <a:rPr lang="en-US" sz="1400" dirty="0" smtClean="0">
+                <a:solidFill>
+                  <a:srgbClr val="000000"/>
+                </a:solidFill>
+                <a:latin typeface="Andale Mono"/>
+                <a:cs typeface="Andale Mono"/>
+              </a:rPr>
+              <a:t>);</a:t>
+            </a:r>
+          </a:p>
+          <a:p>
+            <a:r>
+              <a:rPr lang="en-US" sz="1400" dirty="0" smtClean="0">
+                <a:solidFill>
+                  <a:srgbClr val="000000"/>
+                </a:solidFill>
+                <a:latin typeface="Andale Mono"/>
+                <a:cs typeface="Andale Mono"/>
+              </a:rPr>
+              <a:t>else</a:t>
+            </a:r>
+          </a:p>
+          <a:p>
+            <a:r>
+              <a:rPr lang="en-US" sz="1400" dirty="0" smtClean="0">
+                <a:solidFill>
+                  <a:srgbClr val="000000"/>
+                </a:solidFill>
+                <a:latin typeface="Andale Mono"/>
+                <a:cs typeface="Andale Mono"/>
+              </a:rPr>
+              <a:t>  device_mem.alloc(6,dev);</a:t>
+            </a:r>
+          </a:p>
+        </p:txBody>
+      </p:sp>
+    </p:spTree>
+  </p:cSld>
+  <p:clrMapOvr>
+    <a:masterClrMapping/>
+  </p:clrMapOvr>
+  <p:timing>
+    <p:tnLst>
+      <p:par>
+        <p:cTn xmlns:p14="http://schemas.microsoft.com/office/powerpoint/2010/main" id="1" dur="indefinite" restart="never" nodeType="tmRoot"/>
+      </p:par>
+    </p:tnLst>
+  </p:timing>
+</p:sld>
+</file>
+
+<file path=ppt/slides/slide57.xml><?xml version="1.0" encoding="utf-8"?>
+<p:sld xmlns:a="http://schemas.openxmlformats.org/drawingml/2006/main" xmlns:r="http://schemas.openxmlformats.org/officeDocument/2006/relationships" xmlns:p="http://schemas.openxmlformats.org/presentationml/2006/main">
+  <p:cSld>
+    <p:spTree>
+      <p:nvGrpSpPr>
+        <p:cNvPr id="1" name=""/>
+        <p:cNvGrpSpPr/>
+        <p:nvPr/>
+      </p:nvGrpSpPr>
+      <p:grpSpPr>
+        <a:xfrm>
+          <a:off x="0" y="0"/>
+          <a:ext cx="0" cy="0"/>
+          <a:chOff x="0" y="0"/>
+          <a:chExt cx="0" cy="0"/>
+        </a:xfrm>
+      </p:grpSpPr>
+      <p:sp>
+        <p:nvSpPr>
+          <p:cNvPr id="2" name="Title 1"/>
+          <p:cNvSpPr>
+            <a:spLocks noGrp="1"/>
+          </p:cNvSpPr>
+          <p:nvPr>
+            <p:ph type="title"/>
+          </p:nvPr>
+        </p:nvSpPr>
+        <p:spPr/>
+        <p:txBody>
           <a:bodyPr/>
           <a:lstStyle/>
           <a:p>
@@ -19657,7 +20240,7 @@
 </p:sld>
 </file>
 
-<file path=ppt/slides/slide57.xml><?xml version="1.0" encoding="utf-8"?>
+<file path=ppt/slides/slide58.xml><?xml version="1.0" encoding="utf-8"?>
 <p:sld xmlns:a="http://schemas.openxmlformats.org/drawingml/2006/main" xmlns:r="http://schemas.openxmlformats.org/officeDocument/2006/relationships" xmlns:p="http://schemas.openxmlformats.org/presentationml/2006/main">
   <p:cSld>
     <p:spTree>
@@ -19717,161 +20300,6 @@
               <a:t>Geryon</a:t>
             </a:r>
             <a:endParaRPr lang="en-US" dirty="0"/>
-          </a:p>
-        </p:txBody>
-      </p:sp>
-    </p:spTree>
-  </p:cSld>
-  <p:clrMapOvr>
-    <a:masterClrMapping/>
-  </p:clrMapOvr>
-  <p:timing>
-    <p:tnLst>
-      <p:par>
-        <p:cTn xmlns:p14="http://schemas.microsoft.com/office/powerpoint/2010/main" id="1" dur="indefinite" restart="never" nodeType="tmRoot"/>
-      </p:par>
-    </p:tnLst>
-  </p:timing>
-</p:sld>
-</file>
-
-<file path=ppt/slides/slide58.xml><?xml version="1.0" encoding="utf-8"?>
-<p:sld xmlns:a="http://schemas.openxmlformats.org/drawingml/2006/main" xmlns:r="http://schemas.openxmlformats.org/officeDocument/2006/relationships" xmlns:p="http://schemas.openxmlformats.org/presentationml/2006/main">
-  <p:cSld>
-    <p:spTree>
-      <p:nvGrpSpPr>
-        <p:cNvPr id="1" name=""/>
-        <p:cNvGrpSpPr/>
-        <p:nvPr/>
-      </p:nvGrpSpPr>
-      <p:grpSpPr>
-        <a:xfrm>
-          <a:off x="0" y="0"/>
-          <a:ext cx="0" cy="0"/>
-          <a:chOff x="0" y="0"/>
-          <a:chExt cx="0" cy="0"/>
-        </a:xfrm>
-      </p:grpSpPr>
-      <p:sp>
-        <p:nvSpPr>
-          <p:cNvPr id="3" name="Title 2"/>
-          <p:cNvSpPr>
-            <a:spLocks noGrp="1"/>
-          </p:cNvSpPr>
-          <p:nvPr>
-            <p:ph type="title"/>
-          </p:nvPr>
-        </p:nvSpPr>
-        <p:spPr/>
-        <p:txBody>
-          <a:bodyPr>
-            <a:normAutofit/>
-          </a:bodyPr>
-          <a:lstStyle/>
-          <a:p>
-            <a:r>
-              <a:rPr lang="en-US" dirty="0" err="1" smtClean="0"/>
-              <a:t>Geryon</a:t>
-            </a:r>
-            <a:r>
-              <a:rPr lang="en-US" dirty="0" smtClean="0"/>
-              <a:t> – CUDA and </a:t>
-            </a:r>
-            <a:r>
-              <a:rPr lang="en-US" dirty="0" err="1" smtClean="0"/>
-              <a:t>OpenCL</a:t>
-            </a:r>
-            <a:r>
-              <a:rPr lang="en-US" dirty="0" smtClean="0"/>
-              <a:t> Errors</a:t>
-            </a:r>
-            <a:endParaRPr lang="en-US" dirty="0"/>
-          </a:p>
-        </p:txBody>
-      </p:sp>
-      <p:sp>
-        <p:nvSpPr>
-          <p:cNvPr id="2" name="Content Placeholder 1"/>
-          <p:cNvSpPr>
-            <a:spLocks noGrp="1"/>
-          </p:cNvSpPr>
-          <p:nvPr>
-            <p:ph sz="quarter" idx="1"/>
-          </p:nvPr>
-        </p:nvSpPr>
-        <p:spPr/>
-        <p:txBody>
-          <a:bodyPr>
-            <a:normAutofit/>
-          </a:bodyPr>
-          <a:lstStyle/>
-          <a:p>
-            <a:r>
-              <a:rPr lang="en-US" dirty="0" smtClean="0"/>
-              <a:t>No error checking for out-of-bounds indexing</a:t>
-            </a:r>
-          </a:p>
-          <a:p>
-            <a:r>
-              <a:rPr lang="en-US" dirty="0" smtClean="0"/>
-              <a:t>Most CUDA and </a:t>
-            </a:r>
-            <a:r>
-              <a:rPr lang="en-US" dirty="0" err="1" smtClean="0"/>
-              <a:t>OpenCL</a:t>
-            </a:r>
-            <a:r>
-              <a:rPr lang="en-US" dirty="0" smtClean="0"/>
-              <a:t> errors are handled with output to </a:t>
-            </a:r>
-            <a:r>
-              <a:rPr lang="en-US" dirty="0" err="1" smtClean="0"/>
-              <a:t>stderr</a:t>
-            </a:r>
-            <a:r>
-              <a:rPr lang="en-US" dirty="0" smtClean="0"/>
-              <a:t> and exit.</a:t>
-            </a:r>
-          </a:p>
-          <a:p>
-            <a:pPr lvl="1"/>
-            <a:r>
-              <a:rPr lang="en-US" dirty="0" smtClean="0"/>
-              <a:t>Most of these should be handled by the software developer outside of </a:t>
-            </a:r>
-            <a:r>
-              <a:rPr lang="en-US" dirty="0" err="1" smtClean="0"/>
-              <a:t>Geryon</a:t>
-            </a:r>
-            <a:endParaRPr lang="en-US" dirty="0" smtClean="0"/>
-          </a:p>
-          <a:p>
-            <a:r>
-              <a:rPr lang="en-US" dirty="0" smtClean="0"/>
-              <a:t>The current exceptions are kernel compilation and memory allocation</a:t>
-            </a:r>
-          </a:p>
-          <a:p>
-            <a:pPr lvl="1"/>
-            <a:r>
-              <a:rPr lang="en-US" dirty="0" smtClean="0"/>
-              <a:t>For these functions, error flags and/or build logs are returned that can be handled by the developer</a:t>
-            </a:r>
-          </a:p>
-          <a:p>
-            <a:pPr lvl="1"/>
-            <a:r>
-              <a:rPr lang="en-US" dirty="0" smtClean="0"/>
-              <a:t>Preprocessor flags must be set if the developer does not want </a:t>
-            </a:r>
-            <a:r>
-              <a:rPr lang="en-US" dirty="0" err="1" smtClean="0"/>
-              <a:t>Geryon</a:t>
-            </a:r>
-            <a:r>
-              <a:rPr lang="en-US" dirty="0" smtClean="0"/>
-              <a:t> to handle the errors</a:t>
-            </a:r>
           </a:p>
         </p:txBody>
       </p:sp>
@@ -19930,7 +20358,15 @@
             </a:r>
             <a:r>
               <a:rPr lang="en-US" dirty="0" smtClean="0"/>
-              <a:t> – Preprocessor Directives</a:t>
+              <a:t> – CUDA and </a:t>
+            </a:r>
+            <a:r>
+              <a:rPr lang="en-US" dirty="0" err="1" smtClean="0"/>
+              <a:t>OpenCL</a:t>
+            </a:r>
+            <a:r>
+              <a:rPr lang="en-US" dirty="0" smtClean="0"/>
+              <a:t> Errors</a:t>
             </a:r>
             <a:endParaRPr lang="en-US" dirty="0"/>
           </a:p>
@@ -19946,71 +20382,30 @@
             <p:ph sz="quarter" idx="1"/>
           </p:nvPr>
         </p:nvSpPr>
-        <p:spPr>
-          <a:xfrm>
-            <a:off x="914400" y="1447799"/>
-            <a:ext cx="7772400" cy="4837047"/>
-          </a:xfrm>
-        </p:spPr>
+        <p:spPr/>
         <p:txBody>
           <a:bodyPr>
-            <a:normAutofit fontScale="92500" lnSpcReduction="10000"/>
+            <a:normAutofit/>
           </a:bodyPr>
           <a:lstStyle/>
           <a:p>
             <a:r>
               <a:rPr lang="en-US" dirty="0" smtClean="0"/>
-              <a:t>Define</a:t>
-            </a:r>
-          </a:p>
-          <a:p>
-            <a:pPr lvl="1"/>
-            <a:r>
-              <a:rPr lang="en-US" dirty="0" smtClean="0">
-                <a:solidFill>
-                  <a:schemeClr val="accent1"/>
-                </a:solidFill>
-              </a:rPr>
-              <a:t>UCL_DEBUG</a:t>
-            </a:r>
+              <a:t>No error checking for out-of-bounds indexing</a:t>
+            </a:r>
+          </a:p>
+          <a:p>
             <a:r>
               <a:rPr lang="en-US" dirty="0" smtClean="0"/>
-              <a:t> – turn on some sanity and mat/</a:t>
+              <a:t>Most CUDA and </a:t>
             </a:r>
             <a:r>
               <a:rPr lang="en-US" dirty="0" err="1" smtClean="0"/>
-              <a:t>vec</a:t>
+              <a:t>OpenCL</a:t>
             </a:r>
             <a:r>
               <a:rPr lang="en-US" dirty="0" smtClean="0"/>
-              <a:t> size checks (mostly assert statements</a:t>
-            </a:r>
-            <a:r>
-              <a:rPr lang="en-US" dirty="0" smtClean="0"/>
-              <a:t>)</a:t>
-            </a:r>
-          </a:p>
-          <a:p>
-            <a:pPr lvl="2"/>
-            <a:r>
-              <a:rPr lang="en-US" dirty="0" smtClean="0"/>
-              <a:t>Also defines UCL_SYNC_DEBUG and UCL_DESTRUCT_CHECK</a:t>
-            </a:r>
-            <a:endParaRPr lang="en-US" dirty="0" smtClean="0"/>
-          </a:p>
-          <a:p>
-            <a:pPr lvl="1"/>
-            <a:r>
-              <a:rPr lang="en-US" dirty="0" smtClean="0">
-                <a:solidFill>
-                  <a:srgbClr val="D34817"/>
-                </a:solidFill>
-              </a:rPr>
-              <a:t>UCL_NO_EXIT</a:t>
-            </a:r>
-            <a:r>
-              <a:rPr lang="en-US" dirty="0" smtClean="0"/>
-              <a:t> – do not exit with a message to </a:t>
+              <a:t> errors are handled with output to </a:t>
             </a:r>
             <a:r>
               <a:rPr lang="en-US" dirty="0" err="1" smtClean="0"/>
@@ -20018,90 +20413,48 @@
             </a:r>
             <a:r>
               <a:rPr lang="en-US" dirty="0" smtClean="0"/>
-              <a:t> when an error occurs in kernel compilation or memory allocation</a:t>
+              <a:t> and exit.</a:t>
             </a:r>
           </a:p>
           <a:p>
             <a:pPr lvl="1"/>
             <a:r>
-              <a:rPr lang="en-US" dirty="0" smtClean="0">
-                <a:solidFill>
-                  <a:srgbClr val="D34817"/>
-                </a:solidFill>
-              </a:rPr>
-              <a:t>UCL_NO_API_CHECK</a:t>
-            </a:r>
-            <a:r>
               <a:rPr lang="en-US" dirty="0" smtClean="0"/>
-              <a:t> – turn off error checking for CUDA and </a:t>
+              <a:t>Most of these should be handled by the software developer outside of </a:t>
             </a:r>
             <a:r>
               <a:rPr lang="en-US" dirty="0" err="1" smtClean="0"/>
-              <a:t>OpenCL</a:t>
-            </a:r>
+              <a:t>Geryon</a:t>
+            </a:r>
+            <a:endParaRPr lang="en-US" dirty="0" smtClean="0"/>
+          </a:p>
+          <a:p>
             <a:r>
               <a:rPr lang="en-US" dirty="0" smtClean="0"/>
-              <a:t> API calls that do not involve memory allocation or kernel compilation </a:t>
-            </a:r>
-            <a:r>
-              <a:rPr lang="en-US" i="1" dirty="0" smtClean="0"/>
-              <a:t>(unlikely to improve performance)</a:t>
+              <a:t>The current exceptions are kernel compilation and memory allocation</a:t>
             </a:r>
           </a:p>
           <a:p>
             <a:pPr lvl="1"/>
             <a:r>
-              <a:rPr lang="en-US" dirty="0" smtClean="0">
-                <a:solidFill>
-                  <a:srgbClr val="D34817"/>
-                </a:solidFill>
-              </a:rPr>
-              <a:t>UCL_SYNC_DEBUG</a:t>
-            </a:r>
-            <a:r>
               <a:rPr lang="en-US" dirty="0" smtClean="0"/>
-              <a:t> – Block after each device call and check for error (</a:t>
-            </a:r>
-            <a:r>
-              <a:rPr lang="en-US" i="1" dirty="0" smtClean="0"/>
-              <a:t>currently blocking will only be performed for CUDA</a:t>
-            </a:r>
+              <a:t>For these functions, error flags and/or build logs are returned that can be handled by the developer</a:t>
+            </a:r>
+          </a:p>
+          <a:p>
+            <a:pPr lvl="1"/>
             <a:r>
               <a:rPr lang="en-US" dirty="0" smtClean="0"/>
-              <a:t>)</a:t>
-            </a:r>
-          </a:p>
-          <a:p>
-            <a:pPr lvl="1"/>
-            <a:r>
-              <a:rPr lang="en-US" dirty="0" smtClean="0">
-                <a:solidFill>
-                  <a:srgbClr val="D34817"/>
-                </a:solidFill>
-              </a:rPr>
-              <a:t>UCL_DESTRUCT_CHECK</a:t>
+              <a:t>Preprocessor flags must be set if the developer does not want </a:t>
+            </a:r>
+            <a:r>
+              <a:rPr lang="en-US" dirty="0" err="1" smtClean="0"/>
+              <a:t>Geryon</a:t>
             </a:r>
             <a:r>
               <a:rPr lang="en-US" dirty="0" smtClean="0"/>
-              <a:t> </a:t>
-            </a:r>
-            <a:r>
-              <a:rPr lang="en-US" dirty="0"/>
-              <a:t>– Error checks are not performed by default for calls that free memory, contexts, events, etc. </a:t>
-            </a:r>
-            <a:r>
-              <a:rPr lang="en-US" dirty="0" smtClean="0"/>
-              <a:t>This will enable error </a:t>
-            </a:r>
-            <a:r>
-              <a:rPr lang="en-US" dirty="0"/>
-              <a:t>checking for these </a:t>
-            </a:r>
-            <a:r>
-              <a:rPr lang="en-US" dirty="0" smtClean="0"/>
-              <a:t>calls.</a:t>
-            </a:r>
-            <a:endParaRPr lang="en-US" dirty="0" smtClean="0"/>
+              <a:t> to handle the errors</a:t>
+            </a:r>
           </a:p>
         </p:txBody>
       </p:sp>
@@ -20338,565 +20691,193 @@
       </p:grpSpPr>
       <p:sp>
         <p:nvSpPr>
-          <p:cNvPr id="2" name="TextBox 1"/>
-          <p:cNvSpPr txBox="1"/>
-          <p:nvPr/>
+          <p:cNvPr id="3" name="Title 2"/>
+          <p:cNvSpPr>
+            <a:spLocks noGrp="1"/>
+          </p:cNvSpPr>
+          <p:nvPr>
+            <p:ph type="title"/>
+          </p:nvPr>
+        </p:nvSpPr>
+        <p:spPr/>
+        <p:txBody>
+          <a:bodyPr>
+            <a:normAutofit/>
+          </a:bodyPr>
+          <a:lstStyle/>
+          <a:p>
+            <a:r>
+              <a:rPr lang="en-US" dirty="0" err="1" smtClean="0"/>
+              <a:t>Geryon</a:t>
+            </a:r>
+            <a:r>
+              <a:rPr lang="en-US" dirty="0" smtClean="0"/>
+              <a:t> – Preprocessor Directives</a:t>
+            </a:r>
+            <a:endParaRPr lang="en-US" dirty="0"/>
+          </a:p>
+        </p:txBody>
+      </p:sp>
+      <p:sp>
+        <p:nvSpPr>
+          <p:cNvPr id="2" name="Content Placeholder 1"/>
+          <p:cNvSpPr>
+            <a:spLocks noGrp="1"/>
+          </p:cNvSpPr>
+          <p:nvPr>
+            <p:ph sz="quarter" idx="1"/>
+          </p:nvPr>
         </p:nvSpPr>
         <p:spPr>
           <a:xfrm>
-            <a:off x="498159" y="276890"/>
-            <a:ext cx="8292943" cy="6186310"/>
+            <a:off x="914400" y="1447799"/>
+            <a:ext cx="7772400" cy="4837047"/>
           </a:xfrm>
-          <a:prstGeom prst="rect">
-            <a:avLst/>
-          </a:prstGeom>
         </p:spPr>
-        <p:style>
-          <a:lnRef idx="2">
-            <a:schemeClr val="accent5"/>
-          </a:lnRef>
-          <a:fillRef idx="1">
-            <a:schemeClr val="lt1"/>
-          </a:fillRef>
-          <a:effectRef idx="0">
-            <a:schemeClr val="accent5"/>
-          </a:effectRef>
-          <a:fontRef idx="minor">
-            <a:schemeClr val="dk1"/>
-          </a:fontRef>
-        </p:style>
         <p:txBody>
-          <a:bodyPr wrap="square" rtlCol="0">
-            <a:spAutoFit/>
+          <a:bodyPr>
+            <a:normAutofit fontScale="92500" lnSpcReduction="10000"/>
           </a:bodyPr>
           <a:lstStyle/>
           <a:p>
             <a:r>
-              <a:rPr lang="en-US" i="1" dirty="0" smtClean="0">
-                <a:solidFill>
-                  <a:srgbClr val="0000FF"/>
-                </a:solidFill>
-                <a:latin typeface="Andale Mono"/>
-                <a:cs typeface="Andale Mono"/>
-              </a:rPr>
-              <a:t>// To check for memory allocation errors</a:t>
-            </a:r>
-          </a:p>
-          <a:p>
-            <a:r>
-              <a:rPr lang="en-US" i="1" dirty="0" smtClean="0">
-                <a:solidFill>
-                  <a:srgbClr val="0000FF"/>
-                </a:solidFill>
-                <a:latin typeface="Andale Mono"/>
-                <a:cs typeface="Andale Mono"/>
-              </a:rPr>
-              <a:t>// -- Define UCL_NO_EXIT preprocessor directive</a:t>
-            </a:r>
-          </a:p>
-          <a:p>
-            <a:r>
-              <a:rPr lang="en-US" dirty="0" smtClean="0">
-                <a:solidFill>
-                  <a:schemeClr val="tx1"/>
-                </a:solidFill>
-                <a:latin typeface="Andale Mono"/>
-                <a:cs typeface="Andale Mono"/>
-              </a:rPr>
-              <a:t>if (d_mat.alloc(6,dev)!=UCL_SUCCESS) {</a:t>
-            </a:r>
-          </a:p>
-          <a:p>
-            <a:r>
-              <a:rPr lang="en-US" dirty="0" smtClean="0">
-                <a:solidFill>
-                  <a:schemeClr val="tx1"/>
-                </a:solidFill>
-                <a:latin typeface="Andale Mono"/>
-                <a:cs typeface="Andale Mono"/>
-              </a:rPr>
-              <a:t>  </a:t>
-            </a:r>
-            <a:r>
-              <a:rPr lang="en-US" dirty="0" err="1" smtClean="0">
-                <a:solidFill>
-                  <a:schemeClr val="tx1"/>
-                </a:solidFill>
-                <a:latin typeface="Andale Mono"/>
-                <a:cs typeface="Andale Mono"/>
-              </a:rPr>
-              <a:t>cerr</a:t>
-            </a:r>
-            <a:r>
-              <a:rPr lang="en-US" dirty="0" smtClean="0">
-                <a:solidFill>
-                  <a:schemeClr val="tx1"/>
-                </a:solidFill>
-                <a:latin typeface="Andale Mono"/>
-                <a:cs typeface="Andale Mono"/>
-              </a:rPr>
-              <a:t> &lt;&lt; “Could not allocate 6 elements on device “</a:t>
-            </a:r>
-          </a:p>
-          <a:p>
-            <a:r>
-              <a:rPr lang="en-US" dirty="0" smtClean="0">
-                <a:solidFill>
-                  <a:schemeClr val="tx1"/>
-                </a:solidFill>
-                <a:latin typeface="Andale Mono"/>
-                <a:cs typeface="Andale Mono"/>
-              </a:rPr>
-              <a:t>       &lt;&lt; </a:t>
-            </a:r>
-            <a:r>
-              <a:rPr lang="en-US" dirty="0" err="1" smtClean="0">
-                <a:solidFill>
-                  <a:schemeClr val="tx1"/>
-                </a:solidFill>
-                <a:latin typeface="Andale Mono"/>
-                <a:cs typeface="Andale Mono"/>
-              </a:rPr>
-              <a:t>dev.name</a:t>
-            </a:r>
-            <a:r>
-              <a:rPr lang="en-US" dirty="0" smtClean="0">
-                <a:solidFill>
-                  <a:schemeClr val="tx1"/>
-                </a:solidFill>
-                <a:latin typeface="Andale Mono"/>
-                <a:cs typeface="Andale Mono"/>
-              </a:rPr>
-              <a:t>() &lt;&lt; </a:t>
-            </a:r>
-            <a:r>
-              <a:rPr lang="en-US" dirty="0" err="1" smtClean="0">
-                <a:solidFill>
-                  <a:schemeClr val="tx1"/>
-                </a:solidFill>
-                <a:latin typeface="Andale Mono"/>
-                <a:cs typeface="Andale Mono"/>
-              </a:rPr>
-              <a:t>endl</a:t>
-            </a:r>
-            <a:r>
-              <a:rPr lang="en-US" dirty="0" smtClean="0">
-                <a:solidFill>
-                  <a:schemeClr val="tx1"/>
-                </a:solidFill>
-                <a:latin typeface="Andale Mono"/>
-                <a:cs typeface="Andale Mono"/>
-              </a:rPr>
-              <a:t>;</a:t>
-            </a:r>
-          </a:p>
-          <a:p>
-            <a:r>
-              <a:rPr lang="en-US" dirty="0" smtClean="0">
-                <a:solidFill>
-                  <a:schemeClr val="tx1"/>
-                </a:solidFill>
-                <a:latin typeface="Andale Mono"/>
-                <a:cs typeface="Andale Mono"/>
-              </a:rPr>
-              <a:t>}</a:t>
-            </a:r>
-          </a:p>
-          <a:p>
-            <a:endParaRPr lang="en-US" dirty="0" smtClean="0">
-              <a:solidFill>
-                <a:schemeClr val="tx1"/>
-              </a:solidFill>
-              <a:latin typeface="Andale Mono"/>
-              <a:cs typeface="Andale Mono"/>
-            </a:endParaRPr>
-          </a:p>
-          <a:p>
-            <a:r>
-              <a:rPr lang="en-US" i="1" dirty="0" smtClean="0">
-                <a:solidFill>
-                  <a:srgbClr val="0000FF"/>
-                </a:solidFill>
-                <a:latin typeface="Andale Mono"/>
-                <a:cs typeface="Andale Mono"/>
-              </a:rPr>
-              <a:t>// To check for compiling errors</a:t>
-            </a:r>
-          </a:p>
-          <a:p>
-            <a:r>
-              <a:rPr lang="en-US" i="1" dirty="0" smtClean="0">
-                <a:solidFill>
-                  <a:srgbClr val="0000FF"/>
-                </a:solidFill>
-                <a:latin typeface="Andale Mono"/>
-                <a:cs typeface="Andale Mono"/>
-              </a:rPr>
-              <a:t>// -- Define UCL_NO_EXIT preprocessor directive</a:t>
-            </a:r>
-          </a:p>
-          <a:p>
-            <a:r>
-              <a:rPr lang="en-US" dirty="0" smtClean="0">
-                <a:solidFill>
-                  <a:schemeClr val="tx1"/>
-                </a:solidFill>
-                <a:latin typeface="Andale Mono"/>
-                <a:cs typeface="Andale Mono"/>
-              </a:rPr>
-              <a:t>string clog;</a:t>
-            </a:r>
-          </a:p>
-          <a:p>
-            <a:r>
-              <a:rPr lang="en-US" dirty="0" err="1" smtClean="0">
-                <a:solidFill>
-                  <a:schemeClr val="tx1"/>
-                </a:solidFill>
-                <a:latin typeface="Andale Mono"/>
-                <a:cs typeface="Andale Mono"/>
-              </a:rPr>
-              <a:t>int</a:t>
-            </a:r>
-            <a:r>
-              <a:rPr lang="en-US" dirty="0" smtClean="0">
-                <a:solidFill>
-                  <a:schemeClr val="tx1"/>
-                </a:solidFill>
-                <a:latin typeface="Andale Mono"/>
-                <a:cs typeface="Andale Mono"/>
-              </a:rPr>
-              <a:t> err=</a:t>
-            </a:r>
-            <a:r>
-              <a:rPr lang="en-US" dirty="0" err="1" smtClean="0">
-                <a:solidFill>
-                  <a:schemeClr val="tx1"/>
-                </a:solidFill>
-                <a:latin typeface="Andale Mono"/>
-                <a:cs typeface="Andale Mono"/>
-              </a:rPr>
-              <a:t>program.load(“test.ocl”,””,&amp;clog</a:t>
-            </a:r>
-            <a:r>
-              <a:rPr lang="en-US" dirty="0" smtClean="0">
-                <a:solidFill>
-                  <a:schemeClr val="tx1"/>
-                </a:solidFill>
-                <a:latin typeface="Andale Mono"/>
-                <a:cs typeface="Andale Mono"/>
-              </a:rPr>
-              <a:t>);</a:t>
-            </a:r>
-          </a:p>
-          <a:p>
-            <a:r>
-              <a:rPr lang="en-US" dirty="0" smtClean="0">
-                <a:solidFill>
-                  <a:schemeClr val="tx1"/>
-                </a:solidFill>
-                <a:latin typeface="Andale Mono"/>
-                <a:cs typeface="Andale Mono"/>
-              </a:rPr>
-              <a:t>if (err!=UCL_SUCCESS) {</a:t>
-            </a:r>
-          </a:p>
-          <a:p>
-            <a:r>
-              <a:rPr lang="en-US" dirty="0" smtClean="0">
-                <a:solidFill>
-                  <a:schemeClr val="tx1"/>
-                </a:solidFill>
-                <a:latin typeface="Andale Mono"/>
-                <a:cs typeface="Andale Mono"/>
-              </a:rPr>
-              <a:t>  if (err==UCL_FILE_NOT_FOUND)</a:t>
-            </a:r>
-          </a:p>
-          <a:p>
-            <a:r>
-              <a:rPr lang="en-US" dirty="0" smtClean="0">
-                <a:solidFill>
-                  <a:schemeClr val="tx1"/>
-                </a:solidFill>
-                <a:latin typeface="Andale Mono"/>
-                <a:cs typeface="Andale Mono"/>
-              </a:rPr>
-              <a:t>    </a:t>
-            </a:r>
-            <a:r>
-              <a:rPr lang="en-US" dirty="0" err="1" smtClean="0">
-                <a:solidFill>
-                  <a:schemeClr val="tx1"/>
-                </a:solidFill>
-                <a:latin typeface="Andale Mono"/>
-                <a:cs typeface="Andale Mono"/>
-              </a:rPr>
-              <a:t>cerr</a:t>
-            </a:r>
-            <a:r>
-              <a:rPr lang="en-US" dirty="0" smtClean="0">
-                <a:solidFill>
-                  <a:schemeClr val="tx1"/>
-                </a:solidFill>
-                <a:latin typeface="Andale Mono"/>
-                <a:cs typeface="Andale Mono"/>
-              </a:rPr>
-              <a:t> &lt;&lt; “Could not find </a:t>
-            </a:r>
-            <a:r>
-              <a:rPr lang="en-US" dirty="0" err="1" smtClean="0">
-                <a:solidFill>
-                  <a:schemeClr val="tx1"/>
-                </a:solidFill>
-                <a:latin typeface="Andale Mono"/>
-                <a:cs typeface="Andale Mono"/>
-              </a:rPr>
-              <a:t>test.ocl\n</a:t>
-            </a:r>
-            <a:r>
-              <a:rPr lang="en-US" dirty="0" smtClean="0">
-                <a:solidFill>
-                  <a:schemeClr val="tx1"/>
-                </a:solidFill>
-                <a:latin typeface="Andale Mono"/>
-                <a:cs typeface="Andale Mono"/>
-              </a:rPr>
-              <a:t>”;</a:t>
-            </a:r>
-          </a:p>
-          <a:p>
-            <a:r>
-              <a:rPr lang="en-US" dirty="0" smtClean="0">
-                <a:solidFill>
-                  <a:schemeClr val="tx1"/>
-                </a:solidFill>
-                <a:latin typeface="Andale Mono"/>
-                <a:cs typeface="Andale Mono"/>
-              </a:rPr>
-              <a:t>  if (err==UCL_COMPILE_ERROR)</a:t>
-            </a:r>
-          </a:p>
-          <a:p>
-            <a:r>
-              <a:rPr lang="en-US" dirty="0" smtClean="0">
-                <a:solidFill>
-                  <a:schemeClr val="tx1"/>
-                </a:solidFill>
-                <a:latin typeface="Andale Mono"/>
-                <a:cs typeface="Andale Mono"/>
-              </a:rPr>
-              <a:t>    </a:t>
-            </a:r>
-            <a:r>
-              <a:rPr lang="en-US" dirty="0" err="1" smtClean="0">
-                <a:solidFill>
-                  <a:schemeClr val="tx1"/>
-                </a:solidFill>
-                <a:latin typeface="Andale Mono"/>
-                <a:cs typeface="Andale Mono"/>
-              </a:rPr>
-              <a:t>cerr</a:t>
-            </a:r>
-            <a:r>
-              <a:rPr lang="en-US" dirty="0" smtClean="0">
-                <a:solidFill>
-                  <a:schemeClr val="tx1"/>
-                </a:solidFill>
-                <a:latin typeface="Andale Mono"/>
-                <a:cs typeface="Andale Mono"/>
-              </a:rPr>
-              <a:t> &lt;&lt; “Problem compiling </a:t>
-            </a:r>
-            <a:r>
-              <a:rPr lang="en-US" dirty="0" err="1" smtClean="0">
-                <a:solidFill>
-                  <a:schemeClr val="tx1"/>
-                </a:solidFill>
-                <a:latin typeface="Andale Mono"/>
-                <a:cs typeface="Andale Mono"/>
-              </a:rPr>
-              <a:t>test.ocl:\n</a:t>
-            </a:r>
-            <a:r>
-              <a:rPr lang="en-US" dirty="0" smtClean="0">
-                <a:solidFill>
-                  <a:schemeClr val="tx1"/>
-                </a:solidFill>
-                <a:latin typeface="Andale Mono"/>
-                <a:cs typeface="Andale Mono"/>
-              </a:rPr>
-              <a:t>”</a:t>
-            </a:r>
-          </a:p>
-          <a:p>
-            <a:r>
-              <a:rPr lang="en-US" dirty="0" smtClean="0">
-                <a:solidFill>
-                  <a:schemeClr val="tx1"/>
-                </a:solidFill>
-                <a:latin typeface="Andale Mono"/>
-                <a:cs typeface="Andale Mono"/>
-              </a:rPr>
-              <a:t>         &lt;&lt; clog &lt;&lt; </a:t>
-            </a:r>
-            <a:r>
-              <a:rPr lang="en-US" dirty="0" err="1" smtClean="0">
-                <a:solidFill>
-                  <a:schemeClr val="tx1"/>
-                </a:solidFill>
-                <a:latin typeface="Andale Mono"/>
-                <a:cs typeface="Andale Mono"/>
-              </a:rPr>
-              <a:t>endl</a:t>
-            </a:r>
-            <a:r>
-              <a:rPr lang="en-US" dirty="0" smtClean="0">
-                <a:solidFill>
-                  <a:schemeClr val="tx1"/>
-                </a:solidFill>
-                <a:latin typeface="Andale Mono"/>
-                <a:cs typeface="Andale Mono"/>
-              </a:rPr>
-              <a:t>;</a:t>
-            </a:r>
-          </a:p>
-          <a:p>
-            <a:r>
-              <a:rPr lang="en-US" dirty="0" smtClean="0">
-                <a:solidFill>
-                  <a:schemeClr val="tx1"/>
-                </a:solidFill>
-                <a:latin typeface="Andale Mono"/>
-                <a:cs typeface="Andale Mono"/>
-              </a:rPr>
-              <a:t>  exit(1);</a:t>
-            </a:r>
-          </a:p>
-          <a:p>
-            <a:r>
-              <a:rPr lang="en-US" dirty="0" smtClean="0">
-                <a:solidFill>
-                  <a:schemeClr val="tx1"/>
-                </a:solidFill>
-                <a:latin typeface="Andale Mono"/>
-                <a:cs typeface="Andale Mono"/>
-              </a:rPr>
-              <a:t>}</a:t>
-            </a:r>
-          </a:p>
-          <a:p>
-            <a:r>
-              <a:rPr lang="en-US" dirty="0" smtClean="0">
-                <a:solidFill>
-                  <a:schemeClr val="tx1"/>
-                </a:solidFill>
-                <a:latin typeface="Andale Mono"/>
-                <a:cs typeface="Andale Mono"/>
-              </a:rPr>
-              <a:t>if (</a:t>
-            </a:r>
-            <a:r>
-              <a:rPr lang="en-US" dirty="0" err="1" smtClean="0">
-                <a:solidFill>
-                  <a:schemeClr val="tx1"/>
-                </a:solidFill>
-                <a:latin typeface="Andale Mono"/>
-                <a:cs typeface="Andale Mono"/>
-              </a:rPr>
-              <a:t>kernel.set_function(program,”foo</a:t>
-            </a:r>
-            <a:r>
-              <a:rPr lang="en-US" dirty="0" smtClean="0">
-                <a:solidFill>
-                  <a:schemeClr val="tx1"/>
-                </a:solidFill>
-                <a:latin typeface="Andale Mono"/>
-                <a:cs typeface="Andale Mono"/>
-              </a:rPr>
-              <a:t>”)!=UCL_SUCCESS)</a:t>
-            </a:r>
-          </a:p>
-          <a:p>
-            <a:r>
-              <a:rPr lang="en-US" dirty="0" smtClean="0">
-                <a:solidFill>
-                  <a:schemeClr val="tx1"/>
-                </a:solidFill>
-                <a:latin typeface="Andale Mono"/>
-                <a:cs typeface="Andale Mono"/>
-              </a:rPr>
-              <a:t>  </a:t>
-            </a:r>
-            <a:r>
-              <a:rPr lang="en-US" dirty="0" err="1" smtClean="0">
-                <a:solidFill>
-                  <a:schemeClr val="tx1"/>
-                </a:solidFill>
-                <a:latin typeface="Andale Mono"/>
-                <a:cs typeface="Andale Mono"/>
-              </a:rPr>
-              <a:t>cerr</a:t>
-            </a:r>
-            <a:r>
-              <a:rPr lang="en-US" dirty="0" smtClean="0">
-                <a:solidFill>
-                  <a:schemeClr val="tx1"/>
-                </a:solidFill>
-                <a:latin typeface="Andale Mono"/>
-                <a:cs typeface="Andale Mono"/>
-              </a:rPr>
-              <a:t> &lt;&lt; “Could not find function </a:t>
-            </a:r>
-            <a:r>
-              <a:rPr lang="en-US" dirty="0" err="1" smtClean="0">
-                <a:solidFill>
-                  <a:schemeClr val="tx1"/>
-                </a:solidFill>
-                <a:latin typeface="Andale Mono"/>
-                <a:cs typeface="Andale Mono"/>
-              </a:rPr>
-              <a:t>foo</a:t>
-            </a:r>
-            <a:r>
-              <a:rPr lang="en-US" dirty="0" smtClean="0">
-                <a:solidFill>
-                  <a:schemeClr val="tx1"/>
-                </a:solidFill>
-                <a:latin typeface="Andale Mono"/>
-                <a:cs typeface="Andale Mono"/>
-              </a:rPr>
-              <a:t> in </a:t>
-            </a:r>
-            <a:r>
-              <a:rPr lang="en-US" dirty="0" err="1" smtClean="0">
-                <a:solidFill>
-                  <a:schemeClr val="tx1"/>
-                </a:solidFill>
-                <a:latin typeface="Andale Mono"/>
-                <a:cs typeface="Andale Mono"/>
-              </a:rPr>
-              <a:t>test.ocl\n</a:t>
-            </a:r>
-            <a:r>
-              <a:rPr lang="en-US" dirty="0" smtClean="0">
-                <a:solidFill>
-                  <a:schemeClr val="tx1"/>
-                </a:solidFill>
-                <a:latin typeface="Andale Mono"/>
-                <a:cs typeface="Andale Mono"/>
-              </a:rPr>
-              <a:t>”;</a:t>
-            </a:r>
-          </a:p>
-          <a:p>
-            <a:endParaRPr lang="en-US" dirty="0" smtClean="0">
-              <a:solidFill>
-                <a:schemeClr val="tx1"/>
-              </a:solidFill>
-              <a:latin typeface="Andale Mono"/>
-              <a:cs typeface="Andale Mono"/>
-            </a:endParaRPr>
+              <a:rPr lang="en-US" dirty="0" smtClean="0"/>
+              <a:t>Define</a:t>
+            </a:r>
+          </a:p>
+          <a:p>
+            <a:pPr lvl="1"/>
+            <a:r>
+              <a:rPr lang="en-US" dirty="0" smtClean="0">
+                <a:solidFill>
+                  <a:schemeClr val="accent1"/>
+                </a:solidFill>
+              </a:rPr>
+              <a:t>UCL_DEBUG</a:t>
+            </a:r>
+            <a:r>
+              <a:rPr lang="en-US" dirty="0" smtClean="0"/>
+              <a:t> – turn on some sanity and mat/</a:t>
+            </a:r>
+            <a:r>
+              <a:rPr lang="en-US" dirty="0" err="1" smtClean="0"/>
+              <a:t>vec</a:t>
+            </a:r>
+            <a:r>
+              <a:rPr lang="en-US" dirty="0" smtClean="0"/>
+              <a:t> size checks (mostly assert statements)</a:t>
+            </a:r>
+          </a:p>
+          <a:p>
+            <a:pPr lvl="2"/>
+            <a:r>
+              <a:rPr lang="en-US" dirty="0" smtClean="0"/>
+              <a:t>Also defines UCL_SYNC_DEBUG and UCL_DESTRUCT_CHECK</a:t>
+            </a:r>
+          </a:p>
+          <a:p>
+            <a:pPr lvl="1"/>
+            <a:r>
+              <a:rPr lang="en-US" dirty="0" smtClean="0">
+                <a:solidFill>
+                  <a:srgbClr val="D34817"/>
+                </a:solidFill>
+              </a:rPr>
+              <a:t>UCL_NO_EXIT</a:t>
+            </a:r>
+            <a:r>
+              <a:rPr lang="en-US" dirty="0" smtClean="0"/>
+              <a:t> – do not exit with a message to </a:t>
+            </a:r>
+            <a:r>
+              <a:rPr lang="en-US" dirty="0" err="1" smtClean="0"/>
+              <a:t>stderr</a:t>
+            </a:r>
+            <a:r>
+              <a:rPr lang="en-US" dirty="0" smtClean="0"/>
+              <a:t> when an error occurs in kernel compilation or memory allocation</a:t>
+            </a:r>
+          </a:p>
+          <a:p>
+            <a:pPr lvl="1"/>
+            <a:r>
+              <a:rPr lang="en-US" dirty="0" smtClean="0">
+                <a:solidFill>
+                  <a:srgbClr val="D34817"/>
+                </a:solidFill>
+              </a:rPr>
+              <a:t>UCL_NO_API_CHECK</a:t>
+            </a:r>
+            <a:r>
+              <a:rPr lang="en-US" dirty="0" smtClean="0"/>
+              <a:t> – turn off error checking for CUDA and </a:t>
+            </a:r>
+            <a:r>
+              <a:rPr lang="en-US" dirty="0" err="1" smtClean="0"/>
+              <a:t>OpenCL</a:t>
+            </a:r>
+            <a:r>
+              <a:rPr lang="en-US" dirty="0" smtClean="0"/>
+              <a:t> API calls that do not involve memory allocation or kernel compilation </a:t>
+            </a:r>
+            <a:r>
+              <a:rPr lang="en-US" i="1" dirty="0" smtClean="0"/>
+              <a:t>(unlikely to improve performance)</a:t>
+            </a:r>
+          </a:p>
+          <a:p>
+            <a:pPr lvl="1"/>
+            <a:r>
+              <a:rPr lang="en-US" dirty="0" smtClean="0">
+                <a:solidFill>
+                  <a:srgbClr val="D34817"/>
+                </a:solidFill>
+              </a:rPr>
+              <a:t>UCL_SYNC_DEBUG</a:t>
+            </a:r>
+            <a:r>
+              <a:rPr lang="en-US" dirty="0" smtClean="0"/>
+              <a:t> – Block after each device call and check for error (</a:t>
+            </a:r>
+            <a:r>
+              <a:rPr lang="en-US" i="1" dirty="0" smtClean="0"/>
+              <a:t>currently blocking will only be performed for CUDA</a:t>
+            </a:r>
+            <a:r>
+              <a:rPr lang="en-US" dirty="0" smtClean="0"/>
+              <a:t>)</a:t>
+            </a:r>
+          </a:p>
+          <a:p>
+            <a:pPr lvl="1"/>
+            <a:r>
+              <a:rPr lang="en-US" dirty="0" smtClean="0">
+                <a:solidFill>
+                  <a:srgbClr val="D34817"/>
+                </a:solidFill>
+              </a:rPr>
+              <a:t>UCL_DESTRUCT_CHECK</a:t>
+            </a:r>
+            <a:r>
+              <a:rPr lang="en-US" dirty="0" smtClean="0"/>
+              <a:t> </a:t>
+            </a:r>
+            <a:r>
+              <a:rPr lang="en-US" dirty="0"/>
+              <a:t>– Error checks are not performed by default for calls that free memory, contexts, events, etc. </a:t>
+            </a:r>
+            <a:r>
+              <a:rPr lang="en-US" dirty="0" smtClean="0"/>
+              <a:t>This will enable error </a:t>
+            </a:r>
+            <a:r>
+              <a:rPr lang="en-US" dirty="0"/>
+              <a:t>checking for these </a:t>
+            </a:r>
+            <a:r>
+              <a:rPr lang="en-US" dirty="0" smtClean="0"/>
+              <a:t>calls.</a:t>
+            </a:r>
           </a:p>
         </p:txBody>
       </p:sp>
@@ -20934,47 +20915,565 @@
       </p:grpSpPr>
       <p:sp>
         <p:nvSpPr>
-          <p:cNvPr id="2" name="Subtitle 1"/>
-          <p:cNvSpPr>
-            <a:spLocks noGrp="1"/>
-          </p:cNvSpPr>
-          <p:nvPr>
-            <p:ph type="subTitle" idx="1"/>
-          </p:nvPr>
+          <p:cNvPr id="2" name="TextBox 1"/>
+          <p:cNvSpPr txBox="1"/>
+          <p:nvPr/>
         </p:nvSpPr>
-        <p:spPr/>
+        <p:spPr>
+          <a:xfrm>
+            <a:off x="498159" y="276890"/>
+            <a:ext cx="8292943" cy="6186310"/>
+          </a:xfrm>
+          <a:prstGeom prst="rect">
+            <a:avLst/>
+          </a:prstGeom>
+        </p:spPr>
+        <p:style>
+          <a:lnRef idx="2">
+            <a:schemeClr val="accent5"/>
+          </a:lnRef>
+          <a:fillRef idx="1">
+            <a:schemeClr val="lt1"/>
+          </a:fillRef>
+          <a:effectRef idx="0">
+            <a:schemeClr val="accent5"/>
+          </a:effectRef>
+          <a:fontRef idx="minor">
+            <a:schemeClr val="dk1"/>
+          </a:fontRef>
+        </p:style>
         <p:txBody>
-          <a:bodyPr/>
+          <a:bodyPr wrap="square" rtlCol="0">
+            <a:spAutoFit/>
+          </a:bodyPr>
           <a:lstStyle/>
           <a:p>
             <a:r>
-              <a:rPr lang="en-US" dirty="0" smtClean="0"/>
-              <a:t>1D Texture Binding</a:t>
-            </a:r>
-            <a:endParaRPr lang="en-US" dirty="0"/>
-          </a:p>
-        </p:txBody>
-      </p:sp>
-      <p:sp>
-        <p:nvSpPr>
-          <p:cNvPr id="3" name="Title 2"/>
-          <p:cNvSpPr>
-            <a:spLocks noGrp="1"/>
-          </p:cNvSpPr>
-          <p:nvPr>
-            <p:ph type="ctrTitle"/>
-          </p:nvPr>
-        </p:nvSpPr>
-        <p:spPr/>
-        <p:txBody>
-          <a:bodyPr/>
-          <a:lstStyle/>
-          <a:p>
-            <a:r>
-              <a:rPr lang="en-US" dirty="0" err="1" smtClean="0"/>
-              <a:t>Geryon</a:t>
-            </a:r>
-            <a:endParaRPr lang="en-US" dirty="0"/>
+              <a:rPr lang="en-US" i="1" dirty="0" smtClean="0">
+                <a:solidFill>
+                  <a:srgbClr val="0000FF"/>
+                </a:solidFill>
+                <a:latin typeface="Andale Mono"/>
+                <a:cs typeface="Andale Mono"/>
+              </a:rPr>
+              <a:t>// To check for memory allocation errors</a:t>
+            </a:r>
+          </a:p>
+          <a:p>
+            <a:r>
+              <a:rPr lang="en-US" i="1" dirty="0" smtClean="0">
+                <a:solidFill>
+                  <a:srgbClr val="0000FF"/>
+                </a:solidFill>
+                <a:latin typeface="Andale Mono"/>
+                <a:cs typeface="Andale Mono"/>
+              </a:rPr>
+              <a:t>// -- Define UCL_NO_EXIT preprocessor directive</a:t>
+            </a:r>
+          </a:p>
+          <a:p>
+            <a:r>
+              <a:rPr lang="en-US" dirty="0" smtClean="0">
+                <a:solidFill>
+                  <a:schemeClr val="tx1"/>
+                </a:solidFill>
+                <a:latin typeface="Andale Mono"/>
+                <a:cs typeface="Andale Mono"/>
+              </a:rPr>
+              <a:t>if (d_mat.alloc(6,dev)!=UCL_SUCCESS) {</a:t>
+            </a:r>
+          </a:p>
+          <a:p>
+            <a:r>
+              <a:rPr lang="en-US" dirty="0" smtClean="0">
+                <a:solidFill>
+                  <a:schemeClr val="tx1"/>
+                </a:solidFill>
+                <a:latin typeface="Andale Mono"/>
+                <a:cs typeface="Andale Mono"/>
+              </a:rPr>
+              <a:t>  </a:t>
+            </a:r>
+            <a:r>
+              <a:rPr lang="en-US" dirty="0" err="1" smtClean="0">
+                <a:solidFill>
+                  <a:schemeClr val="tx1"/>
+                </a:solidFill>
+                <a:latin typeface="Andale Mono"/>
+                <a:cs typeface="Andale Mono"/>
+              </a:rPr>
+              <a:t>cerr</a:t>
+            </a:r>
+            <a:r>
+              <a:rPr lang="en-US" dirty="0" smtClean="0">
+                <a:solidFill>
+                  <a:schemeClr val="tx1"/>
+                </a:solidFill>
+                <a:latin typeface="Andale Mono"/>
+                <a:cs typeface="Andale Mono"/>
+              </a:rPr>
+              <a:t> &lt;&lt; “Could not allocate 6 elements on device “</a:t>
+            </a:r>
+          </a:p>
+          <a:p>
+            <a:r>
+              <a:rPr lang="en-US" dirty="0" smtClean="0">
+                <a:solidFill>
+                  <a:schemeClr val="tx1"/>
+                </a:solidFill>
+                <a:latin typeface="Andale Mono"/>
+                <a:cs typeface="Andale Mono"/>
+              </a:rPr>
+              <a:t>       &lt;&lt; </a:t>
+            </a:r>
+            <a:r>
+              <a:rPr lang="en-US" dirty="0" err="1" smtClean="0">
+                <a:solidFill>
+                  <a:schemeClr val="tx1"/>
+                </a:solidFill>
+                <a:latin typeface="Andale Mono"/>
+                <a:cs typeface="Andale Mono"/>
+              </a:rPr>
+              <a:t>dev.name</a:t>
+            </a:r>
+            <a:r>
+              <a:rPr lang="en-US" dirty="0" smtClean="0">
+                <a:solidFill>
+                  <a:schemeClr val="tx1"/>
+                </a:solidFill>
+                <a:latin typeface="Andale Mono"/>
+                <a:cs typeface="Andale Mono"/>
+              </a:rPr>
+              <a:t>() &lt;&lt; </a:t>
+            </a:r>
+            <a:r>
+              <a:rPr lang="en-US" dirty="0" err="1" smtClean="0">
+                <a:solidFill>
+                  <a:schemeClr val="tx1"/>
+                </a:solidFill>
+                <a:latin typeface="Andale Mono"/>
+                <a:cs typeface="Andale Mono"/>
+              </a:rPr>
+              <a:t>endl</a:t>
+            </a:r>
+            <a:r>
+              <a:rPr lang="en-US" dirty="0" smtClean="0">
+                <a:solidFill>
+                  <a:schemeClr val="tx1"/>
+                </a:solidFill>
+                <a:latin typeface="Andale Mono"/>
+                <a:cs typeface="Andale Mono"/>
+              </a:rPr>
+              <a:t>;</a:t>
+            </a:r>
+          </a:p>
+          <a:p>
+            <a:r>
+              <a:rPr lang="en-US" dirty="0" smtClean="0">
+                <a:solidFill>
+                  <a:schemeClr val="tx1"/>
+                </a:solidFill>
+                <a:latin typeface="Andale Mono"/>
+                <a:cs typeface="Andale Mono"/>
+              </a:rPr>
+              <a:t>}</a:t>
+            </a:r>
+          </a:p>
+          <a:p>
+            <a:endParaRPr lang="en-US" dirty="0" smtClean="0">
+              <a:solidFill>
+                <a:schemeClr val="tx1"/>
+              </a:solidFill>
+              <a:latin typeface="Andale Mono"/>
+              <a:cs typeface="Andale Mono"/>
+            </a:endParaRPr>
+          </a:p>
+          <a:p>
+            <a:r>
+              <a:rPr lang="en-US" i="1" dirty="0" smtClean="0">
+                <a:solidFill>
+                  <a:srgbClr val="0000FF"/>
+                </a:solidFill>
+                <a:latin typeface="Andale Mono"/>
+                <a:cs typeface="Andale Mono"/>
+              </a:rPr>
+              <a:t>// To check for compiling errors</a:t>
+            </a:r>
+          </a:p>
+          <a:p>
+            <a:r>
+              <a:rPr lang="en-US" i="1" dirty="0" smtClean="0">
+                <a:solidFill>
+                  <a:srgbClr val="0000FF"/>
+                </a:solidFill>
+                <a:latin typeface="Andale Mono"/>
+                <a:cs typeface="Andale Mono"/>
+              </a:rPr>
+              <a:t>// -- Define UCL_NO_EXIT preprocessor directive</a:t>
+            </a:r>
+          </a:p>
+          <a:p>
+            <a:r>
+              <a:rPr lang="en-US" dirty="0" smtClean="0">
+                <a:solidFill>
+                  <a:schemeClr val="tx1"/>
+                </a:solidFill>
+                <a:latin typeface="Andale Mono"/>
+                <a:cs typeface="Andale Mono"/>
+              </a:rPr>
+              <a:t>string clog;</a:t>
+            </a:r>
+          </a:p>
+          <a:p>
+            <a:r>
+              <a:rPr lang="en-US" dirty="0" err="1" smtClean="0">
+                <a:solidFill>
+                  <a:schemeClr val="tx1"/>
+                </a:solidFill>
+                <a:latin typeface="Andale Mono"/>
+                <a:cs typeface="Andale Mono"/>
+              </a:rPr>
+              <a:t>int</a:t>
+            </a:r>
+            <a:r>
+              <a:rPr lang="en-US" dirty="0" smtClean="0">
+                <a:solidFill>
+                  <a:schemeClr val="tx1"/>
+                </a:solidFill>
+                <a:latin typeface="Andale Mono"/>
+                <a:cs typeface="Andale Mono"/>
+              </a:rPr>
+              <a:t> err=</a:t>
+            </a:r>
+            <a:r>
+              <a:rPr lang="en-US" dirty="0" err="1" smtClean="0">
+                <a:solidFill>
+                  <a:schemeClr val="tx1"/>
+                </a:solidFill>
+                <a:latin typeface="Andale Mono"/>
+                <a:cs typeface="Andale Mono"/>
+              </a:rPr>
+              <a:t>program.load(“test.ocl”,””,&amp;clog</a:t>
+            </a:r>
+            <a:r>
+              <a:rPr lang="en-US" dirty="0" smtClean="0">
+                <a:solidFill>
+                  <a:schemeClr val="tx1"/>
+                </a:solidFill>
+                <a:latin typeface="Andale Mono"/>
+                <a:cs typeface="Andale Mono"/>
+              </a:rPr>
+              <a:t>);</a:t>
+            </a:r>
+          </a:p>
+          <a:p>
+            <a:r>
+              <a:rPr lang="en-US" dirty="0" smtClean="0">
+                <a:solidFill>
+                  <a:schemeClr val="tx1"/>
+                </a:solidFill>
+                <a:latin typeface="Andale Mono"/>
+                <a:cs typeface="Andale Mono"/>
+              </a:rPr>
+              <a:t>if (err!=UCL_SUCCESS) {</a:t>
+            </a:r>
+          </a:p>
+          <a:p>
+            <a:r>
+              <a:rPr lang="en-US" dirty="0" smtClean="0">
+                <a:solidFill>
+                  <a:schemeClr val="tx1"/>
+                </a:solidFill>
+                <a:latin typeface="Andale Mono"/>
+                <a:cs typeface="Andale Mono"/>
+              </a:rPr>
+              <a:t>  if (err==UCL_FILE_NOT_FOUND)</a:t>
+            </a:r>
+          </a:p>
+          <a:p>
+            <a:r>
+              <a:rPr lang="en-US" dirty="0" smtClean="0">
+                <a:solidFill>
+                  <a:schemeClr val="tx1"/>
+                </a:solidFill>
+                <a:latin typeface="Andale Mono"/>
+                <a:cs typeface="Andale Mono"/>
+              </a:rPr>
+              <a:t>    </a:t>
+            </a:r>
+            <a:r>
+              <a:rPr lang="en-US" dirty="0" err="1" smtClean="0">
+                <a:solidFill>
+                  <a:schemeClr val="tx1"/>
+                </a:solidFill>
+                <a:latin typeface="Andale Mono"/>
+                <a:cs typeface="Andale Mono"/>
+              </a:rPr>
+              <a:t>cerr</a:t>
+            </a:r>
+            <a:r>
+              <a:rPr lang="en-US" dirty="0" smtClean="0">
+                <a:solidFill>
+                  <a:schemeClr val="tx1"/>
+                </a:solidFill>
+                <a:latin typeface="Andale Mono"/>
+                <a:cs typeface="Andale Mono"/>
+              </a:rPr>
+              <a:t> &lt;&lt; “Could not find </a:t>
+            </a:r>
+            <a:r>
+              <a:rPr lang="en-US" dirty="0" err="1" smtClean="0">
+                <a:solidFill>
+                  <a:schemeClr val="tx1"/>
+                </a:solidFill>
+                <a:latin typeface="Andale Mono"/>
+                <a:cs typeface="Andale Mono"/>
+              </a:rPr>
+              <a:t>test.ocl\n</a:t>
+            </a:r>
+            <a:r>
+              <a:rPr lang="en-US" dirty="0" smtClean="0">
+                <a:solidFill>
+                  <a:schemeClr val="tx1"/>
+                </a:solidFill>
+                <a:latin typeface="Andale Mono"/>
+                <a:cs typeface="Andale Mono"/>
+              </a:rPr>
+              <a:t>”;</a:t>
+            </a:r>
+          </a:p>
+          <a:p>
+            <a:r>
+              <a:rPr lang="en-US" dirty="0" smtClean="0">
+                <a:solidFill>
+                  <a:schemeClr val="tx1"/>
+                </a:solidFill>
+                <a:latin typeface="Andale Mono"/>
+                <a:cs typeface="Andale Mono"/>
+              </a:rPr>
+              <a:t>  if (err==UCL_COMPILE_ERROR)</a:t>
+            </a:r>
+          </a:p>
+          <a:p>
+            <a:r>
+              <a:rPr lang="en-US" dirty="0" smtClean="0">
+                <a:solidFill>
+                  <a:schemeClr val="tx1"/>
+                </a:solidFill>
+                <a:latin typeface="Andale Mono"/>
+                <a:cs typeface="Andale Mono"/>
+              </a:rPr>
+              <a:t>    </a:t>
+            </a:r>
+            <a:r>
+              <a:rPr lang="en-US" dirty="0" err="1" smtClean="0">
+                <a:solidFill>
+                  <a:schemeClr val="tx1"/>
+                </a:solidFill>
+                <a:latin typeface="Andale Mono"/>
+                <a:cs typeface="Andale Mono"/>
+              </a:rPr>
+              <a:t>cerr</a:t>
+            </a:r>
+            <a:r>
+              <a:rPr lang="en-US" dirty="0" smtClean="0">
+                <a:solidFill>
+                  <a:schemeClr val="tx1"/>
+                </a:solidFill>
+                <a:latin typeface="Andale Mono"/>
+                <a:cs typeface="Andale Mono"/>
+              </a:rPr>
+              <a:t> &lt;&lt; “Problem compiling </a:t>
+            </a:r>
+            <a:r>
+              <a:rPr lang="en-US" dirty="0" err="1" smtClean="0">
+                <a:solidFill>
+                  <a:schemeClr val="tx1"/>
+                </a:solidFill>
+                <a:latin typeface="Andale Mono"/>
+                <a:cs typeface="Andale Mono"/>
+              </a:rPr>
+              <a:t>test.ocl:\n</a:t>
+            </a:r>
+            <a:r>
+              <a:rPr lang="en-US" dirty="0" smtClean="0">
+                <a:solidFill>
+                  <a:schemeClr val="tx1"/>
+                </a:solidFill>
+                <a:latin typeface="Andale Mono"/>
+                <a:cs typeface="Andale Mono"/>
+              </a:rPr>
+              <a:t>”</a:t>
+            </a:r>
+          </a:p>
+          <a:p>
+            <a:r>
+              <a:rPr lang="en-US" dirty="0" smtClean="0">
+                <a:solidFill>
+                  <a:schemeClr val="tx1"/>
+                </a:solidFill>
+                <a:latin typeface="Andale Mono"/>
+                <a:cs typeface="Andale Mono"/>
+              </a:rPr>
+              <a:t>         &lt;&lt; clog &lt;&lt; </a:t>
+            </a:r>
+            <a:r>
+              <a:rPr lang="en-US" dirty="0" err="1" smtClean="0">
+                <a:solidFill>
+                  <a:schemeClr val="tx1"/>
+                </a:solidFill>
+                <a:latin typeface="Andale Mono"/>
+                <a:cs typeface="Andale Mono"/>
+              </a:rPr>
+              <a:t>endl</a:t>
+            </a:r>
+            <a:r>
+              <a:rPr lang="en-US" dirty="0" smtClean="0">
+                <a:solidFill>
+                  <a:schemeClr val="tx1"/>
+                </a:solidFill>
+                <a:latin typeface="Andale Mono"/>
+                <a:cs typeface="Andale Mono"/>
+              </a:rPr>
+              <a:t>;</a:t>
+            </a:r>
+          </a:p>
+          <a:p>
+            <a:r>
+              <a:rPr lang="en-US" dirty="0" smtClean="0">
+                <a:solidFill>
+                  <a:schemeClr val="tx1"/>
+                </a:solidFill>
+                <a:latin typeface="Andale Mono"/>
+                <a:cs typeface="Andale Mono"/>
+              </a:rPr>
+              <a:t>  exit(1);</a:t>
+            </a:r>
+          </a:p>
+          <a:p>
+            <a:r>
+              <a:rPr lang="en-US" dirty="0" smtClean="0">
+                <a:solidFill>
+                  <a:schemeClr val="tx1"/>
+                </a:solidFill>
+                <a:latin typeface="Andale Mono"/>
+                <a:cs typeface="Andale Mono"/>
+              </a:rPr>
+              <a:t>}</a:t>
+            </a:r>
+          </a:p>
+          <a:p>
+            <a:r>
+              <a:rPr lang="en-US" dirty="0" smtClean="0">
+                <a:solidFill>
+                  <a:schemeClr val="tx1"/>
+                </a:solidFill>
+                <a:latin typeface="Andale Mono"/>
+                <a:cs typeface="Andale Mono"/>
+              </a:rPr>
+              <a:t>if (</a:t>
+            </a:r>
+            <a:r>
+              <a:rPr lang="en-US" dirty="0" err="1" smtClean="0">
+                <a:solidFill>
+                  <a:schemeClr val="tx1"/>
+                </a:solidFill>
+                <a:latin typeface="Andale Mono"/>
+                <a:cs typeface="Andale Mono"/>
+              </a:rPr>
+              <a:t>kernel.set_function(program,”foo</a:t>
+            </a:r>
+            <a:r>
+              <a:rPr lang="en-US" dirty="0" smtClean="0">
+                <a:solidFill>
+                  <a:schemeClr val="tx1"/>
+                </a:solidFill>
+                <a:latin typeface="Andale Mono"/>
+                <a:cs typeface="Andale Mono"/>
+              </a:rPr>
+              <a:t>”)!=UCL_SUCCESS)</a:t>
+            </a:r>
+          </a:p>
+          <a:p>
+            <a:r>
+              <a:rPr lang="en-US" dirty="0" smtClean="0">
+                <a:solidFill>
+                  <a:schemeClr val="tx1"/>
+                </a:solidFill>
+                <a:latin typeface="Andale Mono"/>
+                <a:cs typeface="Andale Mono"/>
+              </a:rPr>
+              <a:t>  </a:t>
+            </a:r>
+            <a:r>
+              <a:rPr lang="en-US" dirty="0" err="1" smtClean="0">
+                <a:solidFill>
+                  <a:schemeClr val="tx1"/>
+                </a:solidFill>
+                <a:latin typeface="Andale Mono"/>
+                <a:cs typeface="Andale Mono"/>
+              </a:rPr>
+              <a:t>cerr</a:t>
+            </a:r>
+            <a:r>
+              <a:rPr lang="en-US" dirty="0" smtClean="0">
+                <a:solidFill>
+                  <a:schemeClr val="tx1"/>
+                </a:solidFill>
+                <a:latin typeface="Andale Mono"/>
+                <a:cs typeface="Andale Mono"/>
+              </a:rPr>
+              <a:t> &lt;&lt; “Could not find function </a:t>
+            </a:r>
+            <a:r>
+              <a:rPr lang="en-US" dirty="0" err="1" smtClean="0">
+                <a:solidFill>
+                  <a:schemeClr val="tx1"/>
+                </a:solidFill>
+                <a:latin typeface="Andale Mono"/>
+                <a:cs typeface="Andale Mono"/>
+              </a:rPr>
+              <a:t>foo</a:t>
+            </a:r>
+            <a:r>
+              <a:rPr lang="en-US" dirty="0" smtClean="0">
+                <a:solidFill>
+                  <a:schemeClr val="tx1"/>
+                </a:solidFill>
+                <a:latin typeface="Andale Mono"/>
+                <a:cs typeface="Andale Mono"/>
+              </a:rPr>
+              <a:t> in </a:t>
+            </a:r>
+            <a:r>
+              <a:rPr lang="en-US" dirty="0" err="1" smtClean="0">
+                <a:solidFill>
+                  <a:schemeClr val="tx1"/>
+                </a:solidFill>
+                <a:latin typeface="Andale Mono"/>
+                <a:cs typeface="Andale Mono"/>
+              </a:rPr>
+              <a:t>test.ocl\n</a:t>
+            </a:r>
+            <a:r>
+              <a:rPr lang="en-US" dirty="0" smtClean="0">
+                <a:solidFill>
+                  <a:schemeClr val="tx1"/>
+                </a:solidFill>
+                <a:latin typeface="Andale Mono"/>
+                <a:cs typeface="Andale Mono"/>
+              </a:rPr>
+              <a:t>”;</a:t>
+            </a:r>
+          </a:p>
+          <a:p>
+            <a:endParaRPr lang="en-US" dirty="0" smtClean="0">
+              <a:solidFill>
+                <a:schemeClr val="tx1"/>
+              </a:solidFill>
+              <a:latin typeface="Andale Mono"/>
+              <a:cs typeface="Andale Mono"/>
+            </a:endParaRPr>
           </a:p>
         </p:txBody>
       </p:sp>
@@ -20983,6 +21482,13 @@
   <p:clrMapOvr>
     <a:masterClrMapping/>
   </p:clrMapOvr>
+  <p:timing>
+    <p:tnLst>
+      <p:par>
+        <p:cTn xmlns:p14="http://schemas.microsoft.com/office/powerpoint/2010/main" id="1" dur="indefinite" restart="never" nodeType="tmRoot"/>
+      </p:par>
+    </p:tnLst>
+  </p:timing>
 </p:sld>
 </file>
 
@@ -21005,12 +21511,12 @@
       </p:grpSpPr>
       <p:sp>
         <p:nvSpPr>
-          <p:cNvPr id="2" name="Title 1"/>
+          <p:cNvPr id="2" name="Subtitle 1"/>
           <p:cNvSpPr>
             <a:spLocks noGrp="1"/>
           </p:cNvSpPr>
           <p:nvPr>
-            <p:ph type="title"/>
+            <p:ph type="subTitle" idx="1"/>
           </p:nvPr>
         </p:nvSpPr>
         <p:spPr/>
@@ -21028,12 +21534,12 @@
       </p:sp>
       <p:sp>
         <p:nvSpPr>
-          <p:cNvPr id="3" name="Content Placeholder 2"/>
+          <p:cNvPr id="3" name="Title 2"/>
           <p:cNvSpPr>
             <a:spLocks noGrp="1"/>
           </p:cNvSpPr>
           <p:nvPr>
-            <p:ph sz="quarter" idx="1"/>
+            <p:ph type="ctrTitle"/>
           </p:nvPr>
         </p:nvSpPr>
         <p:spPr/>
@@ -21042,73 +21548,10 @@
           <a:lstStyle/>
           <a:p>
             <a:r>
-              <a:rPr lang="en-US" dirty="0" smtClean="0"/>
-              <a:t>In CUDA, can bind existing memory allocations to textures for constant access that can be cached</a:t>
-            </a:r>
-          </a:p>
-          <a:p>
-            <a:pPr lvl="1"/>
-            <a:r>
-              <a:rPr lang="en-US" dirty="0" smtClean="0"/>
-              <a:t>In </a:t>
-            </a:r>
-            <a:r>
               <a:rPr lang="en-US" dirty="0" err="1" smtClean="0"/>
               <a:t>Geryon</a:t>
             </a:r>
-            <a:r>
-              <a:rPr lang="en-US" dirty="0" smtClean="0"/>
-              <a:t>, this is accomplished by the </a:t>
-            </a:r>
-            <a:r>
-              <a:rPr lang="en-US" dirty="0" err="1" smtClean="0"/>
-              <a:t>UCL_Texture</a:t>
-            </a:r>
-            <a:r>
-              <a:rPr lang="en-US" dirty="0" smtClean="0"/>
-              <a:t> class</a:t>
-            </a:r>
-          </a:p>
-          <a:p>
-            <a:pPr lvl="1"/>
-            <a:r>
-              <a:rPr lang="en-US" dirty="0" smtClean="0"/>
-              <a:t>This feature is not currently in </a:t>
-            </a:r>
-            <a:r>
-              <a:rPr lang="en-US" dirty="0" err="1" smtClean="0"/>
-              <a:t>OpenCL</a:t>
-            </a:r>
-            <a:r>
-              <a:rPr lang="en-US" dirty="0" smtClean="0"/>
-              <a:t>, so </a:t>
-            </a:r>
-            <a:r>
-              <a:rPr lang="en-US" dirty="0" err="1" smtClean="0"/>
-              <a:t>UCL_Texture</a:t>
-            </a:r>
-            <a:r>
-              <a:rPr lang="en-US" dirty="0" smtClean="0"/>
-              <a:t> routines in the </a:t>
-            </a:r>
-            <a:r>
-              <a:rPr lang="en-US" dirty="0" err="1" smtClean="0"/>
-              <a:t>opencl</a:t>
-            </a:r>
-            <a:r>
-              <a:rPr lang="en-US" dirty="0" smtClean="0"/>
-              <a:t> namespace do nothing.</a:t>
-            </a:r>
-          </a:p>
-          <a:p>
-            <a:pPr lvl="1"/>
-            <a:r>
-              <a:rPr lang="en-US" dirty="0" smtClean="0"/>
-              <a:t>For textures, a vector length is specified; each fetch grabs a vector of the specified length</a:t>
-            </a:r>
-          </a:p>
-          <a:p>
-            <a:endParaRPr lang="en-US" dirty="0" smtClean="0"/>
+            <a:endParaRPr lang="en-US" dirty="0"/>
           </a:p>
         </p:txBody>
       </p:sp>
@@ -21147,19 +21590,14 @@
             <p:ph type="title"/>
           </p:nvPr>
         </p:nvSpPr>
-        <p:spPr>
-          <a:xfrm>
-            <a:off x="914400" y="277797"/>
-            <a:ext cx="7772400" cy="792605"/>
-          </a:xfrm>
-        </p:spPr>
+        <p:spPr/>
         <p:txBody>
           <a:bodyPr/>
           <a:lstStyle/>
           <a:p>
             <a:r>
               <a:rPr lang="en-US" dirty="0" smtClean="0"/>
-              <a:t>Assigning a texture reference</a:t>
+              <a:t>1D Texture Binding</a:t>
             </a:r>
             <a:endParaRPr lang="en-US" dirty="0"/>
           </a:p>
@@ -21175,550 +21613,79 @@
             <p:ph sz="quarter" idx="1"/>
           </p:nvPr>
         </p:nvSpPr>
-        <p:spPr>
-          <a:xfrm>
-            <a:off x="914400" y="1090644"/>
-            <a:ext cx="7772400" cy="576116"/>
-          </a:xfrm>
-        </p:spPr>
+        <p:spPr/>
         <p:txBody>
           <a:bodyPr/>
           <a:lstStyle/>
           <a:p>
             <a:r>
               <a:rPr lang="en-US" dirty="0" smtClean="0"/>
-              <a:t>CUDA Driver/</a:t>
+              <a:t>In CUDA, can bind existing memory allocations to textures for constant access that can be cached</a:t>
+            </a:r>
+          </a:p>
+          <a:p>
+            <a:pPr lvl="1"/>
+            <a:r>
+              <a:rPr lang="en-US" dirty="0" smtClean="0"/>
+              <a:t>In </a:t>
+            </a:r>
+            <a:r>
+              <a:rPr lang="en-US" dirty="0" err="1" smtClean="0"/>
+              <a:t>Geryon</a:t>
+            </a:r>
+            <a:r>
+              <a:rPr lang="en-US" dirty="0" smtClean="0"/>
+              <a:t>, this is accomplished by the </a:t>
+            </a:r>
+            <a:r>
+              <a:rPr lang="en-US" dirty="0" err="1" smtClean="0"/>
+              <a:t>UCL_Texture</a:t>
+            </a:r>
+            <a:r>
+              <a:rPr lang="en-US" dirty="0" smtClean="0"/>
+              <a:t> class</a:t>
+            </a:r>
+          </a:p>
+          <a:p>
+            <a:pPr lvl="1"/>
+            <a:r>
+              <a:rPr lang="en-US" dirty="0" smtClean="0"/>
+              <a:t>This feature is not currently in </a:t>
             </a:r>
             <a:r>
               <a:rPr lang="en-US" dirty="0" err="1" smtClean="0"/>
               <a:t>OpenCL</a:t>
             </a:r>
+            <a:r>
+              <a:rPr lang="en-US" dirty="0" smtClean="0"/>
+              <a:t>, so </a:t>
+            </a:r>
+            <a:r>
+              <a:rPr lang="en-US" dirty="0" err="1" smtClean="0"/>
+              <a:t>UCL_Texture</a:t>
+            </a:r>
+            <a:r>
+              <a:rPr lang="en-US" dirty="0" smtClean="0"/>
+              <a:t> routines in the </a:t>
+            </a:r>
+            <a:r>
+              <a:rPr lang="en-US" dirty="0" err="1" smtClean="0"/>
+              <a:t>opencl</a:t>
+            </a:r>
+            <a:r>
+              <a:rPr lang="en-US" dirty="0" smtClean="0"/>
+              <a:t> namespace do nothing.</a:t>
+            </a:r>
+          </a:p>
+          <a:p>
+            <a:pPr lvl="1"/>
+            <a:r>
+              <a:rPr lang="en-US" dirty="0" smtClean="0"/>
+              <a:t>For textures, a vector length is specified; each fetch grabs a vector of the specified length</a:t>
+            </a:r>
+          </a:p>
+          <a:p>
             <a:endParaRPr lang="en-US" dirty="0" smtClean="0"/>
-          </a:p>
-        </p:txBody>
-      </p:sp>
-      <p:sp>
-        <p:nvSpPr>
-          <p:cNvPr id="4" name="TextBox 3"/>
-          <p:cNvSpPr txBox="1"/>
-          <p:nvPr/>
-        </p:nvSpPr>
-        <p:spPr>
-          <a:xfrm>
-            <a:off x="914400" y="1656842"/>
-            <a:ext cx="6854217" cy="2031325"/>
-          </a:xfrm>
-          <a:prstGeom prst="rect">
-            <a:avLst/>
-          </a:prstGeom>
-        </p:spPr>
-        <p:style>
-          <a:lnRef idx="2">
-            <a:schemeClr val="accent5"/>
-          </a:lnRef>
-          <a:fillRef idx="1">
-            <a:schemeClr val="lt1"/>
-          </a:fillRef>
-          <a:effectRef idx="0">
-            <a:schemeClr val="accent5"/>
-          </a:effectRef>
-          <a:fontRef idx="minor">
-            <a:schemeClr val="dk1"/>
-          </a:fontRef>
-        </p:style>
-        <p:txBody>
-          <a:bodyPr wrap="square" rtlCol="0">
-            <a:spAutoFit/>
-          </a:bodyPr>
-          <a:lstStyle/>
-          <a:p>
-            <a:r>
-              <a:rPr lang="en-US" dirty="0" smtClean="0">
-                <a:solidFill>
-                  <a:schemeClr val="tx1"/>
-                </a:solidFill>
-                <a:latin typeface="Andale Mono"/>
-                <a:cs typeface="Andale Mono"/>
-              </a:rPr>
-              <a:t>#include “</a:t>
-            </a:r>
-            <a:r>
-              <a:rPr lang="en-US" dirty="0" err="1" smtClean="0">
-                <a:solidFill>
-                  <a:schemeClr val="tx1"/>
-                </a:solidFill>
-                <a:latin typeface="Andale Mono"/>
-                <a:cs typeface="Andale Mono"/>
-              </a:rPr>
-              <a:t>nvd_texture.h</a:t>
-            </a:r>
-            <a:r>
-              <a:rPr lang="en-US" dirty="0" smtClean="0">
-                <a:solidFill>
-                  <a:schemeClr val="tx1"/>
-                </a:solidFill>
-                <a:latin typeface="Andale Mono"/>
-                <a:cs typeface="Andale Mono"/>
-              </a:rPr>
-              <a:t>”</a:t>
-            </a:r>
-          </a:p>
-          <a:p>
-            <a:endParaRPr lang="en-US" i="1" dirty="0" smtClean="0">
-              <a:solidFill>
-                <a:srgbClr val="0000FF"/>
-              </a:solidFill>
-              <a:latin typeface="Andale Mono"/>
-              <a:cs typeface="Andale Mono"/>
-            </a:endParaRPr>
-          </a:p>
-          <a:p>
-            <a:r>
-              <a:rPr lang="en-US" i="1" dirty="0" smtClean="0">
-                <a:solidFill>
-                  <a:srgbClr val="0000FF"/>
-                </a:solidFill>
-                <a:latin typeface="Andale Mono"/>
-                <a:cs typeface="Andale Mono"/>
-              </a:rPr>
-              <a:t>// Texture must be defined within a Program</a:t>
-            </a:r>
-          </a:p>
-          <a:p>
-            <a:r>
-              <a:rPr lang="en-US" dirty="0" err="1" smtClean="0">
-                <a:solidFill>
-                  <a:schemeClr val="tx1"/>
-                </a:solidFill>
-                <a:latin typeface="Andale Mono"/>
-                <a:cs typeface="Andale Mono"/>
-              </a:rPr>
-              <a:t>UCL_Texture</a:t>
-            </a:r>
-            <a:r>
-              <a:rPr lang="en-US" dirty="0" smtClean="0">
-                <a:solidFill>
-                  <a:schemeClr val="tx1"/>
-                </a:solidFill>
-                <a:latin typeface="Andale Mono"/>
-                <a:cs typeface="Andale Mono"/>
-              </a:rPr>
-              <a:t> </a:t>
-            </a:r>
-            <a:r>
-              <a:rPr lang="en-US" dirty="0" err="1" smtClean="0">
-                <a:solidFill>
-                  <a:schemeClr val="tx1"/>
-                </a:solidFill>
-                <a:latin typeface="Andale Mono"/>
-                <a:cs typeface="Andale Mono"/>
-              </a:rPr>
-              <a:t>my_tex(my_program,”texture_name</a:t>
-            </a:r>
-            <a:r>
-              <a:rPr lang="en-US" dirty="0" smtClean="0">
-                <a:solidFill>
-                  <a:schemeClr val="tx1"/>
-                </a:solidFill>
-                <a:latin typeface="Andale Mono"/>
-                <a:cs typeface="Andale Mono"/>
-              </a:rPr>
-              <a:t>”);</a:t>
-            </a:r>
-          </a:p>
-          <a:p>
-            <a:r>
-              <a:rPr lang="en-US" i="1" dirty="0" smtClean="0">
-                <a:solidFill>
-                  <a:srgbClr val="0000FF"/>
-                </a:solidFill>
-                <a:latin typeface="Andale Mono"/>
-                <a:cs typeface="Andale Mono"/>
-              </a:rPr>
-              <a:t>// -- or –</a:t>
-            </a:r>
-            <a:endParaRPr lang="en-US" dirty="0" smtClean="0">
-              <a:solidFill>
-                <a:schemeClr val="tx1"/>
-              </a:solidFill>
-              <a:latin typeface="Andale Mono"/>
-              <a:cs typeface="Andale Mono"/>
-            </a:endParaRPr>
-          </a:p>
-          <a:p>
-            <a:r>
-              <a:rPr lang="en-US" dirty="0" err="1" smtClean="0">
-                <a:solidFill>
-                  <a:schemeClr val="tx1"/>
-                </a:solidFill>
-                <a:latin typeface="Andale Mono"/>
-                <a:cs typeface="Andale Mono"/>
-              </a:rPr>
-              <a:t>UCL_Texture</a:t>
-            </a:r>
-            <a:r>
-              <a:rPr lang="en-US" dirty="0" smtClean="0">
-                <a:solidFill>
-                  <a:schemeClr val="tx1"/>
-                </a:solidFill>
-                <a:latin typeface="Andale Mono"/>
-                <a:cs typeface="Andale Mono"/>
-              </a:rPr>
-              <a:t> </a:t>
-            </a:r>
-            <a:r>
-              <a:rPr lang="en-US" dirty="0" err="1" smtClean="0">
-                <a:solidFill>
-                  <a:schemeClr val="tx1"/>
-                </a:solidFill>
-                <a:latin typeface="Andale Mono"/>
-                <a:cs typeface="Andale Mono"/>
-              </a:rPr>
-              <a:t>my_tex</a:t>
-            </a:r>
-            <a:r>
-              <a:rPr lang="en-US" dirty="0" smtClean="0">
-                <a:solidFill>
-                  <a:schemeClr val="tx1"/>
-                </a:solidFill>
-                <a:latin typeface="Andale Mono"/>
-                <a:cs typeface="Andale Mono"/>
-              </a:rPr>
-              <a:t>;</a:t>
-            </a:r>
-          </a:p>
-          <a:p>
-            <a:r>
-              <a:rPr lang="en-US" dirty="0" err="1" smtClean="0">
-                <a:solidFill>
-                  <a:schemeClr val="tx1"/>
-                </a:solidFill>
-                <a:latin typeface="Andale Mono"/>
-                <a:cs typeface="Andale Mono"/>
-              </a:rPr>
-              <a:t>my_tex.get_texture(my_program,”texture_name</a:t>
-            </a:r>
-            <a:r>
-              <a:rPr lang="en-US" dirty="0" smtClean="0">
-                <a:solidFill>
-                  <a:schemeClr val="tx1"/>
-                </a:solidFill>
-                <a:latin typeface="Andale Mono"/>
-                <a:cs typeface="Andale Mono"/>
-              </a:rPr>
-              <a:t>”);</a:t>
-            </a:r>
-          </a:p>
-        </p:txBody>
-      </p:sp>
-      <p:sp>
-        <p:nvSpPr>
-          <p:cNvPr id="5" name="Content Placeholder 2"/>
-          <p:cNvSpPr txBox="1">
-            <a:spLocks/>
-          </p:cNvSpPr>
-          <p:nvPr/>
-        </p:nvSpPr>
-        <p:spPr>
-          <a:xfrm>
-            <a:off x="1066800" y="3739597"/>
-            <a:ext cx="7772400" cy="576116"/>
-          </a:xfrm>
-          <a:prstGeom prst="rect">
-            <a:avLst/>
-          </a:prstGeom>
-        </p:spPr>
-        <p:txBody>
-          <a:bodyPr vert="horz">
-            <a:normAutofit/>
-          </a:bodyPr>
-          <a:lstStyle/>
-          <a:p>
-            <a:pPr marL="274320" marR="0" lvl="0" indent="-274320" algn="l" defTabSz="914400" rtl="0" eaLnBrk="1" fontAlgn="auto" latinLnBrk="0" hangingPunct="1">
-              <a:lnSpc>
-                <a:spcPct val="100000"/>
-              </a:lnSpc>
-              <a:spcBef>
-                <a:spcPts val="580"/>
-              </a:spcBef>
-              <a:spcAft>
-                <a:spcPts val="0"/>
-              </a:spcAft>
-              <a:buClr>
-                <a:schemeClr val="accent1"/>
-              </a:buClr>
-              <a:buSzPct val="85000"/>
-              <a:buFont typeface="Wingdings 2"/>
-              <a:buChar char=""/>
-              <a:tabLst/>
-              <a:defRPr/>
-            </a:pPr>
-            <a:r>
-              <a:rPr kumimoji="0" lang="en-US" sz="2600" b="0" i="0" u="none" strike="noStrike" kern="1200" cap="none" spc="0" normalizeH="0" baseline="0" noProof="0" dirty="0" smtClean="0">
-                <a:ln>
-                  <a:noFill/>
-                </a:ln>
-                <a:solidFill>
-                  <a:schemeClr val="tx1"/>
-                </a:solidFill>
-                <a:effectLst/>
-                <a:uLnTx/>
-                <a:uFillTx/>
-                <a:latin typeface="+mn-lt"/>
-                <a:ea typeface="+mn-ea"/>
-                <a:cs typeface="+mn-cs"/>
-              </a:rPr>
-              <a:t>CUDA Runtime</a:t>
-            </a:r>
-          </a:p>
-        </p:txBody>
-      </p:sp>
-      <p:sp>
-        <p:nvSpPr>
-          <p:cNvPr id="6" name="TextBox 5"/>
-          <p:cNvSpPr txBox="1"/>
-          <p:nvPr/>
-        </p:nvSpPr>
-        <p:spPr>
-          <a:xfrm>
-            <a:off x="962498" y="4315714"/>
-            <a:ext cx="6806119" cy="2308324"/>
-          </a:xfrm>
-          <a:prstGeom prst="rect">
-            <a:avLst/>
-          </a:prstGeom>
-        </p:spPr>
-        <p:style>
-          <a:lnRef idx="2">
-            <a:schemeClr val="accent5"/>
-          </a:lnRef>
-          <a:fillRef idx="1">
-            <a:schemeClr val="lt1"/>
-          </a:fillRef>
-          <a:effectRef idx="0">
-            <a:schemeClr val="accent5"/>
-          </a:effectRef>
-          <a:fontRef idx="minor">
-            <a:schemeClr val="dk1"/>
-          </a:fontRef>
-        </p:style>
-        <p:txBody>
-          <a:bodyPr wrap="square" rtlCol="0">
-            <a:spAutoFit/>
-          </a:bodyPr>
-          <a:lstStyle/>
-          <a:p>
-            <a:r>
-              <a:rPr lang="en-US" dirty="0" smtClean="0">
-                <a:solidFill>
-                  <a:schemeClr val="tx1"/>
-                </a:solidFill>
-                <a:latin typeface="Andale Mono"/>
-                <a:cs typeface="Andale Mono"/>
-              </a:rPr>
-              <a:t>#include “</a:t>
-            </a:r>
-            <a:r>
-              <a:rPr lang="en-US" dirty="0" err="1" smtClean="0">
-                <a:solidFill>
-                  <a:schemeClr val="tx1"/>
-                </a:solidFill>
-                <a:latin typeface="Andale Mono"/>
-                <a:cs typeface="Andale Mono"/>
-              </a:rPr>
-              <a:t>nvc_texture.h</a:t>
-            </a:r>
-            <a:r>
-              <a:rPr lang="en-US" dirty="0" smtClean="0">
-                <a:solidFill>
-                  <a:schemeClr val="tx1"/>
-                </a:solidFill>
-                <a:latin typeface="Andale Mono"/>
-                <a:cs typeface="Andale Mono"/>
-              </a:rPr>
-              <a:t>”</a:t>
-            </a:r>
-          </a:p>
-          <a:p>
-            <a:r>
-              <a:rPr lang="en-US" i="1" dirty="0" smtClean="0">
-                <a:solidFill>
-                  <a:srgbClr val="0000FF"/>
-                </a:solidFill>
-                <a:latin typeface="Andale Mono"/>
-                <a:cs typeface="Andale Mono"/>
-              </a:rPr>
-              <a:t>// Texture must be defined within same file</a:t>
-            </a:r>
-          </a:p>
-          <a:p>
-            <a:r>
-              <a:rPr lang="en-US" dirty="0" smtClean="0">
-                <a:solidFill>
-                  <a:schemeClr val="tx1"/>
-                </a:solidFill>
-                <a:latin typeface="Andale Mono"/>
-                <a:cs typeface="Andale Mono"/>
-              </a:rPr>
-              <a:t>texture&lt;float2&gt; </a:t>
-            </a:r>
-            <a:r>
-              <a:rPr lang="en-US" dirty="0" err="1" smtClean="0">
-                <a:solidFill>
-                  <a:schemeClr val="tx1"/>
-                </a:solidFill>
-                <a:latin typeface="Andale Mono"/>
-                <a:cs typeface="Andale Mono"/>
-              </a:rPr>
-              <a:t>tex</a:t>
-            </a:r>
-            <a:r>
-              <a:rPr lang="en-US" dirty="0" smtClean="0">
-                <a:solidFill>
-                  <a:schemeClr val="tx1"/>
-                </a:solidFill>
-                <a:latin typeface="Andale Mono"/>
-                <a:cs typeface="Andale Mono"/>
-              </a:rPr>
-              <a:t>;</a:t>
-            </a:r>
-          </a:p>
-          <a:p>
-            <a:r>
-              <a:rPr lang="en-US" dirty="0" smtClean="0">
-                <a:solidFill>
-                  <a:schemeClr val="tx1"/>
-                </a:solidFill>
-                <a:latin typeface="Andale Mono"/>
-                <a:cs typeface="Andale Mono"/>
-              </a:rPr>
-              <a:t> </a:t>
-            </a:r>
-          </a:p>
-          <a:p>
-            <a:r>
-              <a:rPr lang="en-US" dirty="0" err="1" smtClean="0">
-                <a:solidFill>
-                  <a:schemeClr val="tx1"/>
-                </a:solidFill>
-                <a:latin typeface="Andale Mono"/>
-                <a:cs typeface="Andale Mono"/>
-              </a:rPr>
-              <a:t>UCL_Texture</a:t>
-            </a:r>
-            <a:r>
-              <a:rPr lang="en-US" dirty="0" smtClean="0">
-                <a:solidFill>
-                  <a:schemeClr val="tx1"/>
-                </a:solidFill>
-                <a:latin typeface="Andale Mono"/>
-                <a:cs typeface="Andale Mono"/>
-              </a:rPr>
-              <a:t> </a:t>
-            </a:r>
-            <a:r>
-              <a:rPr lang="en-US" dirty="0" err="1" smtClean="0">
-                <a:solidFill>
-                  <a:schemeClr val="tx1"/>
-                </a:solidFill>
-                <a:latin typeface="Andale Mono"/>
-                <a:cs typeface="Andale Mono"/>
-              </a:rPr>
-              <a:t>my_tex(tex</a:t>
-            </a:r>
-            <a:r>
-              <a:rPr lang="en-US" dirty="0" smtClean="0">
-                <a:solidFill>
-                  <a:schemeClr val="tx1"/>
-                </a:solidFill>
-                <a:latin typeface="Andale Mono"/>
-                <a:cs typeface="Andale Mono"/>
-              </a:rPr>
-              <a:t>);</a:t>
-            </a:r>
-          </a:p>
-          <a:p>
-            <a:r>
-              <a:rPr lang="en-US" i="1" dirty="0" smtClean="0">
-                <a:solidFill>
-                  <a:srgbClr val="0000FF"/>
-                </a:solidFill>
-                <a:latin typeface="Andale Mono"/>
-                <a:cs typeface="Andale Mono"/>
-              </a:rPr>
-              <a:t>// -- or –</a:t>
-            </a:r>
-            <a:endParaRPr lang="en-US" dirty="0" smtClean="0">
-              <a:solidFill>
-                <a:schemeClr val="tx1"/>
-              </a:solidFill>
-              <a:latin typeface="Andale Mono"/>
-              <a:cs typeface="Andale Mono"/>
-            </a:endParaRPr>
-          </a:p>
-          <a:p>
-            <a:r>
-              <a:rPr lang="en-US" dirty="0" err="1" smtClean="0">
-                <a:solidFill>
-                  <a:schemeClr val="tx1"/>
-                </a:solidFill>
-                <a:latin typeface="Andale Mono"/>
-                <a:cs typeface="Andale Mono"/>
-              </a:rPr>
-              <a:t>UCL_Texture</a:t>
-            </a:r>
-            <a:r>
-              <a:rPr lang="en-US" dirty="0" smtClean="0">
-                <a:solidFill>
-                  <a:schemeClr val="tx1"/>
-                </a:solidFill>
-                <a:latin typeface="Andale Mono"/>
-                <a:cs typeface="Andale Mono"/>
-              </a:rPr>
-              <a:t> </a:t>
-            </a:r>
-            <a:r>
-              <a:rPr lang="en-US" dirty="0" err="1" smtClean="0">
-                <a:solidFill>
-                  <a:schemeClr val="tx1"/>
-                </a:solidFill>
-                <a:latin typeface="Andale Mono"/>
-                <a:cs typeface="Andale Mono"/>
-              </a:rPr>
-              <a:t>my_tex</a:t>
-            </a:r>
-            <a:r>
-              <a:rPr lang="en-US" dirty="0" smtClean="0">
-                <a:solidFill>
-                  <a:schemeClr val="tx1"/>
-                </a:solidFill>
-                <a:latin typeface="Andale Mono"/>
-                <a:cs typeface="Andale Mono"/>
-              </a:rPr>
-              <a:t>;</a:t>
-            </a:r>
-          </a:p>
-          <a:p>
-            <a:r>
-              <a:rPr lang="en-US" dirty="0" err="1" smtClean="0">
-                <a:solidFill>
-                  <a:schemeClr val="tx1"/>
-                </a:solidFill>
-                <a:latin typeface="Andale Mono"/>
-                <a:cs typeface="Andale Mono"/>
-              </a:rPr>
-              <a:t>my_tex.get_texture(tex</a:t>
-            </a:r>
-            <a:r>
-              <a:rPr lang="en-US" dirty="0" smtClean="0">
-                <a:solidFill>
-                  <a:schemeClr val="tx1"/>
-                </a:solidFill>
-                <a:latin typeface="Andale Mono"/>
-                <a:cs typeface="Andale Mono"/>
-              </a:rPr>
-              <a:t>);</a:t>
-            </a:r>
           </a:p>
         </p:txBody>
       </p:sp>
@@ -21757,6 +21724,616 @@
             <p:ph type="title"/>
           </p:nvPr>
         </p:nvSpPr>
+        <p:spPr>
+          <a:xfrm>
+            <a:off x="914400" y="277797"/>
+            <a:ext cx="7772400" cy="792605"/>
+          </a:xfrm>
+        </p:spPr>
+        <p:txBody>
+          <a:bodyPr/>
+          <a:lstStyle/>
+          <a:p>
+            <a:r>
+              <a:rPr lang="en-US" dirty="0" smtClean="0"/>
+              <a:t>Assigning a texture reference</a:t>
+            </a:r>
+            <a:endParaRPr lang="en-US" dirty="0"/>
+          </a:p>
+        </p:txBody>
+      </p:sp>
+      <p:sp>
+        <p:nvSpPr>
+          <p:cNvPr id="3" name="Content Placeholder 2"/>
+          <p:cNvSpPr>
+            <a:spLocks noGrp="1"/>
+          </p:cNvSpPr>
+          <p:nvPr>
+            <p:ph sz="quarter" idx="1"/>
+          </p:nvPr>
+        </p:nvSpPr>
+        <p:spPr>
+          <a:xfrm>
+            <a:off x="914400" y="1090644"/>
+            <a:ext cx="7772400" cy="576116"/>
+          </a:xfrm>
+        </p:spPr>
+        <p:txBody>
+          <a:bodyPr/>
+          <a:lstStyle/>
+          <a:p>
+            <a:r>
+              <a:rPr lang="en-US" dirty="0" smtClean="0"/>
+              <a:t>CUDA Driver/</a:t>
+            </a:r>
+            <a:r>
+              <a:rPr lang="en-US" dirty="0" err="1" smtClean="0"/>
+              <a:t>OpenCL</a:t>
+            </a:r>
+            <a:endParaRPr lang="en-US" dirty="0" smtClean="0"/>
+          </a:p>
+        </p:txBody>
+      </p:sp>
+      <p:sp>
+        <p:nvSpPr>
+          <p:cNvPr id="4" name="TextBox 3"/>
+          <p:cNvSpPr txBox="1"/>
+          <p:nvPr/>
+        </p:nvSpPr>
+        <p:spPr>
+          <a:xfrm>
+            <a:off x="914400" y="1656842"/>
+            <a:ext cx="6854217" cy="2031325"/>
+          </a:xfrm>
+          <a:prstGeom prst="rect">
+            <a:avLst/>
+          </a:prstGeom>
+        </p:spPr>
+        <p:style>
+          <a:lnRef idx="2">
+            <a:schemeClr val="accent5"/>
+          </a:lnRef>
+          <a:fillRef idx="1">
+            <a:schemeClr val="lt1"/>
+          </a:fillRef>
+          <a:effectRef idx="0">
+            <a:schemeClr val="accent5"/>
+          </a:effectRef>
+          <a:fontRef idx="minor">
+            <a:schemeClr val="dk1"/>
+          </a:fontRef>
+        </p:style>
+        <p:txBody>
+          <a:bodyPr wrap="square" rtlCol="0">
+            <a:spAutoFit/>
+          </a:bodyPr>
+          <a:lstStyle/>
+          <a:p>
+            <a:r>
+              <a:rPr lang="en-US" dirty="0" smtClean="0">
+                <a:solidFill>
+                  <a:schemeClr val="tx1"/>
+                </a:solidFill>
+                <a:latin typeface="Andale Mono"/>
+                <a:cs typeface="Andale Mono"/>
+              </a:rPr>
+              <a:t>#include “</a:t>
+            </a:r>
+            <a:r>
+              <a:rPr lang="en-US" dirty="0" err="1" smtClean="0">
+                <a:solidFill>
+                  <a:schemeClr val="tx1"/>
+                </a:solidFill>
+                <a:latin typeface="Andale Mono"/>
+                <a:cs typeface="Andale Mono"/>
+              </a:rPr>
+              <a:t>nvd_texture.h</a:t>
+            </a:r>
+            <a:r>
+              <a:rPr lang="en-US" dirty="0" smtClean="0">
+                <a:solidFill>
+                  <a:schemeClr val="tx1"/>
+                </a:solidFill>
+                <a:latin typeface="Andale Mono"/>
+                <a:cs typeface="Andale Mono"/>
+              </a:rPr>
+              <a:t>”</a:t>
+            </a:r>
+          </a:p>
+          <a:p>
+            <a:endParaRPr lang="en-US" i="1" dirty="0" smtClean="0">
+              <a:solidFill>
+                <a:srgbClr val="0000FF"/>
+              </a:solidFill>
+              <a:latin typeface="Andale Mono"/>
+              <a:cs typeface="Andale Mono"/>
+            </a:endParaRPr>
+          </a:p>
+          <a:p>
+            <a:r>
+              <a:rPr lang="en-US" i="1" dirty="0" smtClean="0">
+                <a:solidFill>
+                  <a:srgbClr val="0000FF"/>
+                </a:solidFill>
+                <a:latin typeface="Andale Mono"/>
+                <a:cs typeface="Andale Mono"/>
+              </a:rPr>
+              <a:t>// Texture must be defined within a Program</a:t>
+            </a:r>
+          </a:p>
+          <a:p>
+            <a:r>
+              <a:rPr lang="en-US" dirty="0" err="1" smtClean="0">
+                <a:solidFill>
+                  <a:schemeClr val="tx1"/>
+                </a:solidFill>
+                <a:latin typeface="Andale Mono"/>
+                <a:cs typeface="Andale Mono"/>
+              </a:rPr>
+              <a:t>UCL_Texture</a:t>
+            </a:r>
+            <a:r>
+              <a:rPr lang="en-US" dirty="0" smtClean="0">
+                <a:solidFill>
+                  <a:schemeClr val="tx1"/>
+                </a:solidFill>
+                <a:latin typeface="Andale Mono"/>
+                <a:cs typeface="Andale Mono"/>
+              </a:rPr>
+              <a:t> </a:t>
+            </a:r>
+            <a:r>
+              <a:rPr lang="en-US" dirty="0" err="1" smtClean="0">
+                <a:solidFill>
+                  <a:schemeClr val="tx1"/>
+                </a:solidFill>
+                <a:latin typeface="Andale Mono"/>
+                <a:cs typeface="Andale Mono"/>
+              </a:rPr>
+              <a:t>my_tex(my_program,”texture_name</a:t>
+            </a:r>
+            <a:r>
+              <a:rPr lang="en-US" dirty="0" smtClean="0">
+                <a:solidFill>
+                  <a:schemeClr val="tx1"/>
+                </a:solidFill>
+                <a:latin typeface="Andale Mono"/>
+                <a:cs typeface="Andale Mono"/>
+              </a:rPr>
+              <a:t>”);</a:t>
+            </a:r>
+          </a:p>
+          <a:p>
+            <a:r>
+              <a:rPr lang="en-US" i="1" dirty="0" smtClean="0">
+                <a:solidFill>
+                  <a:srgbClr val="0000FF"/>
+                </a:solidFill>
+                <a:latin typeface="Andale Mono"/>
+                <a:cs typeface="Andale Mono"/>
+              </a:rPr>
+              <a:t>// -- or –</a:t>
+            </a:r>
+            <a:endParaRPr lang="en-US" dirty="0" smtClean="0">
+              <a:solidFill>
+                <a:schemeClr val="tx1"/>
+              </a:solidFill>
+              <a:latin typeface="Andale Mono"/>
+              <a:cs typeface="Andale Mono"/>
+            </a:endParaRPr>
+          </a:p>
+          <a:p>
+            <a:r>
+              <a:rPr lang="en-US" dirty="0" err="1" smtClean="0">
+                <a:solidFill>
+                  <a:schemeClr val="tx1"/>
+                </a:solidFill>
+                <a:latin typeface="Andale Mono"/>
+                <a:cs typeface="Andale Mono"/>
+              </a:rPr>
+              <a:t>UCL_Texture</a:t>
+            </a:r>
+            <a:r>
+              <a:rPr lang="en-US" dirty="0" smtClean="0">
+                <a:solidFill>
+                  <a:schemeClr val="tx1"/>
+                </a:solidFill>
+                <a:latin typeface="Andale Mono"/>
+                <a:cs typeface="Andale Mono"/>
+              </a:rPr>
+              <a:t> </a:t>
+            </a:r>
+            <a:r>
+              <a:rPr lang="en-US" dirty="0" err="1" smtClean="0">
+                <a:solidFill>
+                  <a:schemeClr val="tx1"/>
+                </a:solidFill>
+                <a:latin typeface="Andale Mono"/>
+                <a:cs typeface="Andale Mono"/>
+              </a:rPr>
+              <a:t>my_tex</a:t>
+            </a:r>
+            <a:r>
+              <a:rPr lang="en-US" dirty="0" smtClean="0">
+                <a:solidFill>
+                  <a:schemeClr val="tx1"/>
+                </a:solidFill>
+                <a:latin typeface="Andale Mono"/>
+                <a:cs typeface="Andale Mono"/>
+              </a:rPr>
+              <a:t>;</a:t>
+            </a:r>
+          </a:p>
+          <a:p>
+            <a:r>
+              <a:rPr lang="en-US" dirty="0" err="1" smtClean="0">
+                <a:solidFill>
+                  <a:schemeClr val="tx1"/>
+                </a:solidFill>
+                <a:latin typeface="Andale Mono"/>
+                <a:cs typeface="Andale Mono"/>
+              </a:rPr>
+              <a:t>my_tex.get_texture(my_program,”texture_name</a:t>
+            </a:r>
+            <a:r>
+              <a:rPr lang="en-US" dirty="0" smtClean="0">
+                <a:solidFill>
+                  <a:schemeClr val="tx1"/>
+                </a:solidFill>
+                <a:latin typeface="Andale Mono"/>
+                <a:cs typeface="Andale Mono"/>
+              </a:rPr>
+              <a:t>”);</a:t>
+            </a:r>
+          </a:p>
+        </p:txBody>
+      </p:sp>
+      <p:sp>
+        <p:nvSpPr>
+          <p:cNvPr id="5" name="Content Placeholder 2"/>
+          <p:cNvSpPr txBox="1">
+            <a:spLocks/>
+          </p:cNvSpPr>
+          <p:nvPr/>
+        </p:nvSpPr>
+        <p:spPr>
+          <a:xfrm>
+            <a:off x="1066800" y="3739597"/>
+            <a:ext cx="7772400" cy="576116"/>
+          </a:xfrm>
+          <a:prstGeom prst="rect">
+            <a:avLst/>
+          </a:prstGeom>
+        </p:spPr>
+        <p:txBody>
+          <a:bodyPr vert="horz">
+            <a:normAutofit/>
+          </a:bodyPr>
+          <a:lstStyle/>
+          <a:p>
+            <a:pPr marL="274320" marR="0" lvl="0" indent="-274320" algn="l" defTabSz="914400" rtl="0" eaLnBrk="1" fontAlgn="auto" latinLnBrk="0" hangingPunct="1">
+              <a:lnSpc>
+                <a:spcPct val="100000"/>
+              </a:lnSpc>
+              <a:spcBef>
+                <a:spcPts val="580"/>
+              </a:spcBef>
+              <a:spcAft>
+                <a:spcPts val="0"/>
+              </a:spcAft>
+              <a:buClr>
+                <a:schemeClr val="accent1"/>
+              </a:buClr>
+              <a:buSzPct val="85000"/>
+              <a:buFont typeface="Wingdings 2"/>
+              <a:buChar char=""/>
+              <a:tabLst/>
+              <a:defRPr/>
+            </a:pPr>
+            <a:r>
+              <a:rPr kumimoji="0" lang="en-US" sz="2600" b="0" i="0" u="none" strike="noStrike" kern="1200" cap="none" spc="0" normalizeH="0" baseline="0" noProof="0" dirty="0" smtClean="0">
+                <a:ln>
+                  <a:noFill/>
+                </a:ln>
+                <a:solidFill>
+                  <a:schemeClr val="tx1"/>
+                </a:solidFill>
+                <a:effectLst/>
+                <a:uLnTx/>
+                <a:uFillTx/>
+                <a:latin typeface="+mn-lt"/>
+                <a:ea typeface="+mn-ea"/>
+                <a:cs typeface="+mn-cs"/>
+              </a:rPr>
+              <a:t>CUDA Runtime</a:t>
+            </a:r>
+          </a:p>
+        </p:txBody>
+      </p:sp>
+      <p:sp>
+        <p:nvSpPr>
+          <p:cNvPr id="6" name="TextBox 5"/>
+          <p:cNvSpPr txBox="1"/>
+          <p:nvPr/>
+        </p:nvSpPr>
+        <p:spPr>
+          <a:xfrm>
+            <a:off x="962498" y="4315714"/>
+            <a:ext cx="6806119" cy="2308324"/>
+          </a:xfrm>
+          <a:prstGeom prst="rect">
+            <a:avLst/>
+          </a:prstGeom>
+        </p:spPr>
+        <p:style>
+          <a:lnRef idx="2">
+            <a:schemeClr val="accent5"/>
+          </a:lnRef>
+          <a:fillRef idx="1">
+            <a:schemeClr val="lt1"/>
+          </a:fillRef>
+          <a:effectRef idx="0">
+            <a:schemeClr val="accent5"/>
+          </a:effectRef>
+          <a:fontRef idx="minor">
+            <a:schemeClr val="dk1"/>
+          </a:fontRef>
+        </p:style>
+        <p:txBody>
+          <a:bodyPr wrap="square" rtlCol="0">
+            <a:spAutoFit/>
+          </a:bodyPr>
+          <a:lstStyle/>
+          <a:p>
+            <a:r>
+              <a:rPr lang="en-US" dirty="0" smtClean="0">
+                <a:solidFill>
+                  <a:schemeClr val="tx1"/>
+                </a:solidFill>
+                <a:latin typeface="Andale Mono"/>
+                <a:cs typeface="Andale Mono"/>
+              </a:rPr>
+              <a:t>#include “</a:t>
+            </a:r>
+            <a:r>
+              <a:rPr lang="en-US" dirty="0" err="1" smtClean="0">
+                <a:solidFill>
+                  <a:schemeClr val="tx1"/>
+                </a:solidFill>
+                <a:latin typeface="Andale Mono"/>
+                <a:cs typeface="Andale Mono"/>
+              </a:rPr>
+              <a:t>nvc_texture.h</a:t>
+            </a:r>
+            <a:r>
+              <a:rPr lang="en-US" dirty="0" smtClean="0">
+                <a:solidFill>
+                  <a:schemeClr val="tx1"/>
+                </a:solidFill>
+                <a:latin typeface="Andale Mono"/>
+                <a:cs typeface="Andale Mono"/>
+              </a:rPr>
+              <a:t>”</a:t>
+            </a:r>
+          </a:p>
+          <a:p>
+            <a:r>
+              <a:rPr lang="en-US" i="1" dirty="0" smtClean="0">
+                <a:solidFill>
+                  <a:srgbClr val="0000FF"/>
+                </a:solidFill>
+                <a:latin typeface="Andale Mono"/>
+                <a:cs typeface="Andale Mono"/>
+              </a:rPr>
+              <a:t>// Texture must be defined within same file</a:t>
+            </a:r>
+          </a:p>
+          <a:p>
+            <a:r>
+              <a:rPr lang="en-US" dirty="0" smtClean="0">
+                <a:solidFill>
+                  <a:schemeClr val="tx1"/>
+                </a:solidFill>
+                <a:latin typeface="Andale Mono"/>
+                <a:cs typeface="Andale Mono"/>
+              </a:rPr>
+              <a:t>texture&lt;float2&gt; </a:t>
+            </a:r>
+            <a:r>
+              <a:rPr lang="en-US" dirty="0" err="1" smtClean="0">
+                <a:solidFill>
+                  <a:schemeClr val="tx1"/>
+                </a:solidFill>
+                <a:latin typeface="Andale Mono"/>
+                <a:cs typeface="Andale Mono"/>
+              </a:rPr>
+              <a:t>tex</a:t>
+            </a:r>
+            <a:r>
+              <a:rPr lang="en-US" dirty="0" smtClean="0">
+                <a:solidFill>
+                  <a:schemeClr val="tx1"/>
+                </a:solidFill>
+                <a:latin typeface="Andale Mono"/>
+                <a:cs typeface="Andale Mono"/>
+              </a:rPr>
+              <a:t>;</a:t>
+            </a:r>
+          </a:p>
+          <a:p>
+            <a:r>
+              <a:rPr lang="en-US" dirty="0" smtClean="0">
+                <a:solidFill>
+                  <a:schemeClr val="tx1"/>
+                </a:solidFill>
+                <a:latin typeface="Andale Mono"/>
+                <a:cs typeface="Andale Mono"/>
+              </a:rPr>
+              <a:t> </a:t>
+            </a:r>
+          </a:p>
+          <a:p>
+            <a:r>
+              <a:rPr lang="en-US" dirty="0" err="1" smtClean="0">
+                <a:solidFill>
+                  <a:schemeClr val="tx1"/>
+                </a:solidFill>
+                <a:latin typeface="Andale Mono"/>
+                <a:cs typeface="Andale Mono"/>
+              </a:rPr>
+              <a:t>UCL_Texture</a:t>
+            </a:r>
+            <a:r>
+              <a:rPr lang="en-US" dirty="0" smtClean="0">
+                <a:solidFill>
+                  <a:schemeClr val="tx1"/>
+                </a:solidFill>
+                <a:latin typeface="Andale Mono"/>
+                <a:cs typeface="Andale Mono"/>
+              </a:rPr>
+              <a:t> </a:t>
+            </a:r>
+            <a:r>
+              <a:rPr lang="en-US" dirty="0" err="1" smtClean="0">
+                <a:solidFill>
+                  <a:schemeClr val="tx1"/>
+                </a:solidFill>
+                <a:latin typeface="Andale Mono"/>
+                <a:cs typeface="Andale Mono"/>
+              </a:rPr>
+              <a:t>my_tex(tex</a:t>
+            </a:r>
+            <a:r>
+              <a:rPr lang="en-US" dirty="0" smtClean="0">
+                <a:solidFill>
+                  <a:schemeClr val="tx1"/>
+                </a:solidFill>
+                <a:latin typeface="Andale Mono"/>
+                <a:cs typeface="Andale Mono"/>
+              </a:rPr>
+              <a:t>);</a:t>
+            </a:r>
+          </a:p>
+          <a:p>
+            <a:r>
+              <a:rPr lang="en-US" i="1" dirty="0" smtClean="0">
+                <a:solidFill>
+                  <a:srgbClr val="0000FF"/>
+                </a:solidFill>
+                <a:latin typeface="Andale Mono"/>
+                <a:cs typeface="Andale Mono"/>
+              </a:rPr>
+              <a:t>// -- or –</a:t>
+            </a:r>
+            <a:endParaRPr lang="en-US" dirty="0" smtClean="0">
+              <a:solidFill>
+                <a:schemeClr val="tx1"/>
+              </a:solidFill>
+              <a:latin typeface="Andale Mono"/>
+              <a:cs typeface="Andale Mono"/>
+            </a:endParaRPr>
+          </a:p>
+          <a:p>
+            <a:r>
+              <a:rPr lang="en-US" dirty="0" err="1" smtClean="0">
+                <a:solidFill>
+                  <a:schemeClr val="tx1"/>
+                </a:solidFill>
+                <a:latin typeface="Andale Mono"/>
+                <a:cs typeface="Andale Mono"/>
+              </a:rPr>
+              <a:t>UCL_Texture</a:t>
+            </a:r>
+            <a:r>
+              <a:rPr lang="en-US" dirty="0" smtClean="0">
+                <a:solidFill>
+                  <a:schemeClr val="tx1"/>
+                </a:solidFill>
+                <a:latin typeface="Andale Mono"/>
+                <a:cs typeface="Andale Mono"/>
+              </a:rPr>
+              <a:t> </a:t>
+            </a:r>
+            <a:r>
+              <a:rPr lang="en-US" dirty="0" err="1" smtClean="0">
+                <a:solidFill>
+                  <a:schemeClr val="tx1"/>
+                </a:solidFill>
+                <a:latin typeface="Andale Mono"/>
+                <a:cs typeface="Andale Mono"/>
+              </a:rPr>
+              <a:t>my_tex</a:t>
+            </a:r>
+            <a:r>
+              <a:rPr lang="en-US" dirty="0" smtClean="0">
+                <a:solidFill>
+                  <a:schemeClr val="tx1"/>
+                </a:solidFill>
+                <a:latin typeface="Andale Mono"/>
+                <a:cs typeface="Andale Mono"/>
+              </a:rPr>
+              <a:t>;</a:t>
+            </a:r>
+          </a:p>
+          <a:p>
+            <a:r>
+              <a:rPr lang="en-US" dirty="0" err="1" smtClean="0">
+                <a:solidFill>
+                  <a:schemeClr val="tx1"/>
+                </a:solidFill>
+                <a:latin typeface="Andale Mono"/>
+                <a:cs typeface="Andale Mono"/>
+              </a:rPr>
+              <a:t>my_tex.get_texture(tex</a:t>
+            </a:r>
+            <a:r>
+              <a:rPr lang="en-US" dirty="0" smtClean="0">
+                <a:solidFill>
+                  <a:schemeClr val="tx1"/>
+                </a:solidFill>
+                <a:latin typeface="Andale Mono"/>
+                <a:cs typeface="Andale Mono"/>
+              </a:rPr>
+              <a:t>);</a:t>
+            </a:r>
+          </a:p>
+        </p:txBody>
+      </p:sp>
+    </p:spTree>
+  </p:cSld>
+  <p:clrMapOvr>
+    <a:masterClrMapping/>
+  </p:clrMapOvr>
+</p:sld>
+</file>
+
+<file path=ppt/slides/slide65.xml><?xml version="1.0" encoding="utf-8"?>
+<p:sld xmlns:a="http://schemas.openxmlformats.org/drawingml/2006/main" xmlns:r="http://schemas.openxmlformats.org/officeDocument/2006/relationships" xmlns:p="http://schemas.openxmlformats.org/presentationml/2006/main">
+  <p:cSld>
+    <p:spTree>
+      <p:nvGrpSpPr>
+        <p:cNvPr id="1" name=""/>
+        <p:cNvGrpSpPr/>
+        <p:nvPr/>
+      </p:nvGrpSpPr>
+      <p:grpSpPr>
+        <a:xfrm>
+          <a:off x="0" y="0"/>
+          <a:ext cx="0" cy="0"/>
+          <a:chOff x="0" y="0"/>
+          <a:chExt cx="0" cy="0"/>
+        </a:xfrm>
+      </p:grpSpPr>
+      <p:sp>
+        <p:nvSpPr>
+          <p:cNvPr id="2" name="Title 1"/>
+          <p:cNvSpPr>
+            <a:spLocks noGrp="1"/>
+          </p:cNvSpPr>
+          <p:nvPr>
+            <p:ph type="title"/>
+          </p:nvPr>
+        </p:nvSpPr>
         <p:spPr/>
         <p:txBody>
           <a:bodyPr/>
@@ -21937,7 +22514,7 @@
 </p:sld>
 </file>
 
-<file path=ppt/slides/slide65.xml><?xml version="1.0" encoding="utf-8"?>
+<file path=ppt/slides/slide66.xml><?xml version="1.0" encoding="utf-8"?>
 <p:sld xmlns:a="http://schemas.openxmlformats.org/drawingml/2006/main" xmlns:r="http://schemas.openxmlformats.org/officeDocument/2006/relationships" xmlns:p="http://schemas.openxmlformats.org/presentationml/2006/main">
   <p:cSld>
     <p:spTree>
@@ -22015,7 +22592,7 @@
 </p:sld>
 </file>
 
-<file path=ppt/slides/slide66.xml><?xml version="1.0" encoding="utf-8"?>
+<file path=ppt/slides/slide67.xml><?xml version="1.0" encoding="utf-8"?>
 <p:sld xmlns:a="http://schemas.openxmlformats.org/drawingml/2006/main" xmlns:r="http://schemas.openxmlformats.org/officeDocument/2006/relationships" xmlns:p="http://schemas.openxmlformats.org/presentationml/2006/main">
   <p:cSld>
     <p:spTree>

--- a/geryon.pptx
+++ b/geryon.pptx
@@ -66,12 +66,13 @@
     <p:sldId id="315" r:id="rId60"/>
     <p:sldId id="316" r:id="rId61"/>
     <p:sldId id="318" r:id="rId62"/>
-    <p:sldId id="323" r:id="rId63"/>
-    <p:sldId id="324" r:id="rId64"/>
-    <p:sldId id="325" r:id="rId65"/>
-    <p:sldId id="326" r:id="rId66"/>
-    <p:sldId id="296" r:id="rId67"/>
-    <p:sldId id="297" r:id="rId68"/>
+    <p:sldId id="329" r:id="rId63"/>
+    <p:sldId id="323" r:id="rId64"/>
+    <p:sldId id="324" r:id="rId65"/>
+    <p:sldId id="325" r:id="rId66"/>
+    <p:sldId id="326" r:id="rId67"/>
+    <p:sldId id="296" r:id="rId68"/>
+    <p:sldId id="297" r:id="rId69"/>
   </p:sldIdLst>
   <p:sldSz cx="9144000" cy="6858000" type="screen4x3"/>
   <p:notesSz cx="6858000" cy="9144000"/>
@@ -368,7 +369,7 @@
             <a:fld id="{9F85648D-267C-4F54-90B5-C36298A60516}" type="datetimeFigureOut">
               <a:rPr lang="en-US" smtClean="0"/>
               <a:pPr/>
-              <a:t>4/4/11</a:t>
+              <a:t>11/1/11</a:t>
             </a:fld>
             <a:endParaRPr lang="en-US"/>
           </a:p>
@@ -723,7 +724,7 @@
             <a:fld id="{B99FC8A4-244F-0044-8098-5FFBFA181F2A}" type="datetimeFigureOut">
               <a:rPr lang="en-US" smtClean="0"/>
               <a:pPr/>
-              <a:t>4/4/11</a:t>
+              <a:t>11/1/11</a:t>
             </a:fld>
             <a:endParaRPr lang="en-US"/>
           </a:p>
@@ -900,7 +901,7 @@
             <a:fld id="{B99FC8A4-244F-0044-8098-5FFBFA181F2A}" type="datetimeFigureOut">
               <a:rPr lang="en-US" smtClean="0"/>
               <a:pPr/>
-              <a:t>4/4/11</a:t>
+              <a:t>11/1/11</a:t>
             </a:fld>
             <a:endParaRPr lang="en-US"/>
           </a:p>
@@ -1015,7 +1016,7 @@
             <a:fld id="{B99FC8A4-244F-0044-8098-5FFBFA181F2A}" type="datetimeFigureOut">
               <a:rPr lang="en-US" smtClean="0"/>
               <a:pPr/>
-              <a:t>4/4/11</a:t>
+              <a:t>11/1/11</a:t>
             </a:fld>
             <a:endParaRPr lang="en-US"/>
           </a:p>
@@ -1375,7 +1376,7 @@
             <a:fld id="{74CBEAF9-9E58-4CC8-A6FF-6DD8A58DEEA4}" type="datetimeFigureOut">
               <a:rPr lang="en-US" smtClean="0"/>
               <a:pPr/>
-              <a:t>4/4/11</a:t>
+              <a:t>11/1/11</a:t>
             </a:fld>
             <a:endParaRPr lang="en-US"/>
           </a:p>
@@ -1642,7 +1643,7 @@
             <a:fld id="{B99FC8A4-244F-0044-8098-5FFBFA181F2A}" type="datetimeFigureOut">
               <a:rPr lang="en-US" smtClean="0"/>
               <a:pPr/>
-              <a:t>4/4/11</a:t>
+              <a:t>11/1/11</a:t>
             </a:fld>
             <a:endParaRPr lang="en-US"/>
           </a:p>
@@ -2006,7 +2007,7 @@
             <a:fld id="{B99FC8A4-244F-0044-8098-5FFBFA181F2A}" type="datetimeFigureOut">
               <a:rPr lang="en-US" smtClean="0"/>
               <a:pPr/>
-              <a:t>4/4/11</a:t>
+              <a:t>11/1/11</a:t>
             </a:fld>
             <a:endParaRPr lang="en-US"/>
           </a:p>
@@ -2235,7 +2236,7 @@
             <a:fld id="{B99FC8A4-244F-0044-8098-5FFBFA181F2A}" type="datetimeFigureOut">
               <a:rPr lang="en-US" smtClean="0"/>
               <a:pPr/>
-              <a:t>4/4/11</a:t>
+              <a:t>11/1/11</a:t>
             </a:fld>
             <a:endParaRPr lang="en-US"/>
           </a:p>
@@ -2327,7 +2328,7 @@
             <a:fld id="{B99FC8A4-244F-0044-8098-5FFBFA181F2A}" type="datetimeFigureOut">
               <a:rPr lang="en-US" smtClean="0"/>
               <a:pPr/>
-              <a:t>4/4/11</a:t>
+              <a:t>11/1/11</a:t>
             </a:fld>
             <a:endParaRPr lang="en-US"/>
           </a:p>
@@ -2596,7 +2597,7 @@
             <a:fld id="{B99FC8A4-244F-0044-8098-5FFBFA181F2A}" type="datetimeFigureOut">
               <a:rPr lang="en-US" smtClean="0"/>
               <a:pPr/>
-              <a:t>4/4/11</a:t>
+              <a:t>11/1/11</a:t>
             </a:fld>
             <a:endParaRPr lang="en-US"/>
           </a:p>
@@ -2826,7 +2827,7 @@
             <a:fld id="{B99FC8A4-244F-0044-8098-5FFBFA181F2A}" type="datetimeFigureOut">
               <a:rPr lang="en-US" smtClean="0"/>
               <a:pPr/>
-              <a:t>4/4/11</a:t>
+              <a:t>11/1/11</a:t>
             </a:fld>
             <a:endParaRPr lang="en-US"/>
           </a:p>
@@ -3327,7 +3328,7 @@
             <a:fld id="{B99FC8A4-244F-0044-8098-5FFBFA181F2A}" type="datetimeFigureOut">
               <a:rPr lang="en-US" smtClean="0"/>
               <a:pPr/>
-              <a:t>4/4/11</a:t>
+              <a:t>11/1/11</a:t>
             </a:fld>
             <a:endParaRPr lang="en-US"/>
           </a:p>
@@ -3835,7 +3836,7 @@
             <a:fld id="{B78C6173-A124-044B-A6DC-2740D4C46ECF}" type="datetime1">
               <a:rPr lang="en-US" sz="1200" i="0" smtClean="0"/>
               <a:pPr algn="r"/>
-              <a:t>4/4/11</a:t>
+              <a:t>11/1/11</a:t>
             </a:fld>
             <a:endParaRPr lang="en-US" sz="1200" dirty="0"/>
           </a:p>
@@ -5112,14 +5113,7 @@
                 <a:latin typeface="Andale Mono"/>
                 <a:cs typeface="Andale Mono"/>
               </a:rPr>
-              <a:t>ucl_sync(dev.cq(1))</a:t>
-            </a:r>
-            <a:r>
-              <a:rPr lang="en-US" dirty="0" smtClean="0">
-                <a:latin typeface="Andale Mono"/>
-                <a:cs typeface="Andale Mono"/>
-              </a:rPr>
-              <a:t>;</a:t>
+              <a:t>ucl_sync(dev.cq(1));</a:t>
             </a:r>
           </a:p>
           <a:p>
@@ -13652,11 +13646,7 @@
           <a:p>
             <a:r>
               <a:rPr lang="en-US" dirty="0" smtClean="0"/>
-              <a:t>Device </a:t>
-            </a:r>
-            <a:r>
-              <a:rPr lang="en-US" dirty="0" smtClean="0"/>
-              <a:t>Timing and Advanced Synchronization</a:t>
+              <a:t>Device Timing and Advanced Synchronization</a:t>
             </a:r>
             <a:endParaRPr lang="en-US" dirty="0"/>
           </a:p>
@@ -14524,13 +14514,6 @@
               </a:rPr>
               <a:t>);</a:t>
             </a:r>
-            <a:endParaRPr lang="en-US" dirty="0" smtClean="0">
-              <a:solidFill>
-                <a:srgbClr val="000000"/>
-              </a:solidFill>
-              <a:latin typeface="Andale Mono"/>
-              <a:cs typeface="Andale Mono"/>
-            </a:endParaRPr>
           </a:p>
           <a:p>
             <a:endParaRPr lang="en-US" i="1" dirty="0">
@@ -14550,17 +14533,7 @@
                 <a:latin typeface="Andale Mono"/>
                 <a:cs typeface="Andale Mono"/>
               </a:rPr>
-              <a:t>// </a:t>
-            </a:r>
-            <a:r>
-              <a:rPr lang="en-US" i="1" dirty="0" smtClean="0">
-                <a:solidFill>
-                  <a:srgbClr val="0000FF"/>
-                </a:solidFill>
-                <a:latin typeface="Andale Mono"/>
-                <a:cs typeface="Andale Mono"/>
-              </a:rPr>
-              <a:t>To synchronize by blocking to a specific point in</a:t>
+              <a:t>// To synchronize by blocking to a specific point in</a:t>
             </a:r>
           </a:p>
           <a:p>
@@ -14744,6 +14717,60 @@
                 <a:latin typeface="Andale Mono"/>
                 <a:cs typeface="Andale Mono"/>
               </a:rPr>
+              <a:t>// To block on </a:t>
+            </a:r>
+            <a:r>
+              <a:rPr lang="en-US" i="1" dirty="0" err="1" smtClean="0">
+                <a:solidFill>
+                  <a:srgbClr val="0000FF"/>
+                </a:solidFill>
+                <a:latin typeface="Andale Mono"/>
+                <a:cs typeface="Andale Mono"/>
+              </a:rPr>
+              <a:t>cpu</a:t>
+            </a:r>
+            <a:r>
+              <a:rPr lang="en-US" i="1" dirty="0" smtClean="0">
+                <a:solidFill>
+                  <a:srgbClr val="0000FF"/>
+                </a:solidFill>
+                <a:latin typeface="Andale Mono"/>
+                <a:cs typeface="Andale Mono"/>
+              </a:rPr>
+              <a:t> until the first copy has finished:</a:t>
+            </a:r>
+          </a:p>
+          <a:p>
+            <a:r>
+              <a:rPr lang="en-US" dirty="0" err="1" smtClean="0">
+                <a:solidFill>
+                  <a:srgbClr val="000000"/>
+                </a:solidFill>
+                <a:latin typeface="Andale Mono"/>
+                <a:cs typeface="Andale Mono"/>
+              </a:rPr>
+              <a:t>timer_a.sync_stop</a:t>
+            </a:r>
+            <a:r>
+              <a:rPr lang="en-US" dirty="0" smtClean="0">
+                <a:solidFill>
+                  <a:srgbClr val="000000"/>
+                </a:solidFill>
+                <a:latin typeface="Andale Mono"/>
+                <a:cs typeface="Andale Mono"/>
+              </a:rPr>
+              <a:t>();</a:t>
+            </a:r>
+          </a:p>
+          <a:p>
+            <a:r>
+              <a:rPr lang="en-US" i="1" dirty="0">
+                <a:solidFill>
+                  <a:srgbClr val="0000FF"/>
+                </a:solidFill>
+                <a:latin typeface="Andale Mono"/>
+                <a:cs typeface="Andale Mono"/>
+              </a:rPr>
               <a:t>/</a:t>
             </a:r>
             <a:r>
@@ -14754,37 +14781,17 @@
                 <a:latin typeface="Andale Mono"/>
                 <a:cs typeface="Andale Mono"/>
               </a:rPr>
-              <a:t>/ </a:t>
-            </a:r>
-            <a:r>
-              <a:rPr lang="en-US" i="1" dirty="0" smtClean="0">
-                <a:solidFill>
-                  <a:srgbClr val="0000FF"/>
-                </a:solidFill>
-                <a:latin typeface="Andale Mono"/>
-                <a:cs typeface="Andale Mono"/>
-              </a:rPr>
-              <a:t>To block on </a:t>
-            </a:r>
-            <a:r>
-              <a:rPr lang="en-US" i="1" dirty="0" err="1" smtClean="0">
-                <a:solidFill>
-                  <a:srgbClr val="0000FF"/>
-                </a:solidFill>
-                <a:latin typeface="Andale Mono"/>
-                <a:cs typeface="Andale Mono"/>
-              </a:rPr>
-              <a:t>cpu</a:t>
-            </a:r>
-            <a:r>
-              <a:rPr lang="en-US" i="1" dirty="0" smtClean="0">
-                <a:solidFill>
-                  <a:srgbClr val="0000FF"/>
-                </a:solidFill>
-                <a:latin typeface="Andale Mono"/>
-                <a:cs typeface="Andale Mono"/>
-              </a:rPr>
-              <a:t> until the first copy has finished:</a:t>
+              <a:t>/     -</a:t>
+            </a:r>
+            <a:r>
+              <a:rPr lang="en-US" i="1" dirty="0">
+                <a:solidFill>
+                  <a:srgbClr val="0000FF"/>
+                </a:solidFill>
+                <a:latin typeface="Andale Mono"/>
+                <a:cs typeface="Andale Mono"/>
+              </a:rPr>
+              <a:t>-- or --- </a:t>
             </a:r>
           </a:p>
           <a:p>
@@ -14796,7 +14803,7 @@
                 <a:latin typeface="Andale Mono"/>
                 <a:cs typeface="Andale Mono"/>
               </a:rPr>
-              <a:t>timer_a.sync_stop</a:t>
+              <a:t>timer_b.sync_start</a:t>
             </a:r>
             <a:r>
               <a:rPr lang="en-US" dirty="0" smtClean="0">
@@ -14808,67 +14815,6 @@
               </a:rPr>
               <a:t>();</a:t>
             </a:r>
-          </a:p>
-          <a:p>
-            <a:r>
-              <a:rPr lang="en-US" i="1" dirty="0">
-                <a:solidFill>
-                  <a:srgbClr val="0000FF"/>
-                </a:solidFill>
-                <a:latin typeface="Andale Mono"/>
-                <a:cs typeface="Andale Mono"/>
-              </a:rPr>
-              <a:t>/</a:t>
-            </a:r>
-            <a:r>
-              <a:rPr lang="en-US" i="1" dirty="0" smtClean="0">
-                <a:solidFill>
-                  <a:srgbClr val="0000FF"/>
-                </a:solidFill>
-                <a:latin typeface="Andale Mono"/>
-                <a:cs typeface="Andale Mono"/>
-              </a:rPr>
-              <a:t>/     -</a:t>
-            </a:r>
-            <a:r>
-              <a:rPr lang="en-US" i="1" dirty="0">
-                <a:solidFill>
-                  <a:srgbClr val="0000FF"/>
-                </a:solidFill>
-                <a:latin typeface="Andale Mono"/>
-                <a:cs typeface="Andale Mono"/>
-              </a:rPr>
-              <a:t>-- or --- </a:t>
-            </a:r>
-          </a:p>
-          <a:p>
-            <a:r>
-              <a:rPr lang="en-US" dirty="0" err="1" smtClean="0">
-                <a:solidFill>
-                  <a:srgbClr val="000000"/>
-                </a:solidFill>
-                <a:latin typeface="Andale Mono"/>
-                <a:cs typeface="Andale Mono"/>
-              </a:rPr>
-              <a:t>timer_b.sync_start</a:t>
-            </a:r>
-            <a:r>
-              <a:rPr lang="en-US" dirty="0" smtClean="0">
-                <a:solidFill>
-                  <a:srgbClr val="000000"/>
-                </a:solidFill>
-                <a:latin typeface="Andale Mono"/>
-                <a:cs typeface="Andale Mono"/>
-              </a:rPr>
-              <a:t>();</a:t>
-            </a:r>
-            <a:endParaRPr lang="en-US" dirty="0" smtClean="0">
-              <a:solidFill>
-                <a:srgbClr val="000000"/>
-              </a:solidFill>
-              <a:latin typeface="Andale Mono"/>
-              <a:cs typeface="Andale Mono"/>
-            </a:endParaRPr>
           </a:p>
         </p:txBody>
       </p:sp>
@@ -16974,17 +16920,7 @@
                 <a:latin typeface="Andale Mono"/>
                 <a:cs typeface="Andale Mono"/>
               </a:rPr>
-              <a:t>// --- or --- add up to </a:t>
-            </a:r>
-            <a:r>
-              <a:rPr lang="en-US" i="1" dirty="0" smtClean="0">
-                <a:solidFill>
-                  <a:srgbClr val="0000FF"/>
-                </a:solidFill>
-                <a:latin typeface="Andale Mono"/>
-                <a:cs typeface="Andale Mono"/>
-              </a:rPr>
-              <a:t>30 </a:t>
+              <a:t>// --- or --- add up to 30 </a:t>
             </a:r>
             <a:r>
               <a:rPr lang="en-US" i="1" dirty="0" err="1" smtClean="0">
@@ -20431,7 +20367,15 @@
           <a:p>
             <a:r>
               <a:rPr lang="en-US" dirty="0" smtClean="0"/>
-              <a:t>The current exceptions are kernel compilation and memory allocation</a:t>
+              <a:t>The current exceptions are </a:t>
+            </a:r>
+            <a:r>
+              <a:rPr lang="en-US" dirty="0" smtClean="0"/>
+              <a:t>device initialization, kernel </a:t>
+            </a:r>
+            <a:r>
+              <a:rPr lang="en-US" dirty="0" smtClean="0"/>
+              <a:t>compilation and memory allocation</a:t>
             </a:r>
           </a:p>
           <a:p>
@@ -20736,7 +20680,7 @@
         </p:spPr>
         <p:txBody>
           <a:bodyPr>
-            <a:normAutofit fontScale="92500" lnSpcReduction="10000"/>
+            <a:normAutofit fontScale="92500" lnSpcReduction="20000"/>
           </a:bodyPr>
           <a:lstStyle/>
           <a:p>
@@ -20795,7 +20739,15 @@
             </a:r>
             <a:r>
               <a:rPr lang="en-US" dirty="0" smtClean="0"/>
-              <a:t> when an error occurs in kernel compilation or memory allocation</a:t>
+              <a:t> when an error occurs in </a:t>
+            </a:r>
+            <a:r>
+              <a:rPr lang="en-US" dirty="0" smtClean="0"/>
+              <a:t>device initialization, kernel compilation, </a:t>
+            </a:r>
+            <a:r>
+              <a:rPr lang="en-US" dirty="0" smtClean="0"/>
+              <a:t>or memory allocation</a:t>
             </a:r>
           </a:p>
           <a:p>
@@ -20921,8 +20873,8 @@
         </p:nvSpPr>
         <p:spPr>
           <a:xfrm>
-            <a:off x="498159" y="276890"/>
-            <a:ext cx="8292943" cy="6186310"/>
+            <a:off x="498159" y="1409020"/>
+            <a:ext cx="8292943" cy="3970318"/>
           </a:xfrm>
           <a:prstGeom prst="rect">
             <a:avLst/>
@@ -20949,6 +20901,16 @@
           <a:lstStyle/>
           <a:p>
             <a:r>
+              <a:rPr lang="en-US" i="1" dirty="0">
+                <a:solidFill>
+                  <a:srgbClr val="0000FF"/>
+                </a:solidFill>
+                <a:latin typeface="Andale Mono"/>
+                <a:cs typeface="Andale Mono"/>
+              </a:rPr>
+              <a:t>// To check for </a:t>
+            </a:r>
+            <a:r>
               <a:rPr lang="en-US" i="1" dirty="0" smtClean="0">
                 <a:solidFill>
                   <a:srgbClr val="0000FF"/>
@@ -20956,10 +20918,30 @@
                 <a:latin typeface="Andale Mono"/>
                 <a:cs typeface="Andale Mono"/>
               </a:rPr>
-              <a:t>// To check for memory allocation errors</a:t>
-            </a:r>
-          </a:p>
-          <a:p>
+              <a:t>device initialization </a:t>
+            </a:r>
+            <a:r>
+              <a:rPr lang="en-US" i="1" dirty="0">
+                <a:solidFill>
+                  <a:srgbClr val="0000FF"/>
+                </a:solidFill>
+                <a:latin typeface="Andale Mono"/>
+                <a:cs typeface="Andale Mono"/>
+              </a:rPr>
+              <a:t>errors</a:t>
+            </a:r>
+          </a:p>
+          <a:p>
+            <a:r>
+              <a:rPr lang="en-US" i="1" dirty="0">
+                <a:solidFill>
+                  <a:srgbClr val="0000FF"/>
+                </a:solidFill>
+                <a:latin typeface="Andale Mono"/>
+                <a:cs typeface="Andale Mono"/>
+              </a:rPr>
+              <a:t>// -- Define UCL_NO_EXIT preprocessor </a:t>
+            </a:r>
             <a:r>
               <a:rPr lang="en-US" i="1" dirty="0" smtClean="0">
                 <a:solidFill>
@@ -20968,121 +20950,11 @@
                 <a:latin typeface="Andale Mono"/>
                 <a:cs typeface="Andale Mono"/>
               </a:rPr>
-              <a:t>// -- Define UCL_NO_EXIT preprocessor directive</a:t>
-            </a:r>
-          </a:p>
-          <a:p>
-            <a:r>
-              <a:rPr lang="en-US" dirty="0" smtClean="0">
-                <a:solidFill>
-                  <a:schemeClr val="tx1"/>
-                </a:solidFill>
-                <a:latin typeface="Andale Mono"/>
-                <a:cs typeface="Andale Mono"/>
-              </a:rPr>
-              <a:t>if (d_mat.alloc(6,dev)!=UCL_SUCCESS) {</a:t>
-            </a:r>
-          </a:p>
-          <a:p>
-            <a:r>
-              <a:rPr lang="en-US" dirty="0" smtClean="0">
-                <a:solidFill>
-                  <a:schemeClr val="tx1"/>
-                </a:solidFill>
-                <a:latin typeface="Andale Mono"/>
-                <a:cs typeface="Andale Mono"/>
-              </a:rPr>
-              <a:t>  </a:t>
-            </a:r>
-            <a:r>
-              <a:rPr lang="en-US" dirty="0" err="1" smtClean="0">
-                <a:solidFill>
-                  <a:schemeClr val="tx1"/>
-                </a:solidFill>
-                <a:latin typeface="Andale Mono"/>
-                <a:cs typeface="Andale Mono"/>
-              </a:rPr>
-              <a:t>cerr</a:t>
-            </a:r>
-            <a:r>
-              <a:rPr lang="en-US" dirty="0" smtClean="0">
-                <a:solidFill>
-                  <a:schemeClr val="tx1"/>
-                </a:solidFill>
-                <a:latin typeface="Andale Mono"/>
-                <a:cs typeface="Andale Mono"/>
-              </a:rPr>
-              <a:t> &lt;&lt; “Could not allocate 6 elements on device “</a:t>
-            </a:r>
-          </a:p>
-          <a:p>
-            <a:r>
-              <a:rPr lang="en-US" dirty="0" smtClean="0">
-                <a:solidFill>
-                  <a:schemeClr val="tx1"/>
-                </a:solidFill>
-                <a:latin typeface="Andale Mono"/>
-                <a:cs typeface="Andale Mono"/>
-              </a:rPr>
-              <a:t>       &lt;&lt; </a:t>
-            </a:r>
-            <a:r>
-              <a:rPr lang="en-US" dirty="0" err="1" smtClean="0">
-                <a:solidFill>
-                  <a:schemeClr val="tx1"/>
-                </a:solidFill>
-                <a:latin typeface="Andale Mono"/>
-                <a:cs typeface="Andale Mono"/>
-              </a:rPr>
-              <a:t>dev.name</a:t>
-            </a:r>
-            <a:r>
-              <a:rPr lang="en-US" dirty="0" smtClean="0">
-                <a:solidFill>
-                  <a:schemeClr val="tx1"/>
-                </a:solidFill>
-                <a:latin typeface="Andale Mono"/>
-                <a:cs typeface="Andale Mono"/>
-              </a:rPr>
-              <a:t>() &lt;&lt; </a:t>
-            </a:r>
-            <a:r>
-              <a:rPr lang="en-US" dirty="0" err="1" smtClean="0">
-                <a:solidFill>
-                  <a:schemeClr val="tx1"/>
-                </a:solidFill>
-                <a:latin typeface="Andale Mono"/>
-                <a:cs typeface="Andale Mono"/>
-              </a:rPr>
-              <a:t>endl</a:t>
-            </a:r>
-            <a:r>
-              <a:rPr lang="en-US" dirty="0" smtClean="0">
-                <a:solidFill>
-                  <a:schemeClr val="tx1"/>
-                </a:solidFill>
-                <a:latin typeface="Andale Mono"/>
-                <a:cs typeface="Andale Mono"/>
-              </a:rPr>
-              <a:t>;</a:t>
-            </a:r>
-          </a:p>
-          <a:p>
-            <a:r>
-              <a:rPr lang="en-US" dirty="0" smtClean="0">
-                <a:solidFill>
-                  <a:schemeClr val="tx1"/>
-                </a:solidFill>
-                <a:latin typeface="Andale Mono"/>
-                <a:cs typeface="Andale Mono"/>
-              </a:rPr>
-              <a:t>}</a:t>
-            </a:r>
-          </a:p>
-          <a:p>
-            <a:endParaRPr lang="en-US" dirty="0" smtClean="0">
+              <a:t>directive</a:t>
+            </a:r>
+            <a:endParaRPr lang="en-US" i="1" dirty="0" smtClean="0">
               <a:solidFill>
-                <a:schemeClr val="tx1"/>
+                <a:srgbClr val="0000FF"/>
               </a:solidFill>
               <a:latin typeface="Andale Mono"/>
               <a:cs typeface="Andale Mono"/>
@@ -21090,15 +20962,121 @@
           </a:p>
           <a:p>
             <a:r>
+              <a:rPr lang="en-US" dirty="0" smtClean="0">
+                <a:solidFill>
+                  <a:srgbClr val="000000"/>
+                </a:solidFill>
+                <a:latin typeface="Andale Mono"/>
+                <a:cs typeface="Andale Mono"/>
+              </a:rPr>
+              <a:t>if (</a:t>
+            </a:r>
+            <a:r>
+              <a:rPr lang="en-US" dirty="0" err="1" smtClean="0">
+                <a:solidFill>
+                  <a:srgbClr val="000000"/>
+                </a:solidFill>
+                <a:latin typeface="Andale Mono"/>
+                <a:cs typeface="Andale Mono"/>
+              </a:rPr>
+              <a:t>dev.set</a:t>
+            </a:r>
+            <a:r>
+              <a:rPr lang="en-US" dirty="0">
+                <a:solidFill>
+                  <a:srgbClr val="000000"/>
+                </a:solidFill>
+                <a:latin typeface="Andale Mono"/>
+                <a:cs typeface="Andale Mono"/>
+              </a:rPr>
+              <a:t>(0</a:t>
+            </a:r>
+            <a:r>
+              <a:rPr lang="en-US" dirty="0" smtClean="0">
+                <a:solidFill>
+                  <a:srgbClr val="000000"/>
+                </a:solidFill>
+                <a:latin typeface="Andale Mono"/>
+                <a:cs typeface="Andale Mono"/>
+              </a:rPr>
+              <a:t>)!=UCL_SUCCESS)</a:t>
+            </a:r>
+          </a:p>
+          <a:p>
+            <a:r>
+              <a:rPr lang="en-US" i="1" dirty="0">
+                <a:solidFill>
+                  <a:srgbClr val="000000"/>
+                </a:solidFill>
+                <a:latin typeface="Andale Mono"/>
+                <a:cs typeface="Andale Mono"/>
+              </a:rPr>
+              <a:t> </a:t>
+            </a:r>
+            <a:r>
               <a:rPr lang="en-US" i="1" dirty="0" smtClean="0">
                 <a:solidFill>
-                  <a:srgbClr val="0000FF"/>
-                </a:solidFill>
-                <a:latin typeface="Andale Mono"/>
-                <a:cs typeface="Andale Mono"/>
-              </a:rPr>
-              <a:t>// To check for compiling errors</a:t>
-            </a:r>
+                  <a:srgbClr val="000000"/>
+                </a:solidFill>
+                <a:latin typeface="Andale Mono"/>
+                <a:cs typeface="Andale Mono"/>
+              </a:rPr>
+              <a:t> </a:t>
+            </a:r>
+            <a:r>
+              <a:rPr lang="en-US" dirty="0" err="1" smtClean="0">
+                <a:solidFill>
+                  <a:srgbClr val="000000"/>
+                </a:solidFill>
+                <a:latin typeface="Andale Mono"/>
+                <a:cs typeface="Andale Mono"/>
+              </a:rPr>
+              <a:t>cerr</a:t>
+            </a:r>
+            <a:r>
+              <a:rPr lang="en-US" dirty="0" smtClean="0">
+                <a:solidFill>
+                  <a:srgbClr val="000000"/>
+                </a:solidFill>
+                <a:latin typeface="Andale Mono"/>
+                <a:cs typeface="Andale Mono"/>
+              </a:rPr>
+              <a:t> &lt;&lt; “Could not initialize device for use by program.”</a:t>
+            </a:r>
+            <a:endParaRPr lang="en-US" i="1" dirty="0">
+              <a:solidFill>
+                <a:srgbClr val="0000FF"/>
+              </a:solidFill>
+              <a:latin typeface="Andale Mono"/>
+              <a:cs typeface="Andale Mono"/>
+            </a:endParaRPr>
+          </a:p>
+          <a:p>
+            <a:endParaRPr lang="en-US" i="1" dirty="0" smtClean="0">
+              <a:solidFill>
+                <a:srgbClr val="0000FF"/>
+              </a:solidFill>
+              <a:latin typeface="Andale Mono"/>
+              <a:cs typeface="Andale Mono"/>
+            </a:endParaRPr>
+          </a:p>
+          <a:p>
+            <a:endParaRPr lang="en-US" i="1" dirty="0">
+              <a:solidFill>
+                <a:srgbClr val="0000FF"/>
+              </a:solidFill>
+              <a:latin typeface="Andale Mono"/>
+              <a:cs typeface="Andale Mono"/>
+            </a:endParaRPr>
+          </a:p>
+          <a:p>
+            <a:endParaRPr lang="en-US" i="1" dirty="0" smtClean="0">
+              <a:solidFill>
+                <a:srgbClr val="0000FF"/>
+              </a:solidFill>
+              <a:latin typeface="Andale Mono"/>
+              <a:cs typeface="Andale Mono"/>
+            </a:endParaRPr>
           </a:p>
           <a:p>
             <a:r>
@@ -21109,6 +21087,28 @@
                 <a:latin typeface="Andale Mono"/>
                 <a:cs typeface="Andale Mono"/>
               </a:rPr>
+              <a:t>/</a:t>
+            </a:r>
+            <a:r>
+              <a:rPr lang="en-US" i="1" dirty="0" smtClean="0">
+                <a:solidFill>
+                  <a:srgbClr val="0000FF"/>
+                </a:solidFill>
+                <a:latin typeface="Andale Mono"/>
+                <a:cs typeface="Andale Mono"/>
+              </a:rPr>
+              <a:t>/ To check for memory allocation errors</a:t>
+            </a:r>
+          </a:p>
+          <a:p>
+            <a:r>
+              <a:rPr lang="en-US" i="1" dirty="0" smtClean="0">
+                <a:solidFill>
+                  <a:srgbClr val="0000FF"/>
+                </a:solidFill>
+                <a:latin typeface="Andale Mono"/>
+                <a:cs typeface="Andale Mono"/>
+              </a:rPr>
               <a:t>// -- Define UCL_NO_EXIT preprocessor directive</a:t>
             </a:r>
           </a:p>
@@ -21121,10 +21121,20 @@
                 <a:latin typeface="Andale Mono"/>
                 <a:cs typeface="Andale Mono"/>
               </a:rPr>
-              <a:t>string clog;</a:t>
-            </a:r>
-          </a:p>
-          <a:p>
+              <a:t>if (d_mat.alloc(6,dev)!=UCL_SUCCESS) {</a:t>
+            </a:r>
+          </a:p>
+          <a:p>
+            <a:r>
+              <a:rPr lang="en-US" dirty="0" smtClean="0">
+                <a:solidFill>
+                  <a:schemeClr val="tx1"/>
+                </a:solidFill>
+                <a:latin typeface="Andale Mono"/>
+                <a:cs typeface="Andale Mono"/>
+              </a:rPr>
+              <a:t>  </a:t>
+            </a:r>
             <a:r>
               <a:rPr lang="en-US" dirty="0" err="1" smtClean="0">
                 <a:solidFill>
@@ -21133,7 +21143,7 @@
                 <a:latin typeface="Andale Mono"/>
                 <a:cs typeface="Andale Mono"/>
               </a:rPr>
-              <a:t>int</a:t>
+              <a:t>cerr</a:t>
             </a:r>
             <a:r>
               <a:rPr lang="en-US" dirty="0" smtClean="0">
@@ -21143,7 +21153,19 @@
                 <a:latin typeface="Andale Mono"/>
                 <a:cs typeface="Andale Mono"/>
               </a:rPr>
-              <a:t> err=</a:t>
+              <a:t> &lt;&lt; “Could not allocate 6 elements on device “</a:t>
+            </a:r>
+          </a:p>
+          <a:p>
+            <a:r>
+              <a:rPr lang="en-US" dirty="0" smtClean="0">
+                <a:solidFill>
+                  <a:schemeClr val="tx1"/>
+                </a:solidFill>
+                <a:latin typeface="Andale Mono"/>
+                <a:cs typeface="Andale Mono"/>
+              </a:rPr>
+              <a:t>       &lt;&lt; </a:t>
             </a:r>
             <a:r>
               <a:rPr lang="en-US" dirty="0" err="1" smtClean="0">
@@ -21153,7 +21175,7 @@
                 <a:latin typeface="Andale Mono"/>
                 <a:cs typeface="Andale Mono"/>
               </a:rPr>
-              <a:t>program.load(“test.ocl”,””,&amp;clog</a:t>
+              <a:t>dev.name</a:t>
             </a:r>
             <a:r>
               <a:rPr lang="en-US" dirty="0" smtClean="0">
@@ -21163,22 +21185,18 @@
                 <a:latin typeface="Andale Mono"/>
                 <a:cs typeface="Andale Mono"/>
               </a:rPr>
-              <a:t>);</a:t>
-            </a:r>
-          </a:p>
-          <a:p>
-            <a:r>
-              <a:rPr lang="en-US" dirty="0" smtClean="0">
+              <a:t>() &lt;&lt; </a:t>
+            </a:r>
+            <a:r>
+              <a:rPr lang="en-US" dirty="0" err="1" smtClean="0">
                 <a:solidFill>
                   <a:schemeClr val="tx1"/>
                 </a:solidFill>
                 <a:latin typeface="Andale Mono"/>
                 <a:cs typeface="Andale Mono"/>
               </a:rPr>
-              <a:t>if (err!=UCL_SUCCESS) {</a:t>
-            </a:r>
-          </a:p>
-          <a:p>
+              <a:t>endl</a:t>
+            </a:r>
             <a:r>
               <a:rPr lang="en-US" dirty="0" smtClean="0">
                 <a:solidFill>
@@ -21187,7 +21205,7 @@
                 <a:latin typeface="Andale Mono"/>
                 <a:cs typeface="Andale Mono"/>
               </a:rPr>
-              <a:t>  if (err==UCL_FILE_NOT_FOUND)</a:t>
+              <a:t>;</a:t>
             </a:r>
           </a:p>
           <a:p>
@@ -21199,271 +21217,7 @@
                 <a:latin typeface="Andale Mono"/>
                 <a:cs typeface="Andale Mono"/>
               </a:rPr>
-              <a:t>    </a:t>
-            </a:r>
-            <a:r>
-              <a:rPr lang="en-US" dirty="0" err="1" smtClean="0">
-                <a:solidFill>
-                  <a:schemeClr val="tx1"/>
-                </a:solidFill>
-                <a:latin typeface="Andale Mono"/>
-                <a:cs typeface="Andale Mono"/>
-              </a:rPr>
-              <a:t>cerr</a:t>
-            </a:r>
-            <a:r>
-              <a:rPr lang="en-US" dirty="0" smtClean="0">
-                <a:solidFill>
-                  <a:schemeClr val="tx1"/>
-                </a:solidFill>
-                <a:latin typeface="Andale Mono"/>
-                <a:cs typeface="Andale Mono"/>
-              </a:rPr>
-              <a:t> &lt;&lt; “Could not find </a:t>
-            </a:r>
-            <a:r>
-              <a:rPr lang="en-US" dirty="0" err="1" smtClean="0">
-                <a:solidFill>
-                  <a:schemeClr val="tx1"/>
-                </a:solidFill>
-                <a:latin typeface="Andale Mono"/>
-                <a:cs typeface="Andale Mono"/>
-              </a:rPr>
-              <a:t>test.ocl\n</a:t>
-            </a:r>
-            <a:r>
-              <a:rPr lang="en-US" dirty="0" smtClean="0">
-                <a:solidFill>
-                  <a:schemeClr val="tx1"/>
-                </a:solidFill>
-                <a:latin typeface="Andale Mono"/>
-                <a:cs typeface="Andale Mono"/>
-              </a:rPr>
-              <a:t>”;</a:t>
-            </a:r>
-          </a:p>
-          <a:p>
-            <a:r>
-              <a:rPr lang="en-US" dirty="0" smtClean="0">
-                <a:solidFill>
-                  <a:schemeClr val="tx1"/>
-                </a:solidFill>
-                <a:latin typeface="Andale Mono"/>
-                <a:cs typeface="Andale Mono"/>
-              </a:rPr>
-              <a:t>  if (err==UCL_COMPILE_ERROR)</a:t>
-            </a:r>
-          </a:p>
-          <a:p>
-            <a:r>
-              <a:rPr lang="en-US" dirty="0" smtClean="0">
-                <a:solidFill>
-                  <a:schemeClr val="tx1"/>
-                </a:solidFill>
-                <a:latin typeface="Andale Mono"/>
-                <a:cs typeface="Andale Mono"/>
-              </a:rPr>
-              <a:t>    </a:t>
-            </a:r>
-            <a:r>
-              <a:rPr lang="en-US" dirty="0" err="1" smtClean="0">
-                <a:solidFill>
-                  <a:schemeClr val="tx1"/>
-                </a:solidFill>
-                <a:latin typeface="Andale Mono"/>
-                <a:cs typeface="Andale Mono"/>
-              </a:rPr>
-              <a:t>cerr</a:t>
-            </a:r>
-            <a:r>
-              <a:rPr lang="en-US" dirty="0" smtClean="0">
-                <a:solidFill>
-                  <a:schemeClr val="tx1"/>
-                </a:solidFill>
-                <a:latin typeface="Andale Mono"/>
-                <a:cs typeface="Andale Mono"/>
-              </a:rPr>
-              <a:t> &lt;&lt; “Problem compiling </a:t>
-            </a:r>
-            <a:r>
-              <a:rPr lang="en-US" dirty="0" err="1" smtClean="0">
-                <a:solidFill>
-                  <a:schemeClr val="tx1"/>
-                </a:solidFill>
-                <a:latin typeface="Andale Mono"/>
-                <a:cs typeface="Andale Mono"/>
-              </a:rPr>
-              <a:t>test.ocl:\n</a:t>
-            </a:r>
-            <a:r>
-              <a:rPr lang="en-US" dirty="0" smtClean="0">
-                <a:solidFill>
-                  <a:schemeClr val="tx1"/>
-                </a:solidFill>
-                <a:latin typeface="Andale Mono"/>
-                <a:cs typeface="Andale Mono"/>
-              </a:rPr>
-              <a:t>”</a:t>
-            </a:r>
-          </a:p>
-          <a:p>
-            <a:r>
-              <a:rPr lang="en-US" dirty="0" smtClean="0">
-                <a:solidFill>
-                  <a:schemeClr val="tx1"/>
-                </a:solidFill>
-                <a:latin typeface="Andale Mono"/>
-                <a:cs typeface="Andale Mono"/>
-              </a:rPr>
-              <a:t>         &lt;&lt; clog &lt;&lt; </a:t>
-            </a:r>
-            <a:r>
-              <a:rPr lang="en-US" dirty="0" err="1" smtClean="0">
-                <a:solidFill>
-                  <a:schemeClr val="tx1"/>
-                </a:solidFill>
-                <a:latin typeface="Andale Mono"/>
-                <a:cs typeface="Andale Mono"/>
-              </a:rPr>
-              <a:t>endl</a:t>
-            </a:r>
-            <a:r>
-              <a:rPr lang="en-US" dirty="0" smtClean="0">
-                <a:solidFill>
-                  <a:schemeClr val="tx1"/>
-                </a:solidFill>
-                <a:latin typeface="Andale Mono"/>
-                <a:cs typeface="Andale Mono"/>
-              </a:rPr>
-              <a:t>;</a:t>
-            </a:r>
-          </a:p>
-          <a:p>
-            <a:r>
-              <a:rPr lang="en-US" dirty="0" smtClean="0">
-                <a:solidFill>
-                  <a:schemeClr val="tx1"/>
-                </a:solidFill>
-                <a:latin typeface="Andale Mono"/>
-                <a:cs typeface="Andale Mono"/>
-              </a:rPr>
-              <a:t>  exit(1);</a:t>
-            </a:r>
-          </a:p>
-          <a:p>
-            <a:r>
-              <a:rPr lang="en-US" dirty="0" smtClean="0">
-                <a:solidFill>
-                  <a:schemeClr val="tx1"/>
-                </a:solidFill>
-                <a:latin typeface="Andale Mono"/>
-                <a:cs typeface="Andale Mono"/>
-              </a:rPr>
               <a:t>}</a:t>
-            </a:r>
-          </a:p>
-          <a:p>
-            <a:r>
-              <a:rPr lang="en-US" dirty="0" smtClean="0">
-                <a:solidFill>
-                  <a:schemeClr val="tx1"/>
-                </a:solidFill>
-                <a:latin typeface="Andale Mono"/>
-                <a:cs typeface="Andale Mono"/>
-              </a:rPr>
-              <a:t>if (</a:t>
-            </a:r>
-            <a:r>
-              <a:rPr lang="en-US" dirty="0" err="1" smtClean="0">
-                <a:solidFill>
-                  <a:schemeClr val="tx1"/>
-                </a:solidFill>
-                <a:latin typeface="Andale Mono"/>
-                <a:cs typeface="Andale Mono"/>
-              </a:rPr>
-              <a:t>kernel.set_function(program,”foo</a:t>
-            </a:r>
-            <a:r>
-              <a:rPr lang="en-US" dirty="0" smtClean="0">
-                <a:solidFill>
-                  <a:schemeClr val="tx1"/>
-                </a:solidFill>
-                <a:latin typeface="Andale Mono"/>
-                <a:cs typeface="Andale Mono"/>
-              </a:rPr>
-              <a:t>”)!=UCL_SUCCESS)</a:t>
-            </a:r>
-          </a:p>
-          <a:p>
-            <a:r>
-              <a:rPr lang="en-US" dirty="0" smtClean="0">
-                <a:solidFill>
-                  <a:schemeClr val="tx1"/>
-                </a:solidFill>
-                <a:latin typeface="Andale Mono"/>
-                <a:cs typeface="Andale Mono"/>
-              </a:rPr>
-              <a:t>  </a:t>
-            </a:r>
-            <a:r>
-              <a:rPr lang="en-US" dirty="0" err="1" smtClean="0">
-                <a:solidFill>
-                  <a:schemeClr val="tx1"/>
-                </a:solidFill>
-                <a:latin typeface="Andale Mono"/>
-                <a:cs typeface="Andale Mono"/>
-              </a:rPr>
-              <a:t>cerr</a:t>
-            </a:r>
-            <a:r>
-              <a:rPr lang="en-US" dirty="0" smtClean="0">
-                <a:solidFill>
-                  <a:schemeClr val="tx1"/>
-                </a:solidFill>
-                <a:latin typeface="Andale Mono"/>
-                <a:cs typeface="Andale Mono"/>
-              </a:rPr>
-              <a:t> &lt;&lt; “Could not find function </a:t>
-            </a:r>
-            <a:r>
-              <a:rPr lang="en-US" dirty="0" err="1" smtClean="0">
-                <a:solidFill>
-                  <a:schemeClr val="tx1"/>
-                </a:solidFill>
-                <a:latin typeface="Andale Mono"/>
-                <a:cs typeface="Andale Mono"/>
-              </a:rPr>
-              <a:t>foo</a:t>
-            </a:r>
-            <a:r>
-              <a:rPr lang="en-US" dirty="0" smtClean="0">
-                <a:solidFill>
-                  <a:schemeClr val="tx1"/>
-                </a:solidFill>
-                <a:latin typeface="Andale Mono"/>
-                <a:cs typeface="Andale Mono"/>
-              </a:rPr>
-              <a:t> in </a:t>
-            </a:r>
-            <a:r>
-              <a:rPr lang="en-US" dirty="0" err="1" smtClean="0">
-                <a:solidFill>
-                  <a:schemeClr val="tx1"/>
-                </a:solidFill>
-                <a:latin typeface="Andale Mono"/>
-                <a:cs typeface="Andale Mono"/>
-              </a:rPr>
-              <a:t>test.ocl\n</a:t>
-            </a:r>
-            <a:r>
-              <a:rPr lang="en-US" dirty="0" smtClean="0">
-                <a:solidFill>
-                  <a:schemeClr val="tx1"/>
-                </a:solidFill>
-                <a:latin typeface="Andale Mono"/>
-                <a:cs typeface="Andale Mono"/>
-              </a:rPr>
-              <a:t>”;</a:t>
             </a:r>
           </a:p>
           <a:p>
@@ -21511,55 +21265,453 @@
       </p:grpSpPr>
       <p:sp>
         <p:nvSpPr>
-          <p:cNvPr id="2" name="Subtitle 1"/>
-          <p:cNvSpPr>
-            <a:spLocks noGrp="1"/>
-          </p:cNvSpPr>
-          <p:nvPr>
-            <p:ph type="subTitle" idx="1"/>
-          </p:nvPr>
+          <p:cNvPr id="2" name="TextBox 1"/>
+          <p:cNvSpPr txBox="1"/>
+          <p:nvPr/>
         </p:nvSpPr>
-        <p:spPr/>
+        <p:spPr>
+          <a:xfrm>
+            <a:off x="498159" y="1064458"/>
+            <a:ext cx="8292943" cy="4524316"/>
+          </a:xfrm>
+          <a:prstGeom prst="rect">
+            <a:avLst/>
+          </a:prstGeom>
+        </p:spPr>
+        <p:style>
+          <a:lnRef idx="2">
+            <a:schemeClr val="accent5"/>
+          </a:lnRef>
+          <a:fillRef idx="1">
+            <a:schemeClr val="lt1"/>
+          </a:fillRef>
+          <a:effectRef idx="0">
+            <a:schemeClr val="accent5"/>
+          </a:effectRef>
+          <a:fontRef idx="minor">
+            <a:schemeClr val="dk1"/>
+          </a:fontRef>
+        </p:style>
         <p:txBody>
-          <a:bodyPr/>
+          <a:bodyPr wrap="square" rtlCol="0">
+            <a:spAutoFit/>
+          </a:bodyPr>
           <a:lstStyle/>
           <a:p>
-            <a:r>
-              <a:rPr lang="en-US" dirty="0" smtClean="0"/>
-              <a:t>1D Texture Binding</a:t>
-            </a:r>
-            <a:endParaRPr lang="en-US" dirty="0"/>
-          </a:p>
-        </p:txBody>
-      </p:sp>
-      <p:sp>
-        <p:nvSpPr>
-          <p:cNvPr id="3" name="Title 2"/>
-          <p:cNvSpPr>
-            <a:spLocks noGrp="1"/>
-          </p:cNvSpPr>
-          <p:nvPr>
-            <p:ph type="ctrTitle"/>
-          </p:nvPr>
-        </p:nvSpPr>
-        <p:spPr/>
-        <p:txBody>
-          <a:bodyPr/>
-          <a:lstStyle/>
-          <a:p>
-            <a:r>
-              <a:rPr lang="en-US" dirty="0" err="1" smtClean="0"/>
-              <a:t>Geryon</a:t>
-            </a:r>
-            <a:endParaRPr lang="en-US" dirty="0"/>
+            <a:endParaRPr lang="en-US" dirty="0" smtClean="0">
+              <a:solidFill>
+                <a:schemeClr val="tx1"/>
+              </a:solidFill>
+              <a:latin typeface="Andale Mono"/>
+              <a:cs typeface="Andale Mono"/>
+            </a:endParaRPr>
+          </a:p>
+          <a:p>
+            <a:r>
+              <a:rPr lang="en-US" i="1" dirty="0" smtClean="0">
+                <a:solidFill>
+                  <a:srgbClr val="0000FF"/>
+                </a:solidFill>
+                <a:latin typeface="Andale Mono"/>
+                <a:cs typeface="Andale Mono"/>
+              </a:rPr>
+              <a:t>// To check for compiling errors</a:t>
+            </a:r>
+          </a:p>
+          <a:p>
+            <a:r>
+              <a:rPr lang="en-US" i="1" dirty="0" smtClean="0">
+                <a:solidFill>
+                  <a:srgbClr val="0000FF"/>
+                </a:solidFill>
+                <a:latin typeface="Andale Mono"/>
+                <a:cs typeface="Andale Mono"/>
+              </a:rPr>
+              <a:t>// -- Define UCL_NO_EXIT preprocessor directive</a:t>
+            </a:r>
+          </a:p>
+          <a:p>
+            <a:r>
+              <a:rPr lang="en-US" dirty="0" smtClean="0">
+                <a:solidFill>
+                  <a:schemeClr val="tx1"/>
+                </a:solidFill>
+                <a:latin typeface="Andale Mono"/>
+                <a:cs typeface="Andale Mono"/>
+              </a:rPr>
+              <a:t>string clog;</a:t>
+            </a:r>
+          </a:p>
+          <a:p>
+            <a:r>
+              <a:rPr lang="en-US" dirty="0" err="1" smtClean="0">
+                <a:solidFill>
+                  <a:schemeClr val="tx1"/>
+                </a:solidFill>
+                <a:latin typeface="Andale Mono"/>
+                <a:cs typeface="Andale Mono"/>
+              </a:rPr>
+              <a:t>int</a:t>
+            </a:r>
+            <a:r>
+              <a:rPr lang="en-US" dirty="0" smtClean="0">
+                <a:solidFill>
+                  <a:schemeClr val="tx1"/>
+                </a:solidFill>
+                <a:latin typeface="Andale Mono"/>
+                <a:cs typeface="Andale Mono"/>
+              </a:rPr>
+              <a:t> err=</a:t>
+            </a:r>
+            <a:r>
+              <a:rPr lang="en-US" dirty="0" err="1" smtClean="0">
+                <a:solidFill>
+                  <a:schemeClr val="tx1"/>
+                </a:solidFill>
+                <a:latin typeface="Andale Mono"/>
+                <a:cs typeface="Andale Mono"/>
+              </a:rPr>
+              <a:t>program.load(“test.ocl”,””,&amp;clog</a:t>
+            </a:r>
+            <a:r>
+              <a:rPr lang="en-US" dirty="0" smtClean="0">
+                <a:solidFill>
+                  <a:schemeClr val="tx1"/>
+                </a:solidFill>
+                <a:latin typeface="Andale Mono"/>
+                <a:cs typeface="Andale Mono"/>
+              </a:rPr>
+              <a:t>);</a:t>
+            </a:r>
+          </a:p>
+          <a:p>
+            <a:r>
+              <a:rPr lang="en-US" dirty="0" smtClean="0">
+                <a:solidFill>
+                  <a:schemeClr val="tx1"/>
+                </a:solidFill>
+                <a:latin typeface="Andale Mono"/>
+                <a:cs typeface="Andale Mono"/>
+              </a:rPr>
+              <a:t>if (err!=UCL_SUCCESS) {</a:t>
+            </a:r>
+          </a:p>
+          <a:p>
+            <a:r>
+              <a:rPr lang="en-US" dirty="0" smtClean="0">
+                <a:solidFill>
+                  <a:schemeClr val="tx1"/>
+                </a:solidFill>
+                <a:latin typeface="Andale Mono"/>
+                <a:cs typeface="Andale Mono"/>
+              </a:rPr>
+              <a:t>  if (err==UCL_FILE_NOT_FOUND)</a:t>
+            </a:r>
+          </a:p>
+          <a:p>
+            <a:r>
+              <a:rPr lang="en-US" dirty="0" smtClean="0">
+                <a:solidFill>
+                  <a:schemeClr val="tx1"/>
+                </a:solidFill>
+                <a:latin typeface="Andale Mono"/>
+                <a:cs typeface="Andale Mono"/>
+              </a:rPr>
+              <a:t>    </a:t>
+            </a:r>
+            <a:r>
+              <a:rPr lang="en-US" dirty="0" err="1" smtClean="0">
+                <a:solidFill>
+                  <a:schemeClr val="tx1"/>
+                </a:solidFill>
+                <a:latin typeface="Andale Mono"/>
+                <a:cs typeface="Andale Mono"/>
+              </a:rPr>
+              <a:t>cerr</a:t>
+            </a:r>
+            <a:r>
+              <a:rPr lang="en-US" dirty="0" smtClean="0">
+                <a:solidFill>
+                  <a:schemeClr val="tx1"/>
+                </a:solidFill>
+                <a:latin typeface="Andale Mono"/>
+                <a:cs typeface="Andale Mono"/>
+              </a:rPr>
+              <a:t> &lt;&lt; “Could not find </a:t>
+            </a:r>
+            <a:r>
+              <a:rPr lang="en-US" dirty="0" err="1" smtClean="0">
+                <a:solidFill>
+                  <a:schemeClr val="tx1"/>
+                </a:solidFill>
+                <a:latin typeface="Andale Mono"/>
+                <a:cs typeface="Andale Mono"/>
+              </a:rPr>
+              <a:t>test.ocl\n</a:t>
+            </a:r>
+            <a:r>
+              <a:rPr lang="en-US" dirty="0" smtClean="0">
+                <a:solidFill>
+                  <a:schemeClr val="tx1"/>
+                </a:solidFill>
+                <a:latin typeface="Andale Mono"/>
+                <a:cs typeface="Andale Mono"/>
+              </a:rPr>
+              <a:t>”;</a:t>
+            </a:r>
+          </a:p>
+          <a:p>
+            <a:r>
+              <a:rPr lang="en-US" dirty="0" smtClean="0">
+                <a:solidFill>
+                  <a:schemeClr val="tx1"/>
+                </a:solidFill>
+                <a:latin typeface="Andale Mono"/>
+                <a:cs typeface="Andale Mono"/>
+              </a:rPr>
+              <a:t>  if (err==UCL_COMPILE_ERROR)</a:t>
+            </a:r>
+          </a:p>
+          <a:p>
+            <a:r>
+              <a:rPr lang="en-US" dirty="0" smtClean="0">
+                <a:solidFill>
+                  <a:schemeClr val="tx1"/>
+                </a:solidFill>
+                <a:latin typeface="Andale Mono"/>
+                <a:cs typeface="Andale Mono"/>
+              </a:rPr>
+              <a:t>    </a:t>
+            </a:r>
+            <a:r>
+              <a:rPr lang="en-US" dirty="0" err="1" smtClean="0">
+                <a:solidFill>
+                  <a:schemeClr val="tx1"/>
+                </a:solidFill>
+                <a:latin typeface="Andale Mono"/>
+                <a:cs typeface="Andale Mono"/>
+              </a:rPr>
+              <a:t>cerr</a:t>
+            </a:r>
+            <a:r>
+              <a:rPr lang="en-US" dirty="0" smtClean="0">
+                <a:solidFill>
+                  <a:schemeClr val="tx1"/>
+                </a:solidFill>
+                <a:latin typeface="Andale Mono"/>
+                <a:cs typeface="Andale Mono"/>
+              </a:rPr>
+              <a:t> &lt;&lt; “Problem compiling </a:t>
+            </a:r>
+            <a:r>
+              <a:rPr lang="en-US" dirty="0" err="1" smtClean="0">
+                <a:solidFill>
+                  <a:schemeClr val="tx1"/>
+                </a:solidFill>
+                <a:latin typeface="Andale Mono"/>
+                <a:cs typeface="Andale Mono"/>
+              </a:rPr>
+              <a:t>test.ocl:\n</a:t>
+            </a:r>
+            <a:r>
+              <a:rPr lang="en-US" dirty="0" smtClean="0">
+                <a:solidFill>
+                  <a:schemeClr val="tx1"/>
+                </a:solidFill>
+                <a:latin typeface="Andale Mono"/>
+                <a:cs typeface="Andale Mono"/>
+              </a:rPr>
+              <a:t>”</a:t>
+            </a:r>
+          </a:p>
+          <a:p>
+            <a:r>
+              <a:rPr lang="en-US" dirty="0" smtClean="0">
+                <a:solidFill>
+                  <a:schemeClr val="tx1"/>
+                </a:solidFill>
+                <a:latin typeface="Andale Mono"/>
+                <a:cs typeface="Andale Mono"/>
+              </a:rPr>
+              <a:t>         &lt;&lt; clog &lt;&lt; </a:t>
+            </a:r>
+            <a:r>
+              <a:rPr lang="en-US" dirty="0" err="1" smtClean="0">
+                <a:solidFill>
+                  <a:schemeClr val="tx1"/>
+                </a:solidFill>
+                <a:latin typeface="Andale Mono"/>
+                <a:cs typeface="Andale Mono"/>
+              </a:rPr>
+              <a:t>endl</a:t>
+            </a:r>
+            <a:r>
+              <a:rPr lang="en-US" dirty="0" smtClean="0">
+                <a:solidFill>
+                  <a:schemeClr val="tx1"/>
+                </a:solidFill>
+                <a:latin typeface="Andale Mono"/>
+                <a:cs typeface="Andale Mono"/>
+              </a:rPr>
+              <a:t>;</a:t>
+            </a:r>
+          </a:p>
+          <a:p>
+            <a:r>
+              <a:rPr lang="en-US" dirty="0" smtClean="0">
+                <a:solidFill>
+                  <a:schemeClr val="tx1"/>
+                </a:solidFill>
+                <a:latin typeface="Andale Mono"/>
+                <a:cs typeface="Andale Mono"/>
+              </a:rPr>
+              <a:t>  exit(1);</a:t>
+            </a:r>
+          </a:p>
+          <a:p>
+            <a:r>
+              <a:rPr lang="en-US" dirty="0" smtClean="0">
+                <a:solidFill>
+                  <a:schemeClr val="tx1"/>
+                </a:solidFill>
+                <a:latin typeface="Andale Mono"/>
+                <a:cs typeface="Andale Mono"/>
+              </a:rPr>
+              <a:t>}</a:t>
+            </a:r>
+          </a:p>
+          <a:p>
+            <a:r>
+              <a:rPr lang="en-US" dirty="0" smtClean="0">
+                <a:solidFill>
+                  <a:schemeClr val="tx1"/>
+                </a:solidFill>
+                <a:latin typeface="Andale Mono"/>
+                <a:cs typeface="Andale Mono"/>
+              </a:rPr>
+              <a:t>if (</a:t>
+            </a:r>
+            <a:r>
+              <a:rPr lang="en-US" dirty="0" err="1" smtClean="0">
+                <a:solidFill>
+                  <a:schemeClr val="tx1"/>
+                </a:solidFill>
+                <a:latin typeface="Andale Mono"/>
+                <a:cs typeface="Andale Mono"/>
+              </a:rPr>
+              <a:t>kernel.set_function(program,”foo</a:t>
+            </a:r>
+            <a:r>
+              <a:rPr lang="en-US" dirty="0" smtClean="0">
+                <a:solidFill>
+                  <a:schemeClr val="tx1"/>
+                </a:solidFill>
+                <a:latin typeface="Andale Mono"/>
+                <a:cs typeface="Andale Mono"/>
+              </a:rPr>
+              <a:t>”)!=UCL_SUCCESS)</a:t>
+            </a:r>
+          </a:p>
+          <a:p>
+            <a:r>
+              <a:rPr lang="en-US" dirty="0" smtClean="0">
+                <a:solidFill>
+                  <a:schemeClr val="tx1"/>
+                </a:solidFill>
+                <a:latin typeface="Andale Mono"/>
+                <a:cs typeface="Andale Mono"/>
+              </a:rPr>
+              <a:t>  </a:t>
+            </a:r>
+            <a:r>
+              <a:rPr lang="en-US" dirty="0" err="1" smtClean="0">
+                <a:solidFill>
+                  <a:schemeClr val="tx1"/>
+                </a:solidFill>
+                <a:latin typeface="Andale Mono"/>
+                <a:cs typeface="Andale Mono"/>
+              </a:rPr>
+              <a:t>cerr</a:t>
+            </a:r>
+            <a:r>
+              <a:rPr lang="en-US" dirty="0" smtClean="0">
+                <a:solidFill>
+                  <a:schemeClr val="tx1"/>
+                </a:solidFill>
+                <a:latin typeface="Andale Mono"/>
+                <a:cs typeface="Andale Mono"/>
+              </a:rPr>
+              <a:t> &lt;&lt; “Could not find function </a:t>
+            </a:r>
+            <a:r>
+              <a:rPr lang="en-US" dirty="0" err="1" smtClean="0">
+                <a:solidFill>
+                  <a:schemeClr val="tx1"/>
+                </a:solidFill>
+                <a:latin typeface="Andale Mono"/>
+                <a:cs typeface="Andale Mono"/>
+              </a:rPr>
+              <a:t>foo</a:t>
+            </a:r>
+            <a:r>
+              <a:rPr lang="en-US" dirty="0" smtClean="0">
+                <a:solidFill>
+                  <a:schemeClr val="tx1"/>
+                </a:solidFill>
+                <a:latin typeface="Andale Mono"/>
+                <a:cs typeface="Andale Mono"/>
+              </a:rPr>
+              <a:t> in </a:t>
+            </a:r>
+            <a:r>
+              <a:rPr lang="en-US" dirty="0" err="1" smtClean="0">
+                <a:solidFill>
+                  <a:schemeClr val="tx1"/>
+                </a:solidFill>
+                <a:latin typeface="Andale Mono"/>
+                <a:cs typeface="Andale Mono"/>
+              </a:rPr>
+              <a:t>test.ocl\n</a:t>
+            </a:r>
+            <a:r>
+              <a:rPr lang="en-US" dirty="0" smtClean="0">
+                <a:solidFill>
+                  <a:schemeClr val="tx1"/>
+                </a:solidFill>
+                <a:latin typeface="Andale Mono"/>
+                <a:cs typeface="Andale Mono"/>
+              </a:rPr>
+              <a:t>”;</a:t>
+            </a:r>
+          </a:p>
+          <a:p>
+            <a:endParaRPr lang="en-US" dirty="0" smtClean="0">
+              <a:solidFill>
+                <a:schemeClr val="tx1"/>
+              </a:solidFill>
+              <a:latin typeface="Andale Mono"/>
+              <a:cs typeface="Andale Mono"/>
+            </a:endParaRPr>
           </a:p>
         </p:txBody>
       </p:sp>
     </p:spTree>
+    <p:extLst>
+      <p:ext uri="{BB962C8B-B14F-4D97-AF65-F5344CB8AC3E}">
+        <p14:creationId xmlns:p14="http://schemas.microsoft.com/office/powerpoint/2010/main" val="3590065680"/>
+      </p:ext>
+    </p:extLst>
   </p:cSld>
   <p:clrMapOvr>
     <a:masterClrMapping/>
   </p:clrMapOvr>
+  <p:timing>
+    <p:tnLst>
+      <p:par>
+        <p:cTn xmlns:p14="http://schemas.microsoft.com/office/powerpoint/2010/main" id="1" dur="indefinite" restart="never" nodeType="tmRoot"/>
+      </p:par>
+    </p:tnLst>
+  </p:timing>
 </p:sld>
 </file>
 
@@ -21582,12 +21734,12 @@
       </p:grpSpPr>
       <p:sp>
         <p:nvSpPr>
-          <p:cNvPr id="2" name="Title 1"/>
+          <p:cNvPr id="2" name="Subtitle 1"/>
           <p:cNvSpPr>
             <a:spLocks noGrp="1"/>
           </p:cNvSpPr>
           <p:nvPr>
-            <p:ph type="title"/>
+            <p:ph type="subTitle" idx="1"/>
           </p:nvPr>
         </p:nvSpPr>
         <p:spPr/>
@@ -21605,12 +21757,12 @@
       </p:sp>
       <p:sp>
         <p:nvSpPr>
-          <p:cNvPr id="3" name="Content Placeholder 2"/>
+          <p:cNvPr id="3" name="Title 2"/>
           <p:cNvSpPr>
             <a:spLocks noGrp="1"/>
           </p:cNvSpPr>
           <p:nvPr>
-            <p:ph sz="quarter" idx="1"/>
+            <p:ph type="ctrTitle"/>
           </p:nvPr>
         </p:nvSpPr>
         <p:spPr/>
@@ -21619,73 +21771,10 @@
           <a:lstStyle/>
           <a:p>
             <a:r>
-              <a:rPr lang="en-US" dirty="0" smtClean="0"/>
-              <a:t>In CUDA, can bind existing memory allocations to textures for constant access that can be cached</a:t>
-            </a:r>
-          </a:p>
-          <a:p>
-            <a:pPr lvl="1"/>
-            <a:r>
-              <a:rPr lang="en-US" dirty="0" smtClean="0"/>
-              <a:t>In </a:t>
-            </a:r>
-            <a:r>
               <a:rPr lang="en-US" dirty="0" err="1" smtClean="0"/>
               <a:t>Geryon</a:t>
             </a:r>
-            <a:r>
-              <a:rPr lang="en-US" dirty="0" smtClean="0"/>
-              <a:t>, this is accomplished by the </a:t>
-            </a:r>
-            <a:r>
-              <a:rPr lang="en-US" dirty="0" err="1" smtClean="0"/>
-              <a:t>UCL_Texture</a:t>
-            </a:r>
-            <a:r>
-              <a:rPr lang="en-US" dirty="0" smtClean="0"/>
-              <a:t> class</a:t>
-            </a:r>
-          </a:p>
-          <a:p>
-            <a:pPr lvl="1"/>
-            <a:r>
-              <a:rPr lang="en-US" dirty="0" smtClean="0"/>
-              <a:t>This feature is not currently in </a:t>
-            </a:r>
-            <a:r>
-              <a:rPr lang="en-US" dirty="0" err="1" smtClean="0"/>
-              <a:t>OpenCL</a:t>
-            </a:r>
-            <a:r>
-              <a:rPr lang="en-US" dirty="0" smtClean="0"/>
-              <a:t>, so </a:t>
-            </a:r>
-            <a:r>
-              <a:rPr lang="en-US" dirty="0" err="1" smtClean="0"/>
-              <a:t>UCL_Texture</a:t>
-            </a:r>
-            <a:r>
-              <a:rPr lang="en-US" dirty="0" smtClean="0"/>
-              <a:t> routines in the </a:t>
-            </a:r>
-            <a:r>
-              <a:rPr lang="en-US" dirty="0" err="1" smtClean="0"/>
-              <a:t>opencl</a:t>
-            </a:r>
-            <a:r>
-              <a:rPr lang="en-US" dirty="0" smtClean="0"/>
-              <a:t> namespace do nothing.</a:t>
-            </a:r>
-          </a:p>
-          <a:p>
-            <a:pPr lvl="1"/>
-            <a:r>
-              <a:rPr lang="en-US" dirty="0" smtClean="0"/>
-              <a:t>For textures, a vector length is specified; each fetch grabs a vector of the specified length</a:t>
-            </a:r>
-          </a:p>
-          <a:p>
-            <a:endParaRPr lang="en-US" dirty="0" smtClean="0"/>
+            <a:endParaRPr lang="en-US" dirty="0"/>
           </a:p>
         </p:txBody>
       </p:sp>
@@ -21724,19 +21813,14 @@
             <p:ph type="title"/>
           </p:nvPr>
         </p:nvSpPr>
-        <p:spPr>
-          <a:xfrm>
-            <a:off x="914400" y="277797"/>
-            <a:ext cx="7772400" cy="792605"/>
-          </a:xfrm>
-        </p:spPr>
+        <p:spPr/>
         <p:txBody>
           <a:bodyPr/>
           <a:lstStyle/>
           <a:p>
             <a:r>
               <a:rPr lang="en-US" dirty="0" smtClean="0"/>
-              <a:t>Assigning a texture reference</a:t>
+              <a:t>1D Texture Binding</a:t>
             </a:r>
             <a:endParaRPr lang="en-US" dirty="0"/>
           </a:p>
@@ -21752,550 +21836,79 @@
             <p:ph sz="quarter" idx="1"/>
           </p:nvPr>
         </p:nvSpPr>
-        <p:spPr>
-          <a:xfrm>
-            <a:off x="914400" y="1090644"/>
-            <a:ext cx="7772400" cy="576116"/>
-          </a:xfrm>
-        </p:spPr>
+        <p:spPr/>
         <p:txBody>
           <a:bodyPr/>
           <a:lstStyle/>
           <a:p>
             <a:r>
               <a:rPr lang="en-US" dirty="0" smtClean="0"/>
-              <a:t>CUDA Driver/</a:t>
+              <a:t>In CUDA, can bind existing memory allocations to textures for constant access that can be cached</a:t>
+            </a:r>
+          </a:p>
+          <a:p>
+            <a:pPr lvl="1"/>
+            <a:r>
+              <a:rPr lang="en-US" dirty="0" smtClean="0"/>
+              <a:t>In </a:t>
+            </a:r>
+            <a:r>
+              <a:rPr lang="en-US" dirty="0" err="1" smtClean="0"/>
+              <a:t>Geryon</a:t>
+            </a:r>
+            <a:r>
+              <a:rPr lang="en-US" dirty="0" smtClean="0"/>
+              <a:t>, this is accomplished by the </a:t>
+            </a:r>
+            <a:r>
+              <a:rPr lang="en-US" dirty="0" err="1" smtClean="0"/>
+              <a:t>UCL_Texture</a:t>
+            </a:r>
+            <a:r>
+              <a:rPr lang="en-US" dirty="0" smtClean="0"/>
+              <a:t> class</a:t>
+            </a:r>
+          </a:p>
+          <a:p>
+            <a:pPr lvl="1"/>
+            <a:r>
+              <a:rPr lang="en-US" dirty="0" smtClean="0"/>
+              <a:t>This feature is not currently in </a:t>
             </a:r>
             <a:r>
               <a:rPr lang="en-US" dirty="0" err="1" smtClean="0"/>
               <a:t>OpenCL</a:t>
             </a:r>
+            <a:r>
+              <a:rPr lang="en-US" dirty="0" smtClean="0"/>
+              <a:t>, so </a:t>
+            </a:r>
+            <a:r>
+              <a:rPr lang="en-US" dirty="0" err="1" smtClean="0"/>
+              <a:t>UCL_Texture</a:t>
+            </a:r>
+            <a:r>
+              <a:rPr lang="en-US" dirty="0" smtClean="0"/>
+              <a:t> routines in the </a:t>
+            </a:r>
+            <a:r>
+              <a:rPr lang="en-US" dirty="0" err="1" smtClean="0"/>
+              <a:t>opencl</a:t>
+            </a:r>
+            <a:r>
+              <a:rPr lang="en-US" dirty="0" smtClean="0"/>
+              <a:t> namespace do nothing.</a:t>
+            </a:r>
+          </a:p>
+          <a:p>
+            <a:pPr lvl="1"/>
+            <a:r>
+              <a:rPr lang="en-US" dirty="0" smtClean="0"/>
+              <a:t>For textures, a vector length is specified; each fetch grabs a vector of the specified length</a:t>
+            </a:r>
+          </a:p>
+          <a:p>
             <a:endParaRPr lang="en-US" dirty="0" smtClean="0"/>
-          </a:p>
-        </p:txBody>
-      </p:sp>
-      <p:sp>
-        <p:nvSpPr>
-          <p:cNvPr id="4" name="TextBox 3"/>
-          <p:cNvSpPr txBox="1"/>
-          <p:nvPr/>
-        </p:nvSpPr>
-        <p:spPr>
-          <a:xfrm>
-            <a:off x="914400" y="1656842"/>
-            <a:ext cx="6854217" cy="2031325"/>
-          </a:xfrm>
-          <a:prstGeom prst="rect">
-            <a:avLst/>
-          </a:prstGeom>
-        </p:spPr>
-        <p:style>
-          <a:lnRef idx="2">
-            <a:schemeClr val="accent5"/>
-          </a:lnRef>
-          <a:fillRef idx="1">
-            <a:schemeClr val="lt1"/>
-          </a:fillRef>
-          <a:effectRef idx="0">
-            <a:schemeClr val="accent5"/>
-          </a:effectRef>
-          <a:fontRef idx="minor">
-            <a:schemeClr val="dk1"/>
-          </a:fontRef>
-        </p:style>
-        <p:txBody>
-          <a:bodyPr wrap="square" rtlCol="0">
-            <a:spAutoFit/>
-          </a:bodyPr>
-          <a:lstStyle/>
-          <a:p>
-            <a:r>
-              <a:rPr lang="en-US" dirty="0" smtClean="0">
-                <a:solidFill>
-                  <a:schemeClr val="tx1"/>
-                </a:solidFill>
-                <a:latin typeface="Andale Mono"/>
-                <a:cs typeface="Andale Mono"/>
-              </a:rPr>
-              <a:t>#include “</a:t>
-            </a:r>
-            <a:r>
-              <a:rPr lang="en-US" dirty="0" err="1" smtClean="0">
-                <a:solidFill>
-                  <a:schemeClr val="tx1"/>
-                </a:solidFill>
-                <a:latin typeface="Andale Mono"/>
-                <a:cs typeface="Andale Mono"/>
-              </a:rPr>
-              <a:t>nvd_texture.h</a:t>
-            </a:r>
-            <a:r>
-              <a:rPr lang="en-US" dirty="0" smtClean="0">
-                <a:solidFill>
-                  <a:schemeClr val="tx1"/>
-                </a:solidFill>
-                <a:latin typeface="Andale Mono"/>
-                <a:cs typeface="Andale Mono"/>
-              </a:rPr>
-              <a:t>”</a:t>
-            </a:r>
-          </a:p>
-          <a:p>
-            <a:endParaRPr lang="en-US" i="1" dirty="0" smtClean="0">
-              <a:solidFill>
-                <a:srgbClr val="0000FF"/>
-              </a:solidFill>
-              <a:latin typeface="Andale Mono"/>
-              <a:cs typeface="Andale Mono"/>
-            </a:endParaRPr>
-          </a:p>
-          <a:p>
-            <a:r>
-              <a:rPr lang="en-US" i="1" dirty="0" smtClean="0">
-                <a:solidFill>
-                  <a:srgbClr val="0000FF"/>
-                </a:solidFill>
-                <a:latin typeface="Andale Mono"/>
-                <a:cs typeface="Andale Mono"/>
-              </a:rPr>
-              <a:t>// Texture must be defined within a Program</a:t>
-            </a:r>
-          </a:p>
-          <a:p>
-            <a:r>
-              <a:rPr lang="en-US" dirty="0" err="1" smtClean="0">
-                <a:solidFill>
-                  <a:schemeClr val="tx1"/>
-                </a:solidFill>
-                <a:latin typeface="Andale Mono"/>
-                <a:cs typeface="Andale Mono"/>
-              </a:rPr>
-              <a:t>UCL_Texture</a:t>
-            </a:r>
-            <a:r>
-              <a:rPr lang="en-US" dirty="0" smtClean="0">
-                <a:solidFill>
-                  <a:schemeClr val="tx1"/>
-                </a:solidFill>
-                <a:latin typeface="Andale Mono"/>
-                <a:cs typeface="Andale Mono"/>
-              </a:rPr>
-              <a:t> </a:t>
-            </a:r>
-            <a:r>
-              <a:rPr lang="en-US" dirty="0" err="1" smtClean="0">
-                <a:solidFill>
-                  <a:schemeClr val="tx1"/>
-                </a:solidFill>
-                <a:latin typeface="Andale Mono"/>
-                <a:cs typeface="Andale Mono"/>
-              </a:rPr>
-              <a:t>my_tex(my_program,”texture_name</a:t>
-            </a:r>
-            <a:r>
-              <a:rPr lang="en-US" dirty="0" smtClean="0">
-                <a:solidFill>
-                  <a:schemeClr val="tx1"/>
-                </a:solidFill>
-                <a:latin typeface="Andale Mono"/>
-                <a:cs typeface="Andale Mono"/>
-              </a:rPr>
-              <a:t>”);</a:t>
-            </a:r>
-          </a:p>
-          <a:p>
-            <a:r>
-              <a:rPr lang="en-US" i="1" dirty="0" smtClean="0">
-                <a:solidFill>
-                  <a:srgbClr val="0000FF"/>
-                </a:solidFill>
-                <a:latin typeface="Andale Mono"/>
-                <a:cs typeface="Andale Mono"/>
-              </a:rPr>
-              <a:t>// -- or –</a:t>
-            </a:r>
-            <a:endParaRPr lang="en-US" dirty="0" smtClean="0">
-              <a:solidFill>
-                <a:schemeClr val="tx1"/>
-              </a:solidFill>
-              <a:latin typeface="Andale Mono"/>
-              <a:cs typeface="Andale Mono"/>
-            </a:endParaRPr>
-          </a:p>
-          <a:p>
-            <a:r>
-              <a:rPr lang="en-US" dirty="0" err="1" smtClean="0">
-                <a:solidFill>
-                  <a:schemeClr val="tx1"/>
-                </a:solidFill>
-                <a:latin typeface="Andale Mono"/>
-                <a:cs typeface="Andale Mono"/>
-              </a:rPr>
-              <a:t>UCL_Texture</a:t>
-            </a:r>
-            <a:r>
-              <a:rPr lang="en-US" dirty="0" smtClean="0">
-                <a:solidFill>
-                  <a:schemeClr val="tx1"/>
-                </a:solidFill>
-                <a:latin typeface="Andale Mono"/>
-                <a:cs typeface="Andale Mono"/>
-              </a:rPr>
-              <a:t> </a:t>
-            </a:r>
-            <a:r>
-              <a:rPr lang="en-US" dirty="0" err="1" smtClean="0">
-                <a:solidFill>
-                  <a:schemeClr val="tx1"/>
-                </a:solidFill>
-                <a:latin typeface="Andale Mono"/>
-                <a:cs typeface="Andale Mono"/>
-              </a:rPr>
-              <a:t>my_tex</a:t>
-            </a:r>
-            <a:r>
-              <a:rPr lang="en-US" dirty="0" smtClean="0">
-                <a:solidFill>
-                  <a:schemeClr val="tx1"/>
-                </a:solidFill>
-                <a:latin typeface="Andale Mono"/>
-                <a:cs typeface="Andale Mono"/>
-              </a:rPr>
-              <a:t>;</a:t>
-            </a:r>
-          </a:p>
-          <a:p>
-            <a:r>
-              <a:rPr lang="en-US" dirty="0" err="1" smtClean="0">
-                <a:solidFill>
-                  <a:schemeClr val="tx1"/>
-                </a:solidFill>
-                <a:latin typeface="Andale Mono"/>
-                <a:cs typeface="Andale Mono"/>
-              </a:rPr>
-              <a:t>my_tex.get_texture(my_program,”texture_name</a:t>
-            </a:r>
-            <a:r>
-              <a:rPr lang="en-US" dirty="0" smtClean="0">
-                <a:solidFill>
-                  <a:schemeClr val="tx1"/>
-                </a:solidFill>
-                <a:latin typeface="Andale Mono"/>
-                <a:cs typeface="Andale Mono"/>
-              </a:rPr>
-              <a:t>”);</a:t>
-            </a:r>
-          </a:p>
-        </p:txBody>
-      </p:sp>
-      <p:sp>
-        <p:nvSpPr>
-          <p:cNvPr id="5" name="Content Placeholder 2"/>
-          <p:cNvSpPr txBox="1">
-            <a:spLocks/>
-          </p:cNvSpPr>
-          <p:nvPr/>
-        </p:nvSpPr>
-        <p:spPr>
-          <a:xfrm>
-            <a:off x="1066800" y="3739597"/>
-            <a:ext cx="7772400" cy="576116"/>
-          </a:xfrm>
-          <a:prstGeom prst="rect">
-            <a:avLst/>
-          </a:prstGeom>
-        </p:spPr>
-        <p:txBody>
-          <a:bodyPr vert="horz">
-            <a:normAutofit/>
-          </a:bodyPr>
-          <a:lstStyle/>
-          <a:p>
-            <a:pPr marL="274320" marR="0" lvl="0" indent="-274320" algn="l" defTabSz="914400" rtl="0" eaLnBrk="1" fontAlgn="auto" latinLnBrk="0" hangingPunct="1">
-              <a:lnSpc>
-                <a:spcPct val="100000"/>
-              </a:lnSpc>
-              <a:spcBef>
-                <a:spcPts val="580"/>
-              </a:spcBef>
-              <a:spcAft>
-                <a:spcPts val="0"/>
-              </a:spcAft>
-              <a:buClr>
-                <a:schemeClr val="accent1"/>
-              </a:buClr>
-              <a:buSzPct val="85000"/>
-              <a:buFont typeface="Wingdings 2"/>
-              <a:buChar char=""/>
-              <a:tabLst/>
-              <a:defRPr/>
-            </a:pPr>
-            <a:r>
-              <a:rPr kumimoji="0" lang="en-US" sz="2600" b="0" i="0" u="none" strike="noStrike" kern="1200" cap="none" spc="0" normalizeH="0" baseline="0" noProof="0" dirty="0" smtClean="0">
-                <a:ln>
-                  <a:noFill/>
-                </a:ln>
-                <a:solidFill>
-                  <a:schemeClr val="tx1"/>
-                </a:solidFill>
-                <a:effectLst/>
-                <a:uLnTx/>
-                <a:uFillTx/>
-                <a:latin typeface="+mn-lt"/>
-                <a:ea typeface="+mn-ea"/>
-                <a:cs typeface="+mn-cs"/>
-              </a:rPr>
-              <a:t>CUDA Runtime</a:t>
-            </a:r>
-          </a:p>
-        </p:txBody>
-      </p:sp>
-      <p:sp>
-        <p:nvSpPr>
-          <p:cNvPr id="6" name="TextBox 5"/>
-          <p:cNvSpPr txBox="1"/>
-          <p:nvPr/>
-        </p:nvSpPr>
-        <p:spPr>
-          <a:xfrm>
-            <a:off x="962498" y="4315714"/>
-            <a:ext cx="6806119" cy="2308324"/>
-          </a:xfrm>
-          <a:prstGeom prst="rect">
-            <a:avLst/>
-          </a:prstGeom>
-        </p:spPr>
-        <p:style>
-          <a:lnRef idx="2">
-            <a:schemeClr val="accent5"/>
-          </a:lnRef>
-          <a:fillRef idx="1">
-            <a:schemeClr val="lt1"/>
-          </a:fillRef>
-          <a:effectRef idx="0">
-            <a:schemeClr val="accent5"/>
-          </a:effectRef>
-          <a:fontRef idx="minor">
-            <a:schemeClr val="dk1"/>
-          </a:fontRef>
-        </p:style>
-        <p:txBody>
-          <a:bodyPr wrap="square" rtlCol="0">
-            <a:spAutoFit/>
-          </a:bodyPr>
-          <a:lstStyle/>
-          <a:p>
-            <a:r>
-              <a:rPr lang="en-US" dirty="0" smtClean="0">
-                <a:solidFill>
-                  <a:schemeClr val="tx1"/>
-                </a:solidFill>
-                <a:latin typeface="Andale Mono"/>
-                <a:cs typeface="Andale Mono"/>
-              </a:rPr>
-              <a:t>#include “</a:t>
-            </a:r>
-            <a:r>
-              <a:rPr lang="en-US" dirty="0" err="1" smtClean="0">
-                <a:solidFill>
-                  <a:schemeClr val="tx1"/>
-                </a:solidFill>
-                <a:latin typeface="Andale Mono"/>
-                <a:cs typeface="Andale Mono"/>
-              </a:rPr>
-              <a:t>nvc_texture.h</a:t>
-            </a:r>
-            <a:r>
-              <a:rPr lang="en-US" dirty="0" smtClean="0">
-                <a:solidFill>
-                  <a:schemeClr val="tx1"/>
-                </a:solidFill>
-                <a:latin typeface="Andale Mono"/>
-                <a:cs typeface="Andale Mono"/>
-              </a:rPr>
-              <a:t>”</a:t>
-            </a:r>
-          </a:p>
-          <a:p>
-            <a:r>
-              <a:rPr lang="en-US" i="1" dirty="0" smtClean="0">
-                <a:solidFill>
-                  <a:srgbClr val="0000FF"/>
-                </a:solidFill>
-                <a:latin typeface="Andale Mono"/>
-                <a:cs typeface="Andale Mono"/>
-              </a:rPr>
-              <a:t>// Texture must be defined within same file</a:t>
-            </a:r>
-          </a:p>
-          <a:p>
-            <a:r>
-              <a:rPr lang="en-US" dirty="0" smtClean="0">
-                <a:solidFill>
-                  <a:schemeClr val="tx1"/>
-                </a:solidFill>
-                <a:latin typeface="Andale Mono"/>
-                <a:cs typeface="Andale Mono"/>
-              </a:rPr>
-              <a:t>texture&lt;float2&gt; </a:t>
-            </a:r>
-            <a:r>
-              <a:rPr lang="en-US" dirty="0" err="1" smtClean="0">
-                <a:solidFill>
-                  <a:schemeClr val="tx1"/>
-                </a:solidFill>
-                <a:latin typeface="Andale Mono"/>
-                <a:cs typeface="Andale Mono"/>
-              </a:rPr>
-              <a:t>tex</a:t>
-            </a:r>
-            <a:r>
-              <a:rPr lang="en-US" dirty="0" smtClean="0">
-                <a:solidFill>
-                  <a:schemeClr val="tx1"/>
-                </a:solidFill>
-                <a:latin typeface="Andale Mono"/>
-                <a:cs typeface="Andale Mono"/>
-              </a:rPr>
-              <a:t>;</a:t>
-            </a:r>
-          </a:p>
-          <a:p>
-            <a:r>
-              <a:rPr lang="en-US" dirty="0" smtClean="0">
-                <a:solidFill>
-                  <a:schemeClr val="tx1"/>
-                </a:solidFill>
-                <a:latin typeface="Andale Mono"/>
-                <a:cs typeface="Andale Mono"/>
-              </a:rPr>
-              <a:t> </a:t>
-            </a:r>
-          </a:p>
-          <a:p>
-            <a:r>
-              <a:rPr lang="en-US" dirty="0" err="1" smtClean="0">
-                <a:solidFill>
-                  <a:schemeClr val="tx1"/>
-                </a:solidFill>
-                <a:latin typeface="Andale Mono"/>
-                <a:cs typeface="Andale Mono"/>
-              </a:rPr>
-              <a:t>UCL_Texture</a:t>
-            </a:r>
-            <a:r>
-              <a:rPr lang="en-US" dirty="0" smtClean="0">
-                <a:solidFill>
-                  <a:schemeClr val="tx1"/>
-                </a:solidFill>
-                <a:latin typeface="Andale Mono"/>
-                <a:cs typeface="Andale Mono"/>
-              </a:rPr>
-              <a:t> </a:t>
-            </a:r>
-            <a:r>
-              <a:rPr lang="en-US" dirty="0" err="1" smtClean="0">
-                <a:solidFill>
-                  <a:schemeClr val="tx1"/>
-                </a:solidFill>
-                <a:latin typeface="Andale Mono"/>
-                <a:cs typeface="Andale Mono"/>
-              </a:rPr>
-              <a:t>my_tex(tex</a:t>
-            </a:r>
-            <a:r>
-              <a:rPr lang="en-US" dirty="0" smtClean="0">
-                <a:solidFill>
-                  <a:schemeClr val="tx1"/>
-                </a:solidFill>
-                <a:latin typeface="Andale Mono"/>
-                <a:cs typeface="Andale Mono"/>
-              </a:rPr>
-              <a:t>);</a:t>
-            </a:r>
-          </a:p>
-          <a:p>
-            <a:r>
-              <a:rPr lang="en-US" i="1" dirty="0" smtClean="0">
-                <a:solidFill>
-                  <a:srgbClr val="0000FF"/>
-                </a:solidFill>
-                <a:latin typeface="Andale Mono"/>
-                <a:cs typeface="Andale Mono"/>
-              </a:rPr>
-              <a:t>// -- or –</a:t>
-            </a:r>
-            <a:endParaRPr lang="en-US" dirty="0" smtClean="0">
-              <a:solidFill>
-                <a:schemeClr val="tx1"/>
-              </a:solidFill>
-              <a:latin typeface="Andale Mono"/>
-              <a:cs typeface="Andale Mono"/>
-            </a:endParaRPr>
-          </a:p>
-          <a:p>
-            <a:r>
-              <a:rPr lang="en-US" dirty="0" err="1" smtClean="0">
-                <a:solidFill>
-                  <a:schemeClr val="tx1"/>
-                </a:solidFill>
-                <a:latin typeface="Andale Mono"/>
-                <a:cs typeface="Andale Mono"/>
-              </a:rPr>
-              <a:t>UCL_Texture</a:t>
-            </a:r>
-            <a:r>
-              <a:rPr lang="en-US" dirty="0" smtClean="0">
-                <a:solidFill>
-                  <a:schemeClr val="tx1"/>
-                </a:solidFill>
-                <a:latin typeface="Andale Mono"/>
-                <a:cs typeface="Andale Mono"/>
-              </a:rPr>
-              <a:t> </a:t>
-            </a:r>
-            <a:r>
-              <a:rPr lang="en-US" dirty="0" err="1" smtClean="0">
-                <a:solidFill>
-                  <a:schemeClr val="tx1"/>
-                </a:solidFill>
-                <a:latin typeface="Andale Mono"/>
-                <a:cs typeface="Andale Mono"/>
-              </a:rPr>
-              <a:t>my_tex</a:t>
-            </a:r>
-            <a:r>
-              <a:rPr lang="en-US" dirty="0" smtClean="0">
-                <a:solidFill>
-                  <a:schemeClr val="tx1"/>
-                </a:solidFill>
-                <a:latin typeface="Andale Mono"/>
-                <a:cs typeface="Andale Mono"/>
-              </a:rPr>
-              <a:t>;</a:t>
-            </a:r>
-          </a:p>
-          <a:p>
-            <a:r>
-              <a:rPr lang="en-US" dirty="0" err="1" smtClean="0">
-                <a:solidFill>
-                  <a:schemeClr val="tx1"/>
-                </a:solidFill>
-                <a:latin typeface="Andale Mono"/>
-                <a:cs typeface="Andale Mono"/>
-              </a:rPr>
-              <a:t>my_tex.get_texture(tex</a:t>
-            </a:r>
-            <a:r>
-              <a:rPr lang="en-US" dirty="0" smtClean="0">
-                <a:solidFill>
-                  <a:schemeClr val="tx1"/>
-                </a:solidFill>
-                <a:latin typeface="Andale Mono"/>
-                <a:cs typeface="Andale Mono"/>
-              </a:rPr>
-              <a:t>);</a:t>
-            </a:r>
           </a:p>
         </p:txBody>
       </p:sp>
@@ -22334,6 +21947,616 @@
             <p:ph type="title"/>
           </p:nvPr>
         </p:nvSpPr>
+        <p:spPr>
+          <a:xfrm>
+            <a:off x="914400" y="277797"/>
+            <a:ext cx="7772400" cy="792605"/>
+          </a:xfrm>
+        </p:spPr>
+        <p:txBody>
+          <a:bodyPr/>
+          <a:lstStyle/>
+          <a:p>
+            <a:r>
+              <a:rPr lang="en-US" dirty="0" smtClean="0"/>
+              <a:t>Assigning a texture reference</a:t>
+            </a:r>
+            <a:endParaRPr lang="en-US" dirty="0"/>
+          </a:p>
+        </p:txBody>
+      </p:sp>
+      <p:sp>
+        <p:nvSpPr>
+          <p:cNvPr id="3" name="Content Placeholder 2"/>
+          <p:cNvSpPr>
+            <a:spLocks noGrp="1"/>
+          </p:cNvSpPr>
+          <p:nvPr>
+            <p:ph sz="quarter" idx="1"/>
+          </p:nvPr>
+        </p:nvSpPr>
+        <p:spPr>
+          <a:xfrm>
+            <a:off x="914400" y="1090644"/>
+            <a:ext cx="7772400" cy="576116"/>
+          </a:xfrm>
+        </p:spPr>
+        <p:txBody>
+          <a:bodyPr/>
+          <a:lstStyle/>
+          <a:p>
+            <a:r>
+              <a:rPr lang="en-US" dirty="0" smtClean="0"/>
+              <a:t>CUDA Driver/</a:t>
+            </a:r>
+            <a:r>
+              <a:rPr lang="en-US" dirty="0" err="1" smtClean="0"/>
+              <a:t>OpenCL</a:t>
+            </a:r>
+            <a:endParaRPr lang="en-US" dirty="0" smtClean="0"/>
+          </a:p>
+        </p:txBody>
+      </p:sp>
+      <p:sp>
+        <p:nvSpPr>
+          <p:cNvPr id="4" name="TextBox 3"/>
+          <p:cNvSpPr txBox="1"/>
+          <p:nvPr/>
+        </p:nvSpPr>
+        <p:spPr>
+          <a:xfrm>
+            <a:off x="914400" y="1656842"/>
+            <a:ext cx="6854217" cy="2031325"/>
+          </a:xfrm>
+          <a:prstGeom prst="rect">
+            <a:avLst/>
+          </a:prstGeom>
+        </p:spPr>
+        <p:style>
+          <a:lnRef idx="2">
+            <a:schemeClr val="accent5"/>
+          </a:lnRef>
+          <a:fillRef idx="1">
+            <a:schemeClr val="lt1"/>
+          </a:fillRef>
+          <a:effectRef idx="0">
+            <a:schemeClr val="accent5"/>
+          </a:effectRef>
+          <a:fontRef idx="minor">
+            <a:schemeClr val="dk1"/>
+          </a:fontRef>
+        </p:style>
+        <p:txBody>
+          <a:bodyPr wrap="square" rtlCol="0">
+            <a:spAutoFit/>
+          </a:bodyPr>
+          <a:lstStyle/>
+          <a:p>
+            <a:r>
+              <a:rPr lang="en-US" dirty="0" smtClean="0">
+                <a:solidFill>
+                  <a:schemeClr val="tx1"/>
+                </a:solidFill>
+                <a:latin typeface="Andale Mono"/>
+                <a:cs typeface="Andale Mono"/>
+              </a:rPr>
+              <a:t>#include “</a:t>
+            </a:r>
+            <a:r>
+              <a:rPr lang="en-US" dirty="0" err="1" smtClean="0">
+                <a:solidFill>
+                  <a:schemeClr val="tx1"/>
+                </a:solidFill>
+                <a:latin typeface="Andale Mono"/>
+                <a:cs typeface="Andale Mono"/>
+              </a:rPr>
+              <a:t>nvd_texture.h</a:t>
+            </a:r>
+            <a:r>
+              <a:rPr lang="en-US" dirty="0" smtClean="0">
+                <a:solidFill>
+                  <a:schemeClr val="tx1"/>
+                </a:solidFill>
+                <a:latin typeface="Andale Mono"/>
+                <a:cs typeface="Andale Mono"/>
+              </a:rPr>
+              <a:t>”</a:t>
+            </a:r>
+          </a:p>
+          <a:p>
+            <a:endParaRPr lang="en-US" i="1" dirty="0" smtClean="0">
+              <a:solidFill>
+                <a:srgbClr val="0000FF"/>
+              </a:solidFill>
+              <a:latin typeface="Andale Mono"/>
+              <a:cs typeface="Andale Mono"/>
+            </a:endParaRPr>
+          </a:p>
+          <a:p>
+            <a:r>
+              <a:rPr lang="en-US" i="1" dirty="0" smtClean="0">
+                <a:solidFill>
+                  <a:srgbClr val="0000FF"/>
+                </a:solidFill>
+                <a:latin typeface="Andale Mono"/>
+                <a:cs typeface="Andale Mono"/>
+              </a:rPr>
+              <a:t>// Texture must be defined within a Program</a:t>
+            </a:r>
+          </a:p>
+          <a:p>
+            <a:r>
+              <a:rPr lang="en-US" dirty="0" err="1" smtClean="0">
+                <a:solidFill>
+                  <a:schemeClr val="tx1"/>
+                </a:solidFill>
+                <a:latin typeface="Andale Mono"/>
+                <a:cs typeface="Andale Mono"/>
+              </a:rPr>
+              <a:t>UCL_Texture</a:t>
+            </a:r>
+            <a:r>
+              <a:rPr lang="en-US" dirty="0" smtClean="0">
+                <a:solidFill>
+                  <a:schemeClr val="tx1"/>
+                </a:solidFill>
+                <a:latin typeface="Andale Mono"/>
+                <a:cs typeface="Andale Mono"/>
+              </a:rPr>
+              <a:t> </a:t>
+            </a:r>
+            <a:r>
+              <a:rPr lang="en-US" dirty="0" err="1" smtClean="0">
+                <a:solidFill>
+                  <a:schemeClr val="tx1"/>
+                </a:solidFill>
+                <a:latin typeface="Andale Mono"/>
+                <a:cs typeface="Andale Mono"/>
+              </a:rPr>
+              <a:t>my_tex(my_program,”texture_name</a:t>
+            </a:r>
+            <a:r>
+              <a:rPr lang="en-US" dirty="0" smtClean="0">
+                <a:solidFill>
+                  <a:schemeClr val="tx1"/>
+                </a:solidFill>
+                <a:latin typeface="Andale Mono"/>
+                <a:cs typeface="Andale Mono"/>
+              </a:rPr>
+              <a:t>”);</a:t>
+            </a:r>
+          </a:p>
+          <a:p>
+            <a:r>
+              <a:rPr lang="en-US" i="1" dirty="0" smtClean="0">
+                <a:solidFill>
+                  <a:srgbClr val="0000FF"/>
+                </a:solidFill>
+                <a:latin typeface="Andale Mono"/>
+                <a:cs typeface="Andale Mono"/>
+              </a:rPr>
+              <a:t>// -- or –</a:t>
+            </a:r>
+            <a:endParaRPr lang="en-US" dirty="0" smtClean="0">
+              <a:solidFill>
+                <a:schemeClr val="tx1"/>
+              </a:solidFill>
+              <a:latin typeface="Andale Mono"/>
+              <a:cs typeface="Andale Mono"/>
+            </a:endParaRPr>
+          </a:p>
+          <a:p>
+            <a:r>
+              <a:rPr lang="en-US" dirty="0" err="1" smtClean="0">
+                <a:solidFill>
+                  <a:schemeClr val="tx1"/>
+                </a:solidFill>
+                <a:latin typeface="Andale Mono"/>
+                <a:cs typeface="Andale Mono"/>
+              </a:rPr>
+              <a:t>UCL_Texture</a:t>
+            </a:r>
+            <a:r>
+              <a:rPr lang="en-US" dirty="0" smtClean="0">
+                <a:solidFill>
+                  <a:schemeClr val="tx1"/>
+                </a:solidFill>
+                <a:latin typeface="Andale Mono"/>
+                <a:cs typeface="Andale Mono"/>
+              </a:rPr>
+              <a:t> </a:t>
+            </a:r>
+            <a:r>
+              <a:rPr lang="en-US" dirty="0" err="1" smtClean="0">
+                <a:solidFill>
+                  <a:schemeClr val="tx1"/>
+                </a:solidFill>
+                <a:latin typeface="Andale Mono"/>
+                <a:cs typeface="Andale Mono"/>
+              </a:rPr>
+              <a:t>my_tex</a:t>
+            </a:r>
+            <a:r>
+              <a:rPr lang="en-US" dirty="0" smtClean="0">
+                <a:solidFill>
+                  <a:schemeClr val="tx1"/>
+                </a:solidFill>
+                <a:latin typeface="Andale Mono"/>
+                <a:cs typeface="Andale Mono"/>
+              </a:rPr>
+              <a:t>;</a:t>
+            </a:r>
+          </a:p>
+          <a:p>
+            <a:r>
+              <a:rPr lang="en-US" dirty="0" err="1" smtClean="0">
+                <a:solidFill>
+                  <a:schemeClr val="tx1"/>
+                </a:solidFill>
+                <a:latin typeface="Andale Mono"/>
+                <a:cs typeface="Andale Mono"/>
+              </a:rPr>
+              <a:t>my_tex.get_texture(my_program,”texture_name</a:t>
+            </a:r>
+            <a:r>
+              <a:rPr lang="en-US" dirty="0" smtClean="0">
+                <a:solidFill>
+                  <a:schemeClr val="tx1"/>
+                </a:solidFill>
+                <a:latin typeface="Andale Mono"/>
+                <a:cs typeface="Andale Mono"/>
+              </a:rPr>
+              <a:t>”);</a:t>
+            </a:r>
+          </a:p>
+        </p:txBody>
+      </p:sp>
+      <p:sp>
+        <p:nvSpPr>
+          <p:cNvPr id="5" name="Content Placeholder 2"/>
+          <p:cNvSpPr txBox="1">
+            <a:spLocks/>
+          </p:cNvSpPr>
+          <p:nvPr/>
+        </p:nvSpPr>
+        <p:spPr>
+          <a:xfrm>
+            <a:off x="1066800" y="3739597"/>
+            <a:ext cx="7772400" cy="576116"/>
+          </a:xfrm>
+          <a:prstGeom prst="rect">
+            <a:avLst/>
+          </a:prstGeom>
+        </p:spPr>
+        <p:txBody>
+          <a:bodyPr vert="horz">
+            <a:normAutofit/>
+          </a:bodyPr>
+          <a:lstStyle/>
+          <a:p>
+            <a:pPr marL="274320" marR="0" lvl="0" indent="-274320" algn="l" defTabSz="914400" rtl="0" eaLnBrk="1" fontAlgn="auto" latinLnBrk="0" hangingPunct="1">
+              <a:lnSpc>
+                <a:spcPct val="100000"/>
+              </a:lnSpc>
+              <a:spcBef>
+                <a:spcPts val="580"/>
+              </a:spcBef>
+              <a:spcAft>
+                <a:spcPts val="0"/>
+              </a:spcAft>
+              <a:buClr>
+                <a:schemeClr val="accent1"/>
+              </a:buClr>
+              <a:buSzPct val="85000"/>
+              <a:buFont typeface="Wingdings 2"/>
+              <a:buChar char=""/>
+              <a:tabLst/>
+              <a:defRPr/>
+            </a:pPr>
+            <a:r>
+              <a:rPr kumimoji="0" lang="en-US" sz="2600" b="0" i="0" u="none" strike="noStrike" kern="1200" cap="none" spc="0" normalizeH="0" baseline="0" noProof="0" dirty="0" smtClean="0">
+                <a:ln>
+                  <a:noFill/>
+                </a:ln>
+                <a:solidFill>
+                  <a:schemeClr val="tx1"/>
+                </a:solidFill>
+                <a:effectLst/>
+                <a:uLnTx/>
+                <a:uFillTx/>
+                <a:latin typeface="+mn-lt"/>
+                <a:ea typeface="+mn-ea"/>
+                <a:cs typeface="+mn-cs"/>
+              </a:rPr>
+              <a:t>CUDA Runtime</a:t>
+            </a:r>
+          </a:p>
+        </p:txBody>
+      </p:sp>
+      <p:sp>
+        <p:nvSpPr>
+          <p:cNvPr id="6" name="TextBox 5"/>
+          <p:cNvSpPr txBox="1"/>
+          <p:nvPr/>
+        </p:nvSpPr>
+        <p:spPr>
+          <a:xfrm>
+            <a:off x="962498" y="4315714"/>
+            <a:ext cx="6806119" cy="2308324"/>
+          </a:xfrm>
+          <a:prstGeom prst="rect">
+            <a:avLst/>
+          </a:prstGeom>
+        </p:spPr>
+        <p:style>
+          <a:lnRef idx="2">
+            <a:schemeClr val="accent5"/>
+          </a:lnRef>
+          <a:fillRef idx="1">
+            <a:schemeClr val="lt1"/>
+          </a:fillRef>
+          <a:effectRef idx="0">
+            <a:schemeClr val="accent5"/>
+          </a:effectRef>
+          <a:fontRef idx="minor">
+            <a:schemeClr val="dk1"/>
+          </a:fontRef>
+        </p:style>
+        <p:txBody>
+          <a:bodyPr wrap="square" rtlCol="0">
+            <a:spAutoFit/>
+          </a:bodyPr>
+          <a:lstStyle/>
+          <a:p>
+            <a:r>
+              <a:rPr lang="en-US" dirty="0" smtClean="0">
+                <a:solidFill>
+                  <a:schemeClr val="tx1"/>
+                </a:solidFill>
+                <a:latin typeface="Andale Mono"/>
+                <a:cs typeface="Andale Mono"/>
+              </a:rPr>
+              <a:t>#include “</a:t>
+            </a:r>
+            <a:r>
+              <a:rPr lang="en-US" dirty="0" err="1" smtClean="0">
+                <a:solidFill>
+                  <a:schemeClr val="tx1"/>
+                </a:solidFill>
+                <a:latin typeface="Andale Mono"/>
+                <a:cs typeface="Andale Mono"/>
+              </a:rPr>
+              <a:t>nvc_texture.h</a:t>
+            </a:r>
+            <a:r>
+              <a:rPr lang="en-US" dirty="0" smtClean="0">
+                <a:solidFill>
+                  <a:schemeClr val="tx1"/>
+                </a:solidFill>
+                <a:latin typeface="Andale Mono"/>
+                <a:cs typeface="Andale Mono"/>
+              </a:rPr>
+              <a:t>”</a:t>
+            </a:r>
+          </a:p>
+          <a:p>
+            <a:r>
+              <a:rPr lang="en-US" i="1" dirty="0" smtClean="0">
+                <a:solidFill>
+                  <a:srgbClr val="0000FF"/>
+                </a:solidFill>
+                <a:latin typeface="Andale Mono"/>
+                <a:cs typeface="Andale Mono"/>
+              </a:rPr>
+              <a:t>// Texture must be defined within same file</a:t>
+            </a:r>
+          </a:p>
+          <a:p>
+            <a:r>
+              <a:rPr lang="en-US" dirty="0" smtClean="0">
+                <a:solidFill>
+                  <a:schemeClr val="tx1"/>
+                </a:solidFill>
+                <a:latin typeface="Andale Mono"/>
+                <a:cs typeface="Andale Mono"/>
+              </a:rPr>
+              <a:t>texture&lt;float2&gt; </a:t>
+            </a:r>
+            <a:r>
+              <a:rPr lang="en-US" dirty="0" err="1" smtClean="0">
+                <a:solidFill>
+                  <a:schemeClr val="tx1"/>
+                </a:solidFill>
+                <a:latin typeface="Andale Mono"/>
+                <a:cs typeface="Andale Mono"/>
+              </a:rPr>
+              <a:t>tex</a:t>
+            </a:r>
+            <a:r>
+              <a:rPr lang="en-US" dirty="0" smtClean="0">
+                <a:solidFill>
+                  <a:schemeClr val="tx1"/>
+                </a:solidFill>
+                <a:latin typeface="Andale Mono"/>
+                <a:cs typeface="Andale Mono"/>
+              </a:rPr>
+              <a:t>;</a:t>
+            </a:r>
+          </a:p>
+          <a:p>
+            <a:r>
+              <a:rPr lang="en-US" dirty="0" smtClean="0">
+                <a:solidFill>
+                  <a:schemeClr val="tx1"/>
+                </a:solidFill>
+                <a:latin typeface="Andale Mono"/>
+                <a:cs typeface="Andale Mono"/>
+              </a:rPr>
+              <a:t> </a:t>
+            </a:r>
+          </a:p>
+          <a:p>
+            <a:r>
+              <a:rPr lang="en-US" dirty="0" err="1" smtClean="0">
+                <a:solidFill>
+                  <a:schemeClr val="tx1"/>
+                </a:solidFill>
+                <a:latin typeface="Andale Mono"/>
+                <a:cs typeface="Andale Mono"/>
+              </a:rPr>
+              <a:t>UCL_Texture</a:t>
+            </a:r>
+            <a:r>
+              <a:rPr lang="en-US" dirty="0" smtClean="0">
+                <a:solidFill>
+                  <a:schemeClr val="tx1"/>
+                </a:solidFill>
+                <a:latin typeface="Andale Mono"/>
+                <a:cs typeface="Andale Mono"/>
+              </a:rPr>
+              <a:t> </a:t>
+            </a:r>
+            <a:r>
+              <a:rPr lang="en-US" dirty="0" err="1" smtClean="0">
+                <a:solidFill>
+                  <a:schemeClr val="tx1"/>
+                </a:solidFill>
+                <a:latin typeface="Andale Mono"/>
+                <a:cs typeface="Andale Mono"/>
+              </a:rPr>
+              <a:t>my_tex(tex</a:t>
+            </a:r>
+            <a:r>
+              <a:rPr lang="en-US" dirty="0" smtClean="0">
+                <a:solidFill>
+                  <a:schemeClr val="tx1"/>
+                </a:solidFill>
+                <a:latin typeface="Andale Mono"/>
+                <a:cs typeface="Andale Mono"/>
+              </a:rPr>
+              <a:t>);</a:t>
+            </a:r>
+          </a:p>
+          <a:p>
+            <a:r>
+              <a:rPr lang="en-US" i="1" dirty="0" smtClean="0">
+                <a:solidFill>
+                  <a:srgbClr val="0000FF"/>
+                </a:solidFill>
+                <a:latin typeface="Andale Mono"/>
+                <a:cs typeface="Andale Mono"/>
+              </a:rPr>
+              <a:t>// -- or –</a:t>
+            </a:r>
+            <a:endParaRPr lang="en-US" dirty="0" smtClean="0">
+              <a:solidFill>
+                <a:schemeClr val="tx1"/>
+              </a:solidFill>
+              <a:latin typeface="Andale Mono"/>
+              <a:cs typeface="Andale Mono"/>
+            </a:endParaRPr>
+          </a:p>
+          <a:p>
+            <a:r>
+              <a:rPr lang="en-US" dirty="0" err="1" smtClean="0">
+                <a:solidFill>
+                  <a:schemeClr val="tx1"/>
+                </a:solidFill>
+                <a:latin typeface="Andale Mono"/>
+                <a:cs typeface="Andale Mono"/>
+              </a:rPr>
+              <a:t>UCL_Texture</a:t>
+            </a:r>
+            <a:r>
+              <a:rPr lang="en-US" dirty="0" smtClean="0">
+                <a:solidFill>
+                  <a:schemeClr val="tx1"/>
+                </a:solidFill>
+                <a:latin typeface="Andale Mono"/>
+                <a:cs typeface="Andale Mono"/>
+              </a:rPr>
+              <a:t> </a:t>
+            </a:r>
+            <a:r>
+              <a:rPr lang="en-US" dirty="0" err="1" smtClean="0">
+                <a:solidFill>
+                  <a:schemeClr val="tx1"/>
+                </a:solidFill>
+                <a:latin typeface="Andale Mono"/>
+                <a:cs typeface="Andale Mono"/>
+              </a:rPr>
+              <a:t>my_tex</a:t>
+            </a:r>
+            <a:r>
+              <a:rPr lang="en-US" dirty="0" smtClean="0">
+                <a:solidFill>
+                  <a:schemeClr val="tx1"/>
+                </a:solidFill>
+                <a:latin typeface="Andale Mono"/>
+                <a:cs typeface="Andale Mono"/>
+              </a:rPr>
+              <a:t>;</a:t>
+            </a:r>
+          </a:p>
+          <a:p>
+            <a:r>
+              <a:rPr lang="en-US" dirty="0" err="1" smtClean="0">
+                <a:solidFill>
+                  <a:schemeClr val="tx1"/>
+                </a:solidFill>
+                <a:latin typeface="Andale Mono"/>
+                <a:cs typeface="Andale Mono"/>
+              </a:rPr>
+              <a:t>my_tex.get_texture(tex</a:t>
+            </a:r>
+            <a:r>
+              <a:rPr lang="en-US" dirty="0" smtClean="0">
+                <a:solidFill>
+                  <a:schemeClr val="tx1"/>
+                </a:solidFill>
+                <a:latin typeface="Andale Mono"/>
+                <a:cs typeface="Andale Mono"/>
+              </a:rPr>
+              <a:t>);</a:t>
+            </a:r>
+          </a:p>
+        </p:txBody>
+      </p:sp>
+    </p:spTree>
+  </p:cSld>
+  <p:clrMapOvr>
+    <a:masterClrMapping/>
+  </p:clrMapOvr>
+</p:sld>
+</file>
+
+<file path=ppt/slides/slide66.xml><?xml version="1.0" encoding="utf-8"?>
+<p:sld xmlns:a="http://schemas.openxmlformats.org/drawingml/2006/main" xmlns:r="http://schemas.openxmlformats.org/officeDocument/2006/relationships" xmlns:p="http://schemas.openxmlformats.org/presentationml/2006/main">
+  <p:cSld>
+    <p:spTree>
+      <p:nvGrpSpPr>
+        <p:cNvPr id="1" name=""/>
+        <p:cNvGrpSpPr/>
+        <p:nvPr/>
+      </p:nvGrpSpPr>
+      <p:grpSpPr>
+        <a:xfrm>
+          <a:off x="0" y="0"/>
+          <a:ext cx="0" cy="0"/>
+          <a:chOff x="0" y="0"/>
+          <a:chExt cx="0" cy="0"/>
+        </a:xfrm>
+      </p:grpSpPr>
+      <p:sp>
+        <p:nvSpPr>
+          <p:cNvPr id="2" name="Title 1"/>
+          <p:cNvSpPr>
+            <a:spLocks noGrp="1"/>
+          </p:cNvSpPr>
+          <p:nvPr>
+            <p:ph type="title"/>
+          </p:nvPr>
+        </p:nvSpPr>
         <p:spPr/>
         <p:txBody>
           <a:bodyPr/>
@@ -22514,7 +22737,7 @@
 </p:sld>
 </file>
 
-<file path=ppt/slides/slide66.xml><?xml version="1.0" encoding="utf-8"?>
+<file path=ppt/slides/slide67.xml><?xml version="1.0" encoding="utf-8"?>
 <p:sld xmlns:a="http://schemas.openxmlformats.org/drawingml/2006/main" xmlns:r="http://schemas.openxmlformats.org/officeDocument/2006/relationships" xmlns:p="http://schemas.openxmlformats.org/presentationml/2006/main">
   <p:cSld>
     <p:spTree>
@@ -22592,7 +22815,7 @@
 </p:sld>
 </file>
 
-<file path=ppt/slides/slide67.xml><?xml version="1.0" encoding="utf-8"?>
+<file path=ppt/slides/slide68.xml><?xml version="1.0" encoding="utf-8"?>
 <p:sld xmlns:a="http://schemas.openxmlformats.org/drawingml/2006/main" xmlns:r="http://schemas.openxmlformats.org/officeDocument/2006/relationships" xmlns:p="http://schemas.openxmlformats.org/presentationml/2006/main">
   <p:cSld>
     <p:spTree>

--- a/geryon.pptx
+++ b/geryon.pptx
@@ -380,7 +380,7 @@
             <a:fld id="{9F85648D-267C-4F54-90B5-C36298A60516}" type="datetimeFigureOut">
               <a:rPr lang="en-US" smtClean="0"/>
               <a:pPr/>
-              <a:t>5/15/12</a:t>
+              <a:t>5/16/12</a:t>
             </a:fld>
             <a:endParaRPr lang="en-US"/>
           </a:p>
@@ -735,7 +735,7 @@
             <a:fld id="{B99FC8A4-244F-0044-8098-5FFBFA181F2A}" type="datetimeFigureOut">
               <a:rPr lang="en-US" smtClean="0"/>
               <a:pPr/>
-              <a:t>5/15/12</a:t>
+              <a:t>5/16/12</a:t>
             </a:fld>
             <a:endParaRPr lang="en-US"/>
           </a:p>
@@ -912,7 +912,7 @@
             <a:fld id="{B99FC8A4-244F-0044-8098-5FFBFA181F2A}" type="datetimeFigureOut">
               <a:rPr lang="en-US" smtClean="0"/>
               <a:pPr/>
-              <a:t>5/15/12</a:t>
+              <a:t>5/16/12</a:t>
             </a:fld>
             <a:endParaRPr lang="en-US"/>
           </a:p>
@@ -1027,7 +1027,7 @@
             <a:fld id="{B99FC8A4-244F-0044-8098-5FFBFA181F2A}" type="datetimeFigureOut">
               <a:rPr lang="en-US" smtClean="0"/>
               <a:pPr/>
-              <a:t>5/15/12</a:t>
+              <a:t>5/16/12</a:t>
             </a:fld>
             <a:endParaRPr lang="en-US"/>
           </a:p>
@@ -1387,7 +1387,7 @@
             <a:fld id="{74CBEAF9-9E58-4CC8-A6FF-6DD8A58DEEA4}" type="datetimeFigureOut">
               <a:rPr lang="en-US" smtClean="0"/>
               <a:pPr/>
-              <a:t>5/15/12</a:t>
+              <a:t>5/16/12</a:t>
             </a:fld>
             <a:endParaRPr lang="en-US"/>
           </a:p>
@@ -1654,7 +1654,7 @@
             <a:fld id="{B99FC8A4-244F-0044-8098-5FFBFA181F2A}" type="datetimeFigureOut">
               <a:rPr lang="en-US" smtClean="0"/>
               <a:pPr/>
-              <a:t>5/15/12</a:t>
+              <a:t>5/16/12</a:t>
             </a:fld>
             <a:endParaRPr lang="en-US"/>
           </a:p>
@@ -2018,7 +2018,7 @@
             <a:fld id="{B99FC8A4-244F-0044-8098-5FFBFA181F2A}" type="datetimeFigureOut">
               <a:rPr lang="en-US" smtClean="0"/>
               <a:pPr/>
-              <a:t>5/15/12</a:t>
+              <a:t>5/16/12</a:t>
             </a:fld>
             <a:endParaRPr lang="en-US"/>
           </a:p>
@@ -2247,7 +2247,7 @@
             <a:fld id="{B99FC8A4-244F-0044-8098-5FFBFA181F2A}" type="datetimeFigureOut">
               <a:rPr lang="en-US" smtClean="0"/>
               <a:pPr/>
-              <a:t>5/15/12</a:t>
+              <a:t>5/16/12</a:t>
             </a:fld>
             <a:endParaRPr lang="en-US"/>
           </a:p>
@@ -2339,7 +2339,7 @@
             <a:fld id="{B99FC8A4-244F-0044-8098-5FFBFA181F2A}" type="datetimeFigureOut">
               <a:rPr lang="en-US" smtClean="0"/>
               <a:pPr/>
-              <a:t>5/15/12</a:t>
+              <a:t>5/16/12</a:t>
             </a:fld>
             <a:endParaRPr lang="en-US"/>
           </a:p>
@@ -2608,7 +2608,7 @@
             <a:fld id="{B99FC8A4-244F-0044-8098-5FFBFA181F2A}" type="datetimeFigureOut">
               <a:rPr lang="en-US" smtClean="0"/>
               <a:pPr/>
-              <a:t>5/15/12</a:t>
+              <a:t>5/16/12</a:t>
             </a:fld>
             <a:endParaRPr lang="en-US"/>
           </a:p>
@@ -2838,7 +2838,7 @@
             <a:fld id="{B99FC8A4-244F-0044-8098-5FFBFA181F2A}" type="datetimeFigureOut">
               <a:rPr lang="en-US" smtClean="0"/>
               <a:pPr/>
-              <a:t>5/15/12</a:t>
+              <a:t>5/16/12</a:t>
             </a:fld>
             <a:endParaRPr lang="en-US"/>
           </a:p>
@@ -3339,7 +3339,7 @@
             <a:fld id="{B99FC8A4-244F-0044-8098-5FFBFA181F2A}" type="datetimeFigureOut">
               <a:rPr lang="en-US" smtClean="0"/>
               <a:pPr/>
-              <a:t>5/15/12</a:t>
+              <a:t>5/16/12</a:t>
             </a:fld>
             <a:endParaRPr lang="en-US"/>
           </a:p>
@@ -3847,7 +3847,7 @@
             <a:fld id="{B78C6173-A124-044B-A6DC-2740D4C46ECF}" type="datetime1">
               <a:rPr lang="en-US" sz="1200" i="0" smtClean="0"/>
               <a:pPr algn="r"/>
-              <a:t>5/15/12</a:t>
+              <a:t>5/16/12</a:t>
             </a:fld>
             <a:endParaRPr lang="en-US" sz="1200" dirty="0"/>
           </a:p>
@@ -6373,15 +6373,7 @@
                       </a:pPr>
                       <a:r>
                         <a:rPr lang="en-US" baseline="0" dirty="0" smtClean="0"/>
-                        <a:t>Very limited host compiler choice (GNU</a:t>
-                      </a:r>
-                      <a:r>
-                        <a:rPr lang="en-US" baseline="0" dirty="0" smtClean="0"/>
-                        <a:t>/Intel/Visual </a:t>
-                      </a:r>
-                      <a:r>
-                        <a:rPr lang="en-US" baseline="0" dirty="0" smtClean="0"/>
-                        <a:t>Studio)</a:t>
+                        <a:t>Very limited host compiler choice (GNU/Intel/Visual Studio)</a:t>
                       </a:r>
                     </a:p>
                     <a:p>
@@ -14604,8 +14596,21 @@
             <a:pPr lvl="1"/>
             <a:r>
               <a:rPr lang="en-US" dirty="0" smtClean="0"/>
-              <a:t>When the device is a CPU or shares memory with the host and the same type is used on the host and device (e.g. double), a single allocation is used and all copies/synchronizations are ignored</a:t>
-            </a:r>
+              <a:t>When the device is a CPU or shares memory with the </a:t>
+            </a:r>
+            <a:r>
+              <a:rPr lang="en-US" dirty="0" smtClean="0"/>
+              <a:t>host, </a:t>
+            </a:r>
+            <a:r>
+              <a:rPr lang="en-US" dirty="0" smtClean="0"/>
+              <a:t>a single allocation is used and all copies/synchronizations are </a:t>
+            </a:r>
+            <a:r>
+              <a:rPr lang="en-US" dirty="0" smtClean="0"/>
+              <a:t>ignored (type casting can still require another allocation of a separate buffer)</a:t>
+            </a:r>
+            <a:endParaRPr lang="en-US" dirty="0" smtClean="0"/>
           </a:p>
           <a:p>
             <a:pPr lvl="1"/>
@@ -17548,8 +17553,34 @@
           <a:p>
             <a:r>
               <a:rPr lang="en-US" dirty="0" smtClean="0"/>
-              <a:t>The zero() member function zeros the memory on the host and the device.</a:t>
-            </a:r>
+              <a:t>The zero() member function zeros the memory on the host and the device</a:t>
+            </a:r>
+            <a:r>
+              <a:rPr lang="en-US" dirty="0" smtClean="0"/>
+              <a:t>.</a:t>
+            </a:r>
+          </a:p>
+          <a:p>
+            <a:r>
+              <a:rPr lang="en-US" dirty="0" smtClean="0"/>
+              <a:t>Pointers to S-Objects can be passed as arguments to kernels.</a:t>
+            </a:r>
+          </a:p>
+          <a:p>
+            <a:pPr lvl="1"/>
+            <a:r>
+              <a:rPr lang="en-US" dirty="0" smtClean="0"/>
+              <a:t>Same as passing &amp;</a:t>
+            </a:r>
+            <a:r>
+              <a:rPr lang="en-US" dirty="0" err="1" smtClean="0"/>
+              <a:t>mat.device.begin</a:t>
+            </a:r>
+            <a:r>
+              <a:rPr lang="en-US" dirty="0" smtClean="0"/>
+              <a:t>()</a:t>
+            </a:r>
+            <a:endParaRPr lang="en-US" dirty="0" smtClean="0"/>
           </a:p>
         </p:txBody>
       </p:sp>
@@ -19212,8 +19243,10 @@
                 <a:latin typeface="Andale Mono"/>
                 <a:cs typeface="Andale Mono"/>
               </a:rPr>
-              <a:t>&lt;double&gt; a(6,</a:t>
-            </a:r>
+              <a:t>&lt;double&gt; a(6,dev), b(6,dev); </a:t>
+            </a:r>
+          </a:p>
+          <a:p>
             <a:r>
               <a:rPr lang="en-US" sz="1200" dirty="0" smtClean="0">
                 <a:solidFill>
@@ -19222,7 +19255,17 @@
                 <a:latin typeface="Andale Mono"/>
                 <a:cs typeface="Andale Mono"/>
               </a:rPr>
-              <a:t>dev)</a:t>
+              <a:t>  </a:t>
+            </a:r>
+            <a:r>
+              <a:rPr lang="en-US" sz="1200" dirty="0" err="1" smtClean="0">
+                <a:solidFill>
+                  <a:srgbClr val="000000"/>
+                </a:solidFill>
+                <a:latin typeface="Andale Mono"/>
+                <a:cs typeface="Andale Mono"/>
+              </a:rPr>
+              <a:t>UCL_D_Vec</a:t>
             </a:r>
             <a:r>
               <a:rPr lang="en-US" sz="1200" dirty="0" smtClean="0">
@@ -19232,8 +19275,10 @@
                 <a:latin typeface="Andale Mono"/>
                 <a:cs typeface="Andale Mono"/>
               </a:rPr>
-              <a:t>, b(6,</a:t>
-            </a:r>
+              <a:t>&lt;float&gt; dev_a(6,dev), dev_b(6,dev);</a:t>
+            </a:r>
+          </a:p>
+          <a:p>
             <a:r>
               <a:rPr lang="en-US" sz="1200" dirty="0" smtClean="0">
                 <a:solidFill>
@@ -19242,7 +19287,17 @@
                 <a:latin typeface="Andale Mono"/>
                 <a:cs typeface="Andale Mono"/>
               </a:rPr>
-              <a:t>dev)</a:t>
+              <a:t>  </a:t>
+            </a:r>
+            <a:r>
+              <a:rPr lang="en-US" sz="1200" dirty="0" err="1" smtClean="0">
+                <a:solidFill>
+                  <a:srgbClr val="000000"/>
+                </a:solidFill>
+                <a:latin typeface="Andale Mono"/>
+                <a:cs typeface="Andale Mono"/>
+              </a:rPr>
+              <a:t>UCL_D_Vec</a:t>
             </a:r>
             <a:r>
               <a:rPr lang="en-US" sz="1200" dirty="0" smtClean="0">
@@ -19252,131 +19307,7 @@
                 <a:latin typeface="Andale Mono"/>
                 <a:cs typeface="Andale Mono"/>
               </a:rPr>
-              <a:t>; </a:t>
-            </a:r>
-          </a:p>
-          <a:p>
-            <a:r>
-              <a:rPr lang="en-US" sz="1200" dirty="0" smtClean="0">
-                <a:solidFill>
-                  <a:srgbClr val="000000"/>
-                </a:solidFill>
-                <a:latin typeface="Andale Mono"/>
-                <a:cs typeface="Andale Mono"/>
-              </a:rPr>
-              <a:t>  </a:t>
-            </a:r>
-            <a:r>
-              <a:rPr lang="en-US" sz="1200" dirty="0" err="1" smtClean="0">
-                <a:solidFill>
-                  <a:srgbClr val="000000"/>
-                </a:solidFill>
-                <a:latin typeface="Andale Mono"/>
-                <a:cs typeface="Andale Mono"/>
-              </a:rPr>
-              <a:t>UCL_D_Vec</a:t>
-            </a:r>
-            <a:r>
-              <a:rPr lang="en-US" sz="1200" dirty="0" smtClean="0">
-                <a:solidFill>
-                  <a:srgbClr val="000000"/>
-                </a:solidFill>
-                <a:latin typeface="Andale Mono"/>
-                <a:cs typeface="Andale Mono"/>
-              </a:rPr>
-              <a:t>&lt;float&gt; dev_a(6,</a:t>
-            </a:r>
-            <a:r>
-              <a:rPr lang="en-US" sz="1200" dirty="0" smtClean="0">
-                <a:solidFill>
-                  <a:srgbClr val="000000"/>
-                </a:solidFill>
-                <a:latin typeface="Andale Mono"/>
-                <a:cs typeface="Andale Mono"/>
-              </a:rPr>
-              <a:t>dev)</a:t>
-            </a:r>
-            <a:r>
-              <a:rPr lang="en-US" sz="1200" dirty="0" smtClean="0">
-                <a:solidFill>
-                  <a:srgbClr val="000000"/>
-                </a:solidFill>
-                <a:latin typeface="Andale Mono"/>
-                <a:cs typeface="Andale Mono"/>
-              </a:rPr>
-              <a:t>, dev_b(6,</a:t>
-            </a:r>
-            <a:r>
-              <a:rPr lang="en-US" sz="1200" dirty="0" smtClean="0">
-                <a:solidFill>
-                  <a:srgbClr val="000000"/>
-                </a:solidFill>
-                <a:latin typeface="Andale Mono"/>
-                <a:cs typeface="Andale Mono"/>
-              </a:rPr>
-              <a:t>dev)</a:t>
-            </a:r>
-            <a:r>
-              <a:rPr lang="en-US" sz="1200" dirty="0" smtClean="0">
-                <a:solidFill>
-                  <a:srgbClr val="000000"/>
-                </a:solidFill>
-                <a:latin typeface="Andale Mono"/>
-                <a:cs typeface="Andale Mono"/>
-              </a:rPr>
-              <a:t>;</a:t>
-            </a:r>
-          </a:p>
-          <a:p>
-            <a:r>
-              <a:rPr lang="en-US" sz="1200" dirty="0" smtClean="0">
-                <a:solidFill>
-                  <a:srgbClr val="000000"/>
-                </a:solidFill>
-                <a:latin typeface="Andale Mono"/>
-                <a:cs typeface="Andale Mono"/>
-              </a:rPr>
-              <a:t>  </a:t>
-            </a:r>
-            <a:r>
-              <a:rPr lang="en-US" sz="1200" dirty="0" err="1" smtClean="0">
-                <a:solidFill>
-                  <a:srgbClr val="000000"/>
-                </a:solidFill>
-                <a:latin typeface="Andale Mono"/>
-                <a:cs typeface="Andale Mono"/>
-              </a:rPr>
-              <a:t>UCL_D_Vec</a:t>
-            </a:r>
-            <a:r>
-              <a:rPr lang="en-US" sz="1200" dirty="0" smtClean="0">
-                <a:solidFill>
-                  <a:srgbClr val="000000"/>
-                </a:solidFill>
-                <a:latin typeface="Andale Mono"/>
-                <a:cs typeface="Andale Mono"/>
-              </a:rPr>
-              <a:t>&lt;float&gt; answer(6,</a:t>
-            </a:r>
-            <a:r>
-              <a:rPr lang="en-US" sz="1200" dirty="0" smtClean="0">
-                <a:solidFill>
-                  <a:srgbClr val="000000"/>
-                </a:solidFill>
-                <a:latin typeface="Andale Mono"/>
-                <a:cs typeface="Andale Mono"/>
-              </a:rPr>
-              <a:t>dev)</a:t>
-            </a:r>
-            <a:r>
-              <a:rPr lang="en-US" sz="1200" dirty="0" smtClean="0">
-                <a:solidFill>
-                  <a:srgbClr val="000000"/>
-                </a:solidFill>
-                <a:latin typeface="Andale Mono"/>
-                <a:cs typeface="Andale Mono"/>
-              </a:rPr>
-              <a:t>;</a:t>
+              <a:t>&lt;float&gt; answer(6,dev);</a:t>
             </a:r>
           </a:p>
           <a:p>
@@ -20183,11 +20114,7 @@
           <a:p>
             <a:r>
               <a:rPr lang="en-US" dirty="0" smtClean="0"/>
-              <a:t>Vector Add </a:t>
-            </a:r>
-            <a:r>
-              <a:rPr lang="en-US" dirty="0" smtClean="0"/>
-              <a:t>Example using S-objects</a:t>
+              <a:t>Vector Add Example using S-objects</a:t>
             </a:r>
             <a:endParaRPr lang="en-US" dirty="0"/>
           </a:p>
@@ -20624,27 +20551,7 @@
                 <a:latin typeface="Andale Mono"/>
                 <a:cs typeface="Andale Mono"/>
               </a:rPr>
-              <a:t>&lt;float&gt; answer(6,</a:t>
-            </a:r>
-            <a:r>
-              <a:rPr lang="en-US" sz="1200" dirty="0" smtClean="0">
-                <a:solidFill>
-                  <a:srgbClr val="000000"/>
-                </a:solidFill>
-                <a:latin typeface="Andale Mono"/>
-                <a:cs typeface="Andale Mono"/>
-              </a:rPr>
-              <a:t>dev)</a:t>
-            </a:r>
-            <a:r>
-              <a:rPr lang="en-US" sz="1200" dirty="0" smtClean="0">
-                <a:solidFill>
-                  <a:srgbClr val="000000"/>
-                </a:solidFill>
-                <a:latin typeface="Andale Mono"/>
-                <a:cs typeface="Andale Mono"/>
-              </a:rPr>
-              <a:t>;</a:t>
+              <a:t>&lt;float&gt; answer(6,dev);</a:t>
             </a:r>
           </a:p>
           <a:p>
@@ -20958,7 +20865,19 @@
                 <a:latin typeface="Andale Mono"/>
                 <a:cs typeface="Andale Mono"/>
               </a:rPr>
-              <a:t>()</a:t>
+              <a:t>();</a:t>
+            </a:r>
+          </a:p>
+          <a:p>
+            <a:r>
+              <a:rPr lang="en-US" sz="1200" dirty="0">
+                <a:solidFill>
+                  <a:srgbClr val="000000"/>
+                </a:solidFill>
+                <a:latin typeface="Andale Mono"/>
+                <a:cs typeface="Andale Mono"/>
+              </a:rPr>
+              <a:t> </a:t>
             </a:r>
             <a:r>
               <a:rPr lang="en-US" sz="1200" dirty="0" smtClean="0">
@@ -20968,7 +20887,27 @@
                 <a:latin typeface="Andale Mono"/>
                 <a:cs typeface="Andale Mono"/>
               </a:rPr>
-              <a:t>;</a:t>
+              <a:t> </a:t>
+            </a:r>
+            <a:r>
+              <a:rPr lang="en-US" sz="1200" dirty="0" err="1" smtClean="0">
+                <a:solidFill>
+                  <a:srgbClr val="000000"/>
+                </a:solidFill>
+                <a:latin typeface="Andale Mono"/>
+                <a:cs typeface="Andale Mono"/>
+              </a:rPr>
+              <a:t>a.update_device</a:t>
+            </a:r>
+            <a:r>
+              <a:rPr lang="en-US" sz="1200" dirty="0" smtClean="0">
+                <a:solidFill>
+                  <a:srgbClr val="000000"/>
+                </a:solidFill>
+                <a:latin typeface="Andale Mono"/>
+                <a:cs typeface="Andale Mono"/>
+              </a:rPr>
+              <a:t>();</a:t>
             </a:r>
           </a:p>
           <a:p>
@@ -21000,7 +20939,7 @@
                 <a:latin typeface="Andale Mono"/>
                 <a:cs typeface="Andale Mono"/>
               </a:rPr>
-              <a:t>a.update_device</a:t>
+              <a:t>b.update_device</a:t>
             </a:r>
             <a:r>
               <a:rPr lang="en-US" sz="1200" dirty="0" smtClean="0">
@@ -21015,16 +20954,6 @@
           </a:p>
           <a:p>
             <a:r>
-              <a:rPr lang="en-US" sz="1200" dirty="0">
-                <a:solidFill>
-                  <a:srgbClr val="000000"/>
-                </a:solidFill>
-                <a:latin typeface="Andale Mono"/>
-                <a:cs typeface="Andale Mono"/>
-              </a:rPr>
-              <a:t> </a:t>
-            </a:r>
-            <a:r>
               <a:rPr lang="en-US" sz="1200" dirty="0" smtClean="0">
                 <a:solidFill>
                   <a:srgbClr val="000000"/>
@@ -21032,7 +20961,7 @@
                 <a:latin typeface="Andale Mono"/>
                 <a:cs typeface="Andale Mono"/>
               </a:rPr>
-              <a:t> </a:t>
+              <a:t>  </a:t>
             </a:r>
             <a:r>
               <a:rPr lang="en-US" sz="1200" dirty="0" err="1" smtClean="0">
@@ -21042,7 +20971,7 @@
                 <a:latin typeface="Andale Mono"/>
                 <a:cs typeface="Andale Mono"/>
               </a:rPr>
-              <a:t>b.update_device</a:t>
+              <a:t>timer_com.stop</a:t>
             </a:r>
             <a:r>
               <a:rPr lang="en-US" sz="1200" dirty="0" smtClean="0">
@@ -21054,6 +20983,8 @@
               </a:rPr>
               <a:t>();</a:t>
             </a:r>
+          </a:p>
+          <a:p>
             <a:endParaRPr lang="en-US" sz="1200" dirty="0" smtClean="0">
               <a:solidFill>
                 <a:srgbClr val="000000"/>
@@ -21081,7 +21012,7 @@
                 <a:latin typeface="Andale Mono"/>
                 <a:cs typeface="Andale Mono"/>
               </a:rPr>
-              <a:t>timer_com.stop</a:t>
+              <a:t>timer_kernel.start</a:t>
             </a:r>
             <a:r>
               <a:rPr lang="en-US" sz="1200" dirty="0" smtClean="0">
@@ -21095,117 +21026,33 @@
             </a:r>
           </a:p>
           <a:p>
-            <a:endParaRPr lang="en-US" sz="1200" dirty="0" smtClean="0">
+            <a:r>
+              <a:rPr lang="en-US" sz="1200" i="1" dirty="0" smtClean="0">
+                <a:solidFill>
+                  <a:srgbClr val="0000FF"/>
+                </a:solidFill>
+                <a:latin typeface="Andale Mono"/>
+                <a:cs typeface="Andale Mono"/>
+              </a:rPr>
+              <a:t>  // Call kernel here with </a:t>
+            </a:r>
+            <a:r>
+              <a:rPr lang="en-US" sz="1200" i="1" dirty="0" smtClean="0">
+                <a:solidFill>
+                  <a:srgbClr val="0000FF"/>
+                </a:solidFill>
+                <a:latin typeface="Andale Mono"/>
+                <a:cs typeface="Andale Mono"/>
+              </a:rPr>
+              <a:t>a, b, and answer</a:t>
+            </a:r>
+            <a:endParaRPr lang="en-US" sz="1200" i="1" dirty="0" smtClean="0">
               <a:solidFill>
-                <a:srgbClr val="000000"/>
+                <a:srgbClr val="0000FF"/>
               </a:solidFill>
               <a:latin typeface="Andale Mono"/>
               <a:cs typeface="Andale Mono"/>
             </a:endParaRPr>
-          </a:p>
-          <a:p>
-            <a:r>
-              <a:rPr lang="en-US" sz="1200" dirty="0" smtClean="0">
-                <a:solidFill>
-                  <a:srgbClr val="000000"/>
-                </a:solidFill>
-                <a:latin typeface="Andale Mono"/>
-                <a:cs typeface="Andale Mono"/>
-              </a:rPr>
-              <a:t>  </a:t>
-            </a:r>
-            <a:r>
-              <a:rPr lang="en-US" sz="1200" dirty="0" err="1" smtClean="0">
-                <a:solidFill>
-                  <a:srgbClr val="000000"/>
-                </a:solidFill>
-                <a:latin typeface="Andale Mono"/>
-                <a:cs typeface="Andale Mono"/>
-              </a:rPr>
-              <a:t>timer_kernel.start</a:t>
-            </a:r>
-            <a:r>
-              <a:rPr lang="en-US" sz="1200" dirty="0" smtClean="0">
-                <a:solidFill>
-                  <a:srgbClr val="000000"/>
-                </a:solidFill>
-                <a:latin typeface="Andale Mono"/>
-                <a:cs typeface="Andale Mono"/>
-              </a:rPr>
-              <a:t>();</a:t>
-            </a:r>
-          </a:p>
-          <a:p>
-            <a:r>
-              <a:rPr lang="en-US" sz="1200" i="1" dirty="0" smtClean="0">
-                <a:solidFill>
-                  <a:srgbClr val="0000FF"/>
-                </a:solidFill>
-                <a:latin typeface="Andale Mono"/>
-                <a:cs typeface="Andale Mono"/>
-              </a:rPr>
-              <a:t>  // Call kernel here with </a:t>
-            </a:r>
-            <a:r>
-              <a:rPr lang="en-US" sz="1200" i="1" dirty="0" err="1" smtClean="0">
-                <a:solidFill>
-                  <a:srgbClr val="0000FF"/>
-                </a:solidFill>
-                <a:latin typeface="Andale Mono"/>
-                <a:cs typeface="Andale Mono"/>
-              </a:rPr>
-              <a:t>dev_a.begin</a:t>
-            </a:r>
-            <a:r>
-              <a:rPr lang="en-US" sz="1200" i="1" dirty="0" smtClean="0">
-                <a:solidFill>
-                  <a:srgbClr val="0000FF"/>
-                </a:solidFill>
-                <a:latin typeface="Andale Mono"/>
-                <a:cs typeface="Andale Mono"/>
-              </a:rPr>
-              <a:t>(), </a:t>
-            </a:r>
-            <a:r>
-              <a:rPr lang="en-US" sz="1200" i="1" dirty="0" err="1" smtClean="0">
-                <a:solidFill>
-                  <a:srgbClr val="0000FF"/>
-                </a:solidFill>
-                <a:latin typeface="Andale Mono"/>
-                <a:cs typeface="Andale Mono"/>
-              </a:rPr>
-              <a:t>dev_b.begin</a:t>
-            </a:r>
-            <a:r>
-              <a:rPr lang="en-US" sz="1200" i="1" dirty="0" smtClean="0">
-                <a:solidFill>
-                  <a:srgbClr val="0000FF"/>
-                </a:solidFill>
-                <a:latin typeface="Andale Mono"/>
-                <a:cs typeface="Andale Mono"/>
-              </a:rPr>
-              <a:t>(), </a:t>
-            </a:r>
-            <a:r>
-              <a:rPr lang="en-US" sz="1200" i="1" dirty="0" err="1" smtClean="0">
-                <a:solidFill>
-                  <a:srgbClr val="0000FF"/>
-                </a:solidFill>
-                <a:latin typeface="Andale Mono"/>
-                <a:cs typeface="Andale Mono"/>
-              </a:rPr>
-              <a:t>answer.begin</a:t>
-            </a:r>
-            <a:r>
-              <a:rPr lang="en-US" sz="1200" i="1" dirty="0" smtClean="0">
-                <a:solidFill>
-                  <a:srgbClr val="0000FF"/>
-                </a:solidFill>
-                <a:latin typeface="Andale Mono"/>
-                <a:cs typeface="Andale Mono"/>
-              </a:rPr>
-              <a:t>()</a:t>
-            </a:r>
           </a:p>
           <a:p>
             <a:r>
@@ -23297,17 +23144,7 @@
                 <a:latin typeface="Andale Mono"/>
                 <a:cs typeface="Andale Mono"/>
               </a:rPr>
-              <a:t>())</a:t>
-            </a:r>
-            <a:r>
-              <a:rPr lang="en-US" dirty="0" smtClean="0">
-                <a:solidFill>
-                  <a:srgbClr val="000000"/>
-                </a:solidFill>
-                <a:latin typeface="Andale Mono"/>
-                <a:cs typeface="Andale Mono"/>
-              </a:rPr>
-              <a:t>;</a:t>
+              <a:t>());</a:t>
             </a:r>
           </a:p>
           <a:p>
@@ -25438,17 +25275,8 @@
               <a:rPr lang="en-US" dirty="0" smtClean="0">
                 <a:cs typeface="Courier New"/>
               </a:rPr>
-              <a:t>S-objects handle this automatically (no device </a:t>
-            </a:r>
-            <a:r>
-              <a:rPr lang="en-US" dirty="0" smtClean="0">
-                <a:cs typeface="Courier New"/>
-              </a:rPr>
-              <a:t>allocations if possible)</a:t>
-            </a:r>
-            <a:endParaRPr lang="en-US" dirty="0" smtClean="0">
-              <a:cs typeface="Courier New"/>
-            </a:endParaRPr>
+              <a:t>S-objects handle this automatically (no device allocations if possible)</a:t>
+            </a:r>
           </a:p>
           <a:p>
             <a:r>
